--- a/Nuxcorr_slides.pptx
+++ b/Nuxcorr_slides.pptx
@@ -267,7 +267,7 @@
           <a:p>
             <a:fld id="{89BEC780-7FB0-064C-8FCE-5A7DA95073A3}" type="datetimeFigureOut">
               <a:rPr lang="en-US" smtClean="0"/>
-              <a:t>8/12/22</a:t>
+              <a:t>8/15/22</a:t>
             </a:fld>
             <a:endParaRPr lang="en-US"/>
           </a:p>
@@ -467,7 +467,7 @@
           <a:p>
             <a:fld id="{89BEC780-7FB0-064C-8FCE-5A7DA95073A3}" type="datetimeFigureOut">
               <a:rPr lang="en-US" smtClean="0"/>
-              <a:t>8/12/22</a:t>
+              <a:t>8/15/22</a:t>
             </a:fld>
             <a:endParaRPr lang="en-US"/>
           </a:p>
@@ -677,7 +677,7 @@
           <a:p>
             <a:fld id="{89BEC780-7FB0-064C-8FCE-5A7DA95073A3}" type="datetimeFigureOut">
               <a:rPr lang="en-US" smtClean="0"/>
-              <a:t>8/12/22</a:t>
+              <a:t>8/15/22</a:t>
             </a:fld>
             <a:endParaRPr lang="en-US"/>
           </a:p>
@@ -877,7 +877,7 @@
           <a:p>
             <a:fld id="{89BEC780-7FB0-064C-8FCE-5A7DA95073A3}" type="datetimeFigureOut">
               <a:rPr lang="en-US" smtClean="0"/>
-              <a:t>8/12/22</a:t>
+              <a:t>8/15/22</a:t>
             </a:fld>
             <a:endParaRPr lang="en-US"/>
           </a:p>
@@ -1153,7 +1153,7 @@
           <a:p>
             <a:fld id="{89BEC780-7FB0-064C-8FCE-5A7DA95073A3}" type="datetimeFigureOut">
               <a:rPr lang="en-US" smtClean="0"/>
-              <a:t>8/12/22</a:t>
+              <a:t>8/15/22</a:t>
             </a:fld>
             <a:endParaRPr lang="en-US"/>
           </a:p>
@@ -1421,7 +1421,7 @@
           <a:p>
             <a:fld id="{89BEC780-7FB0-064C-8FCE-5A7DA95073A3}" type="datetimeFigureOut">
               <a:rPr lang="en-US" smtClean="0"/>
-              <a:t>8/12/22</a:t>
+              <a:t>8/15/22</a:t>
             </a:fld>
             <a:endParaRPr lang="en-US"/>
           </a:p>
@@ -1836,7 +1836,7 @@
           <a:p>
             <a:fld id="{89BEC780-7FB0-064C-8FCE-5A7DA95073A3}" type="datetimeFigureOut">
               <a:rPr lang="en-US" smtClean="0"/>
-              <a:t>8/12/22</a:t>
+              <a:t>8/15/22</a:t>
             </a:fld>
             <a:endParaRPr lang="en-US"/>
           </a:p>
@@ -1978,7 +1978,7 @@
           <a:p>
             <a:fld id="{89BEC780-7FB0-064C-8FCE-5A7DA95073A3}" type="datetimeFigureOut">
               <a:rPr lang="en-US" smtClean="0"/>
-              <a:t>8/12/22</a:t>
+              <a:t>8/15/22</a:t>
             </a:fld>
             <a:endParaRPr lang="en-US"/>
           </a:p>
@@ -2091,7 +2091,7 @@
           <a:p>
             <a:fld id="{89BEC780-7FB0-064C-8FCE-5A7DA95073A3}" type="datetimeFigureOut">
               <a:rPr lang="en-US" smtClean="0"/>
-              <a:t>8/12/22</a:t>
+              <a:t>8/15/22</a:t>
             </a:fld>
             <a:endParaRPr lang="en-US"/>
           </a:p>
@@ -2404,7 +2404,7 @@
           <a:p>
             <a:fld id="{89BEC780-7FB0-064C-8FCE-5A7DA95073A3}" type="datetimeFigureOut">
               <a:rPr lang="en-US" smtClean="0"/>
-              <a:t>8/12/22</a:t>
+              <a:t>8/15/22</a:t>
             </a:fld>
             <a:endParaRPr lang="en-US"/>
           </a:p>
@@ -2693,7 +2693,7 @@
           <a:p>
             <a:fld id="{89BEC780-7FB0-064C-8FCE-5A7DA95073A3}" type="datetimeFigureOut">
               <a:rPr lang="en-US" smtClean="0"/>
-              <a:t>8/12/22</a:t>
+              <a:t>8/15/22</a:t>
             </a:fld>
             <a:endParaRPr lang="en-US"/>
           </a:p>
@@ -2942,7 +2942,7 @@
           <a:p>
             <a:fld id="{89BEC780-7FB0-064C-8FCE-5A7DA95073A3}" type="datetimeFigureOut">
               <a:rPr lang="en-US" smtClean="0"/>
-              <a:t>8/12/22</a:t>
+              <a:t>8/15/22</a:t>
             </a:fld>
             <a:endParaRPr lang="en-US"/>
           </a:p>
@@ -5361,13 +5361,13 @@
         </p:nvPicPr>
         <p:blipFill rotWithShape="1">
           <a:blip r:embed="rId3"/>
-          <a:srcRect l="27494" t="59925" r="25266" b="33933"/>
+          <a:srcRect l="28040" t="61184" r="26074" b="34859"/>
           <a:stretch/>
         </p:blipFill>
         <p:spPr>
           <a:xfrm>
-            <a:off x="2797897" y="1442735"/>
-            <a:ext cx="6596205" cy="1213725"/>
+            <a:off x="3191669" y="1707809"/>
+            <a:ext cx="5808662" cy="708784"/>
           </a:xfrm>
           <a:prstGeom prst="rect">
             <a:avLst/>
@@ -5480,7 +5480,7 @@
         </p:nvSpPr>
         <p:spPr>
           <a:xfrm>
-            <a:off x="2418271" y="3558464"/>
+            <a:off x="7151882" y="3456730"/>
             <a:ext cx="2188933" cy="369332"/>
           </a:xfrm>
           <a:prstGeom prst="rect">
@@ -5515,7 +5515,7 @@
         </p:nvSpPr>
         <p:spPr>
           <a:xfrm>
-            <a:off x="6948857" y="3558464"/>
+            <a:off x="2588556" y="3499675"/>
             <a:ext cx="2291461" cy="369332"/>
           </a:xfrm>
           <a:prstGeom prst="rect">
@@ -5550,7 +5550,7 @@
         </p:nvSpPr>
         <p:spPr>
           <a:xfrm>
-            <a:off x="3190514" y="4087510"/>
+            <a:off x="3464148" y="4045543"/>
             <a:ext cx="644449" cy="1062681"/>
           </a:xfrm>
           <a:prstGeom prst="downArrow">
@@ -5596,7 +5596,7 @@
         </p:nvSpPr>
         <p:spPr>
           <a:xfrm>
-            <a:off x="7924125" y="4087510"/>
+            <a:off x="7852881" y="4047698"/>
             <a:ext cx="644449" cy="1062681"/>
           </a:xfrm>
           <a:prstGeom prst="downArrow">
@@ -5642,7 +5642,7 @@
         </p:nvSpPr>
         <p:spPr>
           <a:xfrm>
-            <a:off x="2418271" y="5291303"/>
+            <a:off x="7155052" y="5216188"/>
             <a:ext cx="2188933" cy="923330"/>
           </a:xfrm>
           <a:prstGeom prst="rect">
@@ -5677,7 +5677,7 @@
         </p:nvSpPr>
         <p:spPr>
           <a:xfrm>
-            <a:off x="6946606" y="5251056"/>
+            <a:off x="2639819" y="5175693"/>
             <a:ext cx="2188933" cy="923330"/>
           </a:xfrm>
           <a:prstGeom prst="rect">
@@ -5719,7 +5719,7 @@
         </p:blipFill>
         <p:spPr>
           <a:xfrm>
-            <a:off x="3464148" y="5594802"/>
+            <a:off x="8298434" y="5537360"/>
             <a:ext cx="540279" cy="774540"/>
           </a:xfrm>
           <a:prstGeom prst="rect">
@@ -5748,7 +5748,7 @@
         </p:blipFill>
         <p:spPr>
           <a:xfrm>
-            <a:off x="8287282" y="5677853"/>
+            <a:off x="4040619" y="5620311"/>
             <a:ext cx="311347" cy="529046"/>
           </a:xfrm>
           <a:prstGeom prst="rect">
@@ -6239,7 +6239,7 @@
         <p:spPr>
           <a:xfrm>
             <a:off x="2678715" y="1445908"/>
-            <a:ext cx="6834569" cy="5122221"/>
+            <a:ext cx="6834569" cy="5122220"/>
           </a:xfrm>
         </p:spPr>
       </p:pic>

--- a/Nuxcorr_slides.pptx
+++ b/Nuxcorr_slides.pptx
@@ -5,13 +5,24 @@
     <p:sldMasterId id="2147483648" r:id="rId1"/>
   </p:sldMasterIdLst>
   <p:sldIdLst>
-    <p:sldId id="256" r:id="rId2"/>
-    <p:sldId id="259" r:id="rId3"/>
-    <p:sldId id="257" r:id="rId4"/>
-    <p:sldId id="258" r:id="rId5"/>
-    <p:sldId id="260" r:id="rId6"/>
-    <p:sldId id="261" r:id="rId7"/>
-    <p:sldId id="262" r:id="rId8"/>
+    <p:sldId id="266" r:id="rId2"/>
+    <p:sldId id="263" r:id="rId3"/>
+    <p:sldId id="264" r:id="rId4"/>
+    <p:sldId id="265" r:id="rId5"/>
+    <p:sldId id="256" r:id="rId6"/>
+    <p:sldId id="259" r:id="rId7"/>
+    <p:sldId id="257" r:id="rId8"/>
+    <p:sldId id="258" r:id="rId9"/>
+    <p:sldId id="260" r:id="rId10"/>
+    <p:sldId id="261" r:id="rId11"/>
+    <p:sldId id="262" r:id="rId12"/>
+    <p:sldId id="267" r:id="rId13"/>
+    <p:sldId id="275" r:id="rId14"/>
+    <p:sldId id="269" r:id="rId15"/>
+    <p:sldId id="273" r:id="rId16"/>
+    <p:sldId id="270" r:id="rId17"/>
+    <p:sldId id="274" r:id="rId18"/>
+    <p:sldId id="272" r:id="rId19"/>
   </p:sldIdLst>
   <p:sldSz cx="12192000" cy="6858000"/>
   <p:notesSz cx="6858000" cy="9144000"/>
@@ -267,7 +278,7 @@
           <a:p>
             <a:fld id="{89BEC780-7FB0-064C-8FCE-5A7DA95073A3}" type="datetimeFigureOut">
               <a:rPr lang="en-US" smtClean="0"/>
-              <a:t>8/15/22</a:t>
+              <a:t>8/17/22</a:t>
             </a:fld>
             <a:endParaRPr lang="en-US"/>
           </a:p>
@@ -467,7 +478,7 @@
           <a:p>
             <a:fld id="{89BEC780-7FB0-064C-8FCE-5A7DA95073A3}" type="datetimeFigureOut">
               <a:rPr lang="en-US" smtClean="0"/>
-              <a:t>8/15/22</a:t>
+              <a:t>8/17/22</a:t>
             </a:fld>
             <a:endParaRPr lang="en-US"/>
           </a:p>
@@ -677,7 +688,7 @@
           <a:p>
             <a:fld id="{89BEC780-7FB0-064C-8FCE-5A7DA95073A3}" type="datetimeFigureOut">
               <a:rPr lang="en-US" smtClean="0"/>
-              <a:t>8/15/22</a:t>
+              <a:t>8/17/22</a:t>
             </a:fld>
             <a:endParaRPr lang="en-US"/>
           </a:p>
@@ -877,7 +888,7 @@
           <a:p>
             <a:fld id="{89BEC780-7FB0-064C-8FCE-5A7DA95073A3}" type="datetimeFigureOut">
               <a:rPr lang="en-US" smtClean="0"/>
-              <a:t>8/15/22</a:t>
+              <a:t>8/17/22</a:t>
             </a:fld>
             <a:endParaRPr lang="en-US"/>
           </a:p>
@@ -1153,7 +1164,7 @@
           <a:p>
             <a:fld id="{89BEC780-7FB0-064C-8FCE-5A7DA95073A3}" type="datetimeFigureOut">
               <a:rPr lang="en-US" smtClean="0"/>
-              <a:t>8/15/22</a:t>
+              <a:t>8/17/22</a:t>
             </a:fld>
             <a:endParaRPr lang="en-US"/>
           </a:p>
@@ -1421,7 +1432,7 @@
           <a:p>
             <a:fld id="{89BEC780-7FB0-064C-8FCE-5A7DA95073A3}" type="datetimeFigureOut">
               <a:rPr lang="en-US" smtClean="0"/>
-              <a:t>8/15/22</a:t>
+              <a:t>8/17/22</a:t>
             </a:fld>
             <a:endParaRPr lang="en-US"/>
           </a:p>
@@ -1836,7 +1847,7 @@
           <a:p>
             <a:fld id="{89BEC780-7FB0-064C-8FCE-5A7DA95073A3}" type="datetimeFigureOut">
               <a:rPr lang="en-US" smtClean="0"/>
-              <a:t>8/15/22</a:t>
+              <a:t>8/17/22</a:t>
             </a:fld>
             <a:endParaRPr lang="en-US"/>
           </a:p>
@@ -1978,7 +1989,7 @@
           <a:p>
             <a:fld id="{89BEC780-7FB0-064C-8FCE-5A7DA95073A3}" type="datetimeFigureOut">
               <a:rPr lang="en-US" smtClean="0"/>
-              <a:t>8/15/22</a:t>
+              <a:t>8/17/22</a:t>
             </a:fld>
             <a:endParaRPr lang="en-US"/>
           </a:p>
@@ -2091,7 +2102,7 @@
           <a:p>
             <a:fld id="{89BEC780-7FB0-064C-8FCE-5A7DA95073A3}" type="datetimeFigureOut">
               <a:rPr lang="en-US" smtClean="0"/>
-              <a:t>8/15/22</a:t>
+              <a:t>8/17/22</a:t>
             </a:fld>
             <a:endParaRPr lang="en-US"/>
           </a:p>
@@ -2404,7 +2415,7 @@
           <a:p>
             <a:fld id="{89BEC780-7FB0-064C-8FCE-5A7DA95073A3}" type="datetimeFigureOut">
               <a:rPr lang="en-US" smtClean="0"/>
-              <a:t>8/15/22</a:t>
+              <a:t>8/17/22</a:t>
             </a:fld>
             <a:endParaRPr lang="en-US"/>
           </a:p>
@@ -2693,7 +2704,7 @@
           <a:p>
             <a:fld id="{89BEC780-7FB0-064C-8FCE-5A7DA95073A3}" type="datetimeFigureOut">
               <a:rPr lang="en-US" smtClean="0"/>
-              <a:t>8/15/22</a:t>
+              <a:t>8/17/22</a:t>
             </a:fld>
             <a:endParaRPr lang="en-US"/>
           </a:p>
@@ -2942,7 +2953,7 @@
           <a:p>
             <a:fld id="{89BEC780-7FB0-064C-8FCE-5A7DA95073A3}" type="datetimeFigureOut">
               <a:rPr lang="en-US" smtClean="0"/>
-              <a:t>8/15/22</a:t>
+              <a:t>8/17/22</a:t>
             </a:fld>
             <a:endParaRPr lang="en-US"/>
           </a:p>
@@ -3359,86 +3370,88 @@
           <a:chExt cx="0" cy="0"/>
         </a:xfrm>
       </p:grpSpPr>
-      <p:pic>
-        <p:nvPicPr>
-          <p:cNvPr id="5" name="Picture 4">
-            <a:extLst>
-              <a:ext uri="{FF2B5EF4-FFF2-40B4-BE49-F238E27FC236}">
-                <a16:creationId xmlns:a16="http://schemas.microsoft.com/office/drawing/2014/main" id="{1946050F-6574-50AA-EA4F-7A822F0B348A}"/>
-              </a:ext>
-            </a:extLst>
-          </p:cNvPr>
-          <p:cNvPicPr>
-            <a:picLocks noChangeAspect="1"/>
-          </p:cNvPicPr>
-          <p:nvPr/>
-        </p:nvPicPr>
-        <p:blipFill>
-          <a:blip r:embed="rId2"/>
-          <a:srcRect/>
-          <a:stretch/>
-        </p:blipFill>
-        <p:spPr>
-          <a:xfrm>
-            <a:off x="-1135949" y="1050326"/>
-            <a:ext cx="14463898" cy="5424616"/>
-          </a:xfrm>
-          <a:prstGeom prst="rect">
-            <a:avLst/>
-          </a:prstGeom>
-        </p:spPr>
-      </p:pic>
-      <p:sp>
-        <p:nvSpPr>
-          <p:cNvPr id="8" name="Title 1">
-            <a:extLst>
-              <a:ext uri="{FF2B5EF4-FFF2-40B4-BE49-F238E27FC236}">
-                <a16:creationId xmlns:a16="http://schemas.microsoft.com/office/drawing/2014/main" id="{3EB72C19-F6F3-B739-BAC4-F38D8C3BF7F9}"/>
+      <p:sp>
+        <p:nvSpPr>
+          <p:cNvPr id="4" name="Title 3">
+            <a:extLst>
+              <a:ext uri="{FF2B5EF4-FFF2-40B4-BE49-F238E27FC236}">
+                <a16:creationId xmlns:a16="http://schemas.microsoft.com/office/drawing/2014/main" id="{B9476A1D-888A-9848-CCB3-F6120345DD12}"/>
               </a:ext>
             </a:extLst>
           </p:cNvPr>
           <p:cNvSpPr>
             <a:spLocks noGrp="1"/>
           </p:cNvSpPr>
-          <p:nvPr/>
+          <p:nvPr>
+            <p:ph type="ctrTitle"/>
+          </p:nvPr>
         </p:nvSpPr>
         <p:spPr>
           <a:xfrm>
-            <a:off x="838200" y="183656"/>
-            <a:ext cx="10515600" cy="1325563"/>
-          </a:xfrm>
-          <a:prstGeom prst="rect">
-            <a:avLst/>
-          </a:prstGeom>
-        </p:spPr>
-        <p:txBody>
-          <a:bodyPr vert="horz" lIns="91440" tIns="45720" rIns="91440" bIns="45720" rtlCol="0" anchor="ctr">
+            <a:off x="1524000" y="342758"/>
+            <a:ext cx="9144000" cy="2387600"/>
+          </a:xfrm>
+        </p:spPr>
+        <p:txBody>
+          <a:bodyPr/>
+          <a:lstStyle/>
+          <a:p>
+            <a:r>
+              <a:rPr lang="en-US" dirty="0"/>
+              <a:t>Neutrino Cross-correlations</a:t>
+            </a:r>
+          </a:p>
+        </p:txBody>
+      </p:sp>
+      <p:sp>
+        <p:nvSpPr>
+          <p:cNvPr id="5" name="Subtitle 4">
+            <a:extLst>
+              <a:ext uri="{FF2B5EF4-FFF2-40B4-BE49-F238E27FC236}">
+                <a16:creationId xmlns:a16="http://schemas.microsoft.com/office/drawing/2014/main" id="{3715FE02-2DB9-8846-3EE4-6885B4479F37}"/>
+              </a:ext>
+            </a:extLst>
+          </p:cNvPr>
+          <p:cNvSpPr>
+            <a:spLocks noGrp="1"/>
+          </p:cNvSpPr>
+          <p:nvPr>
+            <p:ph type="subTitle" idx="1"/>
+          </p:nvPr>
+        </p:nvSpPr>
+        <p:spPr>
+          <a:xfrm>
+            <a:off x="1524000" y="2903396"/>
+            <a:ext cx="9144000" cy="3343292"/>
+          </a:xfrm>
+        </p:spPr>
+        <p:txBody>
+          <a:bodyPr>
             <a:normAutofit/>
           </a:bodyPr>
-          <a:lstStyle>
-            <a:lvl1pPr algn="l" defTabSz="914400" rtl="0" eaLnBrk="1" latinLnBrk="0" hangingPunct="1">
-              <a:lnSpc>
-                <a:spcPct val="90000"/>
-              </a:lnSpc>
-              <a:spcBef>
-                <a:spcPct val="0"/>
-              </a:spcBef>
-              <a:buNone/>
-              <a:defRPr sz="4400" kern="1200">
-                <a:solidFill>
-                  <a:schemeClr val="tx1"/>
-                </a:solidFill>
-                <a:latin typeface="+mj-lt"/>
-                <a:ea typeface="+mj-ea"/>
-                <a:cs typeface="+mj-cs"/>
-              </a:defRPr>
-            </a:lvl1pPr>
-          </a:lstStyle>
-          <a:p>
-            <a:pPr algn="ctr"/>
+          <a:lstStyle/>
+          <a:p>
             <a:r>
               <a:rPr lang="en-US" dirty="0"/>
-              <a:t>Cross Power Spectra</a:t>
+              <a:t>by Ben Patterson</a:t>
+            </a:r>
+          </a:p>
+          <a:p>
+            <a:endParaRPr lang="en-US" dirty="0"/>
+          </a:p>
+          <a:p>
+            <a:endParaRPr lang="en-US" dirty="0"/>
+          </a:p>
+          <a:p>
+            <a:endParaRPr lang="en-US" dirty="0"/>
+          </a:p>
+          <a:p>
+            <a:endParaRPr lang="en-US" dirty="0"/>
+          </a:p>
+          <a:p>
+            <a:r>
+              <a:rPr lang="en-US" dirty="0"/>
+              <a:t>Supervisors: David Alonso, Felipe Oliveira Franco</a:t>
             </a:r>
           </a:p>
         </p:txBody>
@@ -3446,7 +3459,7 @@
     </p:spTree>
     <p:extLst>
       <p:ext uri="{BB962C8B-B14F-4D97-AF65-F5344CB8AC3E}">
-        <p14:creationId xmlns:p14="http://schemas.microsoft.com/office/powerpoint/2010/main" val="4211441342"/>
+        <p14:creationId xmlns:p14="http://schemas.microsoft.com/office/powerpoint/2010/main" val="3098413068"/>
       </p:ext>
     </p:extLst>
   </p:cSld>
@@ -3456,1793 +3469,7 @@
 </p:sld>
 </file>
 
-<file path=ppt/slides/slide2.xml><?xml version="1.0" encoding="utf-8"?>
-<p:sld xmlns:a="http://schemas.openxmlformats.org/drawingml/2006/main" xmlns:r="http://schemas.openxmlformats.org/officeDocument/2006/relationships" xmlns:p="http://schemas.openxmlformats.org/presentationml/2006/main">
-  <p:cSld>
-    <p:spTree>
-      <p:nvGrpSpPr>
-        <p:cNvPr id="1" name=""/>
-        <p:cNvGrpSpPr/>
-        <p:nvPr/>
-      </p:nvGrpSpPr>
-      <p:grpSpPr>
-        <a:xfrm>
-          <a:off x="0" y="0"/>
-          <a:ext cx="0" cy="0"/>
-          <a:chOff x="0" y="0"/>
-          <a:chExt cx="0" cy="0"/>
-        </a:xfrm>
-      </p:grpSpPr>
-      <p:pic>
-        <p:nvPicPr>
-          <p:cNvPr id="11" name="Picture 10">
-            <a:extLst>
-              <a:ext uri="{FF2B5EF4-FFF2-40B4-BE49-F238E27FC236}">
-                <a16:creationId xmlns:a16="http://schemas.microsoft.com/office/drawing/2014/main" id="{0AC1E032-B84C-88E2-FD0E-695F37A6ABA9}"/>
-              </a:ext>
-            </a:extLst>
-          </p:cNvPr>
-          <p:cNvPicPr>
-            <a:picLocks noChangeAspect="1"/>
-          </p:cNvPicPr>
-          <p:nvPr/>
-        </p:nvPicPr>
-        <p:blipFill rotWithShape="1">
-          <a:blip r:embed="rId2"/>
-          <a:srcRect l="44841" t="56779" r="42651" b="40525"/>
-          <a:stretch/>
-        </p:blipFill>
-        <p:spPr>
-          <a:xfrm>
-            <a:off x="688369" y="1915642"/>
-            <a:ext cx="3165578" cy="965771"/>
-          </a:xfrm>
-          <a:prstGeom prst="rect">
-            <a:avLst/>
-          </a:prstGeom>
-        </p:spPr>
-      </p:pic>
-      <p:pic>
-        <p:nvPicPr>
-          <p:cNvPr id="13" name="Picture 12">
-            <a:extLst>
-              <a:ext uri="{FF2B5EF4-FFF2-40B4-BE49-F238E27FC236}">
-                <a16:creationId xmlns:a16="http://schemas.microsoft.com/office/drawing/2014/main" id="{3FC59A57-78D1-7319-D3EC-BB1151C6786F}"/>
-              </a:ext>
-            </a:extLst>
-          </p:cNvPr>
-          <p:cNvPicPr>
-            <a:picLocks noChangeAspect="1"/>
-          </p:cNvPicPr>
-          <p:nvPr/>
-        </p:nvPicPr>
-        <p:blipFill>
-          <a:blip r:embed="rId3"/>
-          <a:stretch>
-            <a:fillRect/>
-          </a:stretch>
-        </p:blipFill>
-        <p:spPr>
-          <a:xfrm>
-            <a:off x="4483654" y="1463661"/>
-            <a:ext cx="6789383" cy="4526255"/>
-          </a:xfrm>
-          <a:prstGeom prst="rect">
-            <a:avLst/>
-          </a:prstGeom>
-        </p:spPr>
-      </p:pic>
-      <p:pic>
-        <p:nvPicPr>
-          <p:cNvPr id="9" name="Content Placeholder 8">
-            <a:extLst>
-              <a:ext uri="{FF2B5EF4-FFF2-40B4-BE49-F238E27FC236}">
-                <a16:creationId xmlns:a16="http://schemas.microsoft.com/office/drawing/2014/main" id="{CD78E04D-DCB9-1EA8-043D-73CEE692A09A}"/>
-              </a:ext>
-            </a:extLst>
-          </p:cNvPr>
-          <p:cNvPicPr>
-            <a:picLocks noGrp="1" noChangeAspect="1"/>
-          </p:cNvPicPr>
-          <p:nvPr>
-            <p:ph idx="1"/>
-          </p:nvPr>
-        </p:nvPicPr>
-        <p:blipFill>
-          <a:blip r:embed="rId4"/>
-          <a:srcRect/>
-          <a:stretch/>
-        </p:blipFill>
-        <p:spPr>
-          <a:xfrm>
-            <a:off x="4483654" y="1463661"/>
-            <a:ext cx="6789382" cy="4526255"/>
-          </a:xfrm>
-        </p:spPr>
-      </p:pic>
-      <p:sp>
-        <p:nvSpPr>
-          <p:cNvPr id="15" name="Title 14">
-            <a:extLst>
-              <a:ext uri="{FF2B5EF4-FFF2-40B4-BE49-F238E27FC236}">
-                <a16:creationId xmlns:a16="http://schemas.microsoft.com/office/drawing/2014/main" id="{89FE9DEF-1AC4-02EA-0B7F-8FCBC1A1DFA9}"/>
-              </a:ext>
-            </a:extLst>
-          </p:cNvPr>
-          <p:cNvSpPr>
-            <a:spLocks noGrp="1"/>
-          </p:cNvSpPr>
-          <p:nvPr>
-            <p:ph type="title"/>
-          </p:nvPr>
-        </p:nvSpPr>
-        <p:spPr/>
-        <p:txBody>
-          <a:bodyPr/>
-          <a:lstStyle/>
-          <a:p>
-            <a:endParaRPr lang="en-US"/>
-          </a:p>
-        </p:txBody>
-      </p:sp>
-      <p:sp>
-        <p:nvSpPr>
-          <p:cNvPr id="16" name="Title 1">
-            <a:extLst>
-              <a:ext uri="{FF2B5EF4-FFF2-40B4-BE49-F238E27FC236}">
-                <a16:creationId xmlns:a16="http://schemas.microsoft.com/office/drawing/2014/main" id="{11496EB2-A969-E178-3F08-C4CAF0F985F0}"/>
-              </a:ext>
-            </a:extLst>
-          </p:cNvPr>
-          <p:cNvSpPr>
-            <a:spLocks noGrp="1"/>
-          </p:cNvSpPr>
-          <p:nvPr/>
-        </p:nvSpPr>
-        <p:spPr>
-          <a:xfrm>
-            <a:off x="838200" y="183656"/>
-            <a:ext cx="10515600" cy="1325563"/>
-          </a:xfrm>
-          <a:prstGeom prst="rect">
-            <a:avLst/>
-          </a:prstGeom>
-        </p:spPr>
-        <p:txBody>
-          <a:bodyPr vert="horz" lIns="91440" tIns="45720" rIns="91440" bIns="45720" rtlCol="0" anchor="ctr">
-            <a:normAutofit/>
-          </a:bodyPr>
-          <a:lstStyle>
-            <a:lvl1pPr algn="l" defTabSz="914400" rtl="0" eaLnBrk="1" latinLnBrk="0" hangingPunct="1">
-              <a:lnSpc>
-                <a:spcPct val="90000"/>
-              </a:lnSpc>
-              <a:spcBef>
-                <a:spcPct val="0"/>
-              </a:spcBef>
-              <a:buNone/>
-              <a:defRPr sz="4400" kern="1200">
-                <a:solidFill>
-                  <a:schemeClr val="tx1"/>
-                </a:solidFill>
-                <a:latin typeface="+mj-lt"/>
-                <a:ea typeface="+mj-ea"/>
-                <a:cs typeface="+mj-cs"/>
-              </a:defRPr>
-            </a:lvl1pPr>
-          </a:lstStyle>
-          <a:p>
-            <a:pPr algn="ctr"/>
-            <a:r>
-              <a:rPr lang="en-US" dirty="0"/>
-              <a:t>Testing the Null Hypothesis</a:t>
-            </a:r>
-          </a:p>
-        </p:txBody>
-      </p:sp>
-    </p:spTree>
-    <p:extLst>
-      <p:ext uri="{BB962C8B-B14F-4D97-AF65-F5344CB8AC3E}">
-        <p14:creationId xmlns:p14="http://schemas.microsoft.com/office/powerpoint/2010/main" val="3745901141"/>
-      </p:ext>
-    </p:extLst>
-  </p:cSld>
-  <p:clrMapOvr>
-    <a:masterClrMapping/>
-  </p:clrMapOvr>
-  <p:timing>
-    <p:tnLst>
-      <p:par>
-        <p:cTn id="1" dur="indefinite" restart="never" nodeType="tmRoot">
-          <p:childTnLst>
-            <p:seq concurrent="1" nextAc="seek">
-              <p:cTn id="2" dur="indefinite" nodeType="mainSeq">
-                <p:childTnLst>
-                  <p:par>
-                    <p:cTn id="3" fill="hold">
-                      <p:stCondLst>
-                        <p:cond delay="indefinite"/>
-                      </p:stCondLst>
-                      <p:childTnLst>
-                        <p:par>
-                          <p:cTn id="4" fill="hold">
-                            <p:stCondLst>
-                              <p:cond delay="0"/>
-                            </p:stCondLst>
-                            <p:childTnLst>
-                              <p:par>
-                                <p:cTn id="5" presetID="1" presetClass="entr" presetSubtype="0" fill="hold" nodeType="clickEffect">
-                                  <p:stCondLst>
-                                    <p:cond delay="0"/>
-                                  </p:stCondLst>
-                                  <p:childTnLst>
-                                    <p:set>
-                                      <p:cBhvr>
-                                        <p:cTn id="6" dur="1" fill="hold">
-                                          <p:stCondLst>
-                                            <p:cond delay="0"/>
-                                          </p:stCondLst>
-                                        </p:cTn>
-                                        <p:tgtEl>
-                                          <p:spTgt spid="13"/>
-                                        </p:tgtEl>
-                                        <p:attrNameLst>
-                                          <p:attrName>style.visibility</p:attrName>
-                                        </p:attrNameLst>
-                                      </p:cBhvr>
-                                      <p:to>
-                                        <p:strVal val="visible"/>
-                                      </p:to>
-                                    </p:set>
-                                  </p:childTnLst>
-                                </p:cTn>
-                              </p:par>
-                            </p:childTnLst>
-                          </p:cTn>
-                        </p:par>
-                      </p:childTnLst>
-                    </p:cTn>
-                  </p:par>
-                  <p:par>
-                    <p:cTn id="7" fill="hold">
-                      <p:stCondLst>
-                        <p:cond delay="indefinite"/>
-                      </p:stCondLst>
-                      <p:childTnLst>
-                        <p:par>
-                          <p:cTn id="8" fill="hold">
-                            <p:stCondLst>
-                              <p:cond delay="0"/>
-                            </p:stCondLst>
-                            <p:childTnLst>
-                              <p:par>
-                                <p:cTn id="9" presetID="1" presetClass="exit" presetSubtype="0" fill="hold" nodeType="clickEffect">
-                                  <p:stCondLst>
-                                    <p:cond delay="0"/>
-                                  </p:stCondLst>
-                                  <p:childTnLst>
-                                    <p:set>
-                                      <p:cBhvr>
-                                        <p:cTn id="10" dur="1" fill="hold">
-                                          <p:stCondLst>
-                                            <p:cond delay="0"/>
-                                          </p:stCondLst>
-                                        </p:cTn>
-                                        <p:tgtEl>
-                                          <p:spTgt spid="13"/>
-                                        </p:tgtEl>
-                                        <p:attrNameLst>
-                                          <p:attrName>style.visibility</p:attrName>
-                                        </p:attrNameLst>
-                                      </p:cBhvr>
-                                      <p:to>
-                                        <p:strVal val="hidden"/>
-                                      </p:to>
-                                    </p:set>
-                                  </p:childTnLst>
-                                </p:cTn>
-                              </p:par>
-                              <p:par>
-                                <p:cTn id="11" presetID="1" presetClass="entr" presetSubtype="0" fill="hold" nodeType="withEffect">
-                                  <p:stCondLst>
-                                    <p:cond delay="0"/>
-                                  </p:stCondLst>
-                                  <p:childTnLst>
-                                    <p:set>
-                                      <p:cBhvr>
-                                        <p:cTn id="12" dur="1" fill="hold">
-                                          <p:stCondLst>
-                                            <p:cond delay="0"/>
-                                          </p:stCondLst>
-                                        </p:cTn>
-                                        <p:tgtEl>
-                                          <p:spTgt spid="9"/>
-                                        </p:tgtEl>
-                                        <p:attrNameLst>
-                                          <p:attrName>style.visibility</p:attrName>
-                                        </p:attrNameLst>
-                                      </p:cBhvr>
-                                      <p:to>
-                                        <p:strVal val="visible"/>
-                                      </p:to>
-                                    </p:set>
-                                  </p:childTnLst>
-                                </p:cTn>
-                              </p:par>
-                            </p:childTnLst>
-                          </p:cTn>
-                        </p:par>
-                      </p:childTnLst>
-                    </p:cTn>
-                  </p:par>
-                </p:childTnLst>
-              </p:cTn>
-              <p:prevCondLst>
-                <p:cond evt="onPrev" delay="0">
-                  <p:tgtEl>
-                    <p:sldTgt/>
-                  </p:tgtEl>
-                </p:cond>
-              </p:prevCondLst>
-              <p:nextCondLst>
-                <p:cond evt="onNext" delay="0">
-                  <p:tgtEl>
-                    <p:sldTgt/>
-                  </p:tgtEl>
-                </p:cond>
-              </p:nextCondLst>
-            </p:seq>
-          </p:childTnLst>
-        </p:cTn>
-      </p:par>
-    </p:tnLst>
-  </p:timing>
-</p:sld>
-</file>
-
-<file path=ppt/slides/slide3.xml><?xml version="1.0" encoding="utf-8"?>
-<p:sld xmlns:a="http://schemas.openxmlformats.org/drawingml/2006/main" xmlns:r="http://schemas.openxmlformats.org/officeDocument/2006/relationships" xmlns:p="http://schemas.openxmlformats.org/presentationml/2006/main">
-  <p:cSld>
-    <p:spTree>
-      <p:nvGrpSpPr>
-        <p:cNvPr id="1" name=""/>
-        <p:cNvGrpSpPr/>
-        <p:nvPr/>
-      </p:nvGrpSpPr>
-      <p:grpSpPr>
-        <a:xfrm>
-          <a:off x="0" y="0"/>
-          <a:ext cx="0" cy="0"/>
-          <a:chOff x="0" y="0"/>
-          <a:chExt cx="0" cy="0"/>
-        </a:xfrm>
-      </p:grpSpPr>
-      <p:pic>
-        <p:nvPicPr>
-          <p:cNvPr id="9" name="Content Placeholder 8">
-            <a:extLst>
-              <a:ext uri="{FF2B5EF4-FFF2-40B4-BE49-F238E27FC236}">
-                <a16:creationId xmlns:a16="http://schemas.microsoft.com/office/drawing/2014/main" id="{783B72EF-51B8-BCF5-FF8B-0788790FB537}"/>
-              </a:ext>
-            </a:extLst>
-          </p:cNvPr>
-          <p:cNvPicPr>
-            <a:picLocks noGrp="1" noChangeAspect="1"/>
-          </p:cNvPicPr>
-          <p:nvPr>
-            <p:ph idx="1"/>
-          </p:nvPr>
-        </p:nvPicPr>
-        <p:blipFill rotWithShape="1">
-          <a:blip r:embed="rId2"/>
-          <a:srcRect l="29840" t="33837" r="27391" b="61204"/>
-          <a:stretch/>
-        </p:blipFill>
-        <p:spPr>
-          <a:xfrm>
-            <a:off x="2808291" y="1780740"/>
-            <a:ext cx="6575417" cy="1078788"/>
-          </a:xfrm>
-        </p:spPr>
-      </p:pic>
-      <p:pic>
-        <p:nvPicPr>
-          <p:cNvPr id="10" name="Content Placeholder 8">
-            <a:extLst>
-              <a:ext uri="{FF2B5EF4-FFF2-40B4-BE49-F238E27FC236}">
-                <a16:creationId xmlns:a16="http://schemas.microsoft.com/office/drawing/2014/main" id="{0B6EC3C4-BCAF-1318-EE24-4B19BE447DC0}"/>
-              </a:ext>
-            </a:extLst>
-          </p:cNvPr>
-          <p:cNvPicPr>
-            <a:picLocks noChangeAspect="1"/>
-          </p:cNvPicPr>
-          <p:nvPr/>
-        </p:nvPicPr>
-        <p:blipFill rotWithShape="1">
-          <a:blip r:embed="rId2"/>
-          <a:srcRect l="43885" t="38236" r="41480" b="57561"/>
-          <a:stretch/>
-        </p:blipFill>
-        <p:spPr>
-          <a:xfrm>
-            <a:off x="4970977" y="2754763"/>
-            <a:ext cx="2250041" cy="914399"/>
-          </a:xfrm>
-          <a:prstGeom prst="rect">
-            <a:avLst/>
-          </a:prstGeom>
-        </p:spPr>
-      </p:pic>
-      <p:pic>
-        <p:nvPicPr>
-          <p:cNvPr id="11" name="Content Placeholder 8">
-            <a:extLst>
-              <a:ext uri="{FF2B5EF4-FFF2-40B4-BE49-F238E27FC236}">
-                <a16:creationId xmlns:a16="http://schemas.microsoft.com/office/drawing/2014/main" id="{42AB7B8D-5A63-74FC-BED2-31CE8CFDCC19}"/>
-              </a:ext>
-            </a:extLst>
-          </p:cNvPr>
-          <p:cNvPicPr>
-            <a:picLocks noChangeAspect="1"/>
-          </p:cNvPicPr>
-          <p:nvPr/>
-        </p:nvPicPr>
-        <p:blipFill rotWithShape="1">
-          <a:blip r:embed="rId2"/>
-          <a:srcRect l="39553" t="42322" r="37593" b="52720"/>
-          <a:stretch/>
-        </p:blipFill>
-        <p:spPr>
-          <a:xfrm>
-            <a:off x="2582236" y="4270169"/>
-            <a:ext cx="3513762" cy="1078788"/>
-          </a:xfrm>
-          <a:prstGeom prst="rect">
-            <a:avLst/>
-          </a:prstGeom>
-        </p:spPr>
-      </p:pic>
-      <p:pic>
-        <p:nvPicPr>
-          <p:cNvPr id="12" name="Content Placeholder 8">
-            <a:extLst>
-              <a:ext uri="{FF2B5EF4-FFF2-40B4-BE49-F238E27FC236}">
-                <a16:creationId xmlns:a16="http://schemas.microsoft.com/office/drawing/2014/main" id="{4F202351-10F3-5CAA-3E85-DF2A9163ECF2}"/>
-              </a:ext>
-            </a:extLst>
-          </p:cNvPr>
-          <p:cNvPicPr>
-            <a:picLocks noChangeAspect="1"/>
-          </p:cNvPicPr>
-          <p:nvPr/>
-        </p:nvPicPr>
-        <p:blipFill rotWithShape="1">
-          <a:blip r:embed="rId2"/>
-          <a:srcRect l="39553" t="46926" r="37593" b="48116"/>
-          <a:stretch/>
-        </p:blipFill>
-        <p:spPr>
-          <a:xfrm>
-            <a:off x="6095998" y="4303389"/>
-            <a:ext cx="3513762" cy="1078788"/>
-          </a:xfrm>
-          <a:prstGeom prst="rect">
-            <a:avLst/>
-          </a:prstGeom>
-        </p:spPr>
-      </p:pic>
-      <p:pic>
-        <p:nvPicPr>
-          <p:cNvPr id="13" name="Content Placeholder 8">
-            <a:extLst>
-              <a:ext uri="{FF2B5EF4-FFF2-40B4-BE49-F238E27FC236}">
-                <a16:creationId xmlns:a16="http://schemas.microsoft.com/office/drawing/2014/main" id="{8C9BA415-2CB7-DB3F-F7CB-8E190A8CA4E6}"/>
-              </a:ext>
-            </a:extLst>
-          </p:cNvPr>
-          <p:cNvPicPr>
-            <a:picLocks noChangeAspect="1"/>
-          </p:cNvPicPr>
-          <p:nvPr/>
-        </p:nvPicPr>
-        <p:blipFill rotWithShape="1">
-          <a:blip r:embed="rId2"/>
-          <a:srcRect l="39553" t="51821" r="37593" b="43976"/>
-          <a:stretch/>
-        </p:blipFill>
-        <p:spPr>
-          <a:xfrm>
-            <a:off x="4339116" y="4436383"/>
-            <a:ext cx="3513762" cy="914400"/>
-          </a:xfrm>
-          <a:prstGeom prst="rect">
-            <a:avLst/>
-          </a:prstGeom>
-        </p:spPr>
-      </p:pic>
-      <p:sp>
-        <p:nvSpPr>
-          <p:cNvPr id="15" name="Title 1">
-            <a:extLst>
-              <a:ext uri="{FF2B5EF4-FFF2-40B4-BE49-F238E27FC236}">
-                <a16:creationId xmlns:a16="http://schemas.microsoft.com/office/drawing/2014/main" id="{C4FFBCCA-1D7C-F651-FDE1-D30ABC415799}"/>
-              </a:ext>
-            </a:extLst>
-          </p:cNvPr>
-          <p:cNvSpPr>
-            <a:spLocks noGrp="1"/>
-          </p:cNvSpPr>
-          <p:nvPr/>
-        </p:nvSpPr>
-        <p:spPr>
-          <a:xfrm>
-            <a:off x="838200" y="183656"/>
-            <a:ext cx="10515600" cy="1325563"/>
-          </a:xfrm>
-          <a:prstGeom prst="rect">
-            <a:avLst/>
-          </a:prstGeom>
-        </p:spPr>
-        <p:txBody>
-          <a:bodyPr vert="horz" lIns="91440" tIns="45720" rIns="91440" bIns="45720" rtlCol="0" anchor="ctr">
-            <a:normAutofit/>
-          </a:bodyPr>
-          <a:lstStyle>
-            <a:lvl1pPr algn="l" defTabSz="914400" rtl="0" eaLnBrk="1" latinLnBrk="0" hangingPunct="1">
-              <a:lnSpc>
-                <a:spcPct val="90000"/>
-              </a:lnSpc>
-              <a:spcBef>
-                <a:spcPct val="0"/>
-              </a:spcBef>
-              <a:buNone/>
-              <a:defRPr sz="4400" kern="1200">
-                <a:solidFill>
-                  <a:schemeClr val="tx1"/>
-                </a:solidFill>
-                <a:latin typeface="+mj-lt"/>
-                <a:ea typeface="+mj-ea"/>
-                <a:cs typeface="+mj-cs"/>
-              </a:defRPr>
-            </a:lvl1pPr>
-          </a:lstStyle>
-          <a:p>
-            <a:pPr algn="ctr"/>
-            <a:r>
-              <a:rPr lang="en-US" dirty="0"/>
-              <a:t>Neutrino Radial Kernel</a:t>
-            </a:r>
-          </a:p>
-        </p:txBody>
-      </p:sp>
-    </p:spTree>
-    <p:extLst>
-      <p:ext uri="{BB962C8B-B14F-4D97-AF65-F5344CB8AC3E}">
-        <p14:creationId xmlns:p14="http://schemas.microsoft.com/office/powerpoint/2010/main" val="2666327857"/>
-      </p:ext>
-    </p:extLst>
-  </p:cSld>
-  <p:clrMapOvr>
-    <a:masterClrMapping/>
-  </p:clrMapOvr>
-  <p:timing>
-    <p:tnLst>
-      <p:par>
-        <p:cTn id="1" dur="indefinite" restart="never" nodeType="tmRoot">
-          <p:childTnLst>
-            <p:seq concurrent="1" nextAc="seek">
-              <p:cTn id="2" dur="indefinite" nodeType="mainSeq">
-                <p:childTnLst>
-                  <p:par>
-                    <p:cTn id="3" fill="hold">
-                      <p:stCondLst>
-                        <p:cond delay="indefinite"/>
-                      </p:stCondLst>
-                      <p:childTnLst>
-                        <p:par>
-                          <p:cTn id="4" fill="hold">
-                            <p:stCondLst>
-                              <p:cond delay="0"/>
-                            </p:stCondLst>
-                            <p:childTnLst>
-                              <p:par>
-                                <p:cTn id="5" presetID="1" presetClass="entr" presetSubtype="0" fill="hold" nodeType="clickEffect">
-                                  <p:stCondLst>
-                                    <p:cond delay="0"/>
-                                  </p:stCondLst>
-                                  <p:childTnLst>
-                                    <p:set>
-                                      <p:cBhvr>
-                                        <p:cTn id="6" dur="1" fill="hold">
-                                          <p:stCondLst>
-                                            <p:cond delay="0"/>
-                                          </p:stCondLst>
-                                        </p:cTn>
-                                        <p:tgtEl>
-                                          <p:spTgt spid="9"/>
-                                        </p:tgtEl>
-                                        <p:attrNameLst>
-                                          <p:attrName>style.visibility</p:attrName>
-                                        </p:attrNameLst>
-                                      </p:cBhvr>
-                                      <p:to>
-                                        <p:strVal val="visible"/>
-                                      </p:to>
-                                    </p:set>
-                                  </p:childTnLst>
-                                </p:cTn>
-                              </p:par>
-                            </p:childTnLst>
-                          </p:cTn>
-                        </p:par>
-                      </p:childTnLst>
-                    </p:cTn>
-                  </p:par>
-                  <p:par>
-                    <p:cTn id="7" fill="hold">
-                      <p:stCondLst>
-                        <p:cond delay="indefinite"/>
-                      </p:stCondLst>
-                      <p:childTnLst>
-                        <p:par>
-                          <p:cTn id="8" fill="hold">
-                            <p:stCondLst>
-                              <p:cond delay="0"/>
-                            </p:stCondLst>
-                            <p:childTnLst>
-                              <p:par>
-                                <p:cTn id="9" presetID="1" presetClass="entr" presetSubtype="0" fill="hold" nodeType="clickEffect">
-                                  <p:stCondLst>
-                                    <p:cond delay="0"/>
-                                  </p:stCondLst>
-                                  <p:childTnLst>
-                                    <p:set>
-                                      <p:cBhvr>
-                                        <p:cTn id="10" dur="1" fill="hold">
-                                          <p:stCondLst>
-                                            <p:cond delay="0"/>
-                                          </p:stCondLst>
-                                        </p:cTn>
-                                        <p:tgtEl>
-                                          <p:spTgt spid="10"/>
-                                        </p:tgtEl>
-                                        <p:attrNameLst>
-                                          <p:attrName>style.visibility</p:attrName>
-                                        </p:attrNameLst>
-                                      </p:cBhvr>
-                                      <p:to>
-                                        <p:strVal val="visible"/>
-                                      </p:to>
-                                    </p:set>
-                                  </p:childTnLst>
-                                </p:cTn>
-                              </p:par>
-                            </p:childTnLst>
-                          </p:cTn>
-                        </p:par>
-                      </p:childTnLst>
-                    </p:cTn>
-                  </p:par>
-                  <p:par>
-                    <p:cTn id="11" fill="hold">
-                      <p:stCondLst>
-                        <p:cond delay="indefinite"/>
-                      </p:stCondLst>
-                      <p:childTnLst>
-                        <p:par>
-                          <p:cTn id="12" fill="hold">
-                            <p:stCondLst>
-                              <p:cond delay="0"/>
-                            </p:stCondLst>
-                            <p:childTnLst>
-                              <p:par>
-                                <p:cTn id="13" presetID="1" presetClass="entr" presetSubtype="0" fill="hold" nodeType="clickEffect">
-                                  <p:stCondLst>
-                                    <p:cond delay="0"/>
-                                  </p:stCondLst>
-                                  <p:childTnLst>
-                                    <p:set>
-                                      <p:cBhvr>
-                                        <p:cTn id="14" dur="1" fill="hold">
-                                          <p:stCondLst>
-                                            <p:cond delay="0"/>
-                                          </p:stCondLst>
-                                        </p:cTn>
-                                        <p:tgtEl>
-                                          <p:spTgt spid="11"/>
-                                        </p:tgtEl>
-                                        <p:attrNameLst>
-                                          <p:attrName>style.visibility</p:attrName>
-                                        </p:attrNameLst>
-                                      </p:cBhvr>
-                                      <p:to>
-                                        <p:strVal val="visible"/>
-                                      </p:to>
-                                    </p:set>
-                                  </p:childTnLst>
-                                </p:cTn>
-                              </p:par>
-                            </p:childTnLst>
-                          </p:cTn>
-                        </p:par>
-                      </p:childTnLst>
-                    </p:cTn>
-                  </p:par>
-                  <p:par>
-                    <p:cTn id="15" fill="hold">
-                      <p:stCondLst>
-                        <p:cond delay="indefinite"/>
-                      </p:stCondLst>
-                      <p:childTnLst>
-                        <p:par>
-                          <p:cTn id="16" fill="hold">
-                            <p:stCondLst>
-                              <p:cond delay="0"/>
-                            </p:stCondLst>
-                            <p:childTnLst>
-                              <p:par>
-                                <p:cTn id="17" presetID="1" presetClass="entr" presetSubtype="0" fill="hold" nodeType="clickEffect">
-                                  <p:stCondLst>
-                                    <p:cond delay="0"/>
-                                  </p:stCondLst>
-                                  <p:childTnLst>
-                                    <p:set>
-                                      <p:cBhvr>
-                                        <p:cTn id="18" dur="1" fill="hold">
-                                          <p:stCondLst>
-                                            <p:cond delay="0"/>
-                                          </p:stCondLst>
-                                        </p:cTn>
-                                        <p:tgtEl>
-                                          <p:spTgt spid="12"/>
-                                        </p:tgtEl>
-                                        <p:attrNameLst>
-                                          <p:attrName>style.visibility</p:attrName>
-                                        </p:attrNameLst>
-                                      </p:cBhvr>
-                                      <p:to>
-                                        <p:strVal val="visible"/>
-                                      </p:to>
-                                    </p:set>
-                                  </p:childTnLst>
-                                </p:cTn>
-                              </p:par>
-                            </p:childTnLst>
-                          </p:cTn>
-                        </p:par>
-                      </p:childTnLst>
-                    </p:cTn>
-                  </p:par>
-                  <p:par>
-                    <p:cTn id="19" fill="hold">
-                      <p:stCondLst>
-                        <p:cond delay="indefinite"/>
-                      </p:stCondLst>
-                      <p:childTnLst>
-                        <p:par>
-                          <p:cTn id="20" fill="hold">
-                            <p:stCondLst>
-                              <p:cond delay="0"/>
-                            </p:stCondLst>
-                            <p:childTnLst>
-                              <p:par>
-                                <p:cTn id="21" presetID="1" presetClass="entr" presetSubtype="0" fill="hold" nodeType="clickEffect">
-                                  <p:stCondLst>
-                                    <p:cond delay="0"/>
-                                  </p:stCondLst>
-                                  <p:childTnLst>
-                                    <p:set>
-                                      <p:cBhvr>
-                                        <p:cTn id="22" dur="1" fill="hold">
-                                          <p:stCondLst>
-                                            <p:cond delay="0"/>
-                                          </p:stCondLst>
-                                        </p:cTn>
-                                        <p:tgtEl>
-                                          <p:spTgt spid="13"/>
-                                        </p:tgtEl>
-                                        <p:attrNameLst>
-                                          <p:attrName>style.visibility</p:attrName>
-                                        </p:attrNameLst>
-                                      </p:cBhvr>
-                                      <p:to>
-                                        <p:strVal val="visible"/>
-                                      </p:to>
-                                    </p:set>
-                                  </p:childTnLst>
-                                </p:cTn>
-                              </p:par>
-                              <p:par>
-                                <p:cTn id="23" presetID="1" presetClass="exit" presetSubtype="0" fill="hold" nodeType="withEffect">
-                                  <p:stCondLst>
-                                    <p:cond delay="0"/>
-                                  </p:stCondLst>
-                                  <p:childTnLst>
-                                    <p:set>
-                                      <p:cBhvr>
-                                        <p:cTn id="24" dur="1" fill="hold">
-                                          <p:stCondLst>
-                                            <p:cond delay="0"/>
-                                          </p:stCondLst>
-                                        </p:cTn>
-                                        <p:tgtEl>
-                                          <p:spTgt spid="11"/>
-                                        </p:tgtEl>
-                                        <p:attrNameLst>
-                                          <p:attrName>style.visibility</p:attrName>
-                                        </p:attrNameLst>
-                                      </p:cBhvr>
-                                      <p:to>
-                                        <p:strVal val="hidden"/>
-                                      </p:to>
-                                    </p:set>
-                                  </p:childTnLst>
-                                </p:cTn>
-                              </p:par>
-                              <p:par>
-                                <p:cTn id="25" presetID="1" presetClass="exit" presetSubtype="0" fill="hold" nodeType="withEffect">
-                                  <p:stCondLst>
-                                    <p:cond delay="0"/>
-                                  </p:stCondLst>
-                                  <p:childTnLst>
-                                    <p:set>
-                                      <p:cBhvr>
-                                        <p:cTn id="26" dur="1" fill="hold">
-                                          <p:stCondLst>
-                                            <p:cond delay="0"/>
-                                          </p:stCondLst>
-                                        </p:cTn>
-                                        <p:tgtEl>
-                                          <p:spTgt spid="12"/>
-                                        </p:tgtEl>
-                                        <p:attrNameLst>
-                                          <p:attrName>style.visibility</p:attrName>
-                                        </p:attrNameLst>
-                                      </p:cBhvr>
-                                      <p:to>
-                                        <p:strVal val="hidden"/>
-                                      </p:to>
-                                    </p:set>
-                                  </p:childTnLst>
-                                </p:cTn>
-                              </p:par>
-                            </p:childTnLst>
-                          </p:cTn>
-                        </p:par>
-                      </p:childTnLst>
-                    </p:cTn>
-                  </p:par>
-                </p:childTnLst>
-              </p:cTn>
-              <p:prevCondLst>
-                <p:cond evt="onPrev" delay="0">
-                  <p:tgtEl>
-                    <p:sldTgt/>
-                  </p:tgtEl>
-                </p:cond>
-              </p:prevCondLst>
-              <p:nextCondLst>
-                <p:cond evt="onNext" delay="0">
-                  <p:tgtEl>
-                    <p:sldTgt/>
-                  </p:tgtEl>
-                </p:cond>
-              </p:nextCondLst>
-            </p:seq>
-          </p:childTnLst>
-        </p:cTn>
-      </p:par>
-    </p:tnLst>
-  </p:timing>
-</p:sld>
-</file>
-
-<file path=ppt/slides/slide4.xml><?xml version="1.0" encoding="utf-8"?>
-<p:sld xmlns:a="http://schemas.openxmlformats.org/drawingml/2006/main" xmlns:r="http://schemas.openxmlformats.org/officeDocument/2006/relationships" xmlns:p="http://schemas.openxmlformats.org/presentationml/2006/main">
-  <p:cSld>
-    <p:spTree>
-      <p:nvGrpSpPr>
-        <p:cNvPr id="1" name=""/>
-        <p:cNvGrpSpPr/>
-        <p:nvPr/>
-      </p:nvGrpSpPr>
-      <p:grpSpPr>
-        <a:xfrm>
-          <a:off x="0" y="0"/>
-          <a:ext cx="0" cy="0"/>
-          <a:chOff x="0" y="0"/>
-          <a:chExt cx="0" cy="0"/>
-        </a:xfrm>
-      </p:grpSpPr>
-      <p:pic>
-        <p:nvPicPr>
-          <p:cNvPr id="9" name="Content Placeholder 8">
-            <a:extLst>
-              <a:ext uri="{FF2B5EF4-FFF2-40B4-BE49-F238E27FC236}">
-                <a16:creationId xmlns:a16="http://schemas.microsoft.com/office/drawing/2014/main" id="{AF49C4B3-3C55-10C5-EB0D-C988A668FE4B}"/>
-              </a:ext>
-            </a:extLst>
-          </p:cNvPr>
-          <p:cNvPicPr>
-            <a:picLocks noGrp="1" noChangeAspect="1"/>
-          </p:cNvPicPr>
-          <p:nvPr>
-            <p:ph idx="1"/>
-          </p:nvPr>
-        </p:nvPicPr>
-        <p:blipFill rotWithShape="1">
-          <a:blip r:embed="rId2"/>
-          <a:srcRect t="37058" r="6842" b="35625"/>
-          <a:stretch/>
-        </p:blipFill>
-        <p:spPr>
-          <a:xfrm>
-            <a:off x="474796" y="1374955"/>
-            <a:ext cx="3316368" cy="2190178"/>
-          </a:xfrm>
-        </p:spPr>
-      </p:pic>
-      <p:sp>
-        <p:nvSpPr>
-          <p:cNvPr id="10" name="Right Arrow 9">
-            <a:extLst>
-              <a:ext uri="{FF2B5EF4-FFF2-40B4-BE49-F238E27FC236}">
-                <a16:creationId xmlns:a16="http://schemas.microsoft.com/office/drawing/2014/main" id="{6B15FA00-D8DC-17A6-E904-A24933BFBF5E}"/>
-              </a:ext>
-            </a:extLst>
-          </p:cNvPr>
-          <p:cNvSpPr/>
-          <p:nvPr/>
-        </p:nvSpPr>
-        <p:spPr>
-          <a:xfrm>
-            <a:off x="4389008" y="1776538"/>
-            <a:ext cx="2928135" cy="1387011"/>
-          </a:xfrm>
-          <a:prstGeom prst="rightArrow">
-            <a:avLst/>
-          </a:prstGeom>
-        </p:spPr>
-        <p:style>
-          <a:lnRef idx="2">
-            <a:schemeClr val="accent1">
-              <a:shade val="50000"/>
-            </a:schemeClr>
-          </a:lnRef>
-          <a:fillRef idx="1">
-            <a:schemeClr val="accent1"/>
-          </a:fillRef>
-          <a:effectRef idx="0">
-            <a:schemeClr val="accent1"/>
-          </a:effectRef>
-          <a:fontRef idx="minor">
-            <a:schemeClr val="lt1"/>
-          </a:fontRef>
-        </p:style>
-        <p:txBody>
-          <a:bodyPr rtlCol="0" anchor="ctr"/>
-          <a:lstStyle/>
-          <a:p>
-            <a:pPr algn="ctr"/>
-            <a:endParaRPr lang="en-US" dirty="0"/>
-          </a:p>
-        </p:txBody>
-      </p:sp>
-      <p:pic>
-        <p:nvPicPr>
-          <p:cNvPr id="12" name="Picture 11">
-            <a:extLst>
-              <a:ext uri="{FF2B5EF4-FFF2-40B4-BE49-F238E27FC236}">
-                <a16:creationId xmlns:a16="http://schemas.microsoft.com/office/drawing/2014/main" id="{37E36EAE-9299-ECE8-39E9-DC28985A20C2}"/>
-              </a:ext>
-            </a:extLst>
-          </p:cNvPr>
-          <p:cNvPicPr>
-            <a:picLocks noChangeAspect="1"/>
-          </p:cNvPicPr>
-          <p:nvPr/>
-        </p:nvPicPr>
-        <p:blipFill rotWithShape="1">
-          <a:blip r:embed="rId3"/>
-          <a:srcRect t="37303" r="8274" b="35581"/>
-          <a:stretch/>
-        </p:blipFill>
-        <p:spPr>
-          <a:xfrm>
-            <a:off x="7802993" y="1374955"/>
-            <a:ext cx="3289582" cy="2190178"/>
-          </a:xfrm>
-          <a:prstGeom prst="rect">
-            <a:avLst/>
-          </a:prstGeom>
-        </p:spPr>
-      </p:pic>
-      <p:pic>
-        <p:nvPicPr>
-          <p:cNvPr id="14" name="Picture 13">
-            <a:extLst>
-              <a:ext uri="{FF2B5EF4-FFF2-40B4-BE49-F238E27FC236}">
-                <a16:creationId xmlns:a16="http://schemas.microsoft.com/office/drawing/2014/main" id="{8481F8A8-DBDA-4CE5-08CA-FD01886854BA}"/>
-              </a:ext>
-            </a:extLst>
-          </p:cNvPr>
-          <p:cNvPicPr>
-            <a:picLocks noChangeAspect="1"/>
-          </p:cNvPicPr>
-          <p:nvPr/>
-        </p:nvPicPr>
-        <p:blipFill>
-          <a:blip r:embed="rId4"/>
-          <a:stretch>
-            <a:fillRect/>
-          </a:stretch>
-        </p:blipFill>
-        <p:spPr>
-          <a:xfrm>
-            <a:off x="217632" y="3565133"/>
-            <a:ext cx="3316368" cy="3316368"/>
-          </a:xfrm>
-          <a:prstGeom prst="rect">
-            <a:avLst/>
-          </a:prstGeom>
-        </p:spPr>
-      </p:pic>
-      <p:pic>
-        <p:nvPicPr>
-          <p:cNvPr id="16" name="Picture 15">
-            <a:extLst>
-              <a:ext uri="{FF2B5EF4-FFF2-40B4-BE49-F238E27FC236}">
-                <a16:creationId xmlns:a16="http://schemas.microsoft.com/office/drawing/2014/main" id="{02001748-6A6F-25E6-769F-C2ED9D3B3D6F}"/>
-              </a:ext>
-            </a:extLst>
-          </p:cNvPr>
-          <p:cNvPicPr>
-            <a:picLocks noChangeAspect="1"/>
-          </p:cNvPicPr>
-          <p:nvPr/>
-        </p:nvPicPr>
-        <p:blipFill>
-          <a:blip r:embed="rId5"/>
-          <a:stretch>
-            <a:fillRect/>
-          </a:stretch>
-        </p:blipFill>
-        <p:spPr>
-          <a:xfrm>
-            <a:off x="7776208" y="3565134"/>
-            <a:ext cx="3316367" cy="3316367"/>
-          </a:xfrm>
-          <a:prstGeom prst="rect">
-            <a:avLst/>
-          </a:prstGeom>
-        </p:spPr>
-      </p:pic>
-      <p:sp>
-        <p:nvSpPr>
-          <p:cNvPr id="17" name="Right Arrow 16">
-            <a:extLst>
-              <a:ext uri="{FF2B5EF4-FFF2-40B4-BE49-F238E27FC236}">
-                <a16:creationId xmlns:a16="http://schemas.microsoft.com/office/drawing/2014/main" id="{C68C2C99-10FC-4168-5786-CFFEDCFDF6EF}"/>
-              </a:ext>
-            </a:extLst>
-          </p:cNvPr>
-          <p:cNvSpPr/>
-          <p:nvPr/>
-        </p:nvSpPr>
-        <p:spPr>
-          <a:xfrm>
-            <a:off x="4389008" y="4672138"/>
-            <a:ext cx="2928135" cy="1387011"/>
-          </a:xfrm>
-          <a:prstGeom prst="rightArrow">
-            <a:avLst/>
-          </a:prstGeom>
-        </p:spPr>
-        <p:style>
-          <a:lnRef idx="2">
-            <a:schemeClr val="accent1">
-              <a:shade val="50000"/>
-            </a:schemeClr>
-          </a:lnRef>
-          <a:fillRef idx="1">
-            <a:schemeClr val="accent1"/>
-          </a:fillRef>
-          <a:effectRef idx="0">
-            <a:schemeClr val="accent1"/>
-          </a:effectRef>
-          <a:fontRef idx="minor">
-            <a:schemeClr val="lt1"/>
-          </a:fontRef>
-        </p:style>
-        <p:txBody>
-          <a:bodyPr rtlCol="0" anchor="ctr"/>
-          <a:lstStyle/>
-          <a:p>
-            <a:pPr algn="ctr"/>
-            <a:endParaRPr lang="en-US" dirty="0"/>
-          </a:p>
-        </p:txBody>
-      </p:sp>
-      <p:sp>
-        <p:nvSpPr>
-          <p:cNvPr id="18" name="TextBox 17">
-            <a:extLst>
-              <a:ext uri="{FF2B5EF4-FFF2-40B4-BE49-F238E27FC236}">
-                <a16:creationId xmlns:a16="http://schemas.microsoft.com/office/drawing/2014/main" id="{6C8968E5-39EA-6A57-014F-04A2DE0912F9}"/>
-              </a:ext>
-            </a:extLst>
-          </p:cNvPr>
-          <p:cNvSpPr txBox="1"/>
-          <p:nvPr/>
-        </p:nvSpPr>
-        <p:spPr>
-          <a:xfrm>
-            <a:off x="4515240" y="3684178"/>
-            <a:ext cx="2279727" cy="369332"/>
-          </a:xfrm>
-          <a:prstGeom prst="rect">
-            <a:avLst/>
-          </a:prstGeom>
-          <a:noFill/>
-        </p:spPr>
-        <p:txBody>
-          <a:bodyPr wrap="none" rtlCol="0">
-            <a:spAutoFit/>
-          </a:bodyPr>
-          <a:lstStyle/>
-          <a:p>
-            <a:r>
-              <a:rPr lang="en-US" dirty="0"/>
-              <a:t>Volume prior on alpha</a:t>
-            </a:r>
-          </a:p>
-        </p:txBody>
-      </p:sp>
-      <p:sp>
-        <p:nvSpPr>
-          <p:cNvPr id="21" name="Title 1">
-            <a:extLst>
-              <a:ext uri="{FF2B5EF4-FFF2-40B4-BE49-F238E27FC236}">
-                <a16:creationId xmlns:a16="http://schemas.microsoft.com/office/drawing/2014/main" id="{4CFDC560-1984-2F84-CF1A-14A3FBFC48E2}"/>
-              </a:ext>
-            </a:extLst>
-          </p:cNvPr>
-          <p:cNvSpPr>
-            <a:spLocks noGrp="1"/>
-          </p:cNvSpPr>
-          <p:nvPr/>
-        </p:nvSpPr>
-        <p:spPr>
-          <a:xfrm>
-            <a:off x="838200" y="183656"/>
-            <a:ext cx="10515600" cy="1325563"/>
-          </a:xfrm>
-          <a:prstGeom prst="rect">
-            <a:avLst/>
-          </a:prstGeom>
-        </p:spPr>
-        <p:txBody>
-          <a:bodyPr vert="horz" lIns="91440" tIns="45720" rIns="91440" bIns="45720" rtlCol="0" anchor="ctr">
-            <a:normAutofit/>
-          </a:bodyPr>
-          <a:lstStyle>
-            <a:lvl1pPr algn="l" defTabSz="914400" rtl="0" eaLnBrk="1" latinLnBrk="0" hangingPunct="1">
-              <a:lnSpc>
-                <a:spcPct val="90000"/>
-              </a:lnSpc>
-              <a:spcBef>
-                <a:spcPct val="0"/>
-              </a:spcBef>
-              <a:buNone/>
-              <a:defRPr sz="4400" kern="1200">
-                <a:solidFill>
-                  <a:schemeClr val="tx1"/>
-                </a:solidFill>
-                <a:latin typeface="+mj-lt"/>
-                <a:ea typeface="+mj-ea"/>
-                <a:cs typeface="+mj-cs"/>
-              </a:defRPr>
-            </a:lvl1pPr>
-          </a:lstStyle>
-          <a:p>
-            <a:pPr algn="ctr"/>
-            <a:r>
-              <a:rPr lang="en-US" dirty="0"/>
-              <a:t>Constraining A and alpha</a:t>
-            </a:r>
-          </a:p>
-        </p:txBody>
-      </p:sp>
-    </p:spTree>
-    <p:extLst>
-      <p:ext uri="{BB962C8B-B14F-4D97-AF65-F5344CB8AC3E}">
-        <p14:creationId xmlns:p14="http://schemas.microsoft.com/office/powerpoint/2010/main" val="3764981136"/>
-      </p:ext>
-    </p:extLst>
-  </p:cSld>
-  <p:clrMapOvr>
-    <a:masterClrMapping/>
-  </p:clrMapOvr>
-  <p:timing>
-    <p:tnLst>
-      <p:par>
-        <p:cTn id="1" dur="indefinite" restart="never" nodeType="tmRoot">
-          <p:childTnLst>
-            <p:seq concurrent="1" nextAc="seek">
-              <p:cTn id="2" dur="indefinite" nodeType="mainSeq">
-                <p:childTnLst>
-                  <p:par>
-                    <p:cTn id="3" fill="hold">
-                      <p:stCondLst>
-                        <p:cond delay="indefinite"/>
-                      </p:stCondLst>
-                      <p:childTnLst>
-                        <p:par>
-                          <p:cTn id="4" fill="hold">
-                            <p:stCondLst>
-                              <p:cond delay="0"/>
-                            </p:stCondLst>
-                            <p:childTnLst>
-                              <p:par>
-                                <p:cTn id="5" presetID="1" presetClass="entr" presetSubtype="0" fill="hold" nodeType="clickEffect">
-                                  <p:stCondLst>
-                                    <p:cond delay="0"/>
-                                  </p:stCondLst>
-                                  <p:childTnLst>
-                                    <p:set>
-                                      <p:cBhvr>
-                                        <p:cTn id="6" dur="1" fill="hold">
-                                          <p:stCondLst>
-                                            <p:cond delay="0"/>
-                                          </p:stCondLst>
-                                        </p:cTn>
-                                        <p:tgtEl>
-                                          <p:spTgt spid="9"/>
-                                        </p:tgtEl>
-                                        <p:attrNameLst>
-                                          <p:attrName>style.visibility</p:attrName>
-                                        </p:attrNameLst>
-                                      </p:cBhvr>
-                                      <p:to>
-                                        <p:strVal val="visible"/>
-                                      </p:to>
-                                    </p:set>
-                                  </p:childTnLst>
-                                </p:cTn>
-                              </p:par>
-                              <p:par>
-                                <p:cTn id="7" presetID="1" presetClass="entr" presetSubtype="0" fill="hold" nodeType="withEffect">
-                                  <p:stCondLst>
-                                    <p:cond delay="0"/>
-                                  </p:stCondLst>
-                                  <p:childTnLst>
-                                    <p:set>
-                                      <p:cBhvr>
-                                        <p:cTn id="8" dur="1" fill="hold">
-                                          <p:stCondLst>
-                                            <p:cond delay="0"/>
-                                          </p:stCondLst>
-                                        </p:cTn>
-                                        <p:tgtEl>
-                                          <p:spTgt spid="14"/>
-                                        </p:tgtEl>
-                                        <p:attrNameLst>
-                                          <p:attrName>style.visibility</p:attrName>
-                                        </p:attrNameLst>
-                                      </p:cBhvr>
-                                      <p:to>
-                                        <p:strVal val="visible"/>
-                                      </p:to>
-                                    </p:set>
-                                  </p:childTnLst>
-                                </p:cTn>
-                              </p:par>
-                            </p:childTnLst>
-                          </p:cTn>
-                        </p:par>
-                      </p:childTnLst>
-                    </p:cTn>
-                  </p:par>
-                  <p:par>
-                    <p:cTn id="9" fill="hold">
-                      <p:stCondLst>
-                        <p:cond delay="indefinite"/>
-                      </p:stCondLst>
-                      <p:childTnLst>
-                        <p:par>
-                          <p:cTn id="10" fill="hold">
-                            <p:stCondLst>
-                              <p:cond delay="0"/>
-                            </p:stCondLst>
-                            <p:childTnLst>
-                              <p:par>
-                                <p:cTn id="11" presetID="1" presetClass="entr" presetSubtype="0" fill="hold" grpId="0" nodeType="clickEffect">
-                                  <p:stCondLst>
-                                    <p:cond delay="0"/>
-                                  </p:stCondLst>
-                                  <p:childTnLst>
-                                    <p:set>
-                                      <p:cBhvr>
-                                        <p:cTn id="12" dur="1" fill="hold">
-                                          <p:stCondLst>
-                                            <p:cond delay="0"/>
-                                          </p:stCondLst>
-                                        </p:cTn>
-                                        <p:tgtEl>
-                                          <p:spTgt spid="10"/>
-                                        </p:tgtEl>
-                                        <p:attrNameLst>
-                                          <p:attrName>style.visibility</p:attrName>
-                                        </p:attrNameLst>
-                                      </p:cBhvr>
-                                      <p:to>
-                                        <p:strVal val="visible"/>
-                                      </p:to>
-                                    </p:set>
-                                  </p:childTnLst>
-                                </p:cTn>
-                              </p:par>
-                              <p:par>
-                                <p:cTn id="13" presetID="1" presetClass="entr" presetSubtype="0" fill="hold" grpId="0" nodeType="withEffect">
-                                  <p:stCondLst>
-                                    <p:cond delay="0"/>
-                                  </p:stCondLst>
-                                  <p:childTnLst>
-                                    <p:set>
-                                      <p:cBhvr>
-                                        <p:cTn id="14" dur="1" fill="hold">
-                                          <p:stCondLst>
-                                            <p:cond delay="0"/>
-                                          </p:stCondLst>
-                                        </p:cTn>
-                                        <p:tgtEl>
-                                          <p:spTgt spid="18"/>
-                                        </p:tgtEl>
-                                        <p:attrNameLst>
-                                          <p:attrName>style.visibility</p:attrName>
-                                        </p:attrNameLst>
-                                      </p:cBhvr>
-                                      <p:to>
-                                        <p:strVal val="visible"/>
-                                      </p:to>
-                                    </p:set>
-                                  </p:childTnLst>
-                                </p:cTn>
-                              </p:par>
-                              <p:par>
-                                <p:cTn id="15" presetID="1" presetClass="entr" presetSubtype="0" fill="hold" grpId="0" nodeType="withEffect">
-                                  <p:stCondLst>
-                                    <p:cond delay="0"/>
-                                  </p:stCondLst>
-                                  <p:childTnLst>
-                                    <p:set>
-                                      <p:cBhvr>
-                                        <p:cTn id="16" dur="1" fill="hold">
-                                          <p:stCondLst>
-                                            <p:cond delay="0"/>
-                                          </p:stCondLst>
-                                        </p:cTn>
-                                        <p:tgtEl>
-                                          <p:spTgt spid="17"/>
-                                        </p:tgtEl>
-                                        <p:attrNameLst>
-                                          <p:attrName>style.visibility</p:attrName>
-                                        </p:attrNameLst>
-                                      </p:cBhvr>
-                                      <p:to>
-                                        <p:strVal val="visible"/>
-                                      </p:to>
-                                    </p:set>
-                                  </p:childTnLst>
-                                </p:cTn>
-                              </p:par>
-                              <p:par>
-                                <p:cTn id="17" presetID="1" presetClass="entr" presetSubtype="0" fill="hold" nodeType="withEffect">
-                                  <p:stCondLst>
-                                    <p:cond delay="0"/>
-                                  </p:stCondLst>
-                                  <p:childTnLst>
-                                    <p:set>
-                                      <p:cBhvr>
-                                        <p:cTn id="18" dur="1" fill="hold">
-                                          <p:stCondLst>
-                                            <p:cond delay="0"/>
-                                          </p:stCondLst>
-                                        </p:cTn>
-                                        <p:tgtEl>
-                                          <p:spTgt spid="16"/>
-                                        </p:tgtEl>
-                                        <p:attrNameLst>
-                                          <p:attrName>style.visibility</p:attrName>
-                                        </p:attrNameLst>
-                                      </p:cBhvr>
-                                      <p:to>
-                                        <p:strVal val="visible"/>
-                                      </p:to>
-                                    </p:set>
-                                  </p:childTnLst>
-                                </p:cTn>
-                              </p:par>
-                              <p:par>
-                                <p:cTn id="19" presetID="1" presetClass="entr" presetSubtype="0" fill="hold" nodeType="withEffect">
-                                  <p:stCondLst>
-                                    <p:cond delay="0"/>
-                                  </p:stCondLst>
-                                  <p:childTnLst>
-                                    <p:set>
-                                      <p:cBhvr>
-                                        <p:cTn id="20" dur="1" fill="hold">
-                                          <p:stCondLst>
-                                            <p:cond delay="0"/>
-                                          </p:stCondLst>
-                                        </p:cTn>
-                                        <p:tgtEl>
-                                          <p:spTgt spid="12"/>
-                                        </p:tgtEl>
-                                        <p:attrNameLst>
-                                          <p:attrName>style.visibility</p:attrName>
-                                        </p:attrNameLst>
-                                      </p:cBhvr>
-                                      <p:to>
-                                        <p:strVal val="visible"/>
-                                      </p:to>
-                                    </p:set>
-                                  </p:childTnLst>
-                                </p:cTn>
-                              </p:par>
-                            </p:childTnLst>
-                          </p:cTn>
-                        </p:par>
-                      </p:childTnLst>
-                    </p:cTn>
-                  </p:par>
-                </p:childTnLst>
-              </p:cTn>
-              <p:prevCondLst>
-                <p:cond evt="onPrev" delay="0">
-                  <p:tgtEl>
-                    <p:sldTgt/>
-                  </p:tgtEl>
-                </p:cond>
-              </p:prevCondLst>
-              <p:nextCondLst>
-                <p:cond evt="onNext" delay="0">
-                  <p:tgtEl>
-                    <p:sldTgt/>
-                  </p:tgtEl>
-                </p:cond>
-              </p:nextCondLst>
-            </p:seq>
-          </p:childTnLst>
-        </p:cTn>
-      </p:par>
-    </p:tnLst>
-    <p:bldLst>
-      <p:bldP spid="10" grpId="0" animBg="1"/>
-      <p:bldP spid="17" grpId="0" animBg="1"/>
-      <p:bldP spid="18" grpId="0"/>
-    </p:bldLst>
-  </p:timing>
-</p:sld>
-</file>
-
-<file path=ppt/slides/slide5.xml><?xml version="1.0" encoding="utf-8"?>
-<p:sld xmlns:a="http://schemas.openxmlformats.org/drawingml/2006/main" xmlns:r="http://schemas.openxmlformats.org/officeDocument/2006/relationships" xmlns:p="http://schemas.openxmlformats.org/presentationml/2006/main">
-  <p:cSld>
-    <p:spTree>
-      <p:nvGrpSpPr>
-        <p:cNvPr id="1" name=""/>
-        <p:cNvGrpSpPr/>
-        <p:nvPr/>
-      </p:nvGrpSpPr>
-      <p:grpSpPr>
-        <a:xfrm>
-          <a:off x="0" y="0"/>
-          <a:ext cx="0" cy="0"/>
-          <a:chOff x="0" y="0"/>
-          <a:chExt cx="0" cy="0"/>
-        </a:xfrm>
-      </p:grpSpPr>
-      <p:sp>
-        <p:nvSpPr>
-          <p:cNvPr id="9" name="Title 1">
-            <a:extLst>
-              <a:ext uri="{FF2B5EF4-FFF2-40B4-BE49-F238E27FC236}">
-                <a16:creationId xmlns:a16="http://schemas.microsoft.com/office/drawing/2014/main" id="{6810C9DC-E34D-376B-B27D-23C99C56A892}"/>
-              </a:ext>
-            </a:extLst>
-          </p:cNvPr>
-          <p:cNvSpPr>
-            <a:spLocks noGrp="1"/>
-          </p:cNvSpPr>
-          <p:nvPr/>
-        </p:nvSpPr>
-        <p:spPr>
-          <a:xfrm>
-            <a:off x="838200" y="183656"/>
-            <a:ext cx="10515600" cy="1325563"/>
-          </a:xfrm>
-          <a:prstGeom prst="rect">
-            <a:avLst/>
-          </a:prstGeom>
-        </p:spPr>
-        <p:txBody>
-          <a:bodyPr vert="horz" lIns="91440" tIns="45720" rIns="91440" bIns="45720" rtlCol="0" anchor="ctr">
-            <a:normAutofit/>
-          </a:bodyPr>
-          <a:lstStyle>
-            <a:lvl1pPr algn="l" defTabSz="914400" rtl="0" eaLnBrk="1" latinLnBrk="0" hangingPunct="1">
-              <a:lnSpc>
-                <a:spcPct val="90000"/>
-              </a:lnSpc>
-              <a:spcBef>
-                <a:spcPct val="0"/>
-              </a:spcBef>
-              <a:buNone/>
-              <a:defRPr sz="4400" kern="1200">
-                <a:solidFill>
-                  <a:schemeClr val="tx1"/>
-                </a:solidFill>
-                <a:latin typeface="+mj-lt"/>
-                <a:ea typeface="+mj-ea"/>
-                <a:cs typeface="+mj-cs"/>
-              </a:defRPr>
-            </a:lvl1pPr>
-          </a:lstStyle>
-          <a:p>
-            <a:pPr algn="ctr"/>
-            <a:r>
-              <a:rPr lang="en-US" dirty="0"/>
-              <a:t>Constraining A and alpha</a:t>
-            </a:r>
-          </a:p>
-        </p:txBody>
-      </p:sp>
-      <p:pic>
-        <p:nvPicPr>
-          <p:cNvPr id="29" name="Picture 28">
-            <a:extLst>
-              <a:ext uri="{FF2B5EF4-FFF2-40B4-BE49-F238E27FC236}">
-                <a16:creationId xmlns:a16="http://schemas.microsoft.com/office/drawing/2014/main" id="{EEA13AFD-0625-2942-1F5A-60A1B5E21580}"/>
-              </a:ext>
-            </a:extLst>
-          </p:cNvPr>
-          <p:cNvPicPr>
-            <a:picLocks noChangeAspect="1"/>
-          </p:cNvPicPr>
-          <p:nvPr/>
-        </p:nvPicPr>
-        <p:blipFill>
-          <a:blip r:embed="rId2"/>
-          <a:stretch>
-            <a:fillRect/>
-          </a:stretch>
-        </p:blipFill>
-        <p:spPr>
-          <a:xfrm>
-            <a:off x="533476" y="1907748"/>
-            <a:ext cx="3837631" cy="3837631"/>
-          </a:xfrm>
-          <a:prstGeom prst="rect">
-            <a:avLst/>
-          </a:prstGeom>
-        </p:spPr>
-      </p:pic>
-      <p:pic>
-        <p:nvPicPr>
-          <p:cNvPr id="31" name="Picture 30">
-            <a:extLst>
-              <a:ext uri="{FF2B5EF4-FFF2-40B4-BE49-F238E27FC236}">
-                <a16:creationId xmlns:a16="http://schemas.microsoft.com/office/drawing/2014/main" id="{E9AF9529-5A2D-480D-BF5D-100CE29E4D26}"/>
-              </a:ext>
-            </a:extLst>
-          </p:cNvPr>
-          <p:cNvPicPr>
-            <a:picLocks noChangeAspect="1"/>
-          </p:cNvPicPr>
-          <p:nvPr/>
-        </p:nvPicPr>
-        <p:blipFill>
-          <a:blip r:embed="rId3"/>
-          <a:stretch>
-            <a:fillRect/>
-          </a:stretch>
-        </p:blipFill>
-        <p:spPr>
-          <a:xfrm>
-            <a:off x="3832730" y="1901569"/>
-            <a:ext cx="3837631" cy="3837631"/>
-          </a:xfrm>
-          <a:prstGeom prst="rect">
-            <a:avLst/>
-          </a:prstGeom>
-        </p:spPr>
-      </p:pic>
-      <p:pic>
-        <p:nvPicPr>
-          <p:cNvPr id="33" name="Picture 32">
-            <a:extLst>
-              <a:ext uri="{FF2B5EF4-FFF2-40B4-BE49-F238E27FC236}">
-                <a16:creationId xmlns:a16="http://schemas.microsoft.com/office/drawing/2014/main" id="{E46DB9E1-E713-BB25-0284-62B3E903AB15}"/>
-              </a:ext>
-            </a:extLst>
-          </p:cNvPr>
-          <p:cNvPicPr>
-            <a:picLocks noChangeAspect="1"/>
-          </p:cNvPicPr>
-          <p:nvPr/>
-        </p:nvPicPr>
-        <p:blipFill>
-          <a:blip r:embed="rId4"/>
-          <a:stretch>
-            <a:fillRect/>
-          </a:stretch>
-        </p:blipFill>
-        <p:spPr>
-          <a:xfrm>
-            <a:off x="7131984" y="1901570"/>
-            <a:ext cx="3837631" cy="3837631"/>
-          </a:xfrm>
-          <a:prstGeom prst="rect">
-            <a:avLst/>
-          </a:prstGeom>
-        </p:spPr>
-      </p:pic>
-      <p:sp>
-        <p:nvSpPr>
-          <p:cNvPr id="34" name="TextBox 33">
-            <a:extLst>
-              <a:ext uri="{FF2B5EF4-FFF2-40B4-BE49-F238E27FC236}">
-                <a16:creationId xmlns:a16="http://schemas.microsoft.com/office/drawing/2014/main" id="{95A821C2-0056-FD04-08E4-F6D763696FD8}"/>
-              </a:ext>
-            </a:extLst>
-          </p:cNvPr>
-          <p:cNvSpPr txBox="1"/>
-          <p:nvPr/>
-        </p:nvSpPr>
-        <p:spPr>
-          <a:xfrm>
-            <a:off x="533476" y="1520728"/>
-            <a:ext cx="1343701" cy="369332"/>
-          </a:xfrm>
-          <a:prstGeom prst="rect">
-            <a:avLst/>
-          </a:prstGeom>
-          <a:noFill/>
-        </p:spPr>
-        <p:txBody>
-          <a:bodyPr wrap="none" rtlCol="0">
-            <a:spAutoFit/>
-          </a:bodyPr>
-          <a:lstStyle/>
-          <a:p>
-            <a:r>
-              <a:rPr lang="en-US" i="1" dirty="0"/>
-              <a:t>Energy bin 1</a:t>
-            </a:r>
-          </a:p>
-        </p:txBody>
-      </p:sp>
-      <p:sp>
-        <p:nvSpPr>
-          <p:cNvPr id="35" name="TextBox 34">
-            <a:extLst>
-              <a:ext uri="{FF2B5EF4-FFF2-40B4-BE49-F238E27FC236}">
-                <a16:creationId xmlns:a16="http://schemas.microsoft.com/office/drawing/2014/main" id="{99A5E30F-7002-224B-3540-5B62FD57361F}"/>
-              </a:ext>
-            </a:extLst>
-          </p:cNvPr>
-          <p:cNvSpPr txBox="1"/>
-          <p:nvPr/>
-        </p:nvSpPr>
-        <p:spPr>
-          <a:xfrm>
-            <a:off x="2090818" y="5554534"/>
-            <a:ext cx="1406145" cy="369332"/>
-          </a:xfrm>
-          <a:prstGeom prst="rect">
-            <a:avLst/>
-          </a:prstGeom>
-          <a:noFill/>
-        </p:spPr>
-        <p:txBody>
-          <a:bodyPr wrap="square" rtlCol="0">
-            <a:spAutoFit/>
-          </a:bodyPr>
-          <a:lstStyle/>
-          <a:p>
-            <a:r>
-              <a:rPr lang="en-US" dirty="0"/>
-              <a:t>alpha =  +2</a:t>
-            </a:r>
-          </a:p>
-        </p:txBody>
-      </p:sp>
-      <p:sp>
-        <p:nvSpPr>
-          <p:cNvPr id="36" name="TextBox 35">
-            <a:extLst>
-              <a:ext uri="{FF2B5EF4-FFF2-40B4-BE49-F238E27FC236}">
-                <a16:creationId xmlns:a16="http://schemas.microsoft.com/office/drawing/2014/main" id="{FAEFC7D5-734B-A38D-23F4-7E2E6A660DEA}"/>
-              </a:ext>
-            </a:extLst>
-          </p:cNvPr>
-          <p:cNvSpPr txBox="1"/>
-          <p:nvPr/>
-        </p:nvSpPr>
-        <p:spPr>
-          <a:xfrm>
-            <a:off x="5390072" y="5554534"/>
-            <a:ext cx="1406145" cy="369332"/>
-          </a:xfrm>
-          <a:prstGeom prst="rect">
-            <a:avLst/>
-          </a:prstGeom>
-          <a:noFill/>
-        </p:spPr>
-        <p:txBody>
-          <a:bodyPr wrap="square" rtlCol="0">
-            <a:spAutoFit/>
-          </a:bodyPr>
-          <a:lstStyle/>
-          <a:p>
-            <a:r>
-              <a:rPr lang="en-US" dirty="0"/>
-              <a:t>alpha =  0</a:t>
-            </a:r>
-          </a:p>
-        </p:txBody>
-      </p:sp>
-      <p:sp>
-        <p:nvSpPr>
-          <p:cNvPr id="37" name="TextBox 36">
-            <a:extLst>
-              <a:ext uri="{FF2B5EF4-FFF2-40B4-BE49-F238E27FC236}">
-                <a16:creationId xmlns:a16="http://schemas.microsoft.com/office/drawing/2014/main" id="{82326FE6-FAD9-322F-86B5-8C7AC1E67937}"/>
-              </a:ext>
-            </a:extLst>
-          </p:cNvPr>
-          <p:cNvSpPr txBox="1"/>
-          <p:nvPr/>
-        </p:nvSpPr>
-        <p:spPr>
-          <a:xfrm>
-            <a:off x="8689326" y="5554534"/>
-            <a:ext cx="1406145" cy="369332"/>
-          </a:xfrm>
-          <a:prstGeom prst="rect">
-            <a:avLst/>
-          </a:prstGeom>
-          <a:noFill/>
-        </p:spPr>
-        <p:txBody>
-          <a:bodyPr wrap="square" rtlCol="0">
-            <a:spAutoFit/>
-          </a:bodyPr>
-          <a:lstStyle/>
-          <a:p>
-            <a:r>
-              <a:rPr lang="en-US" dirty="0"/>
-              <a:t>alpha =  -2</a:t>
-            </a:r>
-          </a:p>
-        </p:txBody>
-      </p:sp>
-    </p:spTree>
-    <p:extLst>
-      <p:ext uri="{BB962C8B-B14F-4D97-AF65-F5344CB8AC3E}">
-        <p14:creationId xmlns:p14="http://schemas.microsoft.com/office/powerpoint/2010/main" val="1162840819"/>
-      </p:ext>
-    </p:extLst>
-  </p:cSld>
-  <p:clrMapOvr>
-    <a:masterClrMapping/>
-  </p:clrMapOvr>
-</p:sld>
-</file>
-
-<file path=ppt/slides/slide6.xml><?xml version="1.0" encoding="utf-8"?>
+<file path=ppt/slides/slide10.xml><?xml version="1.0" encoding="utf-8"?>
 <p:sld xmlns:a="http://schemas.openxmlformats.org/drawingml/2006/main" xmlns:r="http://schemas.openxmlformats.org/officeDocument/2006/relationships" xmlns:p="http://schemas.openxmlformats.org/presentationml/2006/main">
   <p:cSld>
     <p:spTree>
@@ -6169,6 +4396,3021 @@
 </p:sld>
 </file>
 
+<file path=ppt/slides/slide11.xml><?xml version="1.0" encoding="utf-8"?>
+<p:sld xmlns:a="http://schemas.openxmlformats.org/drawingml/2006/main" xmlns:r="http://schemas.openxmlformats.org/officeDocument/2006/relationships" xmlns:p="http://schemas.openxmlformats.org/presentationml/2006/main">
+  <p:cSld>
+    <p:spTree>
+      <p:nvGrpSpPr>
+        <p:cNvPr id="1" name=""/>
+        <p:cNvGrpSpPr/>
+        <p:nvPr/>
+      </p:nvGrpSpPr>
+      <p:grpSpPr>
+        <a:xfrm>
+          <a:off x="0" y="0"/>
+          <a:ext cx="0" cy="0"/>
+          <a:chOff x="0" y="0"/>
+          <a:chExt cx="0" cy="0"/>
+        </a:xfrm>
+      </p:grpSpPr>
+      <p:sp>
+        <p:nvSpPr>
+          <p:cNvPr id="2" name="Title 1">
+            <a:extLst>
+              <a:ext uri="{FF2B5EF4-FFF2-40B4-BE49-F238E27FC236}">
+                <a16:creationId xmlns:a16="http://schemas.microsoft.com/office/drawing/2014/main" id="{E1DAF982-9CB3-CB75-169D-9229DB81E3CB}"/>
+              </a:ext>
+            </a:extLst>
+          </p:cNvPr>
+          <p:cNvSpPr>
+            <a:spLocks noGrp="1"/>
+          </p:cNvSpPr>
+          <p:nvPr>
+            <p:ph type="title"/>
+          </p:nvPr>
+        </p:nvSpPr>
+        <p:spPr/>
+        <p:txBody>
+          <a:bodyPr/>
+          <a:lstStyle/>
+          <a:p>
+            <a:pPr algn="ctr"/>
+            <a:r>
+              <a:rPr lang="en-US" dirty="0"/>
+              <a:t>Constraining Neutrino Densities</a:t>
+            </a:r>
+          </a:p>
+        </p:txBody>
+      </p:sp>
+      <p:pic>
+        <p:nvPicPr>
+          <p:cNvPr id="4" name="Content Placeholder 3">
+            <a:extLst>
+              <a:ext uri="{FF2B5EF4-FFF2-40B4-BE49-F238E27FC236}">
+                <a16:creationId xmlns:a16="http://schemas.microsoft.com/office/drawing/2014/main" id="{CC24E834-E8BE-36A5-08A1-3172F1097F6F}"/>
+              </a:ext>
+            </a:extLst>
+          </p:cNvPr>
+          <p:cNvPicPr>
+            <a:picLocks noGrp="1" noChangeAspect="1"/>
+          </p:cNvPicPr>
+          <p:nvPr>
+            <p:ph idx="1"/>
+          </p:nvPr>
+        </p:nvPicPr>
+        <p:blipFill rotWithShape="1">
+          <a:blip r:embed="rId2"/>
+          <a:srcRect t="-132" b="50117"/>
+          <a:stretch/>
+        </p:blipFill>
+        <p:spPr>
+          <a:xfrm>
+            <a:off x="1354227" y="1921267"/>
+            <a:ext cx="9483546" cy="3554859"/>
+          </a:xfrm>
+        </p:spPr>
+      </p:pic>
+    </p:spTree>
+    <p:extLst>
+      <p:ext uri="{BB962C8B-B14F-4D97-AF65-F5344CB8AC3E}">
+        <p14:creationId xmlns:p14="http://schemas.microsoft.com/office/powerpoint/2010/main" val="1258703984"/>
+      </p:ext>
+    </p:extLst>
+  </p:cSld>
+  <p:clrMapOvr>
+    <a:masterClrMapping/>
+  </p:clrMapOvr>
+</p:sld>
+</file>
+
+<file path=ppt/slides/slide12.xml><?xml version="1.0" encoding="utf-8"?>
+<p:sld xmlns:a="http://schemas.openxmlformats.org/drawingml/2006/main" xmlns:r="http://schemas.openxmlformats.org/officeDocument/2006/relationships" xmlns:p="http://schemas.openxmlformats.org/presentationml/2006/main">
+  <p:cSld>
+    <p:spTree>
+      <p:nvGrpSpPr>
+        <p:cNvPr id="1" name=""/>
+        <p:cNvGrpSpPr/>
+        <p:nvPr/>
+      </p:nvGrpSpPr>
+      <p:grpSpPr>
+        <a:xfrm>
+          <a:off x="0" y="0"/>
+          <a:ext cx="0" cy="0"/>
+          <a:chOff x="0" y="0"/>
+          <a:chExt cx="0" cy="0"/>
+        </a:xfrm>
+      </p:grpSpPr>
+      <p:sp>
+        <p:nvSpPr>
+          <p:cNvPr id="2" name="Title 1">
+            <a:extLst>
+              <a:ext uri="{FF2B5EF4-FFF2-40B4-BE49-F238E27FC236}">
+                <a16:creationId xmlns:a16="http://schemas.microsoft.com/office/drawing/2014/main" id="{E1DAF982-9CB3-CB75-169D-9229DB81E3CB}"/>
+              </a:ext>
+            </a:extLst>
+          </p:cNvPr>
+          <p:cNvSpPr>
+            <a:spLocks noGrp="1"/>
+          </p:cNvSpPr>
+          <p:nvPr>
+            <p:ph type="title"/>
+          </p:nvPr>
+        </p:nvSpPr>
+        <p:spPr/>
+        <p:txBody>
+          <a:bodyPr/>
+          <a:lstStyle/>
+          <a:p>
+            <a:pPr algn="ctr"/>
+            <a:r>
+              <a:rPr lang="en-US" dirty="0"/>
+              <a:t>Constraining Neutrino Densities</a:t>
+            </a:r>
+          </a:p>
+        </p:txBody>
+      </p:sp>
+      <p:pic>
+        <p:nvPicPr>
+          <p:cNvPr id="4" name="Content Placeholder 3">
+            <a:extLst>
+              <a:ext uri="{FF2B5EF4-FFF2-40B4-BE49-F238E27FC236}">
+                <a16:creationId xmlns:a16="http://schemas.microsoft.com/office/drawing/2014/main" id="{CC24E834-E8BE-36A5-08A1-3172F1097F6F}"/>
+              </a:ext>
+            </a:extLst>
+          </p:cNvPr>
+          <p:cNvPicPr>
+            <a:picLocks noGrp="1" noChangeAspect="1"/>
+          </p:cNvPicPr>
+          <p:nvPr>
+            <p:ph idx="1"/>
+          </p:nvPr>
+        </p:nvPicPr>
+        <p:blipFill>
+          <a:blip r:embed="rId2"/>
+          <a:srcRect/>
+          <a:stretch/>
+        </p:blipFill>
+        <p:spPr>
+          <a:xfrm>
+            <a:off x="2679538" y="1445908"/>
+            <a:ext cx="6832922" cy="5122220"/>
+          </a:xfrm>
+        </p:spPr>
+      </p:pic>
+    </p:spTree>
+    <p:extLst>
+      <p:ext uri="{BB962C8B-B14F-4D97-AF65-F5344CB8AC3E}">
+        <p14:creationId xmlns:p14="http://schemas.microsoft.com/office/powerpoint/2010/main" val="2988406614"/>
+      </p:ext>
+    </p:extLst>
+  </p:cSld>
+  <p:clrMapOvr>
+    <a:masterClrMapping/>
+  </p:clrMapOvr>
+</p:sld>
+</file>
+
+<file path=ppt/slides/slide13.xml><?xml version="1.0" encoding="utf-8"?>
+<p:sld xmlns:a="http://schemas.openxmlformats.org/drawingml/2006/main" xmlns:r="http://schemas.openxmlformats.org/officeDocument/2006/relationships" xmlns:p="http://schemas.openxmlformats.org/presentationml/2006/main">
+  <p:cSld>
+    <p:spTree>
+      <p:nvGrpSpPr>
+        <p:cNvPr id="1" name=""/>
+        <p:cNvGrpSpPr/>
+        <p:nvPr/>
+      </p:nvGrpSpPr>
+      <p:grpSpPr>
+        <a:xfrm>
+          <a:off x="0" y="0"/>
+          <a:ext cx="0" cy="0"/>
+          <a:chOff x="0" y="0"/>
+          <a:chExt cx="0" cy="0"/>
+        </a:xfrm>
+      </p:grpSpPr>
+      <p:sp>
+        <p:nvSpPr>
+          <p:cNvPr id="2" name="Title 1">
+            <a:extLst>
+              <a:ext uri="{FF2B5EF4-FFF2-40B4-BE49-F238E27FC236}">
+                <a16:creationId xmlns:a16="http://schemas.microsoft.com/office/drawing/2014/main" id="{57CCF9C3-65CD-5C40-E98E-48F5E6120FEC}"/>
+              </a:ext>
+            </a:extLst>
+          </p:cNvPr>
+          <p:cNvSpPr>
+            <a:spLocks noGrp="1"/>
+          </p:cNvSpPr>
+          <p:nvPr>
+            <p:ph type="title"/>
+          </p:nvPr>
+        </p:nvSpPr>
+        <p:spPr/>
+        <p:txBody>
+          <a:bodyPr/>
+          <a:lstStyle/>
+          <a:p>
+            <a:pPr algn="ctr"/>
+            <a:r>
+              <a:rPr lang="en-US" dirty="0"/>
+              <a:t>Summary</a:t>
+            </a:r>
+          </a:p>
+        </p:txBody>
+      </p:sp>
+      <p:sp>
+        <p:nvSpPr>
+          <p:cNvPr id="3" name="Content Placeholder 2">
+            <a:extLst>
+              <a:ext uri="{FF2B5EF4-FFF2-40B4-BE49-F238E27FC236}">
+                <a16:creationId xmlns:a16="http://schemas.microsoft.com/office/drawing/2014/main" id="{669DECBC-5E1E-1831-0377-DFFC0DAEFA84}"/>
+              </a:ext>
+            </a:extLst>
+          </p:cNvPr>
+          <p:cNvSpPr>
+            <a:spLocks noGrp="1"/>
+          </p:cNvSpPr>
+          <p:nvPr>
+            <p:ph idx="1"/>
+          </p:nvPr>
+        </p:nvSpPr>
+        <p:spPr/>
+        <p:txBody>
+          <a:bodyPr/>
+          <a:lstStyle/>
+          <a:p>
+            <a:r>
+              <a:rPr lang="en-US" dirty="0"/>
+              <a:t>Attempted to find source of astrophysical neutrinos</a:t>
+            </a:r>
+          </a:p>
+          <a:p>
+            <a:r>
+              <a:rPr lang="en-US" dirty="0"/>
+              <a:t>No significant detection of correlation with galaxies</a:t>
+            </a:r>
+          </a:p>
+          <a:p>
+            <a:r>
+              <a:rPr lang="en-US" dirty="0"/>
+              <a:t>Present constraints on     and</a:t>
+            </a:r>
+          </a:p>
+        </p:txBody>
+      </p:sp>
+      <p:pic>
+        <p:nvPicPr>
+          <p:cNvPr id="4" name="Picture 3">
+            <a:extLst>
+              <a:ext uri="{FF2B5EF4-FFF2-40B4-BE49-F238E27FC236}">
+                <a16:creationId xmlns:a16="http://schemas.microsoft.com/office/drawing/2014/main" id="{25CA1D96-D323-8241-3CBC-AD9F39DA6AB7}"/>
+              </a:ext>
+            </a:extLst>
+          </p:cNvPr>
+          <p:cNvPicPr>
+            <a:picLocks noChangeAspect="1"/>
+          </p:cNvPicPr>
+          <p:nvPr/>
+        </p:nvPicPr>
+        <p:blipFill rotWithShape="1">
+          <a:blip r:embed="rId2"/>
+          <a:srcRect l="50323" t="69725" r="47522" b="27687"/>
+          <a:stretch/>
+        </p:blipFill>
+        <p:spPr>
+          <a:xfrm>
+            <a:off x="4461859" y="2784644"/>
+            <a:ext cx="311347" cy="529046"/>
+          </a:xfrm>
+          <a:prstGeom prst="rect">
+            <a:avLst/>
+          </a:prstGeom>
+        </p:spPr>
+      </p:pic>
+      <p:pic>
+        <p:nvPicPr>
+          <p:cNvPr id="5" name="Picture 4">
+            <a:extLst>
+              <a:ext uri="{FF2B5EF4-FFF2-40B4-BE49-F238E27FC236}">
+                <a16:creationId xmlns:a16="http://schemas.microsoft.com/office/drawing/2014/main" id="{55C6B21E-292D-D430-4CDF-5F04179B0EFB}"/>
+              </a:ext>
+            </a:extLst>
+          </p:cNvPr>
+          <p:cNvPicPr>
+            <a:picLocks noChangeAspect="1"/>
+          </p:cNvPicPr>
+          <p:nvPr/>
+        </p:nvPicPr>
+        <p:blipFill rotWithShape="1">
+          <a:blip r:embed="rId2"/>
+          <a:srcRect l="50000" t="65040" r="46260" b="31171"/>
+          <a:stretch/>
+        </p:blipFill>
+        <p:spPr>
+          <a:xfrm>
+            <a:off x="5339477" y="2661897"/>
+            <a:ext cx="540279" cy="774540"/>
+          </a:xfrm>
+          <a:prstGeom prst="rect">
+            <a:avLst/>
+          </a:prstGeom>
+        </p:spPr>
+      </p:pic>
+    </p:spTree>
+    <p:extLst>
+      <p:ext uri="{BB962C8B-B14F-4D97-AF65-F5344CB8AC3E}">
+        <p14:creationId xmlns:p14="http://schemas.microsoft.com/office/powerpoint/2010/main" val="3025161235"/>
+      </p:ext>
+    </p:extLst>
+  </p:cSld>
+  <p:clrMapOvr>
+    <a:masterClrMapping/>
+  </p:clrMapOvr>
+  <p:timing>
+    <p:tnLst>
+      <p:par>
+        <p:cTn id="1" dur="indefinite" restart="never" nodeType="tmRoot">
+          <p:childTnLst>
+            <p:seq concurrent="1" nextAc="seek">
+              <p:cTn id="2" dur="indefinite" nodeType="mainSeq">
+                <p:childTnLst>
+                  <p:par>
+                    <p:cTn id="3" fill="hold">
+                      <p:stCondLst>
+                        <p:cond delay="indefinite"/>
+                      </p:stCondLst>
+                      <p:childTnLst>
+                        <p:par>
+                          <p:cTn id="4" fill="hold">
+                            <p:stCondLst>
+                              <p:cond delay="0"/>
+                            </p:stCondLst>
+                            <p:childTnLst>
+                              <p:par>
+                                <p:cTn id="5" presetID="1" presetClass="entr" presetSubtype="0" fill="hold" nodeType="clickEffect">
+                                  <p:stCondLst>
+                                    <p:cond delay="0"/>
+                                  </p:stCondLst>
+                                  <p:childTnLst>
+                                    <p:set>
+                                      <p:cBhvr>
+                                        <p:cTn id="6" dur="1" fill="hold">
+                                          <p:stCondLst>
+                                            <p:cond delay="0"/>
+                                          </p:stCondLst>
+                                        </p:cTn>
+                                        <p:tgtEl>
+                                          <p:spTgt spid="3">
+                                            <p:txEl>
+                                              <p:pRg st="0" end="0"/>
+                                            </p:txEl>
+                                          </p:spTgt>
+                                        </p:tgtEl>
+                                        <p:attrNameLst>
+                                          <p:attrName>style.visibility</p:attrName>
+                                        </p:attrNameLst>
+                                      </p:cBhvr>
+                                      <p:to>
+                                        <p:strVal val="visible"/>
+                                      </p:to>
+                                    </p:set>
+                                  </p:childTnLst>
+                                </p:cTn>
+                              </p:par>
+                            </p:childTnLst>
+                          </p:cTn>
+                        </p:par>
+                      </p:childTnLst>
+                    </p:cTn>
+                  </p:par>
+                  <p:par>
+                    <p:cTn id="7" fill="hold">
+                      <p:stCondLst>
+                        <p:cond delay="indefinite"/>
+                      </p:stCondLst>
+                      <p:childTnLst>
+                        <p:par>
+                          <p:cTn id="8" fill="hold">
+                            <p:stCondLst>
+                              <p:cond delay="0"/>
+                            </p:stCondLst>
+                            <p:childTnLst>
+                              <p:par>
+                                <p:cTn id="9" presetID="1" presetClass="entr" presetSubtype="0" fill="hold" nodeType="clickEffect">
+                                  <p:stCondLst>
+                                    <p:cond delay="0"/>
+                                  </p:stCondLst>
+                                  <p:childTnLst>
+                                    <p:set>
+                                      <p:cBhvr>
+                                        <p:cTn id="10" dur="1" fill="hold">
+                                          <p:stCondLst>
+                                            <p:cond delay="0"/>
+                                          </p:stCondLst>
+                                        </p:cTn>
+                                        <p:tgtEl>
+                                          <p:spTgt spid="3">
+                                            <p:txEl>
+                                              <p:pRg st="1" end="1"/>
+                                            </p:txEl>
+                                          </p:spTgt>
+                                        </p:tgtEl>
+                                        <p:attrNameLst>
+                                          <p:attrName>style.visibility</p:attrName>
+                                        </p:attrNameLst>
+                                      </p:cBhvr>
+                                      <p:to>
+                                        <p:strVal val="visible"/>
+                                      </p:to>
+                                    </p:set>
+                                  </p:childTnLst>
+                                </p:cTn>
+                              </p:par>
+                            </p:childTnLst>
+                          </p:cTn>
+                        </p:par>
+                      </p:childTnLst>
+                    </p:cTn>
+                  </p:par>
+                  <p:par>
+                    <p:cTn id="11" fill="hold">
+                      <p:stCondLst>
+                        <p:cond delay="indefinite"/>
+                      </p:stCondLst>
+                      <p:childTnLst>
+                        <p:par>
+                          <p:cTn id="12" fill="hold">
+                            <p:stCondLst>
+                              <p:cond delay="0"/>
+                            </p:stCondLst>
+                            <p:childTnLst>
+                              <p:par>
+                                <p:cTn id="13" presetID="1" presetClass="entr" presetSubtype="0" fill="hold" nodeType="clickEffect">
+                                  <p:stCondLst>
+                                    <p:cond delay="0"/>
+                                  </p:stCondLst>
+                                  <p:childTnLst>
+                                    <p:set>
+                                      <p:cBhvr>
+                                        <p:cTn id="14" dur="1" fill="hold">
+                                          <p:stCondLst>
+                                            <p:cond delay="0"/>
+                                          </p:stCondLst>
+                                        </p:cTn>
+                                        <p:tgtEl>
+                                          <p:spTgt spid="3">
+                                            <p:txEl>
+                                              <p:pRg st="2" end="2"/>
+                                            </p:txEl>
+                                          </p:spTgt>
+                                        </p:tgtEl>
+                                        <p:attrNameLst>
+                                          <p:attrName>style.visibility</p:attrName>
+                                        </p:attrNameLst>
+                                      </p:cBhvr>
+                                      <p:to>
+                                        <p:strVal val="visible"/>
+                                      </p:to>
+                                    </p:set>
+                                  </p:childTnLst>
+                                </p:cTn>
+                              </p:par>
+                              <p:par>
+                                <p:cTn id="15" presetID="1" presetClass="entr" presetSubtype="0" fill="hold" nodeType="withEffect">
+                                  <p:stCondLst>
+                                    <p:cond delay="0"/>
+                                  </p:stCondLst>
+                                  <p:childTnLst>
+                                    <p:set>
+                                      <p:cBhvr>
+                                        <p:cTn id="16" dur="1" fill="hold">
+                                          <p:stCondLst>
+                                            <p:cond delay="0"/>
+                                          </p:stCondLst>
+                                        </p:cTn>
+                                        <p:tgtEl>
+                                          <p:spTgt spid="4"/>
+                                        </p:tgtEl>
+                                        <p:attrNameLst>
+                                          <p:attrName>style.visibility</p:attrName>
+                                        </p:attrNameLst>
+                                      </p:cBhvr>
+                                      <p:to>
+                                        <p:strVal val="visible"/>
+                                      </p:to>
+                                    </p:set>
+                                  </p:childTnLst>
+                                </p:cTn>
+                              </p:par>
+                              <p:par>
+                                <p:cTn id="17" presetID="1" presetClass="entr" presetSubtype="0" fill="hold" nodeType="withEffect">
+                                  <p:stCondLst>
+                                    <p:cond delay="0"/>
+                                  </p:stCondLst>
+                                  <p:childTnLst>
+                                    <p:set>
+                                      <p:cBhvr>
+                                        <p:cTn id="18" dur="1" fill="hold">
+                                          <p:stCondLst>
+                                            <p:cond delay="0"/>
+                                          </p:stCondLst>
+                                        </p:cTn>
+                                        <p:tgtEl>
+                                          <p:spTgt spid="5"/>
+                                        </p:tgtEl>
+                                        <p:attrNameLst>
+                                          <p:attrName>style.visibility</p:attrName>
+                                        </p:attrNameLst>
+                                      </p:cBhvr>
+                                      <p:to>
+                                        <p:strVal val="visible"/>
+                                      </p:to>
+                                    </p:set>
+                                  </p:childTnLst>
+                                </p:cTn>
+                              </p:par>
+                            </p:childTnLst>
+                          </p:cTn>
+                        </p:par>
+                      </p:childTnLst>
+                    </p:cTn>
+                  </p:par>
+                </p:childTnLst>
+              </p:cTn>
+              <p:prevCondLst>
+                <p:cond evt="onPrev" delay="0">
+                  <p:tgtEl>
+                    <p:sldTgt/>
+                  </p:tgtEl>
+                </p:cond>
+              </p:prevCondLst>
+              <p:nextCondLst>
+                <p:cond evt="onNext" delay="0">
+                  <p:tgtEl>
+                    <p:sldTgt/>
+                  </p:tgtEl>
+                </p:cond>
+              </p:nextCondLst>
+            </p:seq>
+          </p:childTnLst>
+        </p:cTn>
+      </p:par>
+    </p:tnLst>
+  </p:timing>
+</p:sld>
+</file>
+
+<file path=ppt/slides/slide14.xml><?xml version="1.0" encoding="utf-8"?>
+<p:sld xmlns:a="http://schemas.openxmlformats.org/drawingml/2006/main" xmlns:r="http://schemas.openxmlformats.org/officeDocument/2006/relationships" xmlns:p="http://schemas.openxmlformats.org/presentationml/2006/main">
+  <p:cSld>
+    <p:spTree>
+      <p:nvGrpSpPr>
+        <p:cNvPr id="1" name=""/>
+        <p:cNvGrpSpPr/>
+        <p:nvPr/>
+      </p:nvGrpSpPr>
+      <p:grpSpPr>
+        <a:xfrm>
+          <a:off x="0" y="0"/>
+          <a:ext cx="0" cy="0"/>
+          <a:chOff x="0" y="0"/>
+          <a:chExt cx="0" cy="0"/>
+        </a:xfrm>
+      </p:grpSpPr>
+      <p:sp>
+        <p:nvSpPr>
+          <p:cNvPr id="2" name="Title 1">
+            <a:extLst>
+              <a:ext uri="{FF2B5EF4-FFF2-40B4-BE49-F238E27FC236}">
+                <a16:creationId xmlns:a16="http://schemas.microsoft.com/office/drawing/2014/main" id="{C73884B5-D0CF-2F8B-2086-A4042E1BBFF0}"/>
+              </a:ext>
+            </a:extLst>
+          </p:cNvPr>
+          <p:cNvSpPr>
+            <a:spLocks noGrp="1"/>
+          </p:cNvSpPr>
+          <p:nvPr>
+            <p:ph type="title"/>
+          </p:nvPr>
+        </p:nvSpPr>
+        <p:spPr>
+          <a:xfrm>
+            <a:off x="838200" y="2481602"/>
+            <a:ext cx="10515600" cy="1325563"/>
+          </a:xfrm>
+        </p:spPr>
+        <p:txBody>
+          <a:bodyPr/>
+          <a:lstStyle/>
+          <a:p>
+            <a:pPr algn="ctr"/>
+            <a:r>
+              <a:rPr lang="en-US" dirty="0"/>
+              <a:t>Extra Slides</a:t>
+            </a:r>
+          </a:p>
+        </p:txBody>
+      </p:sp>
+    </p:spTree>
+    <p:extLst>
+      <p:ext uri="{BB962C8B-B14F-4D97-AF65-F5344CB8AC3E}">
+        <p14:creationId xmlns:p14="http://schemas.microsoft.com/office/powerpoint/2010/main" val="458420204"/>
+      </p:ext>
+    </p:extLst>
+  </p:cSld>
+  <p:clrMapOvr>
+    <a:masterClrMapping/>
+  </p:clrMapOvr>
+</p:sld>
+</file>
+
+<file path=ppt/slides/slide15.xml><?xml version="1.0" encoding="utf-8"?>
+<p:sld xmlns:a="http://schemas.openxmlformats.org/drawingml/2006/main" xmlns:r="http://schemas.openxmlformats.org/officeDocument/2006/relationships" xmlns:p="http://schemas.openxmlformats.org/presentationml/2006/main">
+  <p:cSld>
+    <p:spTree>
+      <p:nvGrpSpPr>
+        <p:cNvPr id="1" name=""/>
+        <p:cNvGrpSpPr/>
+        <p:nvPr/>
+      </p:nvGrpSpPr>
+      <p:grpSpPr>
+        <a:xfrm>
+          <a:off x="0" y="0"/>
+          <a:ext cx="0" cy="0"/>
+          <a:chOff x="0" y="0"/>
+          <a:chExt cx="0" cy="0"/>
+        </a:xfrm>
+      </p:grpSpPr>
+      <p:sp>
+        <p:nvSpPr>
+          <p:cNvPr id="5" name="Oval 4">
+            <a:extLst>
+              <a:ext uri="{FF2B5EF4-FFF2-40B4-BE49-F238E27FC236}">
+                <a16:creationId xmlns:a16="http://schemas.microsoft.com/office/drawing/2014/main" id="{0298FB02-7C43-AD17-2662-6CA511070569}"/>
+              </a:ext>
+            </a:extLst>
+          </p:cNvPr>
+          <p:cNvSpPr/>
+          <p:nvPr/>
+        </p:nvSpPr>
+        <p:spPr>
+          <a:xfrm>
+            <a:off x="4053583" y="1663379"/>
+            <a:ext cx="4084834" cy="4084834"/>
+          </a:xfrm>
+          <a:prstGeom prst="ellipse">
+            <a:avLst/>
+          </a:prstGeom>
+          <a:solidFill>
+            <a:srgbClr val="00B0F0"/>
+          </a:solidFill>
+          <a:ln>
+            <a:noFill/>
+          </a:ln>
+        </p:spPr>
+        <p:style>
+          <a:lnRef idx="2">
+            <a:schemeClr val="accent1">
+              <a:shade val="50000"/>
+            </a:schemeClr>
+          </a:lnRef>
+          <a:fillRef idx="1">
+            <a:schemeClr val="accent1"/>
+          </a:fillRef>
+          <a:effectRef idx="0">
+            <a:schemeClr val="accent1"/>
+          </a:effectRef>
+          <a:fontRef idx="minor">
+            <a:schemeClr val="lt1"/>
+          </a:fontRef>
+        </p:style>
+        <p:txBody>
+          <a:bodyPr rtlCol="0" anchor="ctr"/>
+          <a:lstStyle/>
+          <a:p>
+            <a:pPr algn="ctr"/>
+            <a:endParaRPr lang="en-US"/>
+          </a:p>
+        </p:txBody>
+      </p:sp>
+      <p:sp>
+        <p:nvSpPr>
+          <p:cNvPr id="2" name="Title 1">
+            <a:extLst>
+              <a:ext uri="{FF2B5EF4-FFF2-40B4-BE49-F238E27FC236}">
+                <a16:creationId xmlns:a16="http://schemas.microsoft.com/office/drawing/2014/main" id="{E9F9D561-CA9B-DFBE-7F49-1C402A0C387E}"/>
+              </a:ext>
+            </a:extLst>
+          </p:cNvPr>
+          <p:cNvSpPr>
+            <a:spLocks noGrp="1"/>
+          </p:cNvSpPr>
+          <p:nvPr>
+            <p:ph type="title"/>
+          </p:nvPr>
+        </p:nvSpPr>
+        <p:spPr/>
+        <p:txBody>
+          <a:bodyPr/>
+          <a:lstStyle/>
+          <a:p>
+            <a:pPr algn="ctr"/>
+            <a:r>
+              <a:rPr lang="en-US" dirty="0"/>
+              <a:t>Atmospheric Neutrinos</a:t>
+            </a:r>
+          </a:p>
+        </p:txBody>
+      </p:sp>
+      <p:sp>
+        <p:nvSpPr>
+          <p:cNvPr id="4" name="Oval 3">
+            <a:extLst>
+              <a:ext uri="{FF2B5EF4-FFF2-40B4-BE49-F238E27FC236}">
+                <a16:creationId xmlns:a16="http://schemas.microsoft.com/office/drawing/2014/main" id="{0CA80116-ADF7-5F6F-E32C-6DCB9B61D707}"/>
+              </a:ext>
+            </a:extLst>
+          </p:cNvPr>
+          <p:cNvSpPr/>
+          <p:nvPr/>
+        </p:nvSpPr>
+        <p:spPr>
+          <a:xfrm>
+            <a:off x="4380216" y="1990012"/>
+            <a:ext cx="3431568" cy="3431568"/>
+          </a:xfrm>
+          <a:prstGeom prst="ellipse">
+            <a:avLst/>
+          </a:prstGeom>
+          <a:solidFill>
+            <a:srgbClr val="92D050"/>
+          </a:solidFill>
+          <a:ln>
+            <a:noFill/>
+          </a:ln>
+        </p:spPr>
+        <p:style>
+          <a:lnRef idx="2">
+            <a:schemeClr val="accent1">
+              <a:shade val="50000"/>
+            </a:schemeClr>
+          </a:lnRef>
+          <a:fillRef idx="1">
+            <a:schemeClr val="accent1"/>
+          </a:fillRef>
+          <a:effectRef idx="0">
+            <a:schemeClr val="accent1"/>
+          </a:effectRef>
+          <a:fontRef idx="minor">
+            <a:schemeClr val="lt1"/>
+          </a:fontRef>
+        </p:style>
+        <p:txBody>
+          <a:bodyPr rtlCol="0" anchor="ctr"/>
+          <a:lstStyle/>
+          <a:p>
+            <a:pPr algn="ctr"/>
+            <a:r>
+              <a:rPr lang="en-US" sz="2800" dirty="0">
+                <a:solidFill>
+                  <a:sysClr val="windowText" lastClr="000000"/>
+                </a:solidFill>
+              </a:rPr>
+              <a:t>Earth</a:t>
+            </a:r>
+            <a:endParaRPr lang="en-US" dirty="0">
+              <a:solidFill>
+                <a:sysClr val="windowText" lastClr="000000"/>
+              </a:solidFill>
+            </a:endParaRPr>
+          </a:p>
+        </p:txBody>
+      </p:sp>
+      <p:sp>
+        <p:nvSpPr>
+          <p:cNvPr id="6" name="Rectangle 5">
+            <a:extLst>
+              <a:ext uri="{FF2B5EF4-FFF2-40B4-BE49-F238E27FC236}">
+                <a16:creationId xmlns:a16="http://schemas.microsoft.com/office/drawing/2014/main" id="{EAC9A372-738C-C9A0-C291-731F87859651}"/>
+              </a:ext>
+            </a:extLst>
+          </p:cNvPr>
+          <p:cNvSpPr/>
+          <p:nvPr/>
+        </p:nvSpPr>
+        <p:spPr>
+          <a:xfrm>
+            <a:off x="5895654" y="5421580"/>
+            <a:ext cx="400692" cy="147013"/>
+          </a:xfrm>
+          <a:prstGeom prst="rect">
+            <a:avLst/>
+          </a:prstGeom>
+          <a:solidFill>
+            <a:schemeClr val="bg1"/>
+          </a:solidFill>
+          <a:ln>
+            <a:noFill/>
+          </a:ln>
+        </p:spPr>
+        <p:style>
+          <a:lnRef idx="2">
+            <a:schemeClr val="accent1">
+              <a:shade val="50000"/>
+            </a:schemeClr>
+          </a:lnRef>
+          <a:fillRef idx="1">
+            <a:schemeClr val="accent1"/>
+          </a:fillRef>
+          <a:effectRef idx="0">
+            <a:schemeClr val="accent1"/>
+          </a:effectRef>
+          <a:fontRef idx="minor">
+            <a:schemeClr val="lt1"/>
+          </a:fontRef>
+        </p:style>
+        <p:txBody>
+          <a:bodyPr rtlCol="0" anchor="ctr"/>
+          <a:lstStyle/>
+          <a:p>
+            <a:pPr algn="ctr"/>
+            <a:endParaRPr lang="en-US"/>
+          </a:p>
+        </p:txBody>
+      </p:sp>
+      <p:sp>
+        <p:nvSpPr>
+          <p:cNvPr id="3" name="Rectangle 2">
+            <a:extLst>
+              <a:ext uri="{FF2B5EF4-FFF2-40B4-BE49-F238E27FC236}">
+                <a16:creationId xmlns:a16="http://schemas.microsoft.com/office/drawing/2014/main" id="{43FF902E-E5D2-5D49-FDF4-8B2B4E89B5A5}"/>
+              </a:ext>
+            </a:extLst>
+          </p:cNvPr>
+          <p:cNvSpPr/>
+          <p:nvPr/>
+        </p:nvSpPr>
+        <p:spPr>
+          <a:xfrm>
+            <a:off x="5895625" y="5295926"/>
+            <a:ext cx="400692" cy="147013"/>
+          </a:xfrm>
+          <a:prstGeom prst="rect">
+            <a:avLst/>
+          </a:prstGeom>
+          <a:solidFill>
+            <a:schemeClr val="bg1"/>
+          </a:solidFill>
+          <a:ln>
+            <a:noFill/>
+          </a:ln>
+        </p:spPr>
+        <p:style>
+          <a:lnRef idx="2">
+            <a:schemeClr val="accent1">
+              <a:shade val="50000"/>
+            </a:schemeClr>
+          </a:lnRef>
+          <a:fillRef idx="1">
+            <a:schemeClr val="accent1"/>
+          </a:fillRef>
+          <a:effectRef idx="0">
+            <a:schemeClr val="accent1"/>
+          </a:effectRef>
+          <a:fontRef idx="minor">
+            <a:schemeClr val="lt1"/>
+          </a:fontRef>
+        </p:style>
+        <p:txBody>
+          <a:bodyPr rtlCol="0" anchor="ctr"/>
+          <a:lstStyle/>
+          <a:p>
+            <a:pPr algn="ctr"/>
+            <a:endParaRPr lang="en-US"/>
+          </a:p>
+        </p:txBody>
+      </p:sp>
+      <p:cxnSp>
+        <p:nvCxnSpPr>
+          <p:cNvPr id="8" name="Straight Connector 7">
+            <a:extLst>
+              <a:ext uri="{FF2B5EF4-FFF2-40B4-BE49-F238E27FC236}">
+                <a16:creationId xmlns:a16="http://schemas.microsoft.com/office/drawing/2014/main" id="{4CEB77E9-57B0-A9B8-80A5-4B7311098C29}"/>
+              </a:ext>
+            </a:extLst>
+          </p:cNvPr>
+          <p:cNvCxnSpPr>
+            <a:cxnSpLocks/>
+          </p:cNvCxnSpPr>
+          <p:nvPr/>
+        </p:nvCxnSpPr>
+        <p:spPr>
+          <a:xfrm>
+            <a:off x="247135" y="5421580"/>
+            <a:ext cx="10222865" cy="0"/>
+          </a:xfrm>
+          <a:prstGeom prst="line">
+            <a:avLst/>
+          </a:prstGeom>
+          <a:ln w="25400">
+            <a:solidFill>
+              <a:schemeClr val="bg2">
+                <a:lumMod val="75000"/>
+              </a:schemeClr>
+            </a:solidFill>
+            <a:prstDash val="dash"/>
+          </a:ln>
+        </p:spPr>
+        <p:style>
+          <a:lnRef idx="1">
+            <a:schemeClr val="accent1"/>
+          </a:lnRef>
+          <a:fillRef idx="0">
+            <a:schemeClr val="accent1"/>
+          </a:fillRef>
+          <a:effectRef idx="0">
+            <a:schemeClr val="accent1"/>
+          </a:effectRef>
+          <a:fontRef idx="minor">
+            <a:schemeClr val="tx1"/>
+          </a:fontRef>
+        </p:style>
+      </p:cxnSp>
+      <p:sp>
+        <p:nvSpPr>
+          <p:cNvPr id="10" name="TextBox 9">
+            <a:extLst>
+              <a:ext uri="{FF2B5EF4-FFF2-40B4-BE49-F238E27FC236}">
+                <a16:creationId xmlns:a16="http://schemas.microsoft.com/office/drawing/2014/main" id="{469C0D90-DFAC-117C-31AB-B87D003055C4}"/>
+              </a:ext>
+            </a:extLst>
+          </p:cNvPr>
+          <p:cNvSpPr txBox="1"/>
+          <p:nvPr/>
+        </p:nvSpPr>
+        <p:spPr>
+          <a:xfrm>
+            <a:off x="10433527" y="5236914"/>
+            <a:ext cx="1588384" cy="369332"/>
+          </a:xfrm>
+          <a:prstGeom prst="rect">
+            <a:avLst/>
+          </a:prstGeom>
+          <a:noFill/>
+        </p:spPr>
+        <p:txBody>
+          <a:bodyPr wrap="none" rtlCol="0">
+            <a:spAutoFit/>
+          </a:bodyPr>
+          <a:lstStyle/>
+          <a:p>
+            <a:r>
+              <a:rPr lang="en-US" dirty="0"/>
+              <a:t>Declination = 0</a:t>
+            </a:r>
+          </a:p>
+        </p:txBody>
+      </p:sp>
+      <p:sp>
+        <p:nvSpPr>
+          <p:cNvPr id="11" name="TextBox 10">
+            <a:extLst>
+              <a:ext uri="{FF2B5EF4-FFF2-40B4-BE49-F238E27FC236}">
+                <a16:creationId xmlns:a16="http://schemas.microsoft.com/office/drawing/2014/main" id="{44F68A33-0793-3F24-A109-AEFA6ADA8914}"/>
+              </a:ext>
+            </a:extLst>
+          </p:cNvPr>
+          <p:cNvSpPr txBox="1"/>
+          <p:nvPr/>
+        </p:nvSpPr>
+        <p:spPr>
+          <a:xfrm>
+            <a:off x="5200338" y="5679841"/>
+            <a:ext cx="1791324" cy="369332"/>
+          </a:xfrm>
+          <a:prstGeom prst="rect">
+            <a:avLst/>
+          </a:prstGeom>
+          <a:noFill/>
+        </p:spPr>
+        <p:txBody>
+          <a:bodyPr wrap="none" rtlCol="0">
+            <a:spAutoFit/>
+          </a:bodyPr>
+          <a:lstStyle/>
+          <a:p>
+            <a:r>
+              <a:rPr lang="en-US" dirty="0" err="1"/>
+              <a:t>IceCube</a:t>
+            </a:r>
+            <a:r>
+              <a:rPr lang="en-US" dirty="0"/>
+              <a:t> detector</a:t>
+            </a:r>
+          </a:p>
+        </p:txBody>
+      </p:sp>
+      <p:sp>
+        <p:nvSpPr>
+          <p:cNvPr id="12" name="TextBox 11">
+            <a:extLst>
+              <a:ext uri="{FF2B5EF4-FFF2-40B4-BE49-F238E27FC236}">
+                <a16:creationId xmlns:a16="http://schemas.microsoft.com/office/drawing/2014/main" id="{2C9124AB-9A24-1BFD-931C-76A6B199CCA8}"/>
+              </a:ext>
+            </a:extLst>
+          </p:cNvPr>
+          <p:cNvSpPr txBox="1"/>
+          <p:nvPr/>
+        </p:nvSpPr>
+        <p:spPr>
+          <a:xfrm>
+            <a:off x="484427" y="5052248"/>
+            <a:ext cx="2220673" cy="369332"/>
+          </a:xfrm>
+          <a:prstGeom prst="rect">
+            <a:avLst/>
+          </a:prstGeom>
+          <a:noFill/>
+        </p:spPr>
+        <p:txBody>
+          <a:bodyPr wrap="none" rtlCol="0">
+            <a:spAutoFit/>
+          </a:bodyPr>
+          <a:lstStyle/>
+          <a:p>
+            <a:r>
+              <a:rPr lang="en-US" dirty="0"/>
+              <a:t>Northern hemisphere</a:t>
+            </a:r>
+          </a:p>
+        </p:txBody>
+      </p:sp>
+      <p:sp>
+        <p:nvSpPr>
+          <p:cNvPr id="13" name="TextBox 12">
+            <a:extLst>
+              <a:ext uri="{FF2B5EF4-FFF2-40B4-BE49-F238E27FC236}">
+                <a16:creationId xmlns:a16="http://schemas.microsoft.com/office/drawing/2014/main" id="{00B0B928-058C-D470-45EC-C535DA2BD555}"/>
+              </a:ext>
+            </a:extLst>
+          </p:cNvPr>
+          <p:cNvSpPr txBox="1"/>
+          <p:nvPr/>
+        </p:nvSpPr>
+        <p:spPr>
+          <a:xfrm>
+            <a:off x="486031" y="5442026"/>
+            <a:ext cx="2219069" cy="369332"/>
+          </a:xfrm>
+          <a:prstGeom prst="rect">
+            <a:avLst/>
+          </a:prstGeom>
+          <a:noFill/>
+        </p:spPr>
+        <p:txBody>
+          <a:bodyPr wrap="none" rtlCol="0">
+            <a:spAutoFit/>
+          </a:bodyPr>
+          <a:lstStyle/>
+          <a:p>
+            <a:r>
+              <a:rPr lang="en-US" dirty="0"/>
+              <a:t>Southern hemisphere</a:t>
+            </a:r>
+          </a:p>
+        </p:txBody>
+      </p:sp>
+      <p:cxnSp>
+        <p:nvCxnSpPr>
+          <p:cNvPr id="15" name="Straight Connector 14">
+            <a:extLst>
+              <a:ext uri="{FF2B5EF4-FFF2-40B4-BE49-F238E27FC236}">
+                <a16:creationId xmlns:a16="http://schemas.microsoft.com/office/drawing/2014/main" id="{EF4783B1-20ED-CBC6-206E-14A38E2D4B16}"/>
+              </a:ext>
+            </a:extLst>
+          </p:cNvPr>
+          <p:cNvCxnSpPr>
+            <a:cxnSpLocks/>
+            <a:stCxn id="6" idx="0"/>
+          </p:cNvCxnSpPr>
+          <p:nvPr/>
+        </p:nvCxnSpPr>
+        <p:spPr>
+          <a:xfrm flipV="1">
+            <a:off x="6096000" y="4965899"/>
+            <a:ext cx="5925911" cy="455681"/>
+          </a:xfrm>
+          <a:prstGeom prst="line">
+            <a:avLst/>
+          </a:prstGeom>
+          <a:ln>
+            <a:solidFill>
+              <a:schemeClr val="tx1"/>
+            </a:solidFill>
+          </a:ln>
+        </p:spPr>
+        <p:style>
+          <a:lnRef idx="1">
+            <a:schemeClr val="accent1"/>
+          </a:lnRef>
+          <a:fillRef idx="0">
+            <a:schemeClr val="accent1"/>
+          </a:fillRef>
+          <a:effectRef idx="0">
+            <a:schemeClr val="accent1"/>
+          </a:effectRef>
+          <a:fontRef idx="minor">
+            <a:schemeClr val="tx1"/>
+          </a:fontRef>
+        </p:style>
+      </p:cxnSp>
+      <p:cxnSp>
+        <p:nvCxnSpPr>
+          <p:cNvPr id="19" name="Straight Connector 18">
+            <a:extLst>
+              <a:ext uri="{FF2B5EF4-FFF2-40B4-BE49-F238E27FC236}">
+                <a16:creationId xmlns:a16="http://schemas.microsoft.com/office/drawing/2014/main" id="{4C5ECC4F-236B-809D-31FB-5022F7527078}"/>
+              </a:ext>
+            </a:extLst>
+          </p:cNvPr>
+          <p:cNvCxnSpPr>
+            <a:cxnSpLocks/>
+            <a:endCxn id="4" idx="4"/>
+          </p:cNvCxnSpPr>
+          <p:nvPr/>
+        </p:nvCxnSpPr>
+        <p:spPr>
+          <a:xfrm>
+            <a:off x="4572000" y="1415821"/>
+            <a:ext cx="1524000" cy="4005759"/>
+          </a:xfrm>
+          <a:prstGeom prst="line">
+            <a:avLst/>
+          </a:prstGeom>
+          <a:ln>
+            <a:solidFill>
+              <a:schemeClr val="tx1"/>
+            </a:solidFill>
+          </a:ln>
+        </p:spPr>
+        <p:style>
+          <a:lnRef idx="1">
+            <a:schemeClr val="accent1"/>
+          </a:lnRef>
+          <a:fillRef idx="0">
+            <a:schemeClr val="accent1"/>
+          </a:fillRef>
+          <a:effectRef idx="0">
+            <a:schemeClr val="accent1"/>
+          </a:effectRef>
+          <a:fontRef idx="minor">
+            <a:schemeClr val="tx1"/>
+          </a:fontRef>
+        </p:style>
+      </p:cxnSp>
+      <p:sp>
+        <p:nvSpPr>
+          <p:cNvPr id="24" name="Rectangle 23">
+            <a:extLst>
+              <a:ext uri="{FF2B5EF4-FFF2-40B4-BE49-F238E27FC236}">
+                <a16:creationId xmlns:a16="http://schemas.microsoft.com/office/drawing/2014/main" id="{76A97975-27FC-D92C-A981-B2C148692678}"/>
+              </a:ext>
+            </a:extLst>
+          </p:cNvPr>
+          <p:cNvSpPr/>
+          <p:nvPr/>
+        </p:nvSpPr>
+        <p:spPr>
+          <a:xfrm rot="4107654">
+            <a:off x="4727334" y="2212131"/>
+            <a:ext cx="335072" cy="105561"/>
+          </a:xfrm>
+          <a:prstGeom prst="rect">
+            <a:avLst/>
+          </a:prstGeom>
+          <a:solidFill>
+            <a:srgbClr val="FF0000"/>
+          </a:solidFill>
+          <a:ln>
+            <a:solidFill>
+              <a:srgbClr val="FF0000"/>
+            </a:solidFill>
+          </a:ln>
+        </p:spPr>
+        <p:style>
+          <a:lnRef idx="2">
+            <a:schemeClr val="accent1">
+              <a:shade val="50000"/>
+            </a:schemeClr>
+          </a:lnRef>
+          <a:fillRef idx="1">
+            <a:schemeClr val="accent1"/>
+          </a:fillRef>
+          <a:effectRef idx="0">
+            <a:schemeClr val="accent1"/>
+          </a:effectRef>
+          <a:fontRef idx="minor">
+            <a:schemeClr val="lt1"/>
+          </a:fontRef>
+        </p:style>
+        <p:txBody>
+          <a:bodyPr rtlCol="0" anchor="ctr"/>
+          <a:lstStyle/>
+          <a:p>
+            <a:pPr algn="ctr"/>
+            <a:endParaRPr lang="en-US"/>
+          </a:p>
+        </p:txBody>
+      </p:sp>
+      <p:sp>
+        <p:nvSpPr>
+          <p:cNvPr id="18" name="Rectangle 17">
+            <a:extLst>
+              <a:ext uri="{FF2B5EF4-FFF2-40B4-BE49-F238E27FC236}">
+                <a16:creationId xmlns:a16="http://schemas.microsoft.com/office/drawing/2014/main" id="{5B47AF34-D15E-1A21-0019-D8E339FA2A3C}"/>
+              </a:ext>
+            </a:extLst>
+          </p:cNvPr>
+          <p:cNvSpPr/>
+          <p:nvPr/>
+        </p:nvSpPr>
+        <p:spPr>
+          <a:xfrm rot="21358763">
+            <a:off x="6319163" y="5330408"/>
+            <a:ext cx="1012311" cy="76222"/>
+          </a:xfrm>
+          <a:prstGeom prst="rect">
+            <a:avLst/>
+          </a:prstGeom>
+          <a:solidFill>
+            <a:srgbClr val="FF0000"/>
+          </a:solidFill>
+          <a:ln>
+            <a:solidFill>
+              <a:srgbClr val="FF0000"/>
+            </a:solidFill>
+          </a:ln>
+        </p:spPr>
+        <p:style>
+          <a:lnRef idx="2">
+            <a:schemeClr val="accent1">
+              <a:shade val="50000"/>
+            </a:schemeClr>
+          </a:lnRef>
+          <a:fillRef idx="1">
+            <a:schemeClr val="accent1"/>
+          </a:fillRef>
+          <a:effectRef idx="0">
+            <a:schemeClr val="accent1"/>
+          </a:effectRef>
+          <a:fontRef idx="minor">
+            <a:schemeClr val="lt1"/>
+          </a:fontRef>
+        </p:style>
+        <p:txBody>
+          <a:bodyPr rtlCol="0" anchor="ctr"/>
+          <a:lstStyle/>
+          <a:p>
+            <a:pPr algn="ctr"/>
+            <a:endParaRPr lang="en-US"/>
+          </a:p>
+        </p:txBody>
+      </p:sp>
+    </p:spTree>
+    <p:extLst>
+      <p:ext uri="{BB962C8B-B14F-4D97-AF65-F5344CB8AC3E}">
+        <p14:creationId xmlns:p14="http://schemas.microsoft.com/office/powerpoint/2010/main" val="2136336146"/>
+      </p:ext>
+    </p:extLst>
+  </p:cSld>
+  <p:clrMapOvr>
+    <a:masterClrMapping/>
+  </p:clrMapOvr>
+  <p:timing>
+    <p:tnLst>
+      <p:par>
+        <p:cTn id="1" dur="indefinite" restart="never" nodeType="tmRoot">
+          <p:childTnLst>
+            <p:seq concurrent="1" nextAc="seek">
+              <p:cTn id="2" dur="indefinite" nodeType="mainSeq">
+                <p:childTnLst>
+                  <p:par>
+                    <p:cTn id="3" fill="hold">
+                      <p:stCondLst>
+                        <p:cond delay="indefinite"/>
+                      </p:stCondLst>
+                      <p:childTnLst>
+                        <p:par>
+                          <p:cTn id="4" fill="hold">
+                            <p:stCondLst>
+                              <p:cond delay="0"/>
+                            </p:stCondLst>
+                            <p:childTnLst>
+                              <p:par>
+                                <p:cTn id="5" presetID="1" presetClass="entr" presetSubtype="0" fill="hold" nodeType="clickEffect">
+                                  <p:stCondLst>
+                                    <p:cond delay="0"/>
+                                  </p:stCondLst>
+                                  <p:childTnLst>
+                                    <p:set>
+                                      <p:cBhvr>
+                                        <p:cTn id="6" dur="1" fill="hold">
+                                          <p:stCondLst>
+                                            <p:cond delay="0"/>
+                                          </p:stCondLst>
+                                        </p:cTn>
+                                        <p:tgtEl>
+                                          <p:spTgt spid="15"/>
+                                        </p:tgtEl>
+                                        <p:attrNameLst>
+                                          <p:attrName>style.visibility</p:attrName>
+                                        </p:attrNameLst>
+                                      </p:cBhvr>
+                                      <p:to>
+                                        <p:strVal val="visible"/>
+                                      </p:to>
+                                    </p:set>
+                                  </p:childTnLst>
+                                </p:cTn>
+                              </p:par>
+                              <p:par>
+                                <p:cTn id="7" presetID="1" presetClass="entr" presetSubtype="0" fill="hold" grpId="0" nodeType="withEffect">
+                                  <p:stCondLst>
+                                    <p:cond delay="0"/>
+                                  </p:stCondLst>
+                                  <p:childTnLst>
+                                    <p:set>
+                                      <p:cBhvr>
+                                        <p:cTn id="8" dur="1" fill="hold">
+                                          <p:stCondLst>
+                                            <p:cond delay="0"/>
+                                          </p:stCondLst>
+                                        </p:cTn>
+                                        <p:tgtEl>
+                                          <p:spTgt spid="18"/>
+                                        </p:tgtEl>
+                                        <p:attrNameLst>
+                                          <p:attrName>style.visibility</p:attrName>
+                                        </p:attrNameLst>
+                                      </p:cBhvr>
+                                      <p:to>
+                                        <p:strVal val="visible"/>
+                                      </p:to>
+                                    </p:set>
+                                  </p:childTnLst>
+                                </p:cTn>
+                              </p:par>
+                            </p:childTnLst>
+                          </p:cTn>
+                        </p:par>
+                      </p:childTnLst>
+                    </p:cTn>
+                  </p:par>
+                  <p:par>
+                    <p:cTn id="9" fill="hold">
+                      <p:stCondLst>
+                        <p:cond delay="indefinite"/>
+                      </p:stCondLst>
+                      <p:childTnLst>
+                        <p:par>
+                          <p:cTn id="10" fill="hold">
+                            <p:stCondLst>
+                              <p:cond delay="0"/>
+                            </p:stCondLst>
+                            <p:childTnLst>
+                              <p:par>
+                                <p:cTn id="11" presetID="1" presetClass="entr" presetSubtype="0" fill="hold" grpId="0" nodeType="clickEffect">
+                                  <p:stCondLst>
+                                    <p:cond delay="0"/>
+                                  </p:stCondLst>
+                                  <p:childTnLst>
+                                    <p:set>
+                                      <p:cBhvr>
+                                        <p:cTn id="12" dur="1" fill="hold">
+                                          <p:stCondLst>
+                                            <p:cond delay="0"/>
+                                          </p:stCondLst>
+                                        </p:cTn>
+                                        <p:tgtEl>
+                                          <p:spTgt spid="24"/>
+                                        </p:tgtEl>
+                                        <p:attrNameLst>
+                                          <p:attrName>style.visibility</p:attrName>
+                                        </p:attrNameLst>
+                                      </p:cBhvr>
+                                      <p:to>
+                                        <p:strVal val="visible"/>
+                                      </p:to>
+                                    </p:set>
+                                  </p:childTnLst>
+                                </p:cTn>
+                              </p:par>
+                              <p:par>
+                                <p:cTn id="13" presetID="1" presetClass="entr" presetSubtype="0" fill="hold" nodeType="withEffect">
+                                  <p:stCondLst>
+                                    <p:cond delay="0"/>
+                                  </p:stCondLst>
+                                  <p:childTnLst>
+                                    <p:set>
+                                      <p:cBhvr>
+                                        <p:cTn id="14" dur="1" fill="hold">
+                                          <p:stCondLst>
+                                            <p:cond delay="0"/>
+                                          </p:stCondLst>
+                                        </p:cTn>
+                                        <p:tgtEl>
+                                          <p:spTgt spid="19"/>
+                                        </p:tgtEl>
+                                        <p:attrNameLst>
+                                          <p:attrName>style.visibility</p:attrName>
+                                        </p:attrNameLst>
+                                      </p:cBhvr>
+                                      <p:to>
+                                        <p:strVal val="visible"/>
+                                      </p:to>
+                                    </p:set>
+                                  </p:childTnLst>
+                                </p:cTn>
+                              </p:par>
+                            </p:childTnLst>
+                          </p:cTn>
+                        </p:par>
+                      </p:childTnLst>
+                    </p:cTn>
+                  </p:par>
+                </p:childTnLst>
+              </p:cTn>
+              <p:prevCondLst>
+                <p:cond evt="onPrev" delay="0">
+                  <p:tgtEl>
+                    <p:sldTgt/>
+                  </p:tgtEl>
+                </p:cond>
+              </p:prevCondLst>
+              <p:nextCondLst>
+                <p:cond evt="onNext" delay="0">
+                  <p:tgtEl>
+                    <p:sldTgt/>
+                  </p:tgtEl>
+                </p:cond>
+              </p:nextCondLst>
+            </p:seq>
+          </p:childTnLst>
+        </p:cTn>
+      </p:par>
+    </p:tnLst>
+    <p:bldLst>
+      <p:bldP spid="24" grpId="0" animBg="1"/>
+      <p:bldP spid="18" grpId="0" animBg="1"/>
+    </p:bldLst>
+  </p:timing>
+</p:sld>
+</file>
+
+<file path=ppt/slides/slide16.xml><?xml version="1.0" encoding="utf-8"?>
+<p:sld xmlns:a="http://schemas.openxmlformats.org/drawingml/2006/main" xmlns:r="http://schemas.openxmlformats.org/officeDocument/2006/relationships" xmlns:p="http://schemas.openxmlformats.org/presentationml/2006/main">
+  <p:cSld>
+    <p:spTree>
+      <p:nvGrpSpPr>
+        <p:cNvPr id="1" name=""/>
+        <p:cNvGrpSpPr/>
+        <p:nvPr/>
+      </p:nvGrpSpPr>
+      <p:grpSpPr>
+        <a:xfrm>
+          <a:off x="0" y="0"/>
+          <a:ext cx="0" cy="0"/>
+          <a:chOff x="0" y="0"/>
+          <a:chExt cx="0" cy="0"/>
+        </a:xfrm>
+      </p:grpSpPr>
+      <p:sp>
+        <p:nvSpPr>
+          <p:cNvPr id="2" name="Title 1">
+            <a:extLst>
+              <a:ext uri="{FF2B5EF4-FFF2-40B4-BE49-F238E27FC236}">
+                <a16:creationId xmlns:a16="http://schemas.microsoft.com/office/drawing/2014/main" id="{01916DF5-4B90-E4BC-8988-9E578BF0004E}"/>
+              </a:ext>
+            </a:extLst>
+          </p:cNvPr>
+          <p:cNvSpPr>
+            <a:spLocks noGrp="1"/>
+          </p:cNvSpPr>
+          <p:nvPr>
+            <p:ph type="title"/>
+          </p:nvPr>
+        </p:nvSpPr>
+        <p:spPr/>
+        <p:txBody>
+          <a:bodyPr/>
+          <a:lstStyle/>
+          <a:p>
+            <a:pPr algn="ctr"/>
+            <a:r>
+              <a:rPr lang="en-US" dirty="0"/>
+              <a:t>Removing First Data Point</a:t>
+            </a:r>
+          </a:p>
+        </p:txBody>
+      </p:sp>
+      <p:pic>
+        <p:nvPicPr>
+          <p:cNvPr id="4" name="Content Placeholder 3">
+            <a:extLst>
+              <a:ext uri="{FF2B5EF4-FFF2-40B4-BE49-F238E27FC236}">
+                <a16:creationId xmlns:a16="http://schemas.microsoft.com/office/drawing/2014/main" id="{8143BFAD-89D0-7132-82E2-57FE75942EEB}"/>
+              </a:ext>
+            </a:extLst>
+          </p:cNvPr>
+          <p:cNvPicPr>
+            <a:picLocks noChangeAspect="1"/>
+          </p:cNvPicPr>
+          <p:nvPr/>
+        </p:nvPicPr>
+        <p:blipFill>
+          <a:blip r:embed="rId2"/>
+          <a:srcRect l="154" r="154"/>
+          <a:stretch/>
+        </p:blipFill>
+        <p:spPr>
+          <a:xfrm>
+            <a:off x="2864353" y="1510363"/>
+            <a:ext cx="6463293" cy="4858944"/>
+          </a:xfrm>
+          <a:prstGeom prst="rect">
+            <a:avLst/>
+          </a:prstGeom>
+        </p:spPr>
+      </p:pic>
+    </p:spTree>
+    <p:extLst>
+      <p:ext uri="{BB962C8B-B14F-4D97-AF65-F5344CB8AC3E}">
+        <p14:creationId xmlns:p14="http://schemas.microsoft.com/office/powerpoint/2010/main" val="59665152"/>
+      </p:ext>
+    </p:extLst>
+  </p:cSld>
+  <p:clrMapOvr>
+    <a:masterClrMapping/>
+  </p:clrMapOvr>
+</p:sld>
+</file>
+
+<file path=ppt/slides/slide17.xml><?xml version="1.0" encoding="utf-8"?>
+<p:sld xmlns:a="http://schemas.openxmlformats.org/drawingml/2006/main" xmlns:r="http://schemas.openxmlformats.org/officeDocument/2006/relationships" xmlns:p="http://schemas.openxmlformats.org/presentationml/2006/main">
+  <p:cSld>
+    <p:spTree>
+      <p:nvGrpSpPr>
+        <p:cNvPr id="1" name=""/>
+        <p:cNvGrpSpPr/>
+        <p:nvPr/>
+      </p:nvGrpSpPr>
+      <p:grpSpPr>
+        <a:xfrm>
+          <a:off x="0" y="0"/>
+          <a:ext cx="0" cy="0"/>
+          <a:chOff x="0" y="0"/>
+          <a:chExt cx="0" cy="0"/>
+        </a:xfrm>
+      </p:grpSpPr>
+      <p:sp>
+        <p:nvSpPr>
+          <p:cNvPr id="2" name="Title 1">
+            <a:extLst>
+              <a:ext uri="{FF2B5EF4-FFF2-40B4-BE49-F238E27FC236}">
+                <a16:creationId xmlns:a16="http://schemas.microsoft.com/office/drawing/2014/main" id="{01916DF5-4B90-E4BC-8988-9E578BF0004E}"/>
+              </a:ext>
+            </a:extLst>
+          </p:cNvPr>
+          <p:cNvSpPr>
+            <a:spLocks noGrp="1"/>
+          </p:cNvSpPr>
+          <p:nvPr>
+            <p:ph type="title"/>
+          </p:nvPr>
+        </p:nvSpPr>
+        <p:spPr/>
+        <p:txBody>
+          <a:bodyPr/>
+          <a:lstStyle/>
+          <a:p>
+            <a:pPr algn="ctr"/>
+            <a:r>
+              <a:rPr lang="en-US" dirty="0"/>
+              <a:t>Removing First Data Point</a:t>
+            </a:r>
+          </a:p>
+        </p:txBody>
+      </p:sp>
+      <p:pic>
+        <p:nvPicPr>
+          <p:cNvPr id="4" name="Content Placeholder 3">
+            <a:extLst>
+              <a:ext uri="{FF2B5EF4-FFF2-40B4-BE49-F238E27FC236}">
+                <a16:creationId xmlns:a16="http://schemas.microsoft.com/office/drawing/2014/main" id="{8143BFAD-89D0-7132-82E2-57FE75942EEB}"/>
+              </a:ext>
+            </a:extLst>
+          </p:cNvPr>
+          <p:cNvPicPr>
+            <a:picLocks noChangeAspect="1"/>
+          </p:cNvPicPr>
+          <p:nvPr/>
+        </p:nvPicPr>
+        <p:blipFill>
+          <a:blip r:embed="rId2"/>
+          <a:srcRect l="154" r="154"/>
+          <a:stretch/>
+        </p:blipFill>
+        <p:spPr>
+          <a:xfrm>
+            <a:off x="2864353" y="1510363"/>
+            <a:ext cx="6463293" cy="4858944"/>
+          </a:xfrm>
+          <a:prstGeom prst="rect">
+            <a:avLst/>
+          </a:prstGeom>
+        </p:spPr>
+      </p:pic>
+    </p:spTree>
+    <p:extLst>
+      <p:ext uri="{BB962C8B-B14F-4D97-AF65-F5344CB8AC3E}">
+        <p14:creationId xmlns:p14="http://schemas.microsoft.com/office/powerpoint/2010/main" val="3558610505"/>
+      </p:ext>
+    </p:extLst>
+  </p:cSld>
+  <p:clrMapOvr>
+    <a:masterClrMapping/>
+  </p:clrMapOvr>
+</p:sld>
+</file>
+
+<file path=ppt/slides/slide18.xml><?xml version="1.0" encoding="utf-8"?>
+<p:sld xmlns:a="http://schemas.openxmlformats.org/drawingml/2006/main" xmlns:r="http://schemas.openxmlformats.org/officeDocument/2006/relationships" xmlns:p="http://schemas.openxmlformats.org/presentationml/2006/main">
+  <p:cSld>
+    <p:spTree>
+      <p:nvGrpSpPr>
+        <p:cNvPr id="1" name=""/>
+        <p:cNvGrpSpPr/>
+        <p:nvPr/>
+      </p:nvGrpSpPr>
+      <p:grpSpPr>
+        <a:xfrm>
+          <a:off x="0" y="0"/>
+          <a:ext cx="0" cy="0"/>
+          <a:chOff x="0" y="0"/>
+          <a:chExt cx="0" cy="0"/>
+        </a:xfrm>
+      </p:grpSpPr>
+      <p:sp>
+        <p:nvSpPr>
+          <p:cNvPr id="2" name="Title 1">
+            <a:extLst>
+              <a:ext uri="{FF2B5EF4-FFF2-40B4-BE49-F238E27FC236}">
+                <a16:creationId xmlns:a16="http://schemas.microsoft.com/office/drawing/2014/main" id="{E1DAF982-9CB3-CB75-169D-9229DB81E3CB}"/>
+              </a:ext>
+            </a:extLst>
+          </p:cNvPr>
+          <p:cNvSpPr>
+            <a:spLocks noGrp="1"/>
+          </p:cNvSpPr>
+          <p:nvPr>
+            <p:ph type="title"/>
+          </p:nvPr>
+        </p:nvSpPr>
+        <p:spPr/>
+        <p:txBody>
+          <a:bodyPr/>
+          <a:lstStyle/>
+          <a:p>
+            <a:pPr algn="ctr"/>
+            <a:r>
+              <a:rPr lang="en-US" dirty="0"/>
+              <a:t>Number Density Rate Constraints</a:t>
+            </a:r>
+          </a:p>
+        </p:txBody>
+      </p:sp>
+      <p:pic>
+        <p:nvPicPr>
+          <p:cNvPr id="4" name="Content Placeholder 3">
+            <a:extLst>
+              <a:ext uri="{FF2B5EF4-FFF2-40B4-BE49-F238E27FC236}">
+                <a16:creationId xmlns:a16="http://schemas.microsoft.com/office/drawing/2014/main" id="{CC24E834-E8BE-36A5-08A1-3172F1097F6F}"/>
+              </a:ext>
+            </a:extLst>
+          </p:cNvPr>
+          <p:cNvPicPr>
+            <a:picLocks noGrp="1" noChangeAspect="1"/>
+          </p:cNvPicPr>
+          <p:nvPr>
+            <p:ph idx="1"/>
+          </p:nvPr>
+        </p:nvPicPr>
+        <p:blipFill>
+          <a:blip r:embed="rId2"/>
+          <a:srcRect/>
+          <a:stretch/>
+        </p:blipFill>
+        <p:spPr>
+          <a:xfrm>
+            <a:off x="2679538" y="1445908"/>
+            <a:ext cx="6832922" cy="5122219"/>
+          </a:xfrm>
+        </p:spPr>
+      </p:pic>
+    </p:spTree>
+    <p:extLst>
+      <p:ext uri="{BB962C8B-B14F-4D97-AF65-F5344CB8AC3E}">
+        <p14:creationId xmlns:p14="http://schemas.microsoft.com/office/powerpoint/2010/main" val="1963606606"/>
+      </p:ext>
+    </p:extLst>
+  </p:cSld>
+  <p:clrMapOvr>
+    <a:masterClrMapping/>
+  </p:clrMapOvr>
+</p:sld>
+</file>
+
+<file path=ppt/slides/slide2.xml><?xml version="1.0" encoding="utf-8"?>
+<p:sld xmlns:a="http://schemas.openxmlformats.org/drawingml/2006/main" xmlns:r="http://schemas.openxmlformats.org/officeDocument/2006/relationships" xmlns:p="http://schemas.openxmlformats.org/presentationml/2006/main">
+  <p:cSld>
+    <p:spTree>
+      <p:nvGrpSpPr>
+        <p:cNvPr id="1" name=""/>
+        <p:cNvGrpSpPr/>
+        <p:nvPr/>
+      </p:nvGrpSpPr>
+      <p:grpSpPr>
+        <a:xfrm>
+          <a:off x="0" y="0"/>
+          <a:ext cx="0" cy="0"/>
+          <a:chOff x="0" y="0"/>
+          <a:chExt cx="0" cy="0"/>
+        </a:xfrm>
+      </p:grpSpPr>
+      <p:sp>
+        <p:nvSpPr>
+          <p:cNvPr id="2" name="Title 1">
+            <a:extLst>
+              <a:ext uri="{FF2B5EF4-FFF2-40B4-BE49-F238E27FC236}">
+                <a16:creationId xmlns:a16="http://schemas.microsoft.com/office/drawing/2014/main" id="{B55E6B13-541D-8810-1FFD-B1FD113A445B}"/>
+              </a:ext>
+            </a:extLst>
+          </p:cNvPr>
+          <p:cNvSpPr>
+            <a:spLocks noGrp="1"/>
+          </p:cNvSpPr>
+          <p:nvPr>
+            <p:ph type="title"/>
+          </p:nvPr>
+        </p:nvSpPr>
+        <p:spPr/>
+        <p:txBody>
+          <a:bodyPr/>
+          <a:lstStyle/>
+          <a:p>
+            <a:pPr algn="ctr"/>
+            <a:r>
+              <a:rPr lang="en-US" dirty="0" err="1"/>
+              <a:t>IceCube</a:t>
+            </a:r>
+            <a:r>
+              <a:rPr lang="en-US" dirty="0"/>
+              <a:t> Data</a:t>
+            </a:r>
+          </a:p>
+        </p:txBody>
+      </p:sp>
+      <p:sp>
+        <p:nvSpPr>
+          <p:cNvPr id="3" name="Content Placeholder 2">
+            <a:extLst>
+              <a:ext uri="{FF2B5EF4-FFF2-40B4-BE49-F238E27FC236}">
+                <a16:creationId xmlns:a16="http://schemas.microsoft.com/office/drawing/2014/main" id="{2300A2B8-3002-507E-94AB-86697B026CD9}"/>
+              </a:ext>
+            </a:extLst>
+          </p:cNvPr>
+          <p:cNvSpPr>
+            <a:spLocks noGrp="1"/>
+          </p:cNvSpPr>
+          <p:nvPr>
+            <p:ph idx="1"/>
+          </p:nvPr>
+        </p:nvSpPr>
+        <p:spPr/>
+        <p:txBody>
+          <a:bodyPr/>
+          <a:lstStyle/>
+          <a:p>
+            <a:r>
+              <a:rPr lang="en-US" dirty="0"/>
+              <a:t>A cubic-</a:t>
+            </a:r>
+            <a:r>
+              <a:rPr lang="en-US" dirty="0" err="1"/>
+              <a:t>kilometre</a:t>
+            </a:r>
+            <a:r>
+              <a:rPr lang="en-US" dirty="0"/>
+              <a:t> detector of ice located at the South Pole</a:t>
+            </a:r>
+          </a:p>
+          <a:p>
+            <a:r>
+              <a:rPr lang="en-US" dirty="0"/>
+              <a:t>Detects muons produced from neutrino-ice interactions</a:t>
+            </a:r>
+          </a:p>
+          <a:p>
+            <a:r>
+              <a:rPr lang="en-US" dirty="0"/>
+              <a:t>Dominated by neutrinos from our atmosphere</a:t>
+            </a:r>
+          </a:p>
+          <a:p>
+            <a:r>
+              <a:rPr lang="en-US" dirty="0"/>
+              <a:t>Split into three energy bins from 0.3 to 300 </a:t>
+            </a:r>
+            <a:r>
+              <a:rPr lang="en-US" dirty="0" err="1"/>
+              <a:t>TeV</a:t>
+            </a:r>
+            <a:endParaRPr lang="en-US" dirty="0"/>
+          </a:p>
+        </p:txBody>
+      </p:sp>
+    </p:spTree>
+    <p:extLst>
+      <p:ext uri="{BB962C8B-B14F-4D97-AF65-F5344CB8AC3E}">
+        <p14:creationId xmlns:p14="http://schemas.microsoft.com/office/powerpoint/2010/main" val="1968466103"/>
+      </p:ext>
+    </p:extLst>
+  </p:cSld>
+  <p:clrMapOvr>
+    <a:masterClrMapping/>
+  </p:clrMapOvr>
+  <p:timing>
+    <p:tnLst>
+      <p:par>
+        <p:cTn id="1" dur="indefinite" restart="never" nodeType="tmRoot">
+          <p:childTnLst>
+            <p:seq concurrent="1" nextAc="seek">
+              <p:cTn id="2" dur="indefinite" nodeType="mainSeq">
+                <p:childTnLst>
+                  <p:par>
+                    <p:cTn id="3" fill="hold">
+                      <p:stCondLst>
+                        <p:cond delay="indefinite"/>
+                      </p:stCondLst>
+                      <p:childTnLst>
+                        <p:par>
+                          <p:cTn id="4" fill="hold">
+                            <p:stCondLst>
+                              <p:cond delay="0"/>
+                            </p:stCondLst>
+                            <p:childTnLst>
+                              <p:par>
+                                <p:cTn id="5" presetID="1" presetClass="entr" presetSubtype="0" fill="hold" nodeType="clickEffect">
+                                  <p:stCondLst>
+                                    <p:cond delay="0"/>
+                                  </p:stCondLst>
+                                  <p:childTnLst>
+                                    <p:set>
+                                      <p:cBhvr>
+                                        <p:cTn id="6" dur="1" fill="hold">
+                                          <p:stCondLst>
+                                            <p:cond delay="0"/>
+                                          </p:stCondLst>
+                                        </p:cTn>
+                                        <p:tgtEl>
+                                          <p:spTgt spid="3">
+                                            <p:txEl>
+                                              <p:pRg st="0" end="0"/>
+                                            </p:txEl>
+                                          </p:spTgt>
+                                        </p:tgtEl>
+                                        <p:attrNameLst>
+                                          <p:attrName>style.visibility</p:attrName>
+                                        </p:attrNameLst>
+                                      </p:cBhvr>
+                                      <p:to>
+                                        <p:strVal val="visible"/>
+                                      </p:to>
+                                    </p:set>
+                                  </p:childTnLst>
+                                </p:cTn>
+                              </p:par>
+                            </p:childTnLst>
+                          </p:cTn>
+                        </p:par>
+                      </p:childTnLst>
+                    </p:cTn>
+                  </p:par>
+                  <p:par>
+                    <p:cTn id="7" fill="hold">
+                      <p:stCondLst>
+                        <p:cond delay="indefinite"/>
+                      </p:stCondLst>
+                      <p:childTnLst>
+                        <p:par>
+                          <p:cTn id="8" fill="hold">
+                            <p:stCondLst>
+                              <p:cond delay="0"/>
+                            </p:stCondLst>
+                            <p:childTnLst>
+                              <p:par>
+                                <p:cTn id="9" presetID="1" presetClass="entr" presetSubtype="0" fill="hold" nodeType="clickEffect">
+                                  <p:stCondLst>
+                                    <p:cond delay="0"/>
+                                  </p:stCondLst>
+                                  <p:childTnLst>
+                                    <p:set>
+                                      <p:cBhvr>
+                                        <p:cTn id="10" dur="1" fill="hold">
+                                          <p:stCondLst>
+                                            <p:cond delay="0"/>
+                                          </p:stCondLst>
+                                        </p:cTn>
+                                        <p:tgtEl>
+                                          <p:spTgt spid="3">
+                                            <p:txEl>
+                                              <p:pRg st="1" end="1"/>
+                                            </p:txEl>
+                                          </p:spTgt>
+                                        </p:tgtEl>
+                                        <p:attrNameLst>
+                                          <p:attrName>style.visibility</p:attrName>
+                                        </p:attrNameLst>
+                                      </p:cBhvr>
+                                      <p:to>
+                                        <p:strVal val="visible"/>
+                                      </p:to>
+                                    </p:set>
+                                  </p:childTnLst>
+                                </p:cTn>
+                              </p:par>
+                            </p:childTnLst>
+                          </p:cTn>
+                        </p:par>
+                      </p:childTnLst>
+                    </p:cTn>
+                  </p:par>
+                  <p:par>
+                    <p:cTn id="11" fill="hold">
+                      <p:stCondLst>
+                        <p:cond delay="indefinite"/>
+                      </p:stCondLst>
+                      <p:childTnLst>
+                        <p:par>
+                          <p:cTn id="12" fill="hold">
+                            <p:stCondLst>
+                              <p:cond delay="0"/>
+                            </p:stCondLst>
+                            <p:childTnLst>
+                              <p:par>
+                                <p:cTn id="13" presetID="1" presetClass="entr" presetSubtype="0" fill="hold" nodeType="clickEffect">
+                                  <p:stCondLst>
+                                    <p:cond delay="0"/>
+                                  </p:stCondLst>
+                                  <p:childTnLst>
+                                    <p:set>
+                                      <p:cBhvr>
+                                        <p:cTn id="14" dur="1" fill="hold">
+                                          <p:stCondLst>
+                                            <p:cond delay="0"/>
+                                          </p:stCondLst>
+                                        </p:cTn>
+                                        <p:tgtEl>
+                                          <p:spTgt spid="3">
+                                            <p:txEl>
+                                              <p:pRg st="2" end="2"/>
+                                            </p:txEl>
+                                          </p:spTgt>
+                                        </p:tgtEl>
+                                        <p:attrNameLst>
+                                          <p:attrName>style.visibility</p:attrName>
+                                        </p:attrNameLst>
+                                      </p:cBhvr>
+                                      <p:to>
+                                        <p:strVal val="visible"/>
+                                      </p:to>
+                                    </p:set>
+                                  </p:childTnLst>
+                                </p:cTn>
+                              </p:par>
+                            </p:childTnLst>
+                          </p:cTn>
+                        </p:par>
+                      </p:childTnLst>
+                    </p:cTn>
+                  </p:par>
+                  <p:par>
+                    <p:cTn id="15" fill="hold">
+                      <p:stCondLst>
+                        <p:cond delay="indefinite"/>
+                      </p:stCondLst>
+                      <p:childTnLst>
+                        <p:par>
+                          <p:cTn id="16" fill="hold">
+                            <p:stCondLst>
+                              <p:cond delay="0"/>
+                            </p:stCondLst>
+                            <p:childTnLst>
+                              <p:par>
+                                <p:cTn id="17" presetID="1" presetClass="entr" presetSubtype="0" fill="hold" nodeType="clickEffect">
+                                  <p:stCondLst>
+                                    <p:cond delay="0"/>
+                                  </p:stCondLst>
+                                  <p:childTnLst>
+                                    <p:set>
+                                      <p:cBhvr>
+                                        <p:cTn id="18" dur="1" fill="hold">
+                                          <p:stCondLst>
+                                            <p:cond delay="0"/>
+                                          </p:stCondLst>
+                                        </p:cTn>
+                                        <p:tgtEl>
+                                          <p:spTgt spid="3">
+                                            <p:txEl>
+                                              <p:pRg st="3" end="3"/>
+                                            </p:txEl>
+                                          </p:spTgt>
+                                        </p:tgtEl>
+                                        <p:attrNameLst>
+                                          <p:attrName>style.visibility</p:attrName>
+                                        </p:attrNameLst>
+                                      </p:cBhvr>
+                                      <p:to>
+                                        <p:strVal val="visible"/>
+                                      </p:to>
+                                    </p:set>
+                                  </p:childTnLst>
+                                </p:cTn>
+                              </p:par>
+                            </p:childTnLst>
+                          </p:cTn>
+                        </p:par>
+                      </p:childTnLst>
+                    </p:cTn>
+                  </p:par>
+                </p:childTnLst>
+              </p:cTn>
+              <p:prevCondLst>
+                <p:cond evt="onPrev" delay="0">
+                  <p:tgtEl>
+                    <p:sldTgt/>
+                  </p:tgtEl>
+                </p:cond>
+              </p:prevCondLst>
+              <p:nextCondLst>
+                <p:cond evt="onNext" delay="0">
+                  <p:tgtEl>
+                    <p:sldTgt/>
+                  </p:tgtEl>
+                </p:cond>
+              </p:nextCondLst>
+            </p:seq>
+          </p:childTnLst>
+        </p:cTn>
+      </p:par>
+    </p:tnLst>
+  </p:timing>
+</p:sld>
+</file>
+
+<file path=ppt/slides/slide3.xml><?xml version="1.0" encoding="utf-8"?>
+<p:sld xmlns:a="http://schemas.openxmlformats.org/drawingml/2006/main" xmlns:r="http://schemas.openxmlformats.org/officeDocument/2006/relationships" xmlns:p="http://schemas.openxmlformats.org/presentationml/2006/main">
+  <p:cSld>
+    <p:spTree>
+      <p:nvGrpSpPr>
+        <p:cNvPr id="1" name=""/>
+        <p:cNvGrpSpPr/>
+        <p:nvPr/>
+      </p:nvGrpSpPr>
+      <p:grpSpPr>
+        <a:xfrm>
+          <a:off x="0" y="0"/>
+          <a:ext cx="0" cy="0"/>
+          <a:chOff x="0" y="0"/>
+          <a:chExt cx="0" cy="0"/>
+        </a:xfrm>
+      </p:grpSpPr>
+      <p:sp>
+        <p:nvSpPr>
+          <p:cNvPr id="2" name="Title 1">
+            <a:extLst>
+              <a:ext uri="{FF2B5EF4-FFF2-40B4-BE49-F238E27FC236}">
+                <a16:creationId xmlns:a16="http://schemas.microsoft.com/office/drawing/2014/main" id="{B236306C-3617-79BD-AA9C-93394EA1D4BC}"/>
+              </a:ext>
+            </a:extLst>
+          </p:cNvPr>
+          <p:cNvSpPr>
+            <a:spLocks noGrp="1"/>
+          </p:cNvSpPr>
+          <p:nvPr>
+            <p:ph type="title"/>
+          </p:nvPr>
+        </p:nvSpPr>
+        <p:spPr/>
+        <p:txBody>
+          <a:bodyPr/>
+          <a:lstStyle/>
+          <a:p>
+            <a:pPr algn="ctr"/>
+            <a:r>
+              <a:rPr lang="en-US" dirty="0"/>
+              <a:t>2MPZ+WIxSC Data</a:t>
+            </a:r>
+          </a:p>
+        </p:txBody>
+      </p:sp>
+      <p:pic>
+        <p:nvPicPr>
+          <p:cNvPr id="7" name="Picture 6">
+            <a:extLst>
+              <a:ext uri="{FF2B5EF4-FFF2-40B4-BE49-F238E27FC236}">
+                <a16:creationId xmlns:a16="http://schemas.microsoft.com/office/drawing/2014/main" id="{46D736E8-C6C0-09A7-7275-7D6CF1D6AE26}"/>
+              </a:ext>
+            </a:extLst>
+          </p:cNvPr>
+          <p:cNvPicPr>
+            <a:picLocks noChangeAspect="1"/>
+          </p:cNvPicPr>
+          <p:nvPr/>
+        </p:nvPicPr>
+        <p:blipFill>
+          <a:blip r:embed="rId2"/>
+          <a:stretch>
+            <a:fillRect/>
+          </a:stretch>
+        </p:blipFill>
+        <p:spPr>
+          <a:xfrm>
+            <a:off x="2479495" y="1690688"/>
+            <a:ext cx="6787793" cy="4525195"/>
+          </a:xfrm>
+          <a:prstGeom prst="rect">
+            <a:avLst/>
+          </a:prstGeom>
+        </p:spPr>
+      </p:pic>
+    </p:spTree>
+    <p:extLst>
+      <p:ext uri="{BB962C8B-B14F-4D97-AF65-F5344CB8AC3E}">
+        <p14:creationId xmlns:p14="http://schemas.microsoft.com/office/powerpoint/2010/main" val="1730797026"/>
+      </p:ext>
+    </p:extLst>
+  </p:cSld>
+  <p:clrMapOvr>
+    <a:masterClrMapping/>
+  </p:clrMapOvr>
+</p:sld>
+</file>
+
+<file path=ppt/slides/slide4.xml><?xml version="1.0" encoding="utf-8"?>
+<p:sld xmlns:a="http://schemas.openxmlformats.org/drawingml/2006/main" xmlns:r="http://schemas.openxmlformats.org/officeDocument/2006/relationships" xmlns:p="http://schemas.openxmlformats.org/presentationml/2006/main">
+  <p:cSld>
+    <p:spTree>
+      <p:nvGrpSpPr>
+        <p:cNvPr id="1" name=""/>
+        <p:cNvGrpSpPr/>
+        <p:nvPr/>
+      </p:nvGrpSpPr>
+      <p:grpSpPr>
+        <a:xfrm>
+          <a:off x="0" y="0"/>
+          <a:ext cx="0" cy="0"/>
+          <a:chOff x="0" y="0"/>
+          <a:chExt cx="0" cy="0"/>
+        </a:xfrm>
+      </p:grpSpPr>
+      <p:sp>
+        <p:nvSpPr>
+          <p:cNvPr id="2" name="Title 1">
+            <a:extLst>
+              <a:ext uri="{FF2B5EF4-FFF2-40B4-BE49-F238E27FC236}">
+                <a16:creationId xmlns:a16="http://schemas.microsoft.com/office/drawing/2014/main" id="{5EE3348A-9A1D-E134-505A-3AFB9A0B2F67}"/>
+              </a:ext>
+            </a:extLst>
+          </p:cNvPr>
+          <p:cNvSpPr>
+            <a:spLocks noGrp="1"/>
+          </p:cNvSpPr>
+          <p:nvPr>
+            <p:ph type="title"/>
+          </p:nvPr>
+        </p:nvSpPr>
+        <p:spPr/>
+        <p:txBody>
+          <a:bodyPr/>
+          <a:lstStyle/>
+          <a:p>
+            <a:pPr algn="ctr"/>
+            <a:r>
+              <a:rPr lang="en-US" dirty="0" err="1"/>
+              <a:t>Overdensity</a:t>
+            </a:r>
+            <a:r>
+              <a:rPr lang="en-US" dirty="0"/>
+              <a:t> Maps</a:t>
+            </a:r>
+          </a:p>
+        </p:txBody>
+      </p:sp>
+      <p:pic>
+        <p:nvPicPr>
+          <p:cNvPr id="5" name="Picture 4">
+            <a:extLst>
+              <a:ext uri="{FF2B5EF4-FFF2-40B4-BE49-F238E27FC236}">
+                <a16:creationId xmlns:a16="http://schemas.microsoft.com/office/drawing/2014/main" id="{54D88D49-5D64-0D6C-D379-7A4D1D726CE9}"/>
+              </a:ext>
+            </a:extLst>
+          </p:cNvPr>
+          <p:cNvPicPr>
+            <a:picLocks noChangeAspect="1"/>
+          </p:cNvPicPr>
+          <p:nvPr/>
+        </p:nvPicPr>
+        <p:blipFill>
+          <a:blip r:embed="rId2"/>
+          <a:stretch>
+            <a:fillRect/>
+          </a:stretch>
+        </p:blipFill>
+        <p:spPr>
+          <a:xfrm>
+            <a:off x="251910" y="1493980"/>
+            <a:ext cx="5844089" cy="3714625"/>
+          </a:xfrm>
+          <a:prstGeom prst="rect">
+            <a:avLst/>
+          </a:prstGeom>
+        </p:spPr>
+      </p:pic>
+      <p:pic>
+        <p:nvPicPr>
+          <p:cNvPr id="4" name="Picture 3">
+            <a:extLst>
+              <a:ext uri="{FF2B5EF4-FFF2-40B4-BE49-F238E27FC236}">
+                <a16:creationId xmlns:a16="http://schemas.microsoft.com/office/drawing/2014/main" id="{79732A3A-BDFD-78F7-6526-2291B6B3ED5A}"/>
+              </a:ext>
+            </a:extLst>
+          </p:cNvPr>
+          <p:cNvPicPr>
+            <a:picLocks noChangeAspect="1"/>
+          </p:cNvPicPr>
+          <p:nvPr/>
+        </p:nvPicPr>
+        <p:blipFill rotWithShape="1">
+          <a:blip r:embed="rId3"/>
+          <a:srcRect l="40390" t="75949" r="38622" b="18951"/>
+          <a:stretch/>
+        </p:blipFill>
+        <p:spPr>
+          <a:xfrm>
+            <a:off x="1580080" y="4658938"/>
+            <a:ext cx="3197403" cy="1099334"/>
+          </a:xfrm>
+          <a:prstGeom prst="rect">
+            <a:avLst/>
+          </a:prstGeom>
+        </p:spPr>
+      </p:pic>
+      <p:pic>
+        <p:nvPicPr>
+          <p:cNvPr id="7" name="Picture 6">
+            <a:extLst>
+              <a:ext uri="{FF2B5EF4-FFF2-40B4-BE49-F238E27FC236}">
+                <a16:creationId xmlns:a16="http://schemas.microsoft.com/office/drawing/2014/main" id="{DA022544-5615-D749-4EA9-7401FBAF91A8}"/>
+              </a:ext>
+            </a:extLst>
+          </p:cNvPr>
+          <p:cNvPicPr>
+            <a:picLocks noChangeAspect="1"/>
+          </p:cNvPicPr>
+          <p:nvPr/>
+        </p:nvPicPr>
+        <p:blipFill>
+          <a:blip r:embed="rId4"/>
+          <a:stretch>
+            <a:fillRect/>
+          </a:stretch>
+        </p:blipFill>
+        <p:spPr>
+          <a:xfrm>
+            <a:off x="6095999" y="1493981"/>
+            <a:ext cx="5844089" cy="3714625"/>
+          </a:xfrm>
+          <a:prstGeom prst="rect">
+            <a:avLst/>
+          </a:prstGeom>
+        </p:spPr>
+      </p:pic>
+      <p:pic>
+        <p:nvPicPr>
+          <p:cNvPr id="12" name="Picture 11">
+            <a:extLst>
+              <a:ext uri="{FF2B5EF4-FFF2-40B4-BE49-F238E27FC236}">
+                <a16:creationId xmlns:a16="http://schemas.microsoft.com/office/drawing/2014/main" id="{3314D931-A919-CFF4-693B-934169385FFF}"/>
+              </a:ext>
+            </a:extLst>
+          </p:cNvPr>
+          <p:cNvPicPr>
+            <a:picLocks noChangeAspect="1"/>
+          </p:cNvPicPr>
+          <p:nvPr/>
+        </p:nvPicPr>
+        <p:blipFill rotWithShape="1">
+          <a:blip r:embed="rId5"/>
+          <a:srcRect l="36361" t="14532" r="36079" b="80075"/>
+          <a:stretch/>
+        </p:blipFill>
+        <p:spPr>
+          <a:xfrm>
+            <a:off x="6760395" y="4684230"/>
+            <a:ext cx="4340816" cy="1202076"/>
+          </a:xfrm>
+          <a:prstGeom prst="rect">
+            <a:avLst/>
+          </a:prstGeom>
+        </p:spPr>
+      </p:pic>
+      <p:pic>
+        <p:nvPicPr>
+          <p:cNvPr id="11" name="Picture 10">
+            <a:extLst>
+              <a:ext uri="{FF2B5EF4-FFF2-40B4-BE49-F238E27FC236}">
+                <a16:creationId xmlns:a16="http://schemas.microsoft.com/office/drawing/2014/main" id="{C11B3FA6-99DC-49C1-A7DF-727F422D8E9B}"/>
+              </a:ext>
+            </a:extLst>
+          </p:cNvPr>
+          <p:cNvPicPr>
+            <a:picLocks noChangeAspect="1"/>
+          </p:cNvPicPr>
+          <p:nvPr/>
+        </p:nvPicPr>
+        <p:blipFill rotWithShape="1">
+          <a:blip r:embed="rId6"/>
+          <a:srcRect l="42930" t="73837" r="41469" b="21743"/>
+          <a:stretch/>
+        </p:blipFill>
+        <p:spPr>
+          <a:xfrm>
+            <a:off x="4772655" y="4827282"/>
+            <a:ext cx="2455523" cy="1099334"/>
+          </a:xfrm>
+          <a:prstGeom prst="rect">
+            <a:avLst/>
+          </a:prstGeom>
+        </p:spPr>
+      </p:pic>
+      <p:pic>
+        <p:nvPicPr>
+          <p:cNvPr id="14" name="Picture 13">
+            <a:extLst>
+              <a:ext uri="{FF2B5EF4-FFF2-40B4-BE49-F238E27FC236}">
+                <a16:creationId xmlns:a16="http://schemas.microsoft.com/office/drawing/2014/main" id="{AE79E362-EDF7-7D37-7DC4-1184A67043AB}"/>
+              </a:ext>
+            </a:extLst>
+          </p:cNvPr>
+          <p:cNvPicPr>
+            <a:picLocks noChangeAspect="1"/>
+          </p:cNvPicPr>
+          <p:nvPr/>
+        </p:nvPicPr>
+        <p:blipFill rotWithShape="1">
+          <a:blip r:embed="rId5"/>
+          <a:srcRect l="37209" t="19775" r="36290" b="75950"/>
+          <a:stretch/>
+        </p:blipFill>
+        <p:spPr>
+          <a:xfrm>
+            <a:off x="3688409" y="5785529"/>
+            <a:ext cx="4815179" cy="1099333"/>
+          </a:xfrm>
+          <a:prstGeom prst="rect">
+            <a:avLst/>
+          </a:prstGeom>
+        </p:spPr>
+      </p:pic>
+    </p:spTree>
+    <p:extLst>
+      <p:ext uri="{BB962C8B-B14F-4D97-AF65-F5344CB8AC3E}">
+        <p14:creationId xmlns:p14="http://schemas.microsoft.com/office/powerpoint/2010/main" val="2094712003"/>
+      </p:ext>
+    </p:extLst>
+  </p:cSld>
+  <p:clrMapOvr>
+    <a:masterClrMapping/>
+  </p:clrMapOvr>
+  <p:timing>
+    <p:tnLst>
+      <p:par>
+        <p:cTn id="1" dur="indefinite" restart="never" nodeType="tmRoot">
+          <p:childTnLst>
+            <p:seq concurrent="1" nextAc="seek">
+              <p:cTn id="2" dur="indefinite" nodeType="mainSeq">
+                <p:childTnLst>
+                  <p:par>
+                    <p:cTn id="3" fill="hold">
+                      <p:stCondLst>
+                        <p:cond delay="indefinite"/>
+                      </p:stCondLst>
+                      <p:childTnLst>
+                        <p:par>
+                          <p:cTn id="4" fill="hold">
+                            <p:stCondLst>
+                              <p:cond delay="0"/>
+                            </p:stCondLst>
+                            <p:childTnLst>
+                              <p:par>
+                                <p:cTn id="5" presetID="1" presetClass="exit" presetSubtype="0" fill="hold" nodeType="clickEffect">
+                                  <p:stCondLst>
+                                    <p:cond delay="0"/>
+                                  </p:stCondLst>
+                                  <p:childTnLst>
+                                    <p:set>
+                                      <p:cBhvr>
+                                        <p:cTn id="6" dur="1" fill="hold">
+                                          <p:stCondLst>
+                                            <p:cond delay="0"/>
+                                          </p:stCondLst>
+                                        </p:cTn>
+                                        <p:tgtEl>
+                                          <p:spTgt spid="11"/>
+                                        </p:tgtEl>
+                                        <p:attrNameLst>
+                                          <p:attrName>style.visibility</p:attrName>
+                                        </p:attrNameLst>
+                                      </p:cBhvr>
+                                      <p:to>
+                                        <p:strVal val="hidden"/>
+                                      </p:to>
+                                    </p:set>
+                                  </p:childTnLst>
+                                </p:cTn>
+                              </p:par>
+                              <p:par>
+                                <p:cTn id="7" presetID="1" presetClass="entr" presetSubtype="0" fill="hold" nodeType="withEffect">
+                                  <p:stCondLst>
+                                    <p:cond delay="0"/>
+                                  </p:stCondLst>
+                                  <p:childTnLst>
+                                    <p:set>
+                                      <p:cBhvr>
+                                        <p:cTn id="8" dur="1" fill="hold">
+                                          <p:stCondLst>
+                                            <p:cond delay="0"/>
+                                          </p:stCondLst>
+                                        </p:cTn>
+                                        <p:tgtEl>
+                                          <p:spTgt spid="4"/>
+                                        </p:tgtEl>
+                                        <p:attrNameLst>
+                                          <p:attrName>style.visibility</p:attrName>
+                                        </p:attrNameLst>
+                                      </p:cBhvr>
+                                      <p:to>
+                                        <p:strVal val="visible"/>
+                                      </p:to>
+                                    </p:set>
+                                  </p:childTnLst>
+                                </p:cTn>
+                              </p:par>
+                              <p:par>
+                                <p:cTn id="9" presetID="1" presetClass="entr" presetSubtype="0" fill="hold" nodeType="withEffect">
+                                  <p:stCondLst>
+                                    <p:cond delay="0"/>
+                                  </p:stCondLst>
+                                  <p:childTnLst>
+                                    <p:set>
+                                      <p:cBhvr>
+                                        <p:cTn id="10" dur="1" fill="hold">
+                                          <p:stCondLst>
+                                            <p:cond delay="0"/>
+                                          </p:stCondLst>
+                                        </p:cTn>
+                                        <p:tgtEl>
+                                          <p:spTgt spid="12"/>
+                                        </p:tgtEl>
+                                        <p:attrNameLst>
+                                          <p:attrName>style.visibility</p:attrName>
+                                        </p:attrNameLst>
+                                      </p:cBhvr>
+                                      <p:to>
+                                        <p:strVal val="visible"/>
+                                      </p:to>
+                                    </p:set>
+                                  </p:childTnLst>
+                                </p:cTn>
+                              </p:par>
+                            </p:childTnLst>
+                          </p:cTn>
+                        </p:par>
+                      </p:childTnLst>
+                    </p:cTn>
+                  </p:par>
+                  <p:par>
+                    <p:cTn id="11" fill="hold">
+                      <p:stCondLst>
+                        <p:cond delay="indefinite"/>
+                      </p:stCondLst>
+                      <p:childTnLst>
+                        <p:par>
+                          <p:cTn id="12" fill="hold">
+                            <p:stCondLst>
+                              <p:cond delay="0"/>
+                            </p:stCondLst>
+                            <p:childTnLst>
+                              <p:par>
+                                <p:cTn id="13" presetID="1" presetClass="entr" presetSubtype="0" fill="hold" nodeType="clickEffect">
+                                  <p:stCondLst>
+                                    <p:cond delay="0"/>
+                                  </p:stCondLst>
+                                  <p:childTnLst>
+                                    <p:set>
+                                      <p:cBhvr>
+                                        <p:cTn id="14" dur="1" fill="hold">
+                                          <p:stCondLst>
+                                            <p:cond delay="0"/>
+                                          </p:stCondLst>
+                                        </p:cTn>
+                                        <p:tgtEl>
+                                          <p:spTgt spid="14"/>
+                                        </p:tgtEl>
+                                        <p:attrNameLst>
+                                          <p:attrName>style.visibility</p:attrName>
+                                        </p:attrNameLst>
+                                      </p:cBhvr>
+                                      <p:to>
+                                        <p:strVal val="visible"/>
+                                      </p:to>
+                                    </p:set>
+                                  </p:childTnLst>
+                                </p:cTn>
+                              </p:par>
+                            </p:childTnLst>
+                          </p:cTn>
+                        </p:par>
+                      </p:childTnLst>
+                    </p:cTn>
+                  </p:par>
+                </p:childTnLst>
+              </p:cTn>
+              <p:prevCondLst>
+                <p:cond evt="onPrev" delay="0">
+                  <p:tgtEl>
+                    <p:sldTgt/>
+                  </p:tgtEl>
+                </p:cond>
+              </p:prevCondLst>
+              <p:nextCondLst>
+                <p:cond evt="onNext" delay="0">
+                  <p:tgtEl>
+                    <p:sldTgt/>
+                  </p:tgtEl>
+                </p:cond>
+              </p:nextCondLst>
+            </p:seq>
+          </p:childTnLst>
+        </p:cTn>
+      </p:par>
+    </p:tnLst>
+  </p:timing>
+</p:sld>
+</file>
+
+<file path=ppt/slides/slide5.xml><?xml version="1.0" encoding="utf-8"?>
+<p:sld xmlns:a="http://schemas.openxmlformats.org/drawingml/2006/main" xmlns:r="http://schemas.openxmlformats.org/officeDocument/2006/relationships" xmlns:p="http://schemas.openxmlformats.org/presentationml/2006/main">
+  <p:cSld>
+    <p:spTree>
+      <p:nvGrpSpPr>
+        <p:cNvPr id="1" name=""/>
+        <p:cNvGrpSpPr/>
+        <p:nvPr/>
+      </p:nvGrpSpPr>
+      <p:grpSpPr>
+        <a:xfrm>
+          <a:off x="0" y="0"/>
+          <a:ext cx="0" cy="0"/>
+          <a:chOff x="0" y="0"/>
+          <a:chExt cx="0" cy="0"/>
+        </a:xfrm>
+      </p:grpSpPr>
+      <p:pic>
+        <p:nvPicPr>
+          <p:cNvPr id="5" name="Picture 4">
+            <a:extLst>
+              <a:ext uri="{FF2B5EF4-FFF2-40B4-BE49-F238E27FC236}">
+                <a16:creationId xmlns:a16="http://schemas.microsoft.com/office/drawing/2014/main" id="{1946050F-6574-50AA-EA4F-7A822F0B348A}"/>
+              </a:ext>
+            </a:extLst>
+          </p:cNvPr>
+          <p:cNvPicPr>
+            <a:picLocks noChangeAspect="1"/>
+          </p:cNvPicPr>
+          <p:nvPr/>
+        </p:nvPicPr>
+        <p:blipFill>
+          <a:blip r:embed="rId2"/>
+          <a:srcRect/>
+          <a:stretch/>
+        </p:blipFill>
+        <p:spPr>
+          <a:xfrm>
+            <a:off x="-1135949" y="1050326"/>
+            <a:ext cx="14463898" cy="5424616"/>
+          </a:xfrm>
+          <a:prstGeom prst="rect">
+            <a:avLst/>
+          </a:prstGeom>
+        </p:spPr>
+      </p:pic>
+      <p:sp>
+        <p:nvSpPr>
+          <p:cNvPr id="8" name="Title 1">
+            <a:extLst>
+              <a:ext uri="{FF2B5EF4-FFF2-40B4-BE49-F238E27FC236}">
+                <a16:creationId xmlns:a16="http://schemas.microsoft.com/office/drawing/2014/main" id="{3EB72C19-F6F3-B739-BAC4-F38D8C3BF7F9}"/>
+              </a:ext>
+            </a:extLst>
+          </p:cNvPr>
+          <p:cNvSpPr>
+            <a:spLocks noGrp="1"/>
+          </p:cNvSpPr>
+          <p:nvPr/>
+        </p:nvSpPr>
+        <p:spPr>
+          <a:xfrm>
+            <a:off x="838200" y="183656"/>
+            <a:ext cx="10515600" cy="1325563"/>
+          </a:xfrm>
+          <a:prstGeom prst="rect">
+            <a:avLst/>
+          </a:prstGeom>
+        </p:spPr>
+        <p:txBody>
+          <a:bodyPr vert="horz" lIns="91440" tIns="45720" rIns="91440" bIns="45720" rtlCol="0" anchor="ctr">
+            <a:normAutofit/>
+          </a:bodyPr>
+          <a:lstStyle>
+            <a:lvl1pPr algn="l" defTabSz="914400" rtl="0" eaLnBrk="1" latinLnBrk="0" hangingPunct="1">
+              <a:lnSpc>
+                <a:spcPct val="90000"/>
+              </a:lnSpc>
+              <a:spcBef>
+                <a:spcPct val="0"/>
+              </a:spcBef>
+              <a:buNone/>
+              <a:defRPr sz="4400" kern="1200">
+                <a:solidFill>
+                  <a:schemeClr val="tx1"/>
+                </a:solidFill>
+                <a:latin typeface="+mj-lt"/>
+                <a:ea typeface="+mj-ea"/>
+                <a:cs typeface="+mj-cs"/>
+              </a:defRPr>
+            </a:lvl1pPr>
+          </a:lstStyle>
+          <a:p>
+            <a:pPr algn="ctr"/>
+            <a:r>
+              <a:rPr lang="en-US" dirty="0"/>
+              <a:t>Cross Power Spectra</a:t>
+            </a:r>
+          </a:p>
+        </p:txBody>
+      </p:sp>
+    </p:spTree>
+    <p:extLst>
+      <p:ext uri="{BB962C8B-B14F-4D97-AF65-F5344CB8AC3E}">
+        <p14:creationId xmlns:p14="http://schemas.microsoft.com/office/powerpoint/2010/main" val="4211441342"/>
+      </p:ext>
+    </p:extLst>
+  </p:cSld>
+  <p:clrMapOvr>
+    <a:masterClrMapping/>
+  </p:clrMapOvr>
+</p:sld>
+</file>
+
+<file path=ppt/slides/slide6.xml><?xml version="1.0" encoding="utf-8"?>
+<p:sld xmlns:a="http://schemas.openxmlformats.org/drawingml/2006/main" xmlns:r="http://schemas.openxmlformats.org/officeDocument/2006/relationships" xmlns:p="http://schemas.openxmlformats.org/presentationml/2006/main">
+  <p:cSld>
+    <p:spTree>
+      <p:nvGrpSpPr>
+        <p:cNvPr id="1" name=""/>
+        <p:cNvGrpSpPr/>
+        <p:nvPr/>
+      </p:nvGrpSpPr>
+      <p:grpSpPr>
+        <a:xfrm>
+          <a:off x="0" y="0"/>
+          <a:ext cx="0" cy="0"/>
+          <a:chOff x="0" y="0"/>
+          <a:chExt cx="0" cy="0"/>
+        </a:xfrm>
+      </p:grpSpPr>
+      <p:pic>
+        <p:nvPicPr>
+          <p:cNvPr id="11" name="Picture 10">
+            <a:extLst>
+              <a:ext uri="{FF2B5EF4-FFF2-40B4-BE49-F238E27FC236}">
+                <a16:creationId xmlns:a16="http://schemas.microsoft.com/office/drawing/2014/main" id="{0AC1E032-B84C-88E2-FD0E-695F37A6ABA9}"/>
+              </a:ext>
+            </a:extLst>
+          </p:cNvPr>
+          <p:cNvPicPr>
+            <a:picLocks noChangeAspect="1"/>
+          </p:cNvPicPr>
+          <p:nvPr/>
+        </p:nvPicPr>
+        <p:blipFill rotWithShape="1">
+          <a:blip r:embed="rId2"/>
+          <a:srcRect l="44841" t="56779" r="42651" b="40525"/>
+          <a:stretch/>
+        </p:blipFill>
+        <p:spPr>
+          <a:xfrm>
+            <a:off x="688369" y="1915642"/>
+            <a:ext cx="3165578" cy="965771"/>
+          </a:xfrm>
+          <a:prstGeom prst="rect">
+            <a:avLst/>
+          </a:prstGeom>
+        </p:spPr>
+      </p:pic>
+      <p:pic>
+        <p:nvPicPr>
+          <p:cNvPr id="13" name="Picture 12">
+            <a:extLst>
+              <a:ext uri="{FF2B5EF4-FFF2-40B4-BE49-F238E27FC236}">
+                <a16:creationId xmlns:a16="http://schemas.microsoft.com/office/drawing/2014/main" id="{3FC59A57-78D1-7319-D3EC-BB1151C6786F}"/>
+              </a:ext>
+            </a:extLst>
+          </p:cNvPr>
+          <p:cNvPicPr>
+            <a:picLocks noChangeAspect="1"/>
+          </p:cNvPicPr>
+          <p:nvPr/>
+        </p:nvPicPr>
+        <p:blipFill>
+          <a:blip r:embed="rId3"/>
+          <a:stretch>
+            <a:fillRect/>
+          </a:stretch>
+        </p:blipFill>
+        <p:spPr>
+          <a:xfrm>
+            <a:off x="4483654" y="1463661"/>
+            <a:ext cx="6789383" cy="4526255"/>
+          </a:xfrm>
+          <a:prstGeom prst="rect">
+            <a:avLst/>
+          </a:prstGeom>
+        </p:spPr>
+      </p:pic>
+      <p:pic>
+        <p:nvPicPr>
+          <p:cNvPr id="9" name="Content Placeholder 8">
+            <a:extLst>
+              <a:ext uri="{FF2B5EF4-FFF2-40B4-BE49-F238E27FC236}">
+                <a16:creationId xmlns:a16="http://schemas.microsoft.com/office/drawing/2014/main" id="{CD78E04D-DCB9-1EA8-043D-73CEE692A09A}"/>
+              </a:ext>
+            </a:extLst>
+          </p:cNvPr>
+          <p:cNvPicPr>
+            <a:picLocks noGrp="1" noChangeAspect="1"/>
+          </p:cNvPicPr>
+          <p:nvPr>
+            <p:ph idx="1"/>
+          </p:nvPr>
+        </p:nvPicPr>
+        <p:blipFill>
+          <a:blip r:embed="rId4"/>
+          <a:srcRect/>
+          <a:stretch/>
+        </p:blipFill>
+        <p:spPr>
+          <a:xfrm>
+            <a:off x="4483654" y="1463661"/>
+            <a:ext cx="6789382" cy="4526255"/>
+          </a:xfrm>
+        </p:spPr>
+      </p:pic>
+      <p:sp>
+        <p:nvSpPr>
+          <p:cNvPr id="16" name="Title 1">
+            <a:extLst>
+              <a:ext uri="{FF2B5EF4-FFF2-40B4-BE49-F238E27FC236}">
+                <a16:creationId xmlns:a16="http://schemas.microsoft.com/office/drawing/2014/main" id="{11496EB2-A969-E178-3F08-C4CAF0F985F0}"/>
+              </a:ext>
+            </a:extLst>
+          </p:cNvPr>
+          <p:cNvSpPr>
+            <a:spLocks noGrp="1"/>
+          </p:cNvSpPr>
+          <p:nvPr/>
+        </p:nvSpPr>
+        <p:spPr>
+          <a:xfrm>
+            <a:off x="838200" y="183656"/>
+            <a:ext cx="10515600" cy="1325563"/>
+          </a:xfrm>
+          <a:prstGeom prst="rect">
+            <a:avLst/>
+          </a:prstGeom>
+        </p:spPr>
+        <p:txBody>
+          <a:bodyPr vert="horz" lIns="91440" tIns="45720" rIns="91440" bIns="45720" rtlCol="0" anchor="ctr">
+            <a:normAutofit/>
+          </a:bodyPr>
+          <a:lstStyle>
+            <a:lvl1pPr algn="l" defTabSz="914400" rtl="0" eaLnBrk="1" latinLnBrk="0" hangingPunct="1">
+              <a:lnSpc>
+                <a:spcPct val="90000"/>
+              </a:lnSpc>
+              <a:spcBef>
+                <a:spcPct val="0"/>
+              </a:spcBef>
+              <a:buNone/>
+              <a:defRPr sz="4400" kern="1200">
+                <a:solidFill>
+                  <a:schemeClr val="tx1"/>
+                </a:solidFill>
+                <a:latin typeface="+mj-lt"/>
+                <a:ea typeface="+mj-ea"/>
+                <a:cs typeface="+mj-cs"/>
+              </a:defRPr>
+            </a:lvl1pPr>
+          </a:lstStyle>
+          <a:p>
+            <a:pPr algn="ctr"/>
+            <a:r>
+              <a:rPr lang="en-US" dirty="0"/>
+              <a:t>Testing the Null Hypothesis</a:t>
+            </a:r>
+          </a:p>
+        </p:txBody>
+      </p:sp>
+    </p:spTree>
+    <p:extLst>
+      <p:ext uri="{BB962C8B-B14F-4D97-AF65-F5344CB8AC3E}">
+        <p14:creationId xmlns:p14="http://schemas.microsoft.com/office/powerpoint/2010/main" val="3745901141"/>
+      </p:ext>
+    </p:extLst>
+  </p:cSld>
+  <p:clrMapOvr>
+    <a:masterClrMapping/>
+  </p:clrMapOvr>
+  <p:timing>
+    <p:tnLst>
+      <p:par>
+        <p:cTn id="1" dur="indefinite" restart="never" nodeType="tmRoot">
+          <p:childTnLst>
+            <p:seq concurrent="1" nextAc="seek">
+              <p:cTn id="2" dur="indefinite" nodeType="mainSeq">
+                <p:childTnLst>
+                  <p:par>
+                    <p:cTn id="3" fill="hold">
+                      <p:stCondLst>
+                        <p:cond delay="indefinite"/>
+                      </p:stCondLst>
+                      <p:childTnLst>
+                        <p:par>
+                          <p:cTn id="4" fill="hold">
+                            <p:stCondLst>
+                              <p:cond delay="0"/>
+                            </p:stCondLst>
+                            <p:childTnLst>
+                              <p:par>
+                                <p:cTn id="5" presetID="1" presetClass="entr" presetSubtype="0" fill="hold" nodeType="clickEffect">
+                                  <p:stCondLst>
+                                    <p:cond delay="0"/>
+                                  </p:stCondLst>
+                                  <p:childTnLst>
+                                    <p:set>
+                                      <p:cBhvr>
+                                        <p:cTn id="6" dur="1" fill="hold">
+                                          <p:stCondLst>
+                                            <p:cond delay="0"/>
+                                          </p:stCondLst>
+                                        </p:cTn>
+                                        <p:tgtEl>
+                                          <p:spTgt spid="13"/>
+                                        </p:tgtEl>
+                                        <p:attrNameLst>
+                                          <p:attrName>style.visibility</p:attrName>
+                                        </p:attrNameLst>
+                                      </p:cBhvr>
+                                      <p:to>
+                                        <p:strVal val="visible"/>
+                                      </p:to>
+                                    </p:set>
+                                  </p:childTnLst>
+                                </p:cTn>
+                              </p:par>
+                            </p:childTnLst>
+                          </p:cTn>
+                        </p:par>
+                      </p:childTnLst>
+                    </p:cTn>
+                  </p:par>
+                  <p:par>
+                    <p:cTn id="7" fill="hold">
+                      <p:stCondLst>
+                        <p:cond delay="indefinite"/>
+                      </p:stCondLst>
+                      <p:childTnLst>
+                        <p:par>
+                          <p:cTn id="8" fill="hold">
+                            <p:stCondLst>
+                              <p:cond delay="0"/>
+                            </p:stCondLst>
+                            <p:childTnLst>
+                              <p:par>
+                                <p:cTn id="9" presetID="1" presetClass="exit" presetSubtype="0" fill="hold" nodeType="clickEffect">
+                                  <p:stCondLst>
+                                    <p:cond delay="0"/>
+                                  </p:stCondLst>
+                                  <p:childTnLst>
+                                    <p:set>
+                                      <p:cBhvr>
+                                        <p:cTn id="10" dur="1" fill="hold">
+                                          <p:stCondLst>
+                                            <p:cond delay="0"/>
+                                          </p:stCondLst>
+                                        </p:cTn>
+                                        <p:tgtEl>
+                                          <p:spTgt spid="13"/>
+                                        </p:tgtEl>
+                                        <p:attrNameLst>
+                                          <p:attrName>style.visibility</p:attrName>
+                                        </p:attrNameLst>
+                                      </p:cBhvr>
+                                      <p:to>
+                                        <p:strVal val="hidden"/>
+                                      </p:to>
+                                    </p:set>
+                                  </p:childTnLst>
+                                </p:cTn>
+                              </p:par>
+                              <p:par>
+                                <p:cTn id="11" presetID="1" presetClass="entr" presetSubtype="0" fill="hold" nodeType="withEffect">
+                                  <p:stCondLst>
+                                    <p:cond delay="0"/>
+                                  </p:stCondLst>
+                                  <p:childTnLst>
+                                    <p:set>
+                                      <p:cBhvr>
+                                        <p:cTn id="12" dur="1" fill="hold">
+                                          <p:stCondLst>
+                                            <p:cond delay="0"/>
+                                          </p:stCondLst>
+                                        </p:cTn>
+                                        <p:tgtEl>
+                                          <p:spTgt spid="9"/>
+                                        </p:tgtEl>
+                                        <p:attrNameLst>
+                                          <p:attrName>style.visibility</p:attrName>
+                                        </p:attrNameLst>
+                                      </p:cBhvr>
+                                      <p:to>
+                                        <p:strVal val="visible"/>
+                                      </p:to>
+                                    </p:set>
+                                  </p:childTnLst>
+                                </p:cTn>
+                              </p:par>
+                            </p:childTnLst>
+                          </p:cTn>
+                        </p:par>
+                      </p:childTnLst>
+                    </p:cTn>
+                  </p:par>
+                </p:childTnLst>
+              </p:cTn>
+              <p:prevCondLst>
+                <p:cond evt="onPrev" delay="0">
+                  <p:tgtEl>
+                    <p:sldTgt/>
+                  </p:tgtEl>
+                </p:cond>
+              </p:prevCondLst>
+              <p:nextCondLst>
+                <p:cond evt="onNext" delay="0">
+                  <p:tgtEl>
+                    <p:sldTgt/>
+                  </p:tgtEl>
+                </p:cond>
+              </p:nextCondLst>
+            </p:seq>
+          </p:childTnLst>
+        </p:cTn>
+      </p:par>
+    </p:tnLst>
+  </p:timing>
+</p:sld>
+</file>
+
 <file path=ppt/slides/slide7.xml><?xml version="1.0" encoding="utf-8"?>
 <p:sld xmlns:a="http://schemas.openxmlformats.org/drawingml/2006/main" xmlns:r="http://schemas.openxmlformats.org/officeDocument/2006/relationships" xmlns:p="http://schemas.openxmlformats.org/presentationml/2006/main">
   <p:cSld>
@@ -6186,41 +7428,12 @@
           <a:chExt cx="0" cy="0"/>
         </a:xfrm>
       </p:grpSpPr>
-      <p:sp>
-        <p:nvSpPr>
-          <p:cNvPr id="2" name="Title 1">
-            <a:extLst>
-              <a:ext uri="{FF2B5EF4-FFF2-40B4-BE49-F238E27FC236}">
-                <a16:creationId xmlns:a16="http://schemas.microsoft.com/office/drawing/2014/main" id="{E1DAF982-9CB3-CB75-169D-9229DB81E3CB}"/>
-              </a:ext>
-            </a:extLst>
-          </p:cNvPr>
-          <p:cNvSpPr>
-            <a:spLocks noGrp="1"/>
-          </p:cNvSpPr>
-          <p:nvPr>
-            <p:ph type="title"/>
-          </p:nvPr>
-        </p:nvSpPr>
-        <p:spPr/>
-        <p:txBody>
-          <a:bodyPr/>
-          <a:lstStyle/>
-          <a:p>
-            <a:pPr algn="ctr"/>
-            <a:r>
-              <a:rPr lang="en-US" dirty="0"/>
-              <a:t>Constraining Neutrino Densities</a:t>
-            </a:r>
-          </a:p>
-        </p:txBody>
-      </p:sp>
       <p:pic>
         <p:nvPicPr>
-          <p:cNvPr id="4" name="Content Placeholder 3">
-            <a:extLst>
-              <a:ext uri="{FF2B5EF4-FFF2-40B4-BE49-F238E27FC236}">
-                <a16:creationId xmlns:a16="http://schemas.microsoft.com/office/drawing/2014/main" id="{CC24E834-E8BE-36A5-08A1-3172F1097F6F}"/>
+          <p:cNvPr id="9" name="Content Placeholder 8">
+            <a:extLst>
+              <a:ext uri="{FF2B5EF4-FFF2-40B4-BE49-F238E27FC236}">
+                <a16:creationId xmlns:a16="http://schemas.microsoft.com/office/drawing/2014/main" id="{783B72EF-51B8-BCF5-FF8B-0788790FB537}"/>
               </a:ext>
             </a:extLst>
           </p:cNvPr>
@@ -6231,22 +7444,1406 @@
             <p:ph idx="1"/>
           </p:nvPr>
         </p:nvPicPr>
-        <p:blipFill>
+        <p:blipFill rotWithShape="1">
           <a:blip r:embed="rId2"/>
-          <a:srcRect/>
+          <a:srcRect l="29840" t="33837" r="27391" b="61204"/>
           <a:stretch/>
         </p:blipFill>
         <p:spPr>
           <a:xfrm>
-            <a:off x="2678715" y="1445908"/>
-            <a:ext cx="6834569" cy="5122220"/>
+            <a:off x="2808291" y="1780740"/>
+            <a:ext cx="6575417" cy="1078788"/>
           </a:xfrm>
         </p:spPr>
       </p:pic>
+      <p:pic>
+        <p:nvPicPr>
+          <p:cNvPr id="10" name="Content Placeholder 8">
+            <a:extLst>
+              <a:ext uri="{FF2B5EF4-FFF2-40B4-BE49-F238E27FC236}">
+                <a16:creationId xmlns:a16="http://schemas.microsoft.com/office/drawing/2014/main" id="{0B6EC3C4-BCAF-1318-EE24-4B19BE447DC0}"/>
+              </a:ext>
+            </a:extLst>
+          </p:cNvPr>
+          <p:cNvPicPr>
+            <a:picLocks noChangeAspect="1"/>
+          </p:cNvPicPr>
+          <p:nvPr/>
+        </p:nvPicPr>
+        <p:blipFill rotWithShape="1">
+          <a:blip r:embed="rId2"/>
+          <a:srcRect l="43885" t="38236" r="41480" b="57561"/>
+          <a:stretch/>
+        </p:blipFill>
+        <p:spPr>
+          <a:xfrm>
+            <a:off x="4970977" y="2754763"/>
+            <a:ext cx="2250041" cy="914399"/>
+          </a:xfrm>
+          <a:prstGeom prst="rect">
+            <a:avLst/>
+          </a:prstGeom>
+        </p:spPr>
+      </p:pic>
+      <p:pic>
+        <p:nvPicPr>
+          <p:cNvPr id="11" name="Content Placeholder 8">
+            <a:extLst>
+              <a:ext uri="{FF2B5EF4-FFF2-40B4-BE49-F238E27FC236}">
+                <a16:creationId xmlns:a16="http://schemas.microsoft.com/office/drawing/2014/main" id="{42AB7B8D-5A63-74FC-BED2-31CE8CFDCC19}"/>
+              </a:ext>
+            </a:extLst>
+          </p:cNvPr>
+          <p:cNvPicPr>
+            <a:picLocks noChangeAspect="1"/>
+          </p:cNvPicPr>
+          <p:nvPr/>
+        </p:nvPicPr>
+        <p:blipFill rotWithShape="1">
+          <a:blip r:embed="rId2"/>
+          <a:srcRect l="39553" t="42322" r="37593" b="52720"/>
+          <a:stretch/>
+        </p:blipFill>
+        <p:spPr>
+          <a:xfrm>
+            <a:off x="2582236" y="4270169"/>
+            <a:ext cx="3513762" cy="1078788"/>
+          </a:xfrm>
+          <a:prstGeom prst="rect">
+            <a:avLst/>
+          </a:prstGeom>
+        </p:spPr>
+      </p:pic>
+      <p:pic>
+        <p:nvPicPr>
+          <p:cNvPr id="12" name="Content Placeholder 8">
+            <a:extLst>
+              <a:ext uri="{FF2B5EF4-FFF2-40B4-BE49-F238E27FC236}">
+                <a16:creationId xmlns:a16="http://schemas.microsoft.com/office/drawing/2014/main" id="{4F202351-10F3-5CAA-3E85-DF2A9163ECF2}"/>
+              </a:ext>
+            </a:extLst>
+          </p:cNvPr>
+          <p:cNvPicPr>
+            <a:picLocks noChangeAspect="1"/>
+          </p:cNvPicPr>
+          <p:nvPr/>
+        </p:nvPicPr>
+        <p:blipFill rotWithShape="1">
+          <a:blip r:embed="rId2"/>
+          <a:srcRect l="39553" t="46926" r="37593" b="48116"/>
+          <a:stretch/>
+        </p:blipFill>
+        <p:spPr>
+          <a:xfrm>
+            <a:off x="6095998" y="4303389"/>
+            <a:ext cx="3513762" cy="1078788"/>
+          </a:xfrm>
+          <a:prstGeom prst="rect">
+            <a:avLst/>
+          </a:prstGeom>
+        </p:spPr>
+      </p:pic>
+      <p:pic>
+        <p:nvPicPr>
+          <p:cNvPr id="13" name="Content Placeholder 8">
+            <a:extLst>
+              <a:ext uri="{FF2B5EF4-FFF2-40B4-BE49-F238E27FC236}">
+                <a16:creationId xmlns:a16="http://schemas.microsoft.com/office/drawing/2014/main" id="{8C9BA415-2CB7-DB3F-F7CB-8E190A8CA4E6}"/>
+              </a:ext>
+            </a:extLst>
+          </p:cNvPr>
+          <p:cNvPicPr>
+            <a:picLocks noChangeAspect="1"/>
+          </p:cNvPicPr>
+          <p:nvPr/>
+        </p:nvPicPr>
+        <p:blipFill rotWithShape="1">
+          <a:blip r:embed="rId2"/>
+          <a:srcRect l="39553" t="51821" r="37593" b="43976"/>
+          <a:stretch/>
+        </p:blipFill>
+        <p:spPr>
+          <a:xfrm>
+            <a:off x="4339116" y="4436383"/>
+            <a:ext cx="3513762" cy="914400"/>
+          </a:xfrm>
+          <a:prstGeom prst="rect">
+            <a:avLst/>
+          </a:prstGeom>
+        </p:spPr>
+      </p:pic>
+      <p:sp>
+        <p:nvSpPr>
+          <p:cNvPr id="15" name="Title 1">
+            <a:extLst>
+              <a:ext uri="{FF2B5EF4-FFF2-40B4-BE49-F238E27FC236}">
+                <a16:creationId xmlns:a16="http://schemas.microsoft.com/office/drawing/2014/main" id="{C4FFBCCA-1D7C-F651-FDE1-D30ABC415799}"/>
+              </a:ext>
+            </a:extLst>
+          </p:cNvPr>
+          <p:cNvSpPr>
+            <a:spLocks noGrp="1"/>
+          </p:cNvSpPr>
+          <p:nvPr/>
+        </p:nvSpPr>
+        <p:spPr>
+          <a:xfrm>
+            <a:off x="838200" y="183656"/>
+            <a:ext cx="10515600" cy="1325563"/>
+          </a:xfrm>
+          <a:prstGeom prst="rect">
+            <a:avLst/>
+          </a:prstGeom>
+        </p:spPr>
+        <p:txBody>
+          <a:bodyPr vert="horz" lIns="91440" tIns="45720" rIns="91440" bIns="45720" rtlCol="0" anchor="ctr">
+            <a:normAutofit/>
+          </a:bodyPr>
+          <a:lstStyle>
+            <a:lvl1pPr algn="l" defTabSz="914400" rtl="0" eaLnBrk="1" latinLnBrk="0" hangingPunct="1">
+              <a:lnSpc>
+                <a:spcPct val="90000"/>
+              </a:lnSpc>
+              <a:spcBef>
+                <a:spcPct val="0"/>
+              </a:spcBef>
+              <a:buNone/>
+              <a:defRPr sz="4400" kern="1200">
+                <a:solidFill>
+                  <a:schemeClr val="tx1"/>
+                </a:solidFill>
+                <a:latin typeface="+mj-lt"/>
+                <a:ea typeface="+mj-ea"/>
+                <a:cs typeface="+mj-cs"/>
+              </a:defRPr>
+            </a:lvl1pPr>
+          </a:lstStyle>
+          <a:p>
+            <a:pPr algn="ctr"/>
+            <a:r>
+              <a:rPr lang="en-US" dirty="0"/>
+              <a:t>Neutrino Radial Kernel</a:t>
+            </a:r>
+          </a:p>
+        </p:txBody>
+      </p:sp>
     </p:spTree>
     <p:extLst>
       <p:ext uri="{BB962C8B-B14F-4D97-AF65-F5344CB8AC3E}">
-        <p14:creationId xmlns:p14="http://schemas.microsoft.com/office/powerpoint/2010/main" val="1258703984"/>
+        <p14:creationId xmlns:p14="http://schemas.microsoft.com/office/powerpoint/2010/main" val="2666327857"/>
+      </p:ext>
+    </p:extLst>
+  </p:cSld>
+  <p:clrMapOvr>
+    <a:masterClrMapping/>
+  </p:clrMapOvr>
+  <p:timing>
+    <p:tnLst>
+      <p:par>
+        <p:cTn id="1" dur="indefinite" restart="never" nodeType="tmRoot">
+          <p:childTnLst>
+            <p:seq concurrent="1" nextAc="seek">
+              <p:cTn id="2" dur="indefinite" nodeType="mainSeq">
+                <p:childTnLst>
+                  <p:par>
+                    <p:cTn id="3" fill="hold">
+                      <p:stCondLst>
+                        <p:cond delay="indefinite"/>
+                      </p:stCondLst>
+                      <p:childTnLst>
+                        <p:par>
+                          <p:cTn id="4" fill="hold">
+                            <p:stCondLst>
+                              <p:cond delay="0"/>
+                            </p:stCondLst>
+                            <p:childTnLst>
+                              <p:par>
+                                <p:cTn id="5" presetID="1" presetClass="entr" presetSubtype="0" fill="hold" nodeType="clickEffect">
+                                  <p:stCondLst>
+                                    <p:cond delay="0"/>
+                                  </p:stCondLst>
+                                  <p:childTnLst>
+                                    <p:set>
+                                      <p:cBhvr>
+                                        <p:cTn id="6" dur="1" fill="hold">
+                                          <p:stCondLst>
+                                            <p:cond delay="0"/>
+                                          </p:stCondLst>
+                                        </p:cTn>
+                                        <p:tgtEl>
+                                          <p:spTgt spid="9"/>
+                                        </p:tgtEl>
+                                        <p:attrNameLst>
+                                          <p:attrName>style.visibility</p:attrName>
+                                        </p:attrNameLst>
+                                      </p:cBhvr>
+                                      <p:to>
+                                        <p:strVal val="visible"/>
+                                      </p:to>
+                                    </p:set>
+                                  </p:childTnLst>
+                                </p:cTn>
+                              </p:par>
+                            </p:childTnLst>
+                          </p:cTn>
+                        </p:par>
+                      </p:childTnLst>
+                    </p:cTn>
+                  </p:par>
+                  <p:par>
+                    <p:cTn id="7" fill="hold">
+                      <p:stCondLst>
+                        <p:cond delay="indefinite"/>
+                      </p:stCondLst>
+                      <p:childTnLst>
+                        <p:par>
+                          <p:cTn id="8" fill="hold">
+                            <p:stCondLst>
+                              <p:cond delay="0"/>
+                            </p:stCondLst>
+                            <p:childTnLst>
+                              <p:par>
+                                <p:cTn id="9" presetID="1" presetClass="entr" presetSubtype="0" fill="hold" nodeType="clickEffect">
+                                  <p:stCondLst>
+                                    <p:cond delay="0"/>
+                                  </p:stCondLst>
+                                  <p:childTnLst>
+                                    <p:set>
+                                      <p:cBhvr>
+                                        <p:cTn id="10" dur="1" fill="hold">
+                                          <p:stCondLst>
+                                            <p:cond delay="0"/>
+                                          </p:stCondLst>
+                                        </p:cTn>
+                                        <p:tgtEl>
+                                          <p:spTgt spid="10"/>
+                                        </p:tgtEl>
+                                        <p:attrNameLst>
+                                          <p:attrName>style.visibility</p:attrName>
+                                        </p:attrNameLst>
+                                      </p:cBhvr>
+                                      <p:to>
+                                        <p:strVal val="visible"/>
+                                      </p:to>
+                                    </p:set>
+                                  </p:childTnLst>
+                                </p:cTn>
+                              </p:par>
+                            </p:childTnLst>
+                          </p:cTn>
+                        </p:par>
+                      </p:childTnLst>
+                    </p:cTn>
+                  </p:par>
+                  <p:par>
+                    <p:cTn id="11" fill="hold">
+                      <p:stCondLst>
+                        <p:cond delay="indefinite"/>
+                      </p:stCondLst>
+                      <p:childTnLst>
+                        <p:par>
+                          <p:cTn id="12" fill="hold">
+                            <p:stCondLst>
+                              <p:cond delay="0"/>
+                            </p:stCondLst>
+                            <p:childTnLst>
+                              <p:par>
+                                <p:cTn id="13" presetID="1" presetClass="entr" presetSubtype="0" fill="hold" nodeType="clickEffect">
+                                  <p:stCondLst>
+                                    <p:cond delay="0"/>
+                                  </p:stCondLst>
+                                  <p:childTnLst>
+                                    <p:set>
+                                      <p:cBhvr>
+                                        <p:cTn id="14" dur="1" fill="hold">
+                                          <p:stCondLst>
+                                            <p:cond delay="0"/>
+                                          </p:stCondLst>
+                                        </p:cTn>
+                                        <p:tgtEl>
+                                          <p:spTgt spid="11"/>
+                                        </p:tgtEl>
+                                        <p:attrNameLst>
+                                          <p:attrName>style.visibility</p:attrName>
+                                        </p:attrNameLst>
+                                      </p:cBhvr>
+                                      <p:to>
+                                        <p:strVal val="visible"/>
+                                      </p:to>
+                                    </p:set>
+                                  </p:childTnLst>
+                                </p:cTn>
+                              </p:par>
+                            </p:childTnLst>
+                          </p:cTn>
+                        </p:par>
+                      </p:childTnLst>
+                    </p:cTn>
+                  </p:par>
+                  <p:par>
+                    <p:cTn id="15" fill="hold">
+                      <p:stCondLst>
+                        <p:cond delay="indefinite"/>
+                      </p:stCondLst>
+                      <p:childTnLst>
+                        <p:par>
+                          <p:cTn id="16" fill="hold">
+                            <p:stCondLst>
+                              <p:cond delay="0"/>
+                            </p:stCondLst>
+                            <p:childTnLst>
+                              <p:par>
+                                <p:cTn id="17" presetID="1" presetClass="entr" presetSubtype="0" fill="hold" nodeType="clickEffect">
+                                  <p:stCondLst>
+                                    <p:cond delay="0"/>
+                                  </p:stCondLst>
+                                  <p:childTnLst>
+                                    <p:set>
+                                      <p:cBhvr>
+                                        <p:cTn id="18" dur="1" fill="hold">
+                                          <p:stCondLst>
+                                            <p:cond delay="0"/>
+                                          </p:stCondLst>
+                                        </p:cTn>
+                                        <p:tgtEl>
+                                          <p:spTgt spid="12"/>
+                                        </p:tgtEl>
+                                        <p:attrNameLst>
+                                          <p:attrName>style.visibility</p:attrName>
+                                        </p:attrNameLst>
+                                      </p:cBhvr>
+                                      <p:to>
+                                        <p:strVal val="visible"/>
+                                      </p:to>
+                                    </p:set>
+                                  </p:childTnLst>
+                                </p:cTn>
+                              </p:par>
+                            </p:childTnLst>
+                          </p:cTn>
+                        </p:par>
+                      </p:childTnLst>
+                    </p:cTn>
+                  </p:par>
+                  <p:par>
+                    <p:cTn id="19" fill="hold">
+                      <p:stCondLst>
+                        <p:cond delay="indefinite"/>
+                      </p:stCondLst>
+                      <p:childTnLst>
+                        <p:par>
+                          <p:cTn id="20" fill="hold">
+                            <p:stCondLst>
+                              <p:cond delay="0"/>
+                            </p:stCondLst>
+                            <p:childTnLst>
+                              <p:par>
+                                <p:cTn id="21" presetID="1" presetClass="entr" presetSubtype="0" fill="hold" nodeType="clickEffect">
+                                  <p:stCondLst>
+                                    <p:cond delay="0"/>
+                                  </p:stCondLst>
+                                  <p:childTnLst>
+                                    <p:set>
+                                      <p:cBhvr>
+                                        <p:cTn id="22" dur="1" fill="hold">
+                                          <p:stCondLst>
+                                            <p:cond delay="0"/>
+                                          </p:stCondLst>
+                                        </p:cTn>
+                                        <p:tgtEl>
+                                          <p:spTgt spid="13"/>
+                                        </p:tgtEl>
+                                        <p:attrNameLst>
+                                          <p:attrName>style.visibility</p:attrName>
+                                        </p:attrNameLst>
+                                      </p:cBhvr>
+                                      <p:to>
+                                        <p:strVal val="visible"/>
+                                      </p:to>
+                                    </p:set>
+                                  </p:childTnLst>
+                                </p:cTn>
+                              </p:par>
+                              <p:par>
+                                <p:cTn id="23" presetID="1" presetClass="exit" presetSubtype="0" fill="hold" nodeType="withEffect">
+                                  <p:stCondLst>
+                                    <p:cond delay="0"/>
+                                  </p:stCondLst>
+                                  <p:childTnLst>
+                                    <p:set>
+                                      <p:cBhvr>
+                                        <p:cTn id="24" dur="1" fill="hold">
+                                          <p:stCondLst>
+                                            <p:cond delay="0"/>
+                                          </p:stCondLst>
+                                        </p:cTn>
+                                        <p:tgtEl>
+                                          <p:spTgt spid="11"/>
+                                        </p:tgtEl>
+                                        <p:attrNameLst>
+                                          <p:attrName>style.visibility</p:attrName>
+                                        </p:attrNameLst>
+                                      </p:cBhvr>
+                                      <p:to>
+                                        <p:strVal val="hidden"/>
+                                      </p:to>
+                                    </p:set>
+                                  </p:childTnLst>
+                                </p:cTn>
+                              </p:par>
+                              <p:par>
+                                <p:cTn id="25" presetID="1" presetClass="exit" presetSubtype="0" fill="hold" nodeType="withEffect">
+                                  <p:stCondLst>
+                                    <p:cond delay="0"/>
+                                  </p:stCondLst>
+                                  <p:childTnLst>
+                                    <p:set>
+                                      <p:cBhvr>
+                                        <p:cTn id="26" dur="1" fill="hold">
+                                          <p:stCondLst>
+                                            <p:cond delay="0"/>
+                                          </p:stCondLst>
+                                        </p:cTn>
+                                        <p:tgtEl>
+                                          <p:spTgt spid="12"/>
+                                        </p:tgtEl>
+                                        <p:attrNameLst>
+                                          <p:attrName>style.visibility</p:attrName>
+                                        </p:attrNameLst>
+                                      </p:cBhvr>
+                                      <p:to>
+                                        <p:strVal val="hidden"/>
+                                      </p:to>
+                                    </p:set>
+                                  </p:childTnLst>
+                                </p:cTn>
+                              </p:par>
+                            </p:childTnLst>
+                          </p:cTn>
+                        </p:par>
+                      </p:childTnLst>
+                    </p:cTn>
+                  </p:par>
+                </p:childTnLst>
+              </p:cTn>
+              <p:prevCondLst>
+                <p:cond evt="onPrev" delay="0">
+                  <p:tgtEl>
+                    <p:sldTgt/>
+                  </p:tgtEl>
+                </p:cond>
+              </p:prevCondLst>
+              <p:nextCondLst>
+                <p:cond evt="onNext" delay="0">
+                  <p:tgtEl>
+                    <p:sldTgt/>
+                  </p:tgtEl>
+                </p:cond>
+              </p:nextCondLst>
+            </p:seq>
+          </p:childTnLst>
+        </p:cTn>
+      </p:par>
+    </p:tnLst>
+  </p:timing>
+</p:sld>
+</file>
+
+<file path=ppt/slides/slide8.xml><?xml version="1.0" encoding="utf-8"?>
+<p:sld xmlns:a="http://schemas.openxmlformats.org/drawingml/2006/main" xmlns:r="http://schemas.openxmlformats.org/officeDocument/2006/relationships" xmlns:p="http://schemas.openxmlformats.org/presentationml/2006/main">
+  <p:cSld>
+    <p:spTree>
+      <p:nvGrpSpPr>
+        <p:cNvPr id="1" name=""/>
+        <p:cNvGrpSpPr/>
+        <p:nvPr/>
+      </p:nvGrpSpPr>
+      <p:grpSpPr>
+        <a:xfrm>
+          <a:off x="0" y="0"/>
+          <a:ext cx="0" cy="0"/>
+          <a:chOff x="0" y="0"/>
+          <a:chExt cx="0" cy="0"/>
+        </a:xfrm>
+      </p:grpSpPr>
+      <p:pic>
+        <p:nvPicPr>
+          <p:cNvPr id="9" name="Content Placeholder 8">
+            <a:extLst>
+              <a:ext uri="{FF2B5EF4-FFF2-40B4-BE49-F238E27FC236}">
+                <a16:creationId xmlns:a16="http://schemas.microsoft.com/office/drawing/2014/main" id="{AF49C4B3-3C55-10C5-EB0D-C988A668FE4B}"/>
+              </a:ext>
+            </a:extLst>
+          </p:cNvPr>
+          <p:cNvPicPr>
+            <a:picLocks noGrp="1" noChangeAspect="1"/>
+          </p:cNvPicPr>
+          <p:nvPr>
+            <p:ph idx="1"/>
+          </p:nvPr>
+        </p:nvPicPr>
+        <p:blipFill rotWithShape="1">
+          <a:blip r:embed="rId2"/>
+          <a:srcRect t="37058" r="6842" b="35625"/>
+          <a:stretch/>
+        </p:blipFill>
+        <p:spPr>
+          <a:xfrm>
+            <a:off x="474796" y="1374955"/>
+            <a:ext cx="3316368" cy="2190178"/>
+          </a:xfrm>
+        </p:spPr>
+      </p:pic>
+      <p:sp>
+        <p:nvSpPr>
+          <p:cNvPr id="10" name="Right Arrow 9">
+            <a:extLst>
+              <a:ext uri="{FF2B5EF4-FFF2-40B4-BE49-F238E27FC236}">
+                <a16:creationId xmlns:a16="http://schemas.microsoft.com/office/drawing/2014/main" id="{6B15FA00-D8DC-17A6-E904-A24933BFBF5E}"/>
+              </a:ext>
+            </a:extLst>
+          </p:cNvPr>
+          <p:cNvSpPr/>
+          <p:nvPr/>
+        </p:nvSpPr>
+        <p:spPr>
+          <a:xfrm>
+            <a:off x="4389008" y="1776538"/>
+            <a:ext cx="2928135" cy="1387011"/>
+          </a:xfrm>
+          <a:prstGeom prst="rightArrow">
+            <a:avLst/>
+          </a:prstGeom>
+        </p:spPr>
+        <p:style>
+          <a:lnRef idx="2">
+            <a:schemeClr val="accent1">
+              <a:shade val="50000"/>
+            </a:schemeClr>
+          </a:lnRef>
+          <a:fillRef idx="1">
+            <a:schemeClr val="accent1"/>
+          </a:fillRef>
+          <a:effectRef idx="0">
+            <a:schemeClr val="accent1"/>
+          </a:effectRef>
+          <a:fontRef idx="minor">
+            <a:schemeClr val="lt1"/>
+          </a:fontRef>
+        </p:style>
+        <p:txBody>
+          <a:bodyPr rtlCol="0" anchor="ctr"/>
+          <a:lstStyle/>
+          <a:p>
+            <a:pPr algn="ctr"/>
+            <a:endParaRPr lang="en-US" dirty="0"/>
+          </a:p>
+        </p:txBody>
+      </p:sp>
+      <p:pic>
+        <p:nvPicPr>
+          <p:cNvPr id="12" name="Picture 11">
+            <a:extLst>
+              <a:ext uri="{FF2B5EF4-FFF2-40B4-BE49-F238E27FC236}">
+                <a16:creationId xmlns:a16="http://schemas.microsoft.com/office/drawing/2014/main" id="{37E36EAE-9299-ECE8-39E9-DC28985A20C2}"/>
+              </a:ext>
+            </a:extLst>
+          </p:cNvPr>
+          <p:cNvPicPr>
+            <a:picLocks noChangeAspect="1"/>
+          </p:cNvPicPr>
+          <p:nvPr/>
+        </p:nvPicPr>
+        <p:blipFill rotWithShape="1">
+          <a:blip r:embed="rId3"/>
+          <a:srcRect t="37303" r="8274" b="35581"/>
+          <a:stretch/>
+        </p:blipFill>
+        <p:spPr>
+          <a:xfrm>
+            <a:off x="7802993" y="1374955"/>
+            <a:ext cx="3289582" cy="2190178"/>
+          </a:xfrm>
+          <a:prstGeom prst="rect">
+            <a:avLst/>
+          </a:prstGeom>
+        </p:spPr>
+      </p:pic>
+      <p:pic>
+        <p:nvPicPr>
+          <p:cNvPr id="14" name="Picture 13">
+            <a:extLst>
+              <a:ext uri="{FF2B5EF4-FFF2-40B4-BE49-F238E27FC236}">
+                <a16:creationId xmlns:a16="http://schemas.microsoft.com/office/drawing/2014/main" id="{8481F8A8-DBDA-4CE5-08CA-FD01886854BA}"/>
+              </a:ext>
+            </a:extLst>
+          </p:cNvPr>
+          <p:cNvPicPr>
+            <a:picLocks noChangeAspect="1"/>
+          </p:cNvPicPr>
+          <p:nvPr/>
+        </p:nvPicPr>
+        <p:blipFill>
+          <a:blip r:embed="rId4"/>
+          <a:stretch>
+            <a:fillRect/>
+          </a:stretch>
+        </p:blipFill>
+        <p:spPr>
+          <a:xfrm>
+            <a:off x="217632" y="3565133"/>
+            <a:ext cx="3316368" cy="3316368"/>
+          </a:xfrm>
+          <a:prstGeom prst="rect">
+            <a:avLst/>
+          </a:prstGeom>
+        </p:spPr>
+      </p:pic>
+      <p:pic>
+        <p:nvPicPr>
+          <p:cNvPr id="16" name="Picture 15">
+            <a:extLst>
+              <a:ext uri="{FF2B5EF4-FFF2-40B4-BE49-F238E27FC236}">
+                <a16:creationId xmlns:a16="http://schemas.microsoft.com/office/drawing/2014/main" id="{02001748-6A6F-25E6-769F-C2ED9D3B3D6F}"/>
+              </a:ext>
+            </a:extLst>
+          </p:cNvPr>
+          <p:cNvPicPr>
+            <a:picLocks noChangeAspect="1"/>
+          </p:cNvPicPr>
+          <p:nvPr/>
+        </p:nvPicPr>
+        <p:blipFill>
+          <a:blip r:embed="rId5"/>
+          <a:stretch>
+            <a:fillRect/>
+          </a:stretch>
+        </p:blipFill>
+        <p:spPr>
+          <a:xfrm>
+            <a:off x="7776208" y="3565134"/>
+            <a:ext cx="3316367" cy="3316367"/>
+          </a:xfrm>
+          <a:prstGeom prst="rect">
+            <a:avLst/>
+          </a:prstGeom>
+        </p:spPr>
+      </p:pic>
+      <p:sp>
+        <p:nvSpPr>
+          <p:cNvPr id="17" name="Right Arrow 16">
+            <a:extLst>
+              <a:ext uri="{FF2B5EF4-FFF2-40B4-BE49-F238E27FC236}">
+                <a16:creationId xmlns:a16="http://schemas.microsoft.com/office/drawing/2014/main" id="{C68C2C99-10FC-4168-5786-CFFEDCFDF6EF}"/>
+              </a:ext>
+            </a:extLst>
+          </p:cNvPr>
+          <p:cNvSpPr/>
+          <p:nvPr/>
+        </p:nvSpPr>
+        <p:spPr>
+          <a:xfrm>
+            <a:off x="4389008" y="4672138"/>
+            <a:ext cx="2928135" cy="1387011"/>
+          </a:xfrm>
+          <a:prstGeom prst="rightArrow">
+            <a:avLst/>
+          </a:prstGeom>
+        </p:spPr>
+        <p:style>
+          <a:lnRef idx="2">
+            <a:schemeClr val="accent1">
+              <a:shade val="50000"/>
+            </a:schemeClr>
+          </a:lnRef>
+          <a:fillRef idx="1">
+            <a:schemeClr val="accent1"/>
+          </a:fillRef>
+          <a:effectRef idx="0">
+            <a:schemeClr val="accent1"/>
+          </a:effectRef>
+          <a:fontRef idx="minor">
+            <a:schemeClr val="lt1"/>
+          </a:fontRef>
+        </p:style>
+        <p:txBody>
+          <a:bodyPr rtlCol="0" anchor="ctr"/>
+          <a:lstStyle/>
+          <a:p>
+            <a:pPr algn="ctr"/>
+            <a:endParaRPr lang="en-US" dirty="0"/>
+          </a:p>
+        </p:txBody>
+      </p:sp>
+      <p:sp>
+        <p:nvSpPr>
+          <p:cNvPr id="18" name="TextBox 17">
+            <a:extLst>
+              <a:ext uri="{FF2B5EF4-FFF2-40B4-BE49-F238E27FC236}">
+                <a16:creationId xmlns:a16="http://schemas.microsoft.com/office/drawing/2014/main" id="{6C8968E5-39EA-6A57-014F-04A2DE0912F9}"/>
+              </a:ext>
+            </a:extLst>
+          </p:cNvPr>
+          <p:cNvSpPr txBox="1"/>
+          <p:nvPr/>
+        </p:nvSpPr>
+        <p:spPr>
+          <a:xfrm>
+            <a:off x="4515240" y="3684178"/>
+            <a:ext cx="2279727" cy="369332"/>
+          </a:xfrm>
+          <a:prstGeom prst="rect">
+            <a:avLst/>
+          </a:prstGeom>
+          <a:noFill/>
+        </p:spPr>
+        <p:txBody>
+          <a:bodyPr wrap="none" rtlCol="0">
+            <a:spAutoFit/>
+          </a:bodyPr>
+          <a:lstStyle/>
+          <a:p>
+            <a:r>
+              <a:rPr lang="en-US" dirty="0"/>
+              <a:t>Volume prior on alpha</a:t>
+            </a:r>
+          </a:p>
+        </p:txBody>
+      </p:sp>
+      <p:sp>
+        <p:nvSpPr>
+          <p:cNvPr id="21" name="Title 1">
+            <a:extLst>
+              <a:ext uri="{FF2B5EF4-FFF2-40B4-BE49-F238E27FC236}">
+                <a16:creationId xmlns:a16="http://schemas.microsoft.com/office/drawing/2014/main" id="{4CFDC560-1984-2F84-CF1A-14A3FBFC48E2}"/>
+              </a:ext>
+            </a:extLst>
+          </p:cNvPr>
+          <p:cNvSpPr>
+            <a:spLocks noGrp="1"/>
+          </p:cNvSpPr>
+          <p:nvPr/>
+        </p:nvSpPr>
+        <p:spPr>
+          <a:xfrm>
+            <a:off x="838200" y="183656"/>
+            <a:ext cx="10515600" cy="1325563"/>
+          </a:xfrm>
+          <a:prstGeom prst="rect">
+            <a:avLst/>
+          </a:prstGeom>
+        </p:spPr>
+        <p:txBody>
+          <a:bodyPr vert="horz" lIns="91440" tIns="45720" rIns="91440" bIns="45720" rtlCol="0" anchor="ctr">
+            <a:normAutofit/>
+          </a:bodyPr>
+          <a:lstStyle>
+            <a:lvl1pPr algn="l" defTabSz="914400" rtl="0" eaLnBrk="1" latinLnBrk="0" hangingPunct="1">
+              <a:lnSpc>
+                <a:spcPct val="90000"/>
+              </a:lnSpc>
+              <a:spcBef>
+                <a:spcPct val="0"/>
+              </a:spcBef>
+              <a:buNone/>
+              <a:defRPr sz="4400" kern="1200">
+                <a:solidFill>
+                  <a:schemeClr val="tx1"/>
+                </a:solidFill>
+                <a:latin typeface="+mj-lt"/>
+                <a:ea typeface="+mj-ea"/>
+                <a:cs typeface="+mj-cs"/>
+              </a:defRPr>
+            </a:lvl1pPr>
+          </a:lstStyle>
+          <a:p>
+            <a:pPr algn="ctr"/>
+            <a:r>
+              <a:rPr lang="en-US" dirty="0"/>
+              <a:t>Constraining A and alpha</a:t>
+            </a:r>
+          </a:p>
+        </p:txBody>
+      </p:sp>
+    </p:spTree>
+    <p:extLst>
+      <p:ext uri="{BB962C8B-B14F-4D97-AF65-F5344CB8AC3E}">
+        <p14:creationId xmlns:p14="http://schemas.microsoft.com/office/powerpoint/2010/main" val="3764981136"/>
+      </p:ext>
+    </p:extLst>
+  </p:cSld>
+  <p:clrMapOvr>
+    <a:masterClrMapping/>
+  </p:clrMapOvr>
+  <p:timing>
+    <p:tnLst>
+      <p:par>
+        <p:cTn id="1" dur="indefinite" restart="never" nodeType="tmRoot">
+          <p:childTnLst>
+            <p:seq concurrent="1" nextAc="seek">
+              <p:cTn id="2" dur="indefinite" nodeType="mainSeq">
+                <p:childTnLst>
+                  <p:par>
+                    <p:cTn id="3" fill="hold">
+                      <p:stCondLst>
+                        <p:cond delay="indefinite"/>
+                      </p:stCondLst>
+                      <p:childTnLst>
+                        <p:par>
+                          <p:cTn id="4" fill="hold">
+                            <p:stCondLst>
+                              <p:cond delay="0"/>
+                            </p:stCondLst>
+                            <p:childTnLst>
+                              <p:par>
+                                <p:cTn id="5" presetID="1" presetClass="entr" presetSubtype="0" fill="hold" nodeType="clickEffect">
+                                  <p:stCondLst>
+                                    <p:cond delay="0"/>
+                                  </p:stCondLst>
+                                  <p:childTnLst>
+                                    <p:set>
+                                      <p:cBhvr>
+                                        <p:cTn id="6" dur="1" fill="hold">
+                                          <p:stCondLst>
+                                            <p:cond delay="0"/>
+                                          </p:stCondLst>
+                                        </p:cTn>
+                                        <p:tgtEl>
+                                          <p:spTgt spid="9"/>
+                                        </p:tgtEl>
+                                        <p:attrNameLst>
+                                          <p:attrName>style.visibility</p:attrName>
+                                        </p:attrNameLst>
+                                      </p:cBhvr>
+                                      <p:to>
+                                        <p:strVal val="visible"/>
+                                      </p:to>
+                                    </p:set>
+                                  </p:childTnLst>
+                                </p:cTn>
+                              </p:par>
+                              <p:par>
+                                <p:cTn id="7" presetID="1" presetClass="entr" presetSubtype="0" fill="hold" nodeType="withEffect">
+                                  <p:stCondLst>
+                                    <p:cond delay="0"/>
+                                  </p:stCondLst>
+                                  <p:childTnLst>
+                                    <p:set>
+                                      <p:cBhvr>
+                                        <p:cTn id="8" dur="1" fill="hold">
+                                          <p:stCondLst>
+                                            <p:cond delay="0"/>
+                                          </p:stCondLst>
+                                        </p:cTn>
+                                        <p:tgtEl>
+                                          <p:spTgt spid="14"/>
+                                        </p:tgtEl>
+                                        <p:attrNameLst>
+                                          <p:attrName>style.visibility</p:attrName>
+                                        </p:attrNameLst>
+                                      </p:cBhvr>
+                                      <p:to>
+                                        <p:strVal val="visible"/>
+                                      </p:to>
+                                    </p:set>
+                                  </p:childTnLst>
+                                </p:cTn>
+                              </p:par>
+                            </p:childTnLst>
+                          </p:cTn>
+                        </p:par>
+                      </p:childTnLst>
+                    </p:cTn>
+                  </p:par>
+                  <p:par>
+                    <p:cTn id="9" fill="hold">
+                      <p:stCondLst>
+                        <p:cond delay="indefinite"/>
+                      </p:stCondLst>
+                      <p:childTnLst>
+                        <p:par>
+                          <p:cTn id="10" fill="hold">
+                            <p:stCondLst>
+                              <p:cond delay="0"/>
+                            </p:stCondLst>
+                            <p:childTnLst>
+                              <p:par>
+                                <p:cTn id="11" presetID="1" presetClass="entr" presetSubtype="0" fill="hold" grpId="0" nodeType="clickEffect">
+                                  <p:stCondLst>
+                                    <p:cond delay="0"/>
+                                  </p:stCondLst>
+                                  <p:childTnLst>
+                                    <p:set>
+                                      <p:cBhvr>
+                                        <p:cTn id="12" dur="1" fill="hold">
+                                          <p:stCondLst>
+                                            <p:cond delay="0"/>
+                                          </p:stCondLst>
+                                        </p:cTn>
+                                        <p:tgtEl>
+                                          <p:spTgt spid="10"/>
+                                        </p:tgtEl>
+                                        <p:attrNameLst>
+                                          <p:attrName>style.visibility</p:attrName>
+                                        </p:attrNameLst>
+                                      </p:cBhvr>
+                                      <p:to>
+                                        <p:strVal val="visible"/>
+                                      </p:to>
+                                    </p:set>
+                                  </p:childTnLst>
+                                </p:cTn>
+                              </p:par>
+                              <p:par>
+                                <p:cTn id="13" presetID="1" presetClass="entr" presetSubtype="0" fill="hold" grpId="0" nodeType="withEffect">
+                                  <p:stCondLst>
+                                    <p:cond delay="0"/>
+                                  </p:stCondLst>
+                                  <p:childTnLst>
+                                    <p:set>
+                                      <p:cBhvr>
+                                        <p:cTn id="14" dur="1" fill="hold">
+                                          <p:stCondLst>
+                                            <p:cond delay="0"/>
+                                          </p:stCondLst>
+                                        </p:cTn>
+                                        <p:tgtEl>
+                                          <p:spTgt spid="18"/>
+                                        </p:tgtEl>
+                                        <p:attrNameLst>
+                                          <p:attrName>style.visibility</p:attrName>
+                                        </p:attrNameLst>
+                                      </p:cBhvr>
+                                      <p:to>
+                                        <p:strVal val="visible"/>
+                                      </p:to>
+                                    </p:set>
+                                  </p:childTnLst>
+                                </p:cTn>
+                              </p:par>
+                              <p:par>
+                                <p:cTn id="15" presetID="1" presetClass="entr" presetSubtype="0" fill="hold" grpId="0" nodeType="withEffect">
+                                  <p:stCondLst>
+                                    <p:cond delay="0"/>
+                                  </p:stCondLst>
+                                  <p:childTnLst>
+                                    <p:set>
+                                      <p:cBhvr>
+                                        <p:cTn id="16" dur="1" fill="hold">
+                                          <p:stCondLst>
+                                            <p:cond delay="0"/>
+                                          </p:stCondLst>
+                                        </p:cTn>
+                                        <p:tgtEl>
+                                          <p:spTgt spid="17"/>
+                                        </p:tgtEl>
+                                        <p:attrNameLst>
+                                          <p:attrName>style.visibility</p:attrName>
+                                        </p:attrNameLst>
+                                      </p:cBhvr>
+                                      <p:to>
+                                        <p:strVal val="visible"/>
+                                      </p:to>
+                                    </p:set>
+                                  </p:childTnLst>
+                                </p:cTn>
+                              </p:par>
+                              <p:par>
+                                <p:cTn id="17" presetID="1" presetClass="entr" presetSubtype="0" fill="hold" nodeType="withEffect">
+                                  <p:stCondLst>
+                                    <p:cond delay="0"/>
+                                  </p:stCondLst>
+                                  <p:childTnLst>
+                                    <p:set>
+                                      <p:cBhvr>
+                                        <p:cTn id="18" dur="1" fill="hold">
+                                          <p:stCondLst>
+                                            <p:cond delay="0"/>
+                                          </p:stCondLst>
+                                        </p:cTn>
+                                        <p:tgtEl>
+                                          <p:spTgt spid="16"/>
+                                        </p:tgtEl>
+                                        <p:attrNameLst>
+                                          <p:attrName>style.visibility</p:attrName>
+                                        </p:attrNameLst>
+                                      </p:cBhvr>
+                                      <p:to>
+                                        <p:strVal val="visible"/>
+                                      </p:to>
+                                    </p:set>
+                                  </p:childTnLst>
+                                </p:cTn>
+                              </p:par>
+                              <p:par>
+                                <p:cTn id="19" presetID="1" presetClass="entr" presetSubtype="0" fill="hold" nodeType="withEffect">
+                                  <p:stCondLst>
+                                    <p:cond delay="0"/>
+                                  </p:stCondLst>
+                                  <p:childTnLst>
+                                    <p:set>
+                                      <p:cBhvr>
+                                        <p:cTn id="20" dur="1" fill="hold">
+                                          <p:stCondLst>
+                                            <p:cond delay="0"/>
+                                          </p:stCondLst>
+                                        </p:cTn>
+                                        <p:tgtEl>
+                                          <p:spTgt spid="12"/>
+                                        </p:tgtEl>
+                                        <p:attrNameLst>
+                                          <p:attrName>style.visibility</p:attrName>
+                                        </p:attrNameLst>
+                                      </p:cBhvr>
+                                      <p:to>
+                                        <p:strVal val="visible"/>
+                                      </p:to>
+                                    </p:set>
+                                  </p:childTnLst>
+                                </p:cTn>
+                              </p:par>
+                            </p:childTnLst>
+                          </p:cTn>
+                        </p:par>
+                      </p:childTnLst>
+                    </p:cTn>
+                  </p:par>
+                </p:childTnLst>
+              </p:cTn>
+              <p:prevCondLst>
+                <p:cond evt="onPrev" delay="0">
+                  <p:tgtEl>
+                    <p:sldTgt/>
+                  </p:tgtEl>
+                </p:cond>
+              </p:prevCondLst>
+              <p:nextCondLst>
+                <p:cond evt="onNext" delay="0">
+                  <p:tgtEl>
+                    <p:sldTgt/>
+                  </p:tgtEl>
+                </p:cond>
+              </p:nextCondLst>
+            </p:seq>
+          </p:childTnLst>
+        </p:cTn>
+      </p:par>
+    </p:tnLst>
+    <p:bldLst>
+      <p:bldP spid="10" grpId="0" animBg="1"/>
+      <p:bldP spid="17" grpId="0" animBg="1"/>
+      <p:bldP spid="18" grpId="0"/>
+    </p:bldLst>
+  </p:timing>
+</p:sld>
+</file>
+
+<file path=ppt/slides/slide9.xml><?xml version="1.0" encoding="utf-8"?>
+<p:sld xmlns:a="http://schemas.openxmlformats.org/drawingml/2006/main" xmlns:r="http://schemas.openxmlformats.org/officeDocument/2006/relationships" xmlns:p="http://schemas.openxmlformats.org/presentationml/2006/main">
+  <p:cSld>
+    <p:spTree>
+      <p:nvGrpSpPr>
+        <p:cNvPr id="1" name=""/>
+        <p:cNvGrpSpPr/>
+        <p:nvPr/>
+      </p:nvGrpSpPr>
+      <p:grpSpPr>
+        <a:xfrm>
+          <a:off x="0" y="0"/>
+          <a:ext cx="0" cy="0"/>
+          <a:chOff x="0" y="0"/>
+          <a:chExt cx="0" cy="0"/>
+        </a:xfrm>
+      </p:grpSpPr>
+      <p:sp>
+        <p:nvSpPr>
+          <p:cNvPr id="9" name="Title 1">
+            <a:extLst>
+              <a:ext uri="{FF2B5EF4-FFF2-40B4-BE49-F238E27FC236}">
+                <a16:creationId xmlns:a16="http://schemas.microsoft.com/office/drawing/2014/main" id="{6810C9DC-E34D-376B-B27D-23C99C56A892}"/>
+              </a:ext>
+            </a:extLst>
+          </p:cNvPr>
+          <p:cNvSpPr>
+            <a:spLocks noGrp="1"/>
+          </p:cNvSpPr>
+          <p:nvPr/>
+        </p:nvSpPr>
+        <p:spPr>
+          <a:xfrm>
+            <a:off x="838200" y="183656"/>
+            <a:ext cx="10515600" cy="1325563"/>
+          </a:xfrm>
+          <a:prstGeom prst="rect">
+            <a:avLst/>
+          </a:prstGeom>
+        </p:spPr>
+        <p:txBody>
+          <a:bodyPr vert="horz" lIns="91440" tIns="45720" rIns="91440" bIns="45720" rtlCol="0" anchor="ctr">
+            <a:normAutofit/>
+          </a:bodyPr>
+          <a:lstStyle>
+            <a:lvl1pPr algn="l" defTabSz="914400" rtl="0" eaLnBrk="1" latinLnBrk="0" hangingPunct="1">
+              <a:lnSpc>
+                <a:spcPct val="90000"/>
+              </a:lnSpc>
+              <a:spcBef>
+                <a:spcPct val="0"/>
+              </a:spcBef>
+              <a:buNone/>
+              <a:defRPr sz="4400" kern="1200">
+                <a:solidFill>
+                  <a:schemeClr val="tx1"/>
+                </a:solidFill>
+                <a:latin typeface="+mj-lt"/>
+                <a:ea typeface="+mj-ea"/>
+                <a:cs typeface="+mj-cs"/>
+              </a:defRPr>
+            </a:lvl1pPr>
+          </a:lstStyle>
+          <a:p>
+            <a:pPr algn="ctr"/>
+            <a:r>
+              <a:rPr lang="en-US" dirty="0"/>
+              <a:t>Constraining A and alpha</a:t>
+            </a:r>
+          </a:p>
+        </p:txBody>
+      </p:sp>
+      <p:pic>
+        <p:nvPicPr>
+          <p:cNvPr id="29" name="Picture 28">
+            <a:extLst>
+              <a:ext uri="{FF2B5EF4-FFF2-40B4-BE49-F238E27FC236}">
+                <a16:creationId xmlns:a16="http://schemas.microsoft.com/office/drawing/2014/main" id="{EEA13AFD-0625-2942-1F5A-60A1B5E21580}"/>
+              </a:ext>
+            </a:extLst>
+          </p:cNvPr>
+          <p:cNvPicPr>
+            <a:picLocks noChangeAspect="1"/>
+          </p:cNvPicPr>
+          <p:nvPr/>
+        </p:nvPicPr>
+        <p:blipFill>
+          <a:blip r:embed="rId2"/>
+          <a:stretch>
+            <a:fillRect/>
+          </a:stretch>
+        </p:blipFill>
+        <p:spPr>
+          <a:xfrm>
+            <a:off x="533476" y="1907748"/>
+            <a:ext cx="3837631" cy="3837631"/>
+          </a:xfrm>
+          <a:prstGeom prst="rect">
+            <a:avLst/>
+          </a:prstGeom>
+        </p:spPr>
+      </p:pic>
+      <p:pic>
+        <p:nvPicPr>
+          <p:cNvPr id="31" name="Picture 30">
+            <a:extLst>
+              <a:ext uri="{FF2B5EF4-FFF2-40B4-BE49-F238E27FC236}">
+                <a16:creationId xmlns:a16="http://schemas.microsoft.com/office/drawing/2014/main" id="{E9AF9529-5A2D-480D-BF5D-100CE29E4D26}"/>
+              </a:ext>
+            </a:extLst>
+          </p:cNvPr>
+          <p:cNvPicPr>
+            <a:picLocks noChangeAspect="1"/>
+          </p:cNvPicPr>
+          <p:nvPr/>
+        </p:nvPicPr>
+        <p:blipFill>
+          <a:blip r:embed="rId3"/>
+          <a:stretch>
+            <a:fillRect/>
+          </a:stretch>
+        </p:blipFill>
+        <p:spPr>
+          <a:xfrm>
+            <a:off x="3832730" y="1901569"/>
+            <a:ext cx="3837631" cy="3837631"/>
+          </a:xfrm>
+          <a:prstGeom prst="rect">
+            <a:avLst/>
+          </a:prstGeom>
+        </p:spPr>
+      </p:pic>
+      <p:pic>
+        <p:nvPicPr>
+          <p:cNvPr id="33" name="Picture 32">
+            <a:extLst>
+              <a:ext uri="{FF2B5EF4-FFF2-40B4-BE49-F238E27FC236}">
+                <a16:creationId xmlns:a16="http://schemas.microsoft.com/office/drawing/2014/main" id="{E46DB9E1-E713-BB25-0284-62B3E903AB15}"/>
+              </a:ext>
+            </a:extLst>
+          </p:cNvPr>
+          <p:cNvPicPr>
+            <a:picLocks noChangeAspect="1"/>
+          </p:cNvPicPr>
+          <p:nvPr/>
+        </p:nvPicPr>
+        <p:blipFill>
+          <a:blip r:embed="rId4"/>
+          <a:stretch>
+            <a:fillRect/>
+          </a:stretch>
+        </p:blipFill>
+        <p:spPr>
+          <a:xfrm>
+            <a:off x="7131984" y="1901570"/>
+            <a:ext cx="3837631" cy="3837631"/>
+          </a:xfrm>
+          <a:prstGeom prst="rect">
+            <a:avLst/>
+          </a:prstGeom>
+        </p:spPr>
+      </p:pic>
+      <p:sp>
+        <p:nvSpPr>
+          <p:cNvPr id="34" name="TextBox 33">
+            <a:extLst>
+              <a:ext uri="{FF2B5EF4-FFF2-40B4-BE49-F238E27FC236}">
+                <a16:creationId xmlns:a16="http://schemas.microsoft.com/office/drawing/2014/main" id="{95A821C2-0056-FD04-08E4-F6D763696FD8}"/>
+              </a:ext>
+            </a:extLst>
+          </p:cNvPr>
+          <p:cNvSpPr txBox="1"/>
+          <p:nvPr/>
+        </p:nvSpPr>
+        <p:spPr>
+          <a:xfrm>
+            <a:off x="533476" y="1520728"/>
+            <a:ext cx="1343701" cy="369332"/>
+          </a:xfrm>
+          <a:prstGeom prst="rect">
+            <a:avLst/>
+          </a:prstGeom>
+          <a:noFill/>
+        </p:spPr>
+        <p:txBody>
+          <a:bodyPr wrap="none" rtlCol="0">
+            <a:spAutoFit/>
+          </a:bodyPr>
+          <a:lstStyle/>
+          <a:p>
+            <a:r>
+              <a:rPr lang="en-US" i="1" dirty="0"/>
+              <a:t>Energy bin 1</a:t>
+            </a:r>
+          </a:p>
+        </p:txBody>
+      </p:sp>
+      <p:sp>
+        <p:nvSpPr>
+          <p:cNvPr id="35" name="TextBox 34">
+            <a:extLst>
+              <a:ext uri="{FF2B5EF4-FFF2-40B4-BE49-F238E27FC236}">
+                <a16:creationId xmlns:a16="http://schemas.microsoft.com/office/drawing/2014/main" id="{99A5E30F-7002-224B-3540-5B62FD57361F}"/>
+              </a:ext>
+            </a:extLst>
+          </p:cNvPr>
+          <p:cNvSpPr txBox="1"/>
+          <p:nvPr/>
+        </p:nvSpPr>
+        <p:spPr>
+          <a:xfrm>
+            <a:off x="2090818" y="5554534"/>
+            <a:ext cx="1406145" cy="369332"/>
+          </a:xfrm>
+          <a:prstGeom prst="rect">
+            <a:avLst/>
+          </a:prstGeom>
+          <a:noFill/>
+        </p:spPr>
+        <p:txBody>
+          <a:bodyPr wrap="square" rtlCol="0">
+            <a:spAutoFit/>
+          </a:bodyPr>
+          <a:lstStyle/>
+          <a:p>
+            <a:r>
+              <a:rPr lang="en-US" dirty="0"/>
+              <a:t>alpha =  +2</a:t>
+            </a:r>
+          </a:p>
+        </p:txBody>
+      </p:sp>
+      <p:sp>
+        <p:nvSpPr>
+          <p:cNvPr id="36" name="TextBox 35">
+            <a:extLst>
+              <a:ext uri="{FF2B5EF4-FFF2-40B4-BE49-F238E27FC236}">
+                <a16:creationId xmlns:a16="http://schemas.microsoft.com/office/drawing/2014/main" id="{FAEFC7D5-734B-A38D-23F4-7E2E6A660DEA}"/>
+              </a:ext>
+            </a:extLst>
+          </p:cNvPr>
+          <p:cNvSpPr txBox="1"/>
+          <p:nvPr/>
+        </p:nvSpPr>
+        <p:spPr>
+          <a:xfrm>
+            <a:off x="5390072" y="5554534"/>
+            <a:ext cx="1406145" cy="369332"/>
+          </a:xfrm>
+          <a:prstGeom prst="rect">
+            <a:avLst/>
+          </a:prstGeom>
+          <a:noFill/>
+        </p:spPr>
+        <p:txBody>
+          <a:bodyPr wrap="square" rtlCol="0">
+            <a:spAutoFit/>
+          </a:bodyPr>
+          <a:lstStyle/>
+          <a:p>
+            <a:r>
+              <a:rPr lang="en-US" dirty="0"/>
+              <a:t>alpha =  0</a:t>
+            </a:r>
+          </a:p>
+        </p:txBody>
+      </p:sp>
+      <p:sp>
+        <p:nvSpPr>
+          <p:cNvPr id="37" name="TextBox 36">
+            <a:extLst>
+              <a:ext uri="{FF2B5EF4-FFF2-40B4-BE49-F238E27FC236}">
+                <a16:creationId xmlns:a16="http://schemas.microsoft.com/office/drawing/2014/main" id="{82326FE6-FAD9-322F-86B5-8C7AC1E67937}"/>
+              </a:ext>
+            </a:extLst>
+          </p:cNvPr>
+          <p:cNvSpPr txBox="1"/>
+          <p:nvPr/>
+        </p:nvSpPr>
+        <p:spPr>
+          <a:xfrm>
+            <a:off x="8689326" y="5554534"/>
+            <a:ext cx="1406145" cy="369332"/>
+          </a:xfrm>
+          <a:prstGeom prst="rect">
+            <a:avLst/>
+          </a:prstGeom>
+          <a:noFill/>
+        </p:spPr>
+        <p:txBody>
+          <a:bodyPr wrap="square" rtlCol="0">
+            <a:spAutoFit/>
+          </a:bodyPr>
+          <a:lstStyle/>
+          <a:p>
+            <a:r>
+              <a:rPr lang="en-US" dirty="0"/>
+              <a:t>alpha =  -2</a:t>
+            </a:r>
+          </a:p>
+        </p:txBody>
+      </p:sp>
+    </p:spTree>
+    <p:extLst>
+      <p:ext uri="{BB962C8B-B14F-4D97-AF65-F5344CB8AC3E}">
+        <p14:creationId xmlns:p14="http://schemas.microsoft.com/office/powerpoint/2010/main" val="1162840819"/>
       </p:ext>
     </p:extLst>
   </p:cSld>

--- a/Nuxcorr_slides.pptx
+++ b/Nuxcorr_slides.pptx
@@ -4460,13 +4460,13 @@
         </p:nvPicPr>
         <p:blipFill rotWithShape="1">
           <a:blip r:embed="rId2"/>
-          <a:srcRect t="-132" b="50117"/>
+          <a:srcRect t="-16" b="49711"/>
           <a:stretch/>
         </p:blipFill>
         <p:spPr>
           <a:xfrm>
-            <a:off x="1354227" y="1921267"/>
-            <a:ext cx="9483546" cy="3554859"/>
+            <a:off x="1354227" y="1993187"/>
+            <a:ext cx="9483546" cy="3575406"/>
           </a:xfrm>
         </p:spPr>
       </p:pic>
@@ -5205,7 +5205,9 @@
             <a:avLst/>
           </a:prstGeom>
           <a:solidFill>
-            <a:schemeClr val="bg1"/>
+            <a:schemeClr val="bg1">
+              <a:lumMod val="85000"/>
+            </a:schemeClr>
           </a:solidFill>
           <a:ln>
             <a:noFill/>
@@ -5257,7 +5259,9 @@
             <a:avLst/>
           </a:prstGeom>
           <a:solidFill>
-            <a:schemeClr val="bg1"/>
+            <a:schemeClr val="bg1">
+              <a:lumMod val="85000"/>
+            </a:schemeClr>
           </a:solidFill>
           <a:ln>
             <a:noFill/>
@@ -6201,7 +6205,7 @@
           <a:p>
             <a:r>
               <a:rPr lang="en-US" dirty="0"/>
-              <a:t>A cubic-</a:t>
+              <a:t>A cubic </a:t>
             </a:r>
             <a:r>
               <a:rPr lang="en-US" dirty="0" err="1"/>
@@ -6209,7 +6213,7 @@
             </a:r>
             <a:r>
               <a:rPr lang="en-US" dirty="0"/>
-              <a:t> detector of ice located at the South Pole</a:t>
+              <a:t> of ice</a:t>
             </a:r>
           </a:p>
           <a:p>
@@ -6221,19 +6225,14 @@
           <a:p>
             <a:r>
               <a:rPr lang="en-US" dirty="0"/>
-              <a:t>Dominated by neutrinos from our atmosphere</a:t>
+              <a:t>Atmospheric neutrinos dominate</a:t>
             </a:r>
           </a:p>
           <a:p>
             <a:r>
               <a:rPr lang="en-US" dirty="0"/>
-              <a:t>Split into three energy bins from 0.3 to 300 </a:t>
-            </a:r>
-            <a:r>
-              <a:rPr lang="en-US" dirty="0" err="1"/>
-              <a:t>TeV</a:t>
-            </a:r>
-            <a:endParaRPr lang="en-US" dirty="0"/>
+              <a:t>3 logarithmic energy bins</a:t>
+            </a:r>
           </a:p>
         </p:txBody>
       </p:sp>
@@ -6630,7 +6629,9 @@
           <p:nvPr/>
         </p:nvPicPr>
         <p:blipFill>
-          <a:blip r:embed="rId2"/>
+          <a:blip r:embed="rId2">
+            <a:alphaModFix/>
+          </a:blip>
           <a:stretch>
             <a:fillRect/>
           </a:stretch>

--- a/Nuxcorr_slides.pptx
+++ b/Nuxcorr_slides.pptx
@@ -6,23 +6,26 @@
   </p:sldMasterIdLst>
   <p:sldIdLst>
     <p:sldId id="266" r:id="rId2"/>
-    <p:sldId id="263" r:id="rId3"/>
-    <p:sldId id="264" r:id="rId4"/>
-    <p:sldId id="265" r:id="rId5"/>
-    <p:sldId id="256" r:id="rId6"/>
-    <p:sldId id="259" r:id="rId7"/>
-    <p:sldId id="257" r:id="rId8"/>
-    <p:sldId id="258" r:id="rId9"/>
-    <p:sldId id="260" r:id="rId10"/>
-    <p:sldId id="261" r:id="rId11"/>
-    <p:sldId id="262" r:id="rId12"/>
-    <p:sldId id="267" r:id="rId13"/>
-    <p:sldId id="275" r:id="rId14"/>
-    <p:sldId id="269" r:id="rId15"/>
-    <p:sldId id="273" r:id="rId16"/>
-    <p:sldId id="270" r:id="rId17"/>
-    <p:sldId id="274" r:id="rId18"/>
-    <p:sldId id="272" r:id="rId19"/>
+    <p:sldId id="278" r:id="rId3"/>
+    <p:sldId id="263" r:id="rId4"/>
+    <p:sldId id="273" r:id="rId5"/>
+    <p:sldId id="276" r:id="rId6"/>
+    <p:sldId id="264" r:id="rId7"/>
+    <p:sldId id="265" r:id="rId8"/>
+    <p:sldId id="256" r:id="rId9"/>
+    <p:sldId id="259" r:id="rId10"/>
+    <p:sldId id="257" r:id="rId11"/>
+    <p:sldId id="258" r:id="rId12"/>
+    <p:sldId id="260" r:id="rId13"/>
+    <p:sldId id="261" r:id="rId14"/>
+    <p:sldId id="262" r:id="rId15"/>
+    <p:sldId id="277" r:id="rId16"/>
+    <p:sldId id="267" r:id="rId17"/>
+    <p:sldId id="275" r:id="rId18"/>
+    <p:sldId id="269" r:id="rId19"/>
+    <p:sldId id="270" r:id="rId20"/>
+    <p:sldId id="274" r:id="rId21"/>
+    <p:sldId id="272" r:id="rId22"/>
   </p:sldIdLst>
   <p:sldSz cx="12192000" cy="6858000"/>
   <p:notesSz cx="6858000" cy="9144000"/>
@@ -3470,6 +3473,1448 @@
 </file>
 
 <file path=ppt/slides/slide10.xml><?xml version="1.0" encoding="utf-8"?>
+<p:sld xmlns:a="http://schemas.openxmlformats.org/drawingml/2006/main" xmlns:r="http://schemas.openxmlformats.org/officeDocument/2006/relationships" xmlns:p="http://schemas.openxmlformats.org/presentationml/2006/main">
+  <p:cSld>
+    <p:spTree>
+      <p:nvGrpSpPr>
+        <p:cNvPr id="1" name=""/>
+        <p:cNvGrpSpPr/>
+        <p:nvPr/>
+      </p:nvGrpSpPr>
+      <p:grpSpPr>
+        <a:xfrm>
+          <a:off x="0" y="0"/>
+          <a:ext cx="0" cy="0"/>
+          <a:chOff x="0" y="0"/>
+          <a:chExt cx="0" cy="0"/>
+        </a:xfrm>
+      </p:grpSpPr>
+      <p:pic>
+        <p:nvPicPr>
+          <p:cNvPr id="9" name="Content Placeholder 8">
+            <a:extLst>
+              <a:ext uri="{FF2B5EF4-FFF2-40B4-BE49-F238E27FC236}">
+                <a16:creationId xmlns:a16="http://schemas.microsoft.com/office/drawing/2014/main" id="{783B72EF-51B8-BCF5-FF8B-0788790FB537}"/>
+              </a:ext>
+            </a:extLst>
+          </p:cNvPr>
+          <p:cNvPicPr>
+            <a:picLocks noGrp="1" noChangeAspect="1"/>
+          </p:cNvPicPr>
+          <p:nvPr>
+            <p:ph idx="1"/>
+          </p:nvPr>
+        </p:nvPicPr>
+        <p:blipFill rotWithShape="1">
+          <a:blip r:embed="rId2"/>
+          <a:srcRect l="29840" t="33837" r="27391" b="61204"/>
+          <a:stretch/>
+        </p:blipFill>
+        <p:spPr>
+          <a:xfrm>
+            <a:off x="2808291" y="1780740"/>
+            <a:ext cx="6575417" cy="1078788"/>
+          </a:xfrm>
+        </p:spPr>
+      </p:pic>
+      <p:pic>
+        <p:nvPicPr>
+          <p:cNvPr id="10" name="Content Placeholder 8">
+            <a:extLst>
+              <a:ext uri="{FF2B5EF4-FFF2-40B4-BE49-F238E27FC236}">
+                <a16:creationId xmlns:a16="http://schemas.microsoft.com/office/drawing/2014/main" id="{0B6EC3C4-BCAF-1318-EE24-4B19BE447DC0}"/>
+              </a:ext>
+            </a:extLst>
+          </p:cNvPr>
+          <p:cNvPicPr>
+            <a:picLocks noChangeAspect="1"/>
+          </p:cNvPicPr>
+          <p:nvPr/>
+        </p:nvPicPr>
+        <p:blipFill rotWithShape="1">
+          <a:blip r:embed="rId2"/>
+          <a:srcRect l="43885" t="38236" r="41480" b="57561"/>
+          <a:stretch/>
+        </p:blipFill>
+        <p:spPr>
+          <a:xfrm>
+            <a:off x="4970977" y="2754763"/>
+            <a:ext cx="2250041" cy="914399"/>
+          </a:xfrm>
+          <a:prstGeom prst="rect">
+            <a:avLst/>
+          </a:prstGeom>
+        </p:spPr>
+      </p:pic>
+      <p:pic>
+        <p:nvPicPr>
+          <p:cNvPr id="11" name="Content Placeholder 8">
+            <a:extLst>
+              <a:ext uri="{FF2B5EF4-FFF2-40B4-BE49-F238E27FC236}">
+                <a16:creationId xmlns:a16="http://schemas.microsoft.com/office/drawing/2014/main" id="{42AB7B8D-5A63-74FC-BED2-31CE8CFDCC19}"/>
+              </a:ext>
+            </a:extLst>
+          </p:cNvPr>
+          <p:cNvPicPr>
+            <a:picLocks noChangeAspect="1"/>
+          </p:cNvPicPr>
+          <p:nvPr/>
+        </p:nvPicPr>
+        <p:blipFill rotWithShape="1">
+          <a:blip r:embed="rId2"/>
+          <a:srcRect l="39553" t="42322" r="37593" b="52720"/>
+          <a:stretch/>
+        </p:blipFill>
+        <p:spPr>
+          <a:xfrm>
+            <a:off x="2582236" y="4270169"/>
+            <a:ext cx="3513762" cy="1078788"/>
+          </a:xfrm>
+          <a:prstGeom prst="rect">
+            <a:avLst/>
+          </a:prstGeom>
+        </p:spPr>
+      </p:pic>
+      <p:pic>
+        <p:nvPicPr>
+          <p:cNvPr id="12" name="Content Placeholder 8">
+            <a:extLst>
+              <a:ext uri="{FF2B5EF4-FFF2-40B4-BE49-F238E27FC236}">
+                <a16:creationId xmlns:a16="http://schemas.microsoft.com/office/drawing/2014/main" id="{4F202351-10F3-5CAA-3E85-DF2A9163ECF2}"/>
+              </a:ext>
+            </a:extLst>
+          </p:cNvPr>
+          <p:cNvPicPr>
+            <a:picLocks noChangeAspect="1"/>
+          </p:cNvPicPr>
+          <p:nvPr/>
+        </p:nvPicPr>
+        <p:blipFill rotWithShape="1">
+          <a:blip r:embed="rId2"/>
+          <a:srcRect l="39553" t="46926" r="37593" b="48116"/>
+          <a:stretch/>
+        </p:blipFill>
+        <p:spPr>
+          <a:xfrm>
+            <a:off x="6095998" y="4303389"/>
+            <a:ext cx="3513762" cy="1078788"/>
+          </a:xfrm>
+          <a:prstGeom prst="rect">
+            <a:avLst/>
+          </a:prstGeom>
+        </p:spPr>
+      </p:pic>
+      <p:pic>
+        <p:nvPicPr>
+          <p:cNvPr id="13" name="Content Placeholder 8">
+            <a:extLst>
+              <a:ext uri="{FF2B5EF4-FFF2-40B4-BE49-F238E27FC236}">
+                <a16:creationId xmlns:a16="http://schemas.microsoft.com/office/drawing/2014/main" id="{8C9BA415-2CB7-DB3F-F7CB-8E190A8CA4E6}"/>
+              </a:ext>
+            </a:extLst>
+          </p:cNvPr>
+          <p:cNvPicPr>
+            <a:picLocks noChangeAspect="1"/>
+          </p:cNvPicPr>
+          <p:nvPr/>
+        </p:nvPicPr>
+        <p:blipFill rotWithShape="1">
+          <a:blip r:embed="rId2"/>
+          <a:srcRect l="39553" t="51821" r="37593" b="43976"/>
+          <a:stretch/>
+        </p:blipFill>
+        <p:spPr>
+          <a:xfrm>
+            <a:off x="4339116" y="4436383"/>
+            <a:ext cx="3513762" cy="914400"/>
+          </a:xfrm>
+          <a:prstGeom prst="rect">
+            <a:avLst/>
+          </a:prstGeom>
+        </p:spPr>
+      </p:pic>
+      <p:sp>
+        <p:nvSpPr>
+          <p:cNvPr id="15" name="Title 1">
+            <a:extLst>
+              <a:ext uri="{FF2B5EF4-FFF2-40B4-BE49-F238E27FC236}">
+                <a16:creationId xmlns:a16="http://schemas.microsoft.com/office/drawing/2014/main" id="{C4FFBCCA-1D7C-F651-FDE1-D30ABC415799}"/>
+              </a:ext>
+            </a:extLst>
+          </p:cNvPr>
+          <p:cNvSpPr>
+            <a:spLocks noGrp="1"/>
+          </p:cNvSpPr>
+          <p:nvPr/>
+        </p:nvSpPr>
+        <p:spPr>
+          <a:xfrm>
+            <a:off x="838200" y="183656"/>
+            <a:ext cx="10515600" cy="1325563"/>
+          </a:xfrm>
+          <a:prstGeom prst="rect">
+            <a:avLst/>
+          </a:prstGeom>
+        </p:spPr>
+        <p:txBody>
+          <a:bodyPr vert="horz" lIns="91440" tIns="45720" rIns="91440" bIns="45720" rtlCol="0" anchor="ctr">
+            <a:normAutofit/>
+          </a:bodyPr>
+          <a:lstStyle>
+            <a:lvl1pPr algn="l" defTabSz="914400" rtl="0" eaLnBrk="1" latinLnBrk="0" hangingPunct="1">
+              <a:lnSpc>
+                <a:spcPct val="90000"/>
+              </a:lnSpc>
+              <a:spcBef>
+                <a:spcPct val="0"/>
+              </a:spcBef>
+              <a:buNone/>
+              <a:defRPr sz="4400" kern="1200">
+                <a:solidFill>
+                  <a:schemeClr val="tx1"/>
+                </a:solidFill>
+                <a:latin typeface="+mj-lt"/>
+                <a:ea typeface="+mj-ea"/>
+                <a:cs typeface="+mj-cs"/>
+              </a:defRPr>
+            </a:lvl1pPr>
+          </a:lstStyle>
+          <a:p>
+            <a:pPr algn="ctr"/>
+            <a:r>
+              <a:rPr lang="en-US" dirty="0"/>
+              <a:t>Neutrino Radial Kernel</a:t>
+            </a:r>
+          </a:p>
+        </p:txBody>
+      </p:sp>
+    </p:spTree>
+    <p:extLst>
+      <p:ext uri="{BB962C8B-B14F-4D97-AF65-F5344CB8AC3E}">
+        <p14:creationId xmlns:p14="http://schemas.microsoft.com/office/powerpoint/2010/main" val="2666327857"/>
+      </p:ext>
+    </p:extLst>
+  </p:cSld>
+  <p:clrMapOvr>
+    <a:masterClrMapping/>
+  </p:clrMapOvr>
+  <p:timing>
+    <p:tnLst>
+      <p:par>
+        <p:cTn id="1" dur="indefinite" restart="never" nodeType="tmRoot">
+          <p:childTnLst>
+            <p:seq concurrent="1" nextAc="seek">
+              <p:cTn id="2" dur="indefinite" nodeType="mainSeq">
+                <p:childTnLst>
+                  <p:par>
+                    <p:cTn id="3" fill="hold">
+                      <p:stCondLst>
+                        <p:cond delay="indefinite"/>
+                      </p:stCondLst>
+                      <p:childTnLst>
+                        <p:par>
+                          <p:cTn id="4" fill="hold">
+                            <p:stCondLst>
+                              <p:cond delay="0"/>
+                            </p:stCondLst>
+                            <p:childTnLst>
+                              <p:par>
+                                <p:cTn id="5" presetID="1" presetClass="entr" presetSubtype="0" fill="hold" nodeType="clickEffect">
+                                  <p:stCondLst>
+                                    <p:cond delay="0"/>
+                                  </p:stCondLst>
+                                  <p:childTnLst>
+                                    <p:set>
+                                      <p:cBhvr>
+                                        <p:cTn id="6" dur="1" fill="hold">
+                                          <p:stCondLst>
+                                            <p:cond delay="0"/>
+                                          </p:stCondLst>
+                                        </p:cTn>
+                                        <p:tgtEl>
+                                          <p:spTgt spid="9"/>
+                                        </p:tgtEl>
+                                        <p:attrNameLst>
+                                          <p:attrName>style.visibility</p:attrName>
+                                        </p:attrNameLst>
+                                      </p:cBhvr>
+                                      <p:to>
+                                        <p:strVal val="visible"/>
+                                      </p:to>
+                                    </p:set>
+                                  </p:childTnLst>
+                                </p:cTn>
+                              </p:par>
+                            </p:childTnLst>
+                          </p:cTn>
+                        </p:par>
+                      </p:childTnLst>
+                    </p:cTn>
+                  </p:par>
+                  <p:par>
+                    <p:cTn id="7" fill="hold">
+                      <p:stCondLst>
+                        <p:cond delay="indefinite"/>
+                      </p:stCondLst>
+                      <p:childTnLst>
+                        <p:par>
+                          <p:cTn id="8" fill="hold">
+                            <p:stCondLst>
+                              <p:cond delay="0"/>
+                            </p:stCondLst>
+                            <p:childTnLst>
+                              <p:par>
+                                <p:cTn id="9" presetID="1" presetClass="entr" presetSubtype="0" fill="hold" nodeType="clickEffect">
+                                  <p:stCondLst>
+                                    <p:cond delay="0"/>
+                                  </p:stCondLst>
+                                  <p:childTnLst>
+                                    <p:set>
+                                      <p:cBhvr>
+                                        <p:cTn id="10" dur="1" fill="hold">
+                                          <p:stCondLst>
+                                            <p:cond delay="0"/>
+                                          </p:stCondLst>
+                                        </p:cTn>
+                                        <p:tgtEl>
+                                          <p:spTgt spid="10"/>
+                                        </p:tgtEl>
+                                        <p:attrNameLst>
+                                          <p:attrName>style.visibility</p:attrName>
+                                        </p:attrNameLst>
+                                      </p:cBhvr>
+                                      <p:to>
+                                        <p:strVal val="visible"/>
+                                      </p:to>
+                                    </p:set>
+                                  </p:childTnLst>
+                                </p:cTn>
+                              </p:par>
+                            </p:childTnLst>
+                          </p:cTn>
+                        </p:par>
+                      </p:childTnLst>
+                    </p:cTn>
+                  </p:par>
+                  <p:par>
+                    <p:cTn id="11" fill="hold">
+                      <p:stCondLst>
+                        <p:cond delay="indefinite"/>
+                      </p:stCondLst>
+                      <p:childTnLst>
+                        <p:par>
+                          <p:cTn id="12" fill="hold">
+                            <p:stCondLst>
+                              <p:cond delay="0"/>
+                            </p:stCondLst>
+                            <p:childTnLst>
+                              <p:par>
+                                <p:cTn id="13" presetID="1" presetClass="entr" presetSubtype="0" fill="hold" nodeType="clickEffect">
+                                  <p:stCondLst>
+                                    <p:cond delay="0"/>
+                                  </p:stCondLst>
+                                  <p:childTnLst>
+                                    <p:set>
+                                      <p:cBhvr>
+                                        <p:cTn id="14" dur="1" fill="hold">
+                                          <p:stCondLst>
+                                            <p:cond delay="0"/>
+                                          </p:stCondLst>
+                                        </p:cTn>
+                                        <p:tgtEl>
+                                          <p:spTgt spid="11"/>
+                                        </p:tgtEl>
+                                        <p:attrNameLst>
+                                          <p:attrName>style.visibility</p:attrName>
+                                        </p:attrNameLst>
+                                      </p:cBhvr>
+                                      <p:to>
+                                        <p:strVal val="visible"/>
+                                      </p:to>
+                                    </p:set>
+                                  </p:childTnLst>
+                                </p:cTn>
+                              </p:par>
+                            </p:childTnLst>
+                          </p:cTn>
+                        </p:par>
+                      </p:childTnLst>
+                    </p:cTn>
+                  </p:par>
+                  <p:par>
+                    <p:cTn id="15" fill="hold">
+                      <p:stCondLst>
+                        <p:cond delay="indefinite"/>
+                      </p:stCondLst>
+                      <p:childTnLst>
+                        <p:par>
+                          <p:cTn id="16" fill="hold">
+                            <p:stCondLst>
+                              <p:cond delay="0"/>
+                            </p:stCondLst>
+                            <p:childTnLst>
+                              <p:par>
+                                <p:cTn id="17" presetID="1" presetClass="entr" presetSubtype="0" fill="hold" nodeType="clickEffect">
+                                  <p:stCondLst>
+                                    <p:cond delay="0"/>
+                                  </p:stCondLst>
+                                  <p:childTnLst>
+                                    <p:set>
+                                      <p:cBhvr>
+                                        <p:cTn id="18" dur="1" fill="hold">
+                                          <p:stCondLst>
+                                            <p:cond delay="0"/>
+                                          </p:stCondLst>
+                                        </p:cTn>
+                                        <p:tgtEl>
+                                          <p:spTgt spid="12"/>
+                                        </p:tgtEl>
+                                        <p:attrNameLst>
+                                          <p:attrName>style.visibility</p:attrName>
+                                        </p:attrNameLst>
+                                      </p:cBhvr>
+                                      <p:to>
+                                        <p:strVal val="visible"/>
+                                      </p:to>
+                                    </p:set>
+                                  </p:childTnLst>
+                                </p:cTn>
+                              </p:par>
+                            </p:childTnLst>
+                          </p:cTn>
+                        </p:par>
+                      </p:childTnLst>
+                    </p:cTn>
+                  </p:par>
+                  <p:par>
+                    <p:cTn id="19" fill="hold">
+                      <p:stCondLst>
+                        <p:cond delay="indefinite"/>
+                      </p:stCondLst>
+                      <p:childTnLst>
+                        <p:par>
+                          <p:cTn id="20" fill="hold">
+                            <p:stCondLst>
+                              <p:cond delay="0"/>
+                            </p:stCondLst>
+                            <p:childTnLst>
+                              <p:par>
+                                <p:cTn id="21" presetID="1" presetClass="entr" presetSubtype="0" fill="hold" nodeType="clickEffect">
+                                  <p:stCondLst>
+                                    <p:cond delay="0"/>
+                                  </p:stCondLst>
+                                  <p:childTnLst>
+                                    <p:set>
+                                      <p:cBhvr>
+                                        <p:cTn id="22" dur="1" fill="hold">
+                                          <p:stCondLst>
+                                            <p:cond delay="0"/>
+                                          </p:stCondLst>
+                                        </p:cTn>
+                                        <p:tgtEl>
+                                          <p:spTgt spid="13"/>
+                                        </p:tgtEl>
+                                        <p:attrNameLst>
+                                          <p:attrName>style.visibility</p:attrName>
+                                        </p:attrNameLst>
+                                      </p:cBhvr>
+                                      <p:to>
+                                        <p:strVal val="visible"/>
+                                      </p:to>
+                                    </p:set>
+                                  </p:childTnLst>
+                                </p:cTn>
+                              </p:par>
+                              <p:par>
+                                <p:cTn id="23" presetID="1" presetClass="exit" presetSubtype="0" fill="hold" nodeType="withEffect">
+                                  <p:stCondLst>
+                                    <p:cond delay="0"/>
+                                  </p:stCondLst>
+                                  <p:childTnLst>
+                                    <p:set>
+                                      <p:cBhvr>
+                                        <p:cTn id="24" dur="1" fill="hold">
+                                          <p:stCondLst>
+                                            <p:cond delay="0"/>
+                                          </p:stCondLst>
+                                        </p:cTn>
+                                        <p:tgtEl>
+                                          <p:spTgt spid="11"/>
+                                        </p:tgtEl>
+                                        <p:attrNameLst>
+                                          <p:attrName>style.visibility</p:attrName>
+                                        </p:attrNameLst>
+                                      </p:cBhvr>
+                                      <p:to>
+                                        <p:strVal val="hidden"/>
+                                      </p:to>
+                                    </p:set>
+                                  </p:childTnLst>
+                                </p:cTn>
+                              </p:par>
+                              <p:par>
+                                <p:cTn id="25" presetID="1" presetClass="exit" presetSubtype="0" fill="hold" nodeType="withEffect">
+                                  <p:stCondLst>
+                                    <p:cond delay="0"/>
+                                  </p:stCondLst>
+                                  <p:childTnLst>
+                                    <p:set>
+                                      <p:cBhvr>
+                                        <p:cTn id="26" dur="1" fill="hold">
+                                          <p:stCondLst>
+                                            <p:cond delay="0"/>
+                                          </p:stCondLst>
+                                        </p:cTn>
+                                        <p:tgtEl>
+                                          <p:spTgt spid="12"/>
+                                        </p:tgtEl>
+                                        <p:attrNameLst>
+                                          <p:attrName>style.visibility</p:attrName>
+                                        </p:attrNameLst>
+                                      </p:cBhvr>
+                                      <p:to>
+                                        <p:strVal val="hidden"/>
+                                      </p:to>
+                                    </p:set>
+                                  </p:childTnLst>
+                                </p:cTn>
+                              </p:par>
+                            </p:childTnLst>
+                          </p:cTn>
+                        </p:par>
+                      </p:childTnLst>
+                    </p:cTn>
+                  </p:par>
+                </p:childTnLst>
+              </p:cTn>
+              <p:prevCondLst>
+                <p:cond evt="onPrev" delay="0">
+                  <p:tgtEl>
+                    <p:sldTgt/>
+                  </p:tgtEl>
+                </p:cond>
+              </p:prevCondLst>
+              <p:nextCondLst>
+                <p:cond evt="onNext" delay="0">
+                  <p:tgtEl>
+                    <p:sldTgt/>
+                  </p:tgtEl>
+                </p:cond>
+              </p:nextCondLst>
+            </p:seq>
+          </p:childTnLst>
+        </p:cTn>
+      </p:par>
+    </p:tnLst>
+  </p:timing>
+</p:sld>
+</file>
+
+<file path=ppt/slides/slide11.xml><?xml version="1.0" encoding="utf-8"?>
+<p:sld xmlns:a="http://schemas.openxmlformats.org/drawingml/2006/main" xmlns:r="http://schemas.openxmlformats.org/officeDocument/2006/relationships" xmlns:p="http://schemas.openxmlformats.org/presentationml/2006/main">
+  <p:cSld>
+    <p:spTree>
+      <p:nvGrpSpPr>
+        <p:cNvPr id="1" name=""/>
+        <p:cNvGrpSpPr/>
+        <p:nvPr/>
+      </p:nvGrpSpPr>
+      <p:grpSpPr>
+        <a:xfrm>
+          <a:off x="0" y="0"/>
+          <a:ext cx="0" cy="0"/>
+          <a:chOff x="0" y="0"/>
+          <a:chExt cx="0" cy="0"/>
+        </a:xfrm>
+      </p:grpSpPr>
+      <p:pic>
+        <p:nvPicPr>
+          <p:cNvPr id="9" name="Content Placeholder 8">
+            <a:extLst>
+              <a:ext uri="{FF2B5EF4-FFF2-40B4-BE49-F238E27FC236}">
+                <a16:creationId xmlns:a16="http://schemas.microsoft.com/office/drawing/2014/main" id="{AF49C4B3-3C55-10C5-EB0D-C988A668FE4B}"/>
+              </a:ext>
+            </a:extLst>
+          </p:cNvPr>
+          <p:cNvPicPr>
+            <a:picLocks noGrp="1" noChangeAspect="1"/>
+          </p:cNvPicPr>
+          <p:nvPr>
+            <p:ph idx="1"/>
+          </p:nvPr>
+        </p:nvPicPr>
+        <p:blipFill rotWithShape="1">
+          <a:blip r:embed="rId2"/>
+          <a:srcRect t="37058" r="6842" b="35625"/>
+          <a:stretch/>
+        </p:blipFill>
+        <p:spPr>
+          <a:xfrm>
+            <a:off x="474796" y="1374955"/>
+            <a:ext cx="3316368" cy="2190178"/>
+          </a:xfrm>
+        </p:spPr>
+      </p:pic>
+      <p:sp>
+        <p:nvSpPr>
+          <p:cNvPr id="10" name="Right Arrow 9">
+            <a:extLst>
+              <a:ext uri="{FF2B5EF4-FFF2-40B4-BE49-F238E27FC236}">
+                <a16:creationId xmlns:a16="http://schemas.microsoft.com/office/drawing/2014/main" id="{6B15FA00-D8DC-17A6-E904-A24933BFBF5E}"/>
+              </a:ext>
+            </a:extLst>
+          </p:cNvPr>
+          <p:cNvSpPr/>
+          <p:nvPr/>
+        </p:nvSpPr>
+        <p:spPr>
+          <a:xfrm>
+            <a:off x="4389008" y="1776538"/>
+            <a:ext cx="2928135" cy="1387011"/>
+          </a:xfrm>
+          <a:prstGeom prst="rightArrow">
+            <a:avLst/>
+          </a:prstGeom>
+        </p:spPr>
+        <p:style>
+          <a:lnRef idx="2">
+            <a:schemeClr val="accent1">
+              <a:shade val="50000"/>
+            </a:schemeClr>
+          </a:lnRef>
+          <a:fillRef idx="1">
+            <a:schemeClr val="accent1"/>
+          </a:fillRef>
+          <a:effectRef idx="0">
+            <a:schemeClr val="accent1"/>
+          </a:effectRef>
+          <a:fontRef idx="minor">
+            <a:schemeClr val="lt1"/>
+          </a:fontRef>
+        </p:style>
+        <p:txBody>
+          <a:bodyPr rtlCol="0" anchor="ctr"/>
+          <a:lstStyle/>
+          <a:p>
+            <a:pPr algn="ctr"/>
+            <a:endParaRPr lang="en-US" dirty="0"/>
+          </a:p>
+        </p:txBody>
+      </p:sp>
+      <p:pic>
+        <p:nvPicPr>
+          <p:cNvPr id="12" name="Picture 11">
+            <a:extLst>
+              <a:ext uri="{FF2B5EF4-FFF2-40B4-BE49-F238E27FC236}">
+                <a16:creationId xmlns:a16="http://schemas.microsoft.com/office/drawing/2014/main" id="{37E36EAE-9299-ECE8-39E9-DC28985A20C2}"/>
+              </a:ext>
+            </a:extLst>
+          </p:cNvPr>
+          <p:cNvPicPr>
+            <a:picLocks noChangeAspect="1"/>
+          </p:cNvPicPr>
+          <p:nvPr/>
+        </p:nvPicPr>
+        <p:blipFill rotWithShape="1">
+          <a:blip r:embed="rId3"/>
+          <a:srcRect t="37303" r="8274" b="35581"/>
+          <a:stretch/>
+        </p:blipFill>
+        <p:spPr>
+          <a:xfrm>
+            <a:off x="7802993" y="1374955"/>
+            <a:ext cx="3289582" cy="2190178"/>
+          </a:xfrm>
+          <a:prstGeom prst="rect">
+            <a:avLst/>
+          </a:prstGeom>
+        </p:spPr>
+      </p:pic>
+      <p:pic>
+        <p:nvPicPr>
+          <p:cNvPr id="14" name="Picture 13">
+            <a:extLst>
+              <a:ext uri="{FF2B5EF4-FFF2-40B4-BE49-F238E27FC236}">
+                <a16:creationId xmlns:a16="http://schemas.microsoft.com/office/drawing/2014/main" id="{8481F8A8-DBDA-4CE5-08CA-FD01886854BA}"/>
+              </a:ext>
+            </a:extLst>
+          </p:cNvPr>
+          <p:cNvPicPr>
+            <a:picLocks noChangeAspect="1"/>
+          </p:cNvPicPr>
+          <p:nvPr/>
+        </p:nvPicPr>
+        <p:blipFill>
+          <a:blip r:embed="rId4"/>
+          <a:stretch>
+            <a:fillRect/>
+          </a:stretch>
+        </p:blipFill>
+        <p:spPr>
+          <a:xfrm>
+            <a:off x="217632" y="3565133"/>
+            <a:ext cx="3316368" cy="3316368"/>
+          </a:xfrm>
+          <a:prstGeom prst="rect">
+            <a:avLst/>
+          </a:prstGeom>
+        </p:spPr>
+      </p:pic>
+      <p:pic>
+        <p:nvPicPr>
+          <p:cNvPr id="16" name="Picture 15">
+            <a:extLst>
+              <a:ext uri="{FF2B5EF4-FFF2-40B4-BE49-F238E27FC236}">
+                <a16:creationId xmlns:a16="http://schemas.microsoft.com/office/drawing/2014/main" id="{02001748-6A6F-25E6-769F-C2ED9D3B3D6F}"/>
+              </a:ext>
+            </a:extLst>
+          </p:cNvPr>
+          <p:cNvPicPr>
+            <a:picLocks noChangeAspect="1"/>
+          </p:cNvPicPr>
+          <p:nvPr/>
+        </p:nvPicPr>
+        <p:blipFill>
+          <a:blip r:embed="rId5"/>
+          <a:stretch>
+            <a:fillRect/>
+          </a:stretch>
+        </p:blipFill>
+        <p:spPr>
+          <a:xfrm>
+            <a:off x="7776208" y="3565134"/>
+            <a:ext cx="3316367" cy="3316367"/>
+          </a:xfrm>
+          <a:prstGeom prst="rect">
+            <a:avLst/>
+          </a:prstGeom>
+        </p:spPr>
+      </p:pic>
+      <p:sp>
+        <p:nvSpPr>
+          <p:cNvPr id="17" name="Right Arrow 16">
+            <a:extLst>
+              <a:ext uri="{FF2B5EF4-FFF2-40B4-BE49-F238E27FC236}">
+                <a16:creationId xmlns:a16="http://schemas.microsoft.com/office/drawing/2014/main" id="{C68C2C99-10FC-4168-5786-CFFEDCFDF6EF}"/>
+              </a:ext>
+            </a:extLst>
+          </p:cNvPr>
+          <p:cNvSpPr/>
+          <p:nvPr/>
+        </p:nvSpPr>
+        <p:spPr>
+          <a:xfrm>
+            <a:off x="4389008" y="4672138"/>
+            <a:ext cx="2928135" cy="1387011"/>
+          </a:xfrm>
+          <a:prstGeom prst="rightArrow">
+            <a:avLst/>
+          </a:prstGeom>
+        </p:spPr>
+        <p:style>
+          <a:lnRef idx="2">
+            <a:schemeClr val="accent1">
+              <a:shade val="50000"/>
+            </a:schemeClr>
+          </a:lnRef>
+          <a:fillRef idx="1">
+            <a:schemeClr val="accent1"/>
+          </a:fillRef>
+          <a:effectRef idx="0">
+            <a:schemeClr val="accent1"/>
+          </a:effectRef>
+          <a:fontRef idx="minor">
+            <a:schemeClr val="lt1"/>
+          </a:fontRef>
+        </p:style>
+        <p:txBody>
+          <a:bodyPr rtlCol="0" anchor="ctr"/>
+          <a:lstStyle/>
+          <a:p>
+            <a:pPr algn="ctr"/>
+            <a:endParaRPr lang="en-US" dirty="0"/>
+          </a:p>
+        </p:txBody>
+      </p:sp>
+      <p:sp>
+        <p:nvSpPr>
+          <p:cNvPr id="18" name="TextBox 17">
+            <a:extLst>
+              <a:ext uri="{FF2B5EF4-FFF2-40B4-BE49-F238E27FC236}">
+                <a16:creationId xmlns:a16="http://schemas.microsoft.com/office/drawing/2014/main" id="{6C8968E5-39EA-6A57-014F-04A2DE0912F9}"/>
+              </a:ext>
+            </a:extLst>
+          </p:cNvPr>
+          <p:cNvSpPr txBox="1"/>
+          <p:nvPr/>
+        </p:nvSpPr>
+        <p:spPr>
+          <a:xfrm>
+            <a:off x="4515240" y="3684178"/>
+            <a:ext cx="2279727" cy="369332"/>
+          </a:xfrm>
+          <a:prstGeom prst="rect">
+            <a:avLst/>
+          </a:prstGeom>
+          <a:noFill/>
+        </p:spPr>
+        <p:txBody>
+          <a:bodyPr wrap="none" rtlCol="0">
+            <a:spAutoFit/>
+          </a:bodyPr>
+          <a:lstStyle/>
+          <a:p>
+            <a:r>
+              <a:rPr lang="en-US" dirty="0"/>
+              <a:t>Volume prior on alpha</a:t>
+            </a:r>
+          </a:p>
+        </p:txBody>
+      </p:sp>
+      <p:sp>
+        <p:nvSpPr>
+          <p:cNvPr id="21" name="Title 1">
+            <a:extLst>
+              <a:ext uri="{FF2B5EF4-FFF2-40B4-BE49-F238E27FC236}">
+                <a16:creationId xmlns:a16="http://schemas.microsoft.com/office/drawing/2014/main" id="{4CFDC560-1984-2F84-CF1A-14A3FBFC48E2}"/>
+              </a:ext>
+            </a:extLst>
+          </p:cNvPr>
+          <p:cNvSpPr>
+            <a:spLocks noGrp="1"/>
+          </p:cNvSpPr>
+          <p:nvPr/>
+        </p:nvSpPr>
+        <p:spPr>
+          <a:xfrm>
+            <a:off x="838200" y="183656"/>
+            <a:ext cx="10515600" cy="1325563"/>
+          </a:xfrm>
+          <a:prstGeom prst="rect">
+            <a:avLst/>
+          </a:prstGeom>
+        </p:spPr>
+        <p:txBody>
+          <a:bodyPr vert="horz" lIns="91440" tIns="45720" rIns="91440" bIns="45720" rtlCol="0" anchor="ctr">
+            <a:normAutofit/>
+          </a:bodyPr>
+          <a:lstStyle>
+            <a:lvl1pPr algn="l" defTabSz="914400" rtl="0" eaLnBrk="1" latinLnBrk="0" hangingPunct="1">
+              <a:lnSpc>
+                <a:spcPct val="90000"/>
+              </a:lnSpc>
+              <a:spcBef>
+                <a:spcPct val="0"/>
+              </a:spcBef>
+              <a:buNone/>
+              <a:defRPr sz="4400" kern="1200">
+                <a:solidFill>
+                  <a:schemeClr val="tx1"/>
+                </a:solidFill>
+                <a:latin typeface="+mj-lt"/>
+                <a:ea typeface="+mj-ea"/>
+                <a:cs typeface="+mj-cs"/>
+              </a:defRPr>
+            </a:lvl1pPr>
+          </a:lstStyle>
+          <a:p>
+            <a:pPr algn="ctr"/>
+            <a:r>
+              <a:rPr lang="en-US" dirty="0"/>
+              <a:t>Constraining A and alpha</a:t>
+            </a:r>
+          </a:p>
+        </p:txBody>
+      </p:sp>
+    </p:spTree>
+    <p:extLst>
+      <p:ext uri="{BB962C8B-B14F-4D97-AF65-F5344CB8AC3E}">
+        <p14:creationId xmlns:p14="http://schemas.microsoft.com/office/powerpoint/2010/main" val="3764981136"/>
+      </p:ext>
+    </p:extLst>
+  </p:cSld>
+  <p:clrMapOvr>
+    <a:masterClrMapping/>
+  </p:clrMapOvr>
+  <p:timing>
+    <p:tnLst>
+      <p:par>
+        <p:cTn id="1" dur="indefinite" restart="never" nodeType="tmRoot">
+          <p:childTnLst>
+            <p:seq concurrent="1" nextAc="seek">
+              <p:cTn id="2" dur="indefinite" nodeType="mainSeq">
+                <p:childTnLst>
+                  <p:par>
+                    <p:cTn id="3" fill="hold">
+                      <p:stCondLst>
+                        <p:cond delay="indefinite"/>
+                      </p:stCondLst>
+                      <p:childTnLst>
+                        <p:par>
+                          <p:cTn id="4" fill="hold">
+                            <p:stCondLst>
+                              <p:cond delay="0"/>
+                            </p:stCondLst>
+                            <p:childTnLst>
+                              <p:par>
+                                <p:cTn id="5" presetID="1" presetClass="entr" presetSubtype="0" fill="hold" nodeType="clickEffect">
+                                  <p:stCondLst>
+                                    <p:cond delay="0"/>
+                                  </p:stCondLst>
+                                  <p:childTnLst>
+                                    <p:set>
+                                      <p:cBhvr>
+                                        <p:cTn id="6" dur="1" fill="hold">
+                                          <p:stCondLst>
+                                            <p:cond delay="0"/>
+                                          </p:stCondLst>
+                                        </p:cTn>
+                                        <p:tgtEl>
+                                          <p:spTgt spid="9"/>
+                                        </p:tgtEl>
+                                        <p:attrNameLst>
+                                          <p:attrName>style.visibility</p:attrName>
+                                        </p:attrNameLst>
+                                      </p:cBhvr>
+                                      <p:to>
+                                        <p:strVal val="visible"/>
+                                      </p:to>
+                                    </p:set>
+                                  </p:childTnLst>
+                                </p:cTn>
+                              </p:par>
+                              <p:par>
+                                <p:cTn id="7" presetID="1" presetClass="entr" presetSubtype="0" fill="hold" nodeType="withEffect">
+                                  <p:stCondLst>
+                                    <p:cond delay="0"/>
+                                  </p:stCondLst>
+                                  <p:childTnLst>
+                                    <p:set>
+                                      <p:cBhvr>
+                                        <p:cTn id="8" dur="1" fill="hold">
+                                          <p:stCondLst>
+                                            <p:cond delay="0"/>
+                                          </p:stCondLst>
+                                        </p:cTn>
+                                        <p:tgtEl>
+                                          <p:spTgt spid="14"/>
+                                        </p:tgtEl>
+                                        <p:attrNameLst>
+                                          <p:attrName>style.visibility</p:attrName>
+                                        </p:attrNameLst>
+                                      </p:cBhvr>
+                                      <p:to>
+                                        <p:strVal val="visible"/>
+                                      </p:to>
+                                    </p:set>
+                                  </p:childTnLst>
+                                </p:cTn>
+                              </p:par>
+                            </p:childTnLst>
+                          </p:cTn>
+                        </p:par>
+                      </p:childTnLst>
+                    </p:cTn>
+                  </p:par>
+                  <p:par>
+                    <p:cTn id="9" fill="hold">
+                      <p:stCondLst>
+                        <p:cond delay="indefinite"/>
+                      </p:stCondLst>
+                      <p:childTnLst>
+                        <p:par>
+                          <p:cTn id="10" fill="hold">
+                            <p:stCondLst>
+                              <p:cond delay="0"/>
+                            </p:stCondLst>
+                            <p:childTnLst>
+                              <p:par>
+                                <p:cTn id="11" presetID="1" presetClass="entr" presetSubtype="0" fill="hold" grpId="0" nodeType="clickEffect">
+                                  <p:stCondLst>
+                                    <p:cond delay="0"/>
+                                  </p:stCondLst>
+                                  <p:childTnLst>
+                                    <p:set>
+                                      <p:cBhvr>
+                                        <p:cTn id="12" dur="1" fill="hold">
+                                          <p:stCondLst>
+                                            <p:cond delay="0"/>
+                                          </p:stCondLst>
+                                        </p:cTn>
+                                        <p:tgtEl>
+                                          <p:spTgt spid="10"/>
+                                        </p:tgtEl>
+                                        <p:attrNameLst>
+                                          <p:attrName>style.visibility</p:attrName>
+                                        </p:attrNameLst>
+                                      </p:cBhvr>
+                                      <p:to>
+                                        <p:strVal val="visible"/>
+                                      </p:to>
+                                    </p:set>
+                                  </p:childTnLst>
+                                </p:cTn>
+                              </p:par>
+                              <p:par>
+                                <p:cTn id="13" presetID="1" presetClass="entr" presetSubtype="0" fill="hold" grpId="0" nodeType="withEffect">
+                                  <p:stCondLst>
+                                    <p:cond delay="0"/>
+                                  </p:stCondLst>
+                                  <p:childTnLst>
+                                    <p:set>
+                                      <p:cBhvr>
+                                        <p:cTn id="14" dur="1" fill="hold">
+                                          <p:stCondLst>
+                                            <p:cond delay="0"/>
+                                          </p:stCondLst>
+                                        </p:cTn>
+                                        <p:tgtEl>
+                                          <p:spTgt spid="18"/>
+                                        </p:tgtEl>
+                                        <p:attrNameLst>
+                                          <p:attrName>style.visibility</p:attrName>
+                                        </p:attrNameLst>
+                                      </p:cBhvr>
+                                      <p:to>
+                                        <p:strVal val="visible"/>
+                                      </p:to>
+                                    </p:set>
+                                  </p:childTnLst>
+                                </p:cTn>
+                              </p:par>
+                              <p:par>
+                                <p:cTn id="15" presetID="1" presetClass="entr" presetSubtype="0" fill="hold" grpId="0" nodeType="withEffect">
+                                  <p:stCondLst>
+                                    <p:cond delay="0"/>
+                                  </p:stCondLst>
+                                  <p:childTnLst>
+                                    <p:set>
+                                      <p:cBhvr>
+                                        <p:cTn id="16" dur="1" fill="hold">
+                                          <p:stCondLst>
+                                            <p:cond delay="0"/>
+                                          </p:stCondLst>
+                                        </p:cTn>
+                                        <p:tgtEl>
+                                          <p:spTgt spid="17"/>
+                                        </p:tgtEl>
+                                        <p:attrNameLst>
+                                          <p:attrName>style.visibility</p:attrName>
+                                        </p:attrNameLst>
+                                      </p:cBhvr>
+                                      <p:to>
+                                        <p:strVal val="visible"/>
+                                      </p:to>
+                                    </p:set>
+                                  </p:childTnLst>
+                                </p:cTn>
+                              </p:par>
+                              <p:par>
+                                <p:cTn id="17" presetID="1" presetClass="entr" presetSubtype="0" fill="hold" nodeType="withEffect">
+                                  <p:stCondLst>
+                                    <p:cond delay="0"/>
+                                  </p:stCondLst>
+                                  <p:childTnLst>
+                                    <p:set>
+                                      <p:cBhvr>
+                                        <p:cTn id="18" dur="1" fill="hold">
+                                          <p:stCondLst>
+                                            <p:cond delay="0"/>
+                                          </p:stCondLst>
+                                        </p:cTn>
+                                        <p:tgtEl>
+                                          <p:spTgt spid="16"/>
+                                        </p:tgtEl>
+                                        <p:attrNameLst>
+                                          <p:attrName>style.visibility</p:attrName>
+                                        </p:attrNameLst>
+                                      </p:cBhvr>
+                                      <p:to>
+                                        <p:strVal val="visible"/>
+                                      </p:to>
+                                    </p:set>
+                                  </p:childTnLst>
+                                </p:cTn>
+                              </p:par>
+                              <p:par>
+                                <p:cTn id="19" presetID="1" presetClass="entr" presetSubtype="0" fill="hold" nodeType="withEffect">
+                                  <p:stCondLst>
+                                    <p:cond delay="0"/>
+                                  </p:stCondLst>
+                                  <p:childTnLst>
+                                    <p:set>
+                                      <p:cBhvr>
+                                        <p:cTn id="20" dur="1" fill="hold">
+                                          <p:stCondLst>
+                                            <p:cond delay="0"/>
+                                          </p:stCondLst>
+                                        </p:cTn>
+                                        <p:tgtEl>
+                                          <p:spTgt spid="12"/>
+                                        </p:tgtEl>
+                                        <p:attrNameLst>
+                                          <p:attrName>style.visibility</p:attrName>
+                                        </p:attrNameLst>
+                                      </p:cBhvr>
+                                      <p:to>
+                                        <p:strVal val="visible"/>
+                                      </p:to>
+                                    </p:set>
+                                  </p:childTnLst>
+                                </p:cTn>
+                              </p:par>
+                            </p:childTnLst>
+                          </p:cTn>
+                        </p:par>
+                      </p:childTnLst>
+                    </p:cTn>
+                  </p:par>
+                </p:childTnLst>
+              </p:cTn>
+              <p:prevCondLst>
+                <p:cond evt="onPrev" delay="0">
+                  <p:tgtEl>
+                    <p:sldTgt/>
+                  </p:tgtEl>
+                </p:cond>
+              </p:prevCondLst>
+              <p:nextCondLst>
+                <p:cond evt="onNext" delay="0">
+                  <p:tgtEl>
+                    <p:sldTgt/>
+                  </p:tgtEl>
+                </p:cond>
+              </p:nextCondLst>
+            </p:seq>
+          </p:childTnLst>
+        </p:cTn>
+      </p:par>
+    </p:tnLst>
+    <p:bldLst>
+      <p:bldP spid="10" grpId="0" animBg="1"/>
+      <p:bldP spid="17" grpId="0" animBg="1"/>
+      <p:bldP spid="18" grpId="0"/>
+    </p:bldLst>
+  </p:timing>
+</p:sld>
+</file>
+
+<file path=ppt/slides/slide12.xml><?xml version="1.0" encoding="utf-8"?>
+<p:sld xmlns:a="http://schemas.openxmlformats.org/drawingml/2006/main" xmlns:r="http://schemas.openxmlformats.org/officeDocument/2006/relationships" xmlns:p="http://schemas.openxmlformats.org/presentationml/2006/main">
+  <p:cSld>
+    <p:spTree>
+      <p:nvGrpSpPr>
+        <p:cNvPr id="1" name=""/>
+        <p:cNvGrpSpPr/>
+        <p:nvPr/>
+      </p:nvGrpSpPr>
+      <p:grpSpPr>
+        <a:xfrm>
+          <a:off x="0" y="0"/>
+          <a:ext cx="0" cy="0"/>
+          <a:chOff x="0" y="0"/>
+          <a:chExt cx="0" cy="0"/>
+        </a:xfrm>
+      </p:grpSpPr>
+      <p:sp>
+        <p:nvSpPr>
+          <p:cNvPr id="9" name="Title 1">
+            <a:extLst>
+              <a:ext uri="{FF2B5EF4-FFF2-40B4-BE49-F238E27FC236}">
+                <a16:creationId xmlns:a16="http://schemas.microsoft.com/office/drawing/2014/main" id="{6810C9DC-E34D-376B-B27D-23C99C56A892}"/>
+              </a:ext>
+            </a:extLst>
+          </p:cNvPr>
+          <p:cNvSpPr>
+            <a:spLocks noGrp="1"/>
+          </p:cNvSpPr>
+          <p:nvPr/>
+        </p:nvSpPr>
+        <p:spPr>
+          <a:xfrm>
+            <a:off x="838200" y="183656"/>
+            <a:ext cx="10515600" cy="1325563"/>
+          </a:xfrm>
+          <a:prstGeom prst="rect">
+            <a:avLst/>
+          </a:prstGeom>
+        </p:spPr>
+        <p:txBody>
+          <a:bodyPr vert="horz" lIns="91440" tIns="45720" rIns="91440" bIns="45720" rtlCol="0" anchor="ctr">
+            <a:normAutofit/>
+          </a:bodyPr>
+          <a:lstStyle>
+            <a:lvl1pPr algn="l" defTabSz="914400" rtl="0" eaLnBrk="1" latinLnBrk="0" hangingPunct="1">
+              <a:lnSpc>
+                <a:spcPct val="90000"/>
+              </a:lnSpc>
+              <a:spcBef>
+                <a:spcPct val="0"/>
+              </a:spcBef>
+              <a:buNone/>
+              <a:defRPr sz="4400" kern="1200">
+                <a:solidFill>
+                  <a:schemeClr val="tx1"/>
+                </a:solidFill>
+                <a:latin typeface="+mj-lt"/>
+                <a:ea typeface="+mj-ea"/>
+                <a:cs typeface="+mj-cs"/>
+              </a:defRPr>
+            </a:lvl1pPr>
+          </a:lstStyle>
+          <a:p>
+            <a:pPr algn="ctr"/>
+            <a:r>
+              <a:rPr lang="en-US" dirty="0"/>
+              <a:t>Constraining A and alpha</a:t>
+            </a:r>
+          </a:p>
+        </p:txBody>
+      </p:sp>
+      <p:pic>
+        <p:nvPicPr>
+          <p:cNvPr id="29" name="Picture 28">
+            <a:extLst>
+              <a:ext uri="{FF2B5EF4-FFF2-40B4-BE49-F238E27FC236}">
+                <a16:creationId xmlns:a16="http://schemas.microsoft.com/office/drawing/2014/main" id="{EEA13AFD-0625-2942-1F5A-60A1B5E21580}"/>
+              </a:ext>
+            </a:extLst>
+          </p:cNvPr>
+          <p:cNvPicPr>
+            <a:picLocks noChangeAspect="1"/>
+          </p:cNvPicPr>
+          <p:nvPr/>
+        </p:nvPicPr>
+        <p:blipFill>
+          <a:blip r:embed="rId2"/>
+          <a:stretch>
+            <a:fillRect/>
+          </a:stretch>
+        </p:blipFill>
+        <p:spPr>
+          <a:xfrm>
+            <a:off x="533476" y="1907748"/>
+            <a:ext cx="3837631" cy="3837631"/>
+          </a:xfrm>
+          <a:prstGeom prst="rect">
+            <a:avLst/>
+          </a:prstGeom>
+        </p:spPr>
+      </p:pic>
+      <p:pic>
+        <p:nvPicPr>
+          <p:cNvPr id="31" name="Picture 30">
+            <a:extLst>
+              <a:ext uri="{FF2B5EF4-FFF2-40B4-BE49-F238E27FC236}">
+                <a16:creationId xmlns:a16="http://schemas.microsoft.com/office/drawing/2014/main" id="{E9AF9529-5A2D-480D-BF5D-100CE29E4D26}"/>
+              </a:ext>
+            </a:extLst>
+          </p:cNvPr>
+          <p:cNvPicPr>
+            <a:picLocks noChangeAspect="1"/>
+          </p:cNvPicPr>
+          <p:nvPr/>
+        </p:nvPicPr>
+        <p:blipFill>
+          <a:blip r:embed="rId3"/>
+          <a:stretch>
+            <a:fillRect/>
+          </a:stretch>
+        </p:blipFill>
+        <p:spPr>
+          <a:xfrm>
+            <a:off x="3832730" y="1901569"/>
+            <a:ext cx="3837631" cy="3837631"/>
+          </a:xfrm>
+          <a:prstGeom prst="rect">
+            <a:avLst/>
+          </a:prstGeom>
+        </p:spPr>
+      </p:pic>
+      <p:pic>
+        <p:nvPicPr>
+          <p:cNvPr id="33" name="Picture 32">
+            <a:extLst>
+              <a:ext uri="{FF2B5EF4-FFF2-40B4-BE49-F238E27FC236}">
+                <a16:creationId xmlns:a16="http://schemas.microsoft.com/office/drawing/2014/main" id="{E46DB9E1-E713-BB25-0284-62B3E903AB15}"/>
+              </a:ext>
+            </a:extLst>
+          </p:cNvPr>
+          <p:cNvPicPr>
+            <a:picLocks noChangeAspect="1"/>
+          </p:cNvPicPr>
+          <p:nvPr/>
+        </p:nvPicPr>
+        <p:blipFill>
+          <a:blip r:embed="rId4"/>
+          <a:stretch>
+            <a:fillRect/>
+          </a:stretch>
+        </p:blipFill>
+        <p:spPr>
+          <a:xfrm>
+            <a:off x="7131984" y="1901570"/>
+            <a:ext cx="3837631" cy="3837631"/>
+          </a:xfrm>
+          <a:prstGeom prst="rect">
+            <a:avLst/>
+          </a:prstGeom>
+        </p:spPr>
+      </p:pic>
+      <p:sp>
+        <p:nvSpPr>
+          <p:cNvPr id="34" name="TextBox 33">
+            <a:extLst>
+              <a:ext uri="{FF2B5EF4-FFF2-40B4-BE49-F238E27FC236}">
+                <a16:creationId xmlns:a16="http://schemas.microsoft.com/office/drawing/2014/main" id="{95A821C2-0056-FD04-08E4-F6D763696FD8}"/>
+              </a:ext>
+            </a:extLst>
+          </p:cNvPr>
+          <p:cNvSpPr txBox="1"/>
+          <p:nvPr/>
+        </p:nvSpPr>
+        <p:spPr>
+          <a:xfrm>
+            <a:off x="533476" y="1520728"/>
+            <a:ext cx="1343701" cy="369332"/>
+          </a:xfrm>
+          <a:prstGeom prst="rect">
+            <a:avLst/>
+          </a:prstGeom>
+          <a:noFill/>
+        </p:spPr>
+        <p:txBody>
+          <a:bodyPr wrap="none" rtlCol="0">
+            <a:spAutoFit/>
+          </a:bodyPr>
+          <a:lstStyle/>
+          <a:p>
+            <a:r>
+              <a:rPr lang="en-US" i="1" dirty="0"/>
+              <a:t>Energy bin 1</a:t>
+            </a:r>
+          </a:p>
+        </p:txBody>
+      </p:sp>
+      <p:sp>
+        <p:nvSpPr>
+          <p:cNvPr id="35" name="TextBox 34">
+            <a:extLst>
+              <a:ext uri="{FF2B5EF4-FFF2-40B4-BE49-F238E27FC236}">
+                <a16:creationId xmlns:a16="http://schemas.microsoft.com/office/drawing/2014/main" id="{99A5E30F-7002-224B-3540-5B62FD57361F}"/>
+              </a:ext>
+            </a:extLst>
+          </p:cNvPr>
+          <p:cNvSpPr txBox="1"/>
+          <p:nvPr/>
+        </p:nvSpPr>
+        <p:spPr>
+          <a:xfrm>
+            <a:off x="2090818" y="5554534"/>
+            <a:ext cx="1406145" cy="369332"/>
+          </a:xfrm>
+          <a:prstGeom prst="rect">
+            <a:avLst/>
+          </a:prstGeom>
+          <a:noFill/>
+        </p:spPr>
+        <p:txBody>
+          <a:bodyPr wrap="square" rtlCol="0">
+            <a:spAutoFit/>
+          </a:bodyPr>
+          <a:lstStyle/>
+          <a:p>
+            <a:r>
+              <a:rPr lang="en-US" dirty="0"/>
+              <a:t>alpha =  +2</a:t>
+            </a:r>
+          </a:p>
+        </p:txBody>
+      </p:sp>
+      <p:sp>
+        <p:nvSpPr>
+          <p:cNvPr id="36" name="TextBox 35">
+            <a:extLst>
+              <a:ext uri="{FF2B5EF4-FFF2-40B4-BE49-F238E27FC236}">
+                <a16:creationId xmlns:a16="http://schemas.microsoft.com/office/drawing/2014/main" id="{FAEFC7D5-734B-A38D-23F4-7E2E6A660DEA}"/>
+              </a:ext>
+            </a:extLst>
+          </p:cNvPr>
+          <p:cNvSpPr txBox="1"/>
+          <p:nvPr/>
+        </p:nvSpPr>
+        <p:spPr>
+          <a:xfrm>
+            <a:off x="5390072" y="5554534"/>
+            <a:ext cx="1406145" cy="369332"/>
+          </a:xfrm>
+          <a:prstGeom prst="rect">
+            <a:avLst/>
+          </a:prstGeom>
+          <a:noFill/>
+        </p:spPr>
+        <p:txBody>
+          <a:bodyPr wrap="square" rtlCol="0">
+            <a:spAutoFit/>
+          </a:bodyPr>
+          <a:lstStyle/>
+          <a:p>
+            <a:r>
+              <a:rPr lang="en-US" dirty="0"/>
+              <a:t>alpha =  0</a:t>
+            </a:r>
+          </a:p>
+        </p:txBody>
+      </p:sp>
+      <p:sp>
+        <p:nvSpPr>
+          <p:cNvPr id="37" name="TextBox 36">
+            <a:extLst>
+              <a:ext uri="{FF2B5EF4-FFF2-40B4-BE49-F238E27FC236}">
+                <a16:creationId xmlns:a16="http://schemas.microsoft.com/office/drawing/2014/main" id="{82326FE6-FAD9-322F-86B5-8C7AC1E67937}"/>
+              </a:ext>
+            </a:extLst>
+          </p:cNvPr>
+          <p:cNvSpPr txBox="1"/>
+          <p:nvPr/>
+        </p:nvSpPr>
+        <p:spPr>
+          <a:xfrm>
+            <a:off x="8689326" y="5554534"/>
+            <a:ext cx="1406145" cy="369332"/>
+          </a:xfrm>
+          <a:prstGeom prst="rect">
+            <a:avLst/>
+          </a:prstGeom>
+          <a:noFill/>
+        </p:spPr>
+        <p:txBody>
+          <a:bodyPr wrap="square" rtlCol="0">
+            <a:spAutoFit/>
+          </a:bodyPr>
+          <a:lstStyle/>
+          <a:p>
+            <a:r>
+              <a:rPr lang="en-US" dirty="0"/>
+              <a:t>alpha =  -2</a:t>
+            </a:r>
+          </a:p>
+        </p:txBody>
+      </p:sp>
+    </p:spTree>
+    <p:extLst>
+      <p:ext uri="{BB962C8B-B14F-4D97-AF65-F5344CB8AC3E}">
+        <p14:creationId xmlns:p14="http://schemas.microsoft.com/office/powerpoint/2010/main" val="1162840819"/>
+      </p:ext>
+    </p:extLst>
+  </p:cSld>
+  <p:clrMapOvr>
+    <a:masterClrMapping/>
+  </p:clrMapOvr>
+</p:sld>
+</file>
+
+<file path=ppt/slides/slide13.xml><?xml version="1.0" encoding="utf-8"?>
 <p:sld xmlns:a="http://schemas.openxmlformats.org/drawingml/2006/main" xmlns:r="http://schemas.openxmlformats.org/officeDocument/2006/relationships" xmlns:p="http://schemas.openxmlformats.org/presentationml/2006/main">
   <p:cSld>
     <p:spTree>
@@ -4396,7 +5841,7 @@
 </p:sld>
 </file>
 
-<file path=ppt/slides/slide11.xml><?xml version="1.0" encoding="utf-8"?>
+<file path=ppt/slides/slide14.xml><?xml version="1.0" encoding="utf-8"?>
 <p:sld xmlns:a="http://schemas.openxmlformats.org/drawingml/2006/main" xmlns:r="http://schemas.openxmlformats.org/officeDocument/2006/relationships" xmlns:p="http://schemas.openxmlformats.org/presentationml/2006/main">
   <p:cSld>
     <p:spTree>
@@ -4460,13 +5905,13 @@
         </p:nvPicPr>
         <p:blipFill rotWithShape="1">
           <a:blip r:embed="rId2"/>
-          <a:srcRect t="-16" b="49711"/>
+          <a:srcRect t="119" b="50072"/>
           <a:stretch/>
         </p:blipFill>
         <p:spPr>
           <a:xfrm>
-            <a:off x="1354227" y="1993187"/>
-            <a:ext cx="9483546" cy="3575406"/>
+            <a:off x="1354227" y="1910994"/>
+            <a:ext cx="9483546" cy="3595954"/>
           </a:xfrm>
         </p:spPr>
       </p:pic>
@@ -4483,7 +5928,7 @@
 </p:sld>
 </file>
 
-<file path=ppt/slides/slide12.xml><?xml version="1.0" encoding="utf-8"?>
+<file path=ppt/slides/slide15.xml><?xml version="1.0" encoding="utf-8"?>
 <p:sld xmlns:a="http://schemas.openxmlformats.org/drawingml/2006/main" xmlns:r="http://schemas.openxmlformats.org/officeDocument/2006/relationships" xmlns:p="http://schemas.openxmlformats.org/presentationml/2006/main">
   <p:cSld>
     <p:spTree>
@@ -4505,7 +5950,7 @@
           <p:cNvPr id="2" name="Title 1">
             <a:extLst>
               <a:ext uri="{FF2B5EF4-FFF2-40B4-BE49-F238E27FC236}">
-                <a16:creationId xmlns:a16="http://schemas.microsoft.com/office/drawing/2014/main" id="{E1DAF982-9CB3-CB75-169D-9229DB81E3CB}"/>
+                <a16:creationId xmlns:a16="http://schemas.microsoft.com/office/drawing/2014/main" id="{2D4D6F1C-4FB4-A647-F913-A2BFA1F06739}"/>
               </a:ext>
             </a:extLst>
           </p:cNvPr>
@@ -4524,17 +5969,17 @@
             <a:pPr algn="ctr"/>
             <a:r>
               <a:rPr lang="en-US" dirty="0"/>
-              <a:t>Constraining Neutrino Densities</a:t>
+              <a:t>Higher Redshift Galaxies</a:t>
             </a:r>
           </a:p>
         </p:txBody>
       </p:sp>
       <p:pic>
         <p:nvPicPr>
-          <p:cNvPr id="4" name="Content Placeholder 3">
-            <a:extLst>
-              <a:ext uri="{FF2B5EF4-FFF2-40B4-BE49-F238E27FC236}">
-                <a16:creationId xmlns:a16="http://schemas.microsoft.com/office/drawing/2014/main" id="{CC24E834-E8BE-36A5-08A1-3172F1097F6F}"/>
+          <p:cNvPr id="9" name="Content Placeholder 8">
+            <a:extLst>
+              <a:ext uri="{FF2B5EF4-FFF2-40B4-BE49-F238E27FC236}">
+                <a16:creationId xmlns:a16="http://schemas.microsoft.com/office/drawing/2014/main" id="{51188E6C-EEB4-C77A-F7E3-86CCAA895E0F}"/>
               </a:ext>
             </a:extLst>
           </p:cNvPr>
@@ -4552,8 +5997,95 @@
         </p:blipFill>
         <p:spPr>
           <a:xfrm>
+            <a:off x="200879" y="1489754"/>
+            <a:ext cx="11790242" cy="4424538"/>
+          </a:xfrm>
+        </p:spPr>
+      </p:pic>
+    </p:spTree>
+    <p:extLst>
+      <p:ext uri="{BB962C8B-B14F-4D97-AF65-F5344CB8AC3E}">
+        <p14:creationId xmlns:p14="http://schemas.microsoft.com/office/powerpoint/2010/main" val="1703148359"/>
+      </p:ext>
+    </p:extLst>
+  </p:cSld>
+  <p:clrMapOvr>
+    <a:masterClrMapping/>
+  </p:clrMapOvr>
+</p:sld>
+</file>
+
+<file path=ppt/slides/slide16.xml><?xml version="1.0" encoding="utf-8"?>
+<p:sld xmlns:a="http://schemas.openxmlformats.org/drawingml/2006/main" xmlns:r="http://schemas.openxmlformats.org/officeDocument/2006/relationships" xmlns:p="http://schemas.openxmlformats.org/presentationml/2006/main">
+  <p:cSld>
+    <p:spTree>
+      <p:nvGrpSpPr>
+        <p:cNvPr id="1" name=""/>
+        <p:cNvGrpSpPr/>
+        <p:nvPr/>
+      </p:nvGrpSpPr>
+      <p:grpSpPr>
+        <a:xfrm>
+          <a:off x="0" y="0"/>
+          <a:ext cx="0" cy="0"/>
+          <a:chOff x="0" y="0"/>
+          <a:chExt cx="0" cy="0"/>
+        </a:xfrm>
+      </p:grpSpPr>
+      <p:sp>
+        <p:nvSpPr>
+          <p:cNvPr id="2" name="Title 1">
+            <a:extLst>
+              <a:ext uri="{FF2B5EF4-FFF2-40B4-BE49-F238E27FC236}">
+                <a16:creationId xmlns:a16="http://schemas.microsoft.com/office/drawing/2014/main" id="{E1DAF982-9CB3-CB75-169D-9229DB81E3CB}"/>
+              </a:ext>
+            </a:extLst>
+          </p:cNvPr>
+          <p:cNvSpPr>
+            <a:spLocks noGrp="1"/>
+          </p:cNvSpPr>
+          <p:nvPr>
+            <p:ph type="title"/>
+          </p:nvPr>
+        </p:nvSpPr>
+        <p:spPr/>
+        <p:txBody>
+          <a:bodyPr/>
+          <a:lstStyle/>
+          <a:p>
+            <a:pPr algn="ctr"/>
+            <a:r>
+              <a:rPr lang="en-US" dirty="0"/>
+              <a:t>Constraining Neutrino Densities</a:t>
+            </a:r>
+          </a:p>
+        </p:txBody>
+      </p:sp>
+      <p:pic>
+        <p:nvPicPr>
+          <p:cNvPr id="4" name="Content Placeholder 3">
+            <a:extLst>
+              <a:ext uri="{FF2B5EF4-FFF2-40B4-BE49-F238E27FC236}">
+                <a16:creationId xmlns:a16="http://schemas.microsoft.com/office/drawing/2014/main" id="{CC24E834-E8BE-36A5-08A1-3172F1097F6F}"/>
+              </a:ext>
+            </a:extLst>
+          </p:cNvPr>
+          <p:cNvPicPr>
+            <a:picLocks noGrp="1" noChangeAspect="1"/>
+          </p:cNvPicPr>
+          <p:nvPr>
+            <p:ph idx="1"/>
+          </p:nvPr>
+        </p:nvPicPr>
+        <p:blipFill>
+          <a:blip r:embed="rId2"/>
+          <a:srcRect/>
+          <a:stretch/>
+        </p:blipFill>
+        <p:spPr>
+          <a:xfrm>
             <a:off x="2679538" y="1445908"/>
-            <a:ext cx="6832922" cy="5122220"/>
+            <a:ext cx="6832922" cy="5122219"/>
           </a:xfrm>
         </p:spPr>
       </p:pic>
@@ -4570,7 +6102,7 @@
 </p:sld>
 </file>
 
-<file path=ppt/slides/slide13.xml><?xml version="1.0" encoding="utf-8"?>
+<file path=ppt/slides/slide17.xml><?xml version="1.0" encoding="utf-8"?>
 <p:sld xmlns:a="http://schemas.openxmlformats.org/drawingml/2006/main" xmlns:r="http://schemas.openxmlformats.org/officeDocument/2006/relationships" xmlns:p="http://schemas.openxmlformats.org/presentationml/2006/main">
   <p:cSld>
     <p:spTree>
@@ -4958,7 +6490,7 @@
 </p:sld>
 </file>
 
-<file path=ppt/slides/slide14.xml><?xml version="1.0" encoding="utf-8"?>
+<file path=ppt/slides/slide18.xml><?xml version="1.0" encoding="utf-8"?>
 <p:sld xmlns:a="http://schemas.openxmlformats.org/drawingml/2006/main" xmlns:r="http://schemas.openxmlformats.org/officeDocument/2006/relationships" xmlns:p="http://schemas.openxmlformats.org/presentationml/2006/main">
   <p:cSld>
     <p:spTree>
@@ -5022,7 +6554,7 @@
 </p:sld>
 </file>
 
-<file path=ppt/slides/slide15.xml><?xml version="1.0" encoding="utf-8"?>
+<file path=ppt/slides/slide19.xml><?xml version="1.0" encoding="utf-8"?>
 <p:sld xmlns:a="http://schemas.openxmlformats.org/drawingml/2006/main" xmlns:r="http://schemas.openxmlformats.org/officeDocument/2006/relationships" xmlns:p="http://schemas.openxmlformats.org/presentationml/2006/main">
   <p:cSld>
     <p:spTree>
@@ -5041,10 +6573,127 @@
       </p:grpSpPr>
       <p:sp>
         <p:nvSpPr>
-          <p:cNvPr id="5" name="Oval 4">
-            <a:extLst>
-              <a:ext uri="{FF2B5EF4-FFF2-40B4-BE49-F238E27FC236}">
-                <a16:creationId xmlns:a16="http://schemas.microsoft.com/office/drawing/2014/main" id="{0298FB02-7C43-AD17-2662-6CA511070569}"/>
+          <p:cNvPr id="2" name="Title 1">
+            <a:extLst>
+              <a:ext uri="{FF2B5EF4-FFF2-40B4-BE49-F238E27FC236}">
+                <a16:creationId xmlns:a16="http://schemas.microsoft.com/office/drawing/2014/main" id="{01916DF5-4B90-E4BC-8988-9E578BF0004E}"/>
+              </a:ext>
+            </a:extLst>
+          </p:cNvPr>
+          <p:cNvSpPr>
+            <a:spLocks noGrp="1"/>
+          </p:cNvSpPr>
+          <p:nvPr>
+            <p:ph type="title"/>
+          </p:nvPr>
+        </p:nvSpPr>
+        <p:spPr/>
+        <p:txBody>
+          <a:bodyPr/>
+          <a:lstStyle/>
+          <a:p>
+            <a:pPr algn="ctr"/>
+            <a:r>
+              <a:rPr lang="en-US" dirty="0"/>
+              <a:t>Removing First Data Point</a:t>
+            </a:r>
+          </a:p>
+        </p:txBody>
+      </p:sp>
+      <p:pic>
+        <p:nvPicPr>
+          <p:cNvPr id="4" name="Content Placeholder 3">
+            <a:extLst>
+              <a:ext uri="{FF2B5EF4-FFF2-40B4-BE49-F238E27FC236}">
+                <a16:creationId xmlns:a16="http://schemas.microsoft.com/office/drawing/2014/main" id="{8143BFAD-89D0-7132-82E2-57FE75942EEB}"/>
+              </a:ext>
+            </a:extLst>
+          </p:cNvPr>
+          <p:cNvPicPr>
+            <a:picLocks noChangeAspect="1"/>
+          </p:cNvPicPr>
+          <p:nvPr/>
+        </p:nvPicPr>
+        <p:blipFill>
+          <a:blip r:embed="rId2"/>
+          <a:srcRect l="100" r="100"/>
+          <a:stretch/>
+        </p:blipFill>
+        <p:spPr>
+          <a:xfrm>
+            <a:off x="2678774" y="1477916"/>
+            <a:ext cx="6834451" cy="5137971"/>
+          </a:xfrm>
+          <a:prstGeom prst="rect">
+            <a:avLst/>
+          </a:prstGeom>
+        </p:spPr>
+      </p:pic>
+    </p:spTree>
+    <p:extLst>
+      <p:ext uri="{BB962C8B-B14F-4D97-AF65-F5344CB8AC3E}">
+        <p14:creationId xmlns:p14="http://schemas.microsoft.com/office/powerpoint/2010/main" val="59665152"/>
+      </p:ext>
+    </p:extLst>
+  </p:cSld>
+  <p:clrMapOvr>
+    <a:masterClrMapping/>
+  </p:clrMapOvr>
+</p:sld>
+</file>
+
+<file path=ppt/slides/slide2.xml><?xml version="1.0" encoding="utf-8"?>
+<p:sld xmlns:a="http://schemas.openxmlformats.org/drawingml/2006/main" xmlns:r="http://schemas.openxmlformats.org/officeDocument/2006/relationships" xmlns:p="http://schemas.openxmlformats.org/presentationml/2006/main">
+  <p:cSld>
+    <p:spTree>
+      <p:nvGrpSpPr>
+        <p:cNvPr id="1" name=""/>
+        <p:cNvGrpSpPr/>
+        <p:nvPr/>
+      </p:nvGrpSpPr>
+      <p:grpSpPr>
+        <a:xfrm>
+          <a:off x="0" y="0"/>
+          <a:ext cx="0" cy="0"/>
+          <a:chOff x="0" y="0"/>
+          <a:chExt cx="0" cy="0"/>
+        </a:xfrm>
+      </p:grpSpPr>
+      <p:sp>
+        <p:nvSpPr>
+          <p:cNvPr id="2" name="Title 1">
+            <a:extLst>
+              <a:ext uri="{FF2B5EF4-FFF2-40B4-BE49-F238E27FC236}">
+                <a16:creationId xmlns:a16="http://schemas.microsoft.com/office/drawing/2014/main" id="{D8B06BE4-4DE5-21E5-738D-AFA6265690C1}"/>
+              </a:ext>
+            </a:extLst>
+          </p:cNvPr>
+          <p:cNvSpPr>
+            <a:spLocks noGrp="1"/>
+          </p:cNvSpPr>
+          <p:nvPr>
+            <p:ph type="title"/>
+          </p:nvPr>
+        </p:nvSpPr>
+        <p:spPr/>
+        <p:txBody>
+          <a:bodyPr/>
+          <a:lstStyle/>
+          <a:p>
+            <a:pPr algn="ctr"/>
+            <a:r>
+              <a:rPr lang="en-US" dirty="0"/>
+              <a:t>Background</a:t>
+            </a:r>
+          </a:p>
+        </p:txBody>
+      </p:sp>
+      <p:sp>
+        <p:nvSpPr>
+          <p:cNvPr id="4" name="Oval 3">
+            <a:extLst>
+              <a:ext uri="{FF2B5EF4-FFF2-40B4-BE49-F238E27FC236}">
+                <a16:creationId xmlns:a16="http://schemas.microsoft.com/office/drawing/2014/main" id="{7B48357E-4F4E-264E-5224-383CD6EC2C62}"/>
               </a:ext>
             </a:extLst>
           </p:cNvPr>
@@ -5053,7 +6702,7 @@
         </p:nvSpPr>
         <p:spPr>
           <a:xfrm>
-            <a:off x="4053583" y="1663379"/>
+            <a:off x="7063911" y="1718942"/>
             <a:ext cx="4084834" cy="4084834"/>
           </a:xfrm>
           <a:prstGeom prst="ellipse">
@@ -5093,39 +6742,10 @@
       </p:sp>
       <p:sp>
         <p:nvSpPr>
-          <p:cNvPr id="2" name="Title 1">
-            <a:extLst>
-              <a:ext uri="{FF2B5EF4-FFF2-40B4-BE49-F238E27FC236}">
-                <a16:creationId xmlns:a16="http://schemas.microsoft.com/office/drawing/2014/main" id="{E9F9D561-CA9B-DFBE-7F49-1C402A0C387E}"/>
-              </a:ext>
-            </a:extLst>
-          </p:cNvPr>
-          <p:cNvSpPr>
-            <a:spLocks noGrp="1"/>
-          </p:cNvSpPr>
-          <p:nvPr>
-            <p:ph type="title"/>
-          </p:nvPr>
-        </p:nvSpPr>
-        <p:spPr/>
-        <p:txBody>
-          <a:bodyPr/>
-          <a:lstStyle/>
-          <a:p>
-            <a:pPr algn="ctr"/>
-            <a:r>
-              <a:rPr lang="en-US" dirty="0"/>
-              <a:t>Atmospheric Neutrinos</a:t>
-            </a:r>
-          </a:p>
-        </p:txBody>
-      </p:sp>
-      <p:sp>
-        <p:nvSpPr>
-          <p:cNvPr id="4" name="Oval 3">
-            <a:extLst>
-              <a:ext uri="{FF2B5EF4-FFF2-40B4-BE49-F238E27FC236}">
-                <a16:creationId xmlns:a16="http://schemas.microsoft.com/office/drawing/2014/main" id="{0CA80116-ADF7-5F6F-E32C-6DCB9B61D707}"/>
+          <p:cNvPr id="5" name="Oval 4">
+            <a:extLst>
+              <a:ext uri="{FF2B5EF4-FFF2-40B4-BE49-F238E27FC236}">
+                <a16:creationId xmlns:a16="http://schemas.microsoft.com/office/drawing/2014/main" id="{87EFA28F-9895-E893-3D79-1E5C83F8B002}"/>
               </a:ext>
             </a:extLst>
           </p:cNvPr>
@@ -5134,7 +6754,7 @@
         </p:nvSpPr>
         <p:spPr>
           <a:xfrm>
-            <a:off x="4380216" y="1990012"/>
+            <a:off x="7390544" y="2045575"/>
             <a:ext cx="3431568" cy="3431568"/>
           </a:xfrm>
           <a:prstGeom prst="ellipse">
@@ -5189,7 +6809,7 @@
           <p:cNvPr id="6" name="Rectangle 5">
             <a:extLst>
               <a:ext uri="{FF2B5EF4-FFF2-40B4-BE49-F238E27FC236}">
-                <a16:creationId xmlns:a16="http://schemas.microsoft.com/office/drawing/2014/main" id="{EAC9A372-738C-C9A0-C291-731F87859651}"/>
+                <a16:creationId xmlns:a16="http://schemas.microsoft.com/office/drawing/2014/main" id="{201F6D2F-4BBD-F088-2A36-302A1289B2DF}"/>
               </a:ext>
             </a:extLst>
           </p:cNvPr>
@@ -5198,7 +6818,7 @@
         </p:nvSpPr>
         <p:spPr>
           <a:xfrm>
-            <a:off x="5895654" y="5421580"/>
+            <a:off x="8905953" y="5204476"/>
             <a:ext cx="400692" cy="147013"/>
           </a:xfrm>
           <a:prstGeom prst="rect">
@@ -5234,16 +6854,16 @@
           <a:lstStyle/>
           <a:p>
             <a:pPr algn="ctr"/>
-            <a:endParaRPr lang="en-US"/>
-          </a:p>
-        </p:txBody>
-      </p:sp>
-      <p:sp>
-        <p:nvSpPr>
-          <p:cNvPr id="3" name="Rectangle 2">
-            <a:extLst>
-              <a:ext uri="{FF2B5EF4-FFF2-40B4-BE49-F238E27FC236}">
-                <a16:creationId xmlns:a16="http://schemas.microsoft.com/office/drawing/2014/main" id="{43FF902E-E5D2-5D49-FDF4-8B2B4E89B5A5}"/>
+            <a:endParaRPr lang="en-US" dirty="0"/>
+          </a:p>
+        </p:txBody>
+      </p:sp>
+      <p:sp>
+        <p:nvSpPr>
+          <p:cNvPr id="7" name="Rectangle 6">
+            <a:extLst>
+              <a:ext uri="{FF2B5EF4-FFF2-40B4-BE49-F238E27FC236}">
+                <a16:creationId xmlns:a16="http://schemas.microsoft.com/office/drawing/2014/main" id="{BD5B6B0D-2CAC-12A9-B34E-41BEF331B86F}"/>
               </a:ext>
             </a:extLst>
           </p:cNvPr>
@@ -5252,7 +6872,7 @@
         </p:nvSpPr>
         <p:spPr>
           <a:xfrm>
-            <a:off x="5895625" y="5295926"/>
+            <a:off x="8905953" y="5351489"/>
             <a:ext cx="400692" cy="147013"/>
           </a:xfrm>
           <a:prstGeom prst="rect">
@@ -5292,6 +6912,1282 @@
           </a:p>
         </p:txBody>
       </p:sp>
+      <p:sp>
+        <p:nvSpPr>
+          <p:cNvPr id="8" name="TextBox 7">
+            <a:extLst>
+              <a:ext uri="{FF2B5EF4-FFF2-40B4-BE49-F238E27FC236}">
+                <a16:creationId xmlns:a16="http://schemas.microsoft.com/office/drawing/2014/main" id="{61569F79-74DE-9C33-C392-8997AFE62DAC}"/>
+              </a:ext>
+            </a:extLst>
+          </p:cNvPr>
+          <p:cNvSpPr txBox="1"/>
+          <p:nvPr/>
+        </p:nvSpPr>
+        <p:spPr>
+          <a:xfrm>
+            <a:off x="8210666" y="5735404"/>
+            <a:ext cx="1791324" cy="369332"/>
+          </a:xfrm>
+          <a:prstGeom prst="rect">
+            <a:avLst/>
+          </a:prstGeom>
+          <a:noFill/>
+        </p:spPr>
+        <p:txBody>
+          <a:bodyPr wrap="square" rtlCol="0">
+            <a:spAutoFit/>
+          </a:bodyPr>
+          <a:lstStyle/>
+          <a:p>
+            <a:r>
+              <a:rPr lang="en-US" dirty="0" err="1"/>
+              <a:t>IceCube</a:t>
+            </a:r>
+            <a:r>
+              <a:rPr lang="en-US" dirty="0"/>
+              <a:t> detector</a:t>
+            </a:r>
+          </a:p>
+        </p:txBody>
+      </p:sp>
+      <p:sp>
+        <p:nvSpPr>
+          <p:cNvPr id="9" name="Content Placeholder 2">
+            <a:extLst>
+              <a:ext uri="{FF2B5EF4-FFF2-40B4-BE49-F238E27FC236}">
+                <a16:creationId xmlns:a16="http://schemas.microsoft.com/office/drawing/2014/main" id="{539EECC5-DD75-E2F2-3AF9-2473E37AD944}"/>
+              </a:ext>
+            </a:extLst>
+          </p:cNvPr>
+          <p:cNvSpPr>
+            <a:spLocks noGrp="1"/>
+          </p:cNvSpPr>
+          <p:nvPr>
+            <p:ph idx="1"/>
+          </p:nvPr>
+        </p:nvSpPr>
+        <p:spPr>
+          <a:xfrm>
+            <a:off x="838200" y="1825625"/>
+            <a:ext cx="4084834" cy="4351338"/>
+          </a:xfrm>
+        </p:spPr>
+        <p:txBody>
+          <a:bodyPr/>
+          <a:lstStyle/>
+          <a:p>
+            <a:r>
+              <a:rPr lang="en-US" dirty="0" err="1"/>
+              <a:t>IceCube</a:t>
+            </a:r>
+            <a:r>
+              <a:rPr lang="en-US" dirty="0"/>
+              <a:t> detects cosmic neutrinos from unknown sources</a:t>
+            </a:r>
+          </a:p>
+          <a:p>
+            <a:r>
+              <a:rPr lang="en-US" dirty="0"/>
+              <a:t>Mechanism to produce these high energy neutrinos unclear</a:t>
+            </a:r>
+          </a:p>
+          <a:p>
+            <a:r>
+              <a:rPr lang="en-US" dirty="0"/>
+              <a:t>Cross-correlate these neutrino events with galaxy surveys</a:t>
+            </a:r>
+          </a:p>
+        </p:txBody>
+      </p:sp>
+    </p:spTree>
+    <p:extLst>
+      <p:ext uri="{BB962C8B-B14F-4D97-AF65-F5344CB8AC3E}">
+        <p14:creationId xmlns:p14="http://schemas.microsoft.com/office/powerpoint/2010/main" val="3330517296"/>
+      </p:ext>
+    </p:extLst>
+  </p:cSld>
+  <p:clrMapOvr>
+    <a:masterClrMapping/>
+  </p:clrMapOvr>
+  <p:timing>
+    <p:tnLst>
+      <p:par>
+        <p:cTn id="1" dur="indefinite" restart="never" nodeType="tmRoot">
+          <p:childTnLst>
+            <p:seq concurrent="1" nextAc="seek">
+              <p:cTn id="2" dur="indefinite" nodeType="mainSeq">
+                <p:childTnLst>
+                  <p:par>
+                    <p:cTn id="3" fill="hold">
+                      <p:stCondLst>
+                        <p:cond delay="indefinite"/>
+                      </p:stCondLst>
+                      <p:childTnLst>
+                        <p:par>
+                          <p:cTn id="4" fill="hold">
+                            <p:stCondLst>
+                              <p:cond delay="0"/>
+                            </p:stCondLst>
+                            <p:childTnLst>
+                              <p:par>
+                                <p:cTn id="5" presetID="1" presetClass="entr" presetSubtype="0" fill="hold" nodeType="clickEffect">
+                                  <p:stCondLst>
+                                    <p:cond delay="0"/>
+                                  </p:stCondLst>
+                                  <p:childTnLst>
+                                    <p:set>
+                                      <p:cBhvr>
+                                        <p:cTn id="6" dur="1" fill="hold">
+                                          <p:stCondLst>
+                                            <p:cond delay="0"/>
+                                          </p:stCondLst>
+                                        </p:cTn>
+                                        <p:tgtEl>
+                                          <p:spTgt spid="9">
+                                            <p:txEl>
+                                              <p:pRg st="0" end="0"/>
+                                            </p:txEl>
+                                          </p:spTgt>
+                                        </p:tgtEl>
+                                        <p:attrNameLst>
+                                          <p:attrName>style.visibility</p:attrName>
+                                        </p:attrNameLst>
+                                      </p:cBhvr>
+                                      <p:to>
+                                        <p:strVal val="visible"/>
+                                      </p:to>
+                                    </p:set>
+                                  </p:childTnLst>
+                                </p:cTn>
+                              </p:par>
+                            </p:childTnLst>
+                          </p:cTn>
+                        </p:par>
+                      </p:childTnLst>
+                    </p:cTn>
+                  </p:par>
+                  <p:par>
+                    <p:cTn id="7" fill="hold">
+                      <p:stCondLst>
+                        <p:cond delay="indefinite"/>
+                      </p:stCondLst>
+                      <p:childTnLst>
+                        <p:par>
+                          <p:cTn id="8" fill="hold">
+                            <p:stCondLst>
+                              <p:cond delay="0"/>
+                            </p:stCondLst>
+                            <p:childTnLst>
+                              <p:par>
+                                <p:cTn id="9" presetID="1" presetClass="entr" presetSubtype="0" fill="hold" nodeType="clickEffect">
+                                  <p:stCondLst>
+                                    <p:cond delay="0"/>
+                                  </p:stCondLst>
+                                  <p:childTnLst>
+                                    <p:set>
+                                      <p:cBhvr>
+                                        <p:cTn id="10" dur="1" fill="hold">
+                                          <p:stCondLst>
+                                            <p:cond delay="0"/>
+                                          </p:stCondLst>
+                                        </p:cTn>
+                                        <p:tgtEl>
+                                          <p:spTgt spid="9">
+                                            <p:txEl>
+                                              <p:pRg st="1" end="1"/>
+                                            </p:txEl>
+                                          </p:spTgt>
+                                        </p:tgtEl>
+                                        <p:attrNameLst>
+                                          <p:attrName>style.visibility</p:attrName>
+                                        </p:attrNameLst>
+                                      </p:cBhvr>
+                                      <p:to>
+                                        <p:strVal val="visible"/>
+                                      </p:to>
+                                    </p:set>
+                                  </p:childTnLst>
+                                </p:cTn>
+                              </p:par>
+                            </p:childTnLst>
+                          </p:cTn>
+                        </p:par>
+                      </p:childTnLst>
+                    </p:cTn>
+                  </p:par>
+                  <p:par>
+                    <p:cTn id="11" fill="hold">
+                      <p:stCondLst>
+                        <p:cond delay="indefinite"/>
+                      </p:stCondLst>
+                      <p:childTnLst>
+                        <p:par>
+                          <p:cTn id="12" fill="hold">
+                            <p:stCondLst>
+                              <p:cond delay="0"/>
+                            </p:stCondLst>
+                            <p:childTnLst>
+                              <p:par>
+                                <p:cTn id="13" presetID="1" presetClass="entr" presetSubtype="0" fill="hold" nodeType="clickEffect">
+                                  <p:stCondLst>
+                                    <p:cond delay="0"/>
+                                  </p:stCondLst>
+                                  <p:childTnLst>
+                                    <p:set>
+                                      <p:cBhvr>
+                                        <p:cTn id="14" dur="1" fill="hold">
+                                          <p:stCondLst>
+                                            <p:cond delay="0"/>
+                                          </p:stCondLst>
+                                        </p:cTn>
+                                        <p:tgtEl>
+                                          <p:spTgt spid="9">
+                                            <p:txEl>
+                                              <p:pRg st="2" end="2"/>
+                                            </p:txEl>
+                                          </p:spTgt>
+                                        </p:tgtEl>
+                                        <p:attrNameLst>
+                                          <p:attrName>style.visibility</p:attrName>
+                                        </p:attrNameLst>
+                                      </p:cBhvr>
+                                      <p:to>
+                                        <p:strVal val="visible"/>
+                                      </p:to>
+                                    </p:set>
+                                  </p:childTnLst>
+                                </p:cTn>
+                              </p:par>
+                            </p:childTnLst>
+                          </p:cTn>
+                        </p:par>
+                      </p:childTnLst>
+                    </p:cTn>
+                  </p:par>
+                </p:childTnLst>
+              </p:cTn>
+              <p:prevCondLst>
+                <p:cond evt="onPrev" delay="0">
+                  <p:tgtEl>
+                    <p:sldTgt/>
+                  </p:tgtEl>
+                </p:cond>
+              </p:prevCondLst>
+              <p:nextCondLst>
+                <p:cond evt="onNext" delay="0">
+                  <p:tgtEl>
+                    <p:sldTgt/>
+                  </p:tgtEl>
+                </p:cond>
+              </p:nextCondLst>
+            </p:seq>
+          </p:childTnLst>
+        </p:cTn>
+      </p:par>
+    </p:tnLst>
+  </p:timing>
+</p:sld>
+</file>
+
+<file path=ppt/slides/slide20.xml><?xml version="1.0" encoding="utf-8"?>
+<p:sld xmlns:a="http://schemas.openxmlformats.org/drawingml/2006/main" xmlns:r="http://schemas.openxmlformats.org/officeDocument/2006/relationships" xmlns:p="http://schemas.openxmlformats.org/presentationml/2006/main">
+  <p:cSld>
+    <p:spTree>
+      <p:nvGrpSpPr>
+        <p:cNvPr id="1" name=""/>
+        <p:cNvGrpSpPr/>
+        <p:nvPr/>
+      </p:nvGrpSpPr>
+      <p:grpSpPr>
+        <a:xfrm>
+          <a:off x="0" y="0"/>
+          <a:ext cx="0" cy="0"/>
+          <a:chOff x="0" y="0"/>
+          <a:chExt cx="0" cy="0"/>
+        </a:xfrm>
+      </p:grpSpPr>
+      <p:sp>
+        <p:nvSpPr>
+          <p:cNvPr id="2" name="Title 1">
+            <a:extLst>
+              <a:ext uri="{FF2B5EF4-FFF2-40B4-BE49-F238E27FC236}">
+                <a16:creationId xmlns:a16="http://schemas.microsoft.com/office/drawing/2014/main" id="{01916DF5-4B90-E4BC-8988-9E578BF0004E}"/>
+              </a:ext>
+            </a:extLst>
+          </p:cNvPr>
+          <p:cNvSpPr>
+            <a:spLocks noGrp="1"/>
+          </p:cNvSpPr>
+          <p:nvPr>
+            <p:ph type="title"/>
+          </p:nvPr>
+        </p:nvSpPr>
+        <p:spPr/>
+        <p:txBody>
+          <a:bodyPr/>
+          <a:lstStyle/>
+          <a:p>
+            <a:pPr algn="ctr"/>
+            <a:r>
+              <a:rPr lang="en-US" dirty="0"/>
+              <a:t>Removing First Data Point</a:t>
+            </a:r>
+          </a:p>
+        </p:txBody>
+      </p:sp>
+      <p:pic>
+        <p:nvPicPr>
+          <p:cNvPr id="4" name="Content Placeholder 3">
+            <a:extLst>
+              <a:ext uri="{FF2B5EF4-FFF2-40B4-BE49-F238E27FC236}">
+                <a16:creationId xmlns:a16="http://schemas.microsoft.com/office/drawing/2014/main" id="{8143BFAD-89D0-7132-82E2-57FE75942EEB}"/>
+              </a:ext>
+            </a:extLst>
+          </p:cNvPr>
+          <p:cNvPicPr>
+            <a:picLocks noChangeAspect="1"/>
+          </p:cNvPicPr>
+          <p:nvPr/>
+        </p:nvPicPr>
+        <p:blipFill>
+          <a:blip r:embed="rId2"/>
+          <a:srcRect l="100" r="100"/>
+          <a:stretch/>
+        </p:blipFill>
+        <p:spPr>
+          <a:xfrm>
+            <a:off x="2693480" y="1377015"/>
+            <a:ext cx="6805039" cy="5115860"/>
+          </a:xfrm>
+          <a:prstGeom prst="rect">
+            <a:avLst/>
+          </a:prstGeom>
+        </p:spPr>
+      </p:pic>
+    </p:spTree>
+    <p:extLst>
+      <p:ext uri="{BB962C8B-B14F-4D97-AF65-F5344CB8AC3E}">
+        <p14:creationId xmlns:p14="http://schemas.microsoft.com/office/powerpoint/2010/main" val="3558610505"/>
+      </p:ext>
+    </p:extLst>
+  </p:cSld>
+  <p:clrMapOvr>
+    <a:masterClrMapping/>
+  </p:clrMapOvr>
+</p:sld>
+</file>
+
+<file path=ppt/slides/slide21.xml><?xml version="1.0" encoding="utf-8"?>
+<p:sld xmlns:a="http://schemas.openxmlformats.org/drawingml/2006/main" xmlns:r="http://schemas.openxmlformats.org/officeDocument/2006/relationships" xmlns:p="http://schemas.openxmlformats.org/presentationml/2006/main">
+  <p:cSld>
+    <p:spTree>
+      <p:nvGrpSpPr>
+        <p:cNvPr id="1" name=""/>
+        <p:cNvGrpSpPr/>
+        <p:nvPr/>
+      </p:nvGrpSpPr>
+      <p:grpSpPr>
+        <a:xfrm>
+          <a:off x="0" y="0"/>
+          <a:ext cx="0" cy="0"/>
+          <a:chOff x="0" y="0"/>
+          <a:chExt cx="0" cy="0"/>
+        </a:xfrm>
+      </p:grpSpPr>
+      <p:sp>
+        <p:nvSpPr>
+          <p:cNvPr id="2" name="Title 1">
+            <a:extLst>
+              <a:ext uri="{FF2B5EF4-FFF2-40B4-BE49-F238E27FC236}">
+                <a16:creationId xmlns:a16="http://schemas.microsoft.com/office/drawing/2014/main" id="{E1DAF982-9CB3-CB75-169D-9229DB81E3CB}"/>
+              </a:ext>
+            </a:extLst>
+          </p:cNvPr>
+          <p:cNvSpPr>
+            <a:spLocks noGrp="1"/>
+          </p:cNvSpPr>
+          <p:nvPr>
+            <p:ph type="title"/>
+          </p:nvPr>
+        </p:nvSpPr>
+        <p:spPr/>
+        <p:txBody>
+          <a:bodyPr/>
+          <a:lstStyle/>
+          <a:p>
+            <a:pPr algn="ctr"/>
+            <a:r>
+              <a:rPr lang="en-US" dirty="0"/>
+              <a:t>Number Density Rate Constraints</a:t>
+            </a:r>
+          </a:p>
+        </p:txBody>
+      </p:sp>
+      <p:pic>
+        <p:nvPicPr>
+          <p:cNvPr id="4" name="Content Placeholder 3">
+            <a:extLst>
+              <a:ext uri="{FF2B5EF4-FFF2-40B4-BE49-F238E27FC236}">
+                <a16:creationId xmlns:a16="http://schemas.microsoft.com/office/drawing/2014/main" id="{CC24E834-E8BE-36A5-08A1-3172F1097F6F}"/>
+              </a:ext>
+            </a:extLst>
+          </p:cNvPr>
+          <p:cNvPicPr>
+            <a:picLocks noGrp="1" noChangeAspect="1"/>
+          </p:cNvPicPr>
+          <p:nvPr>
+            <p:ph idx="1"/>
+          </p:nvPr>
+        </p:nvPicPr>
+        <p:blipFill>
+          <a:blip r:embed="rId2"/>
+          <a:srcRect/>
+          <a:stretch/>
+        </p:blipFill>
+        <p:spPr>
+          <a:xfrm>
+            <a:off x="2679538" y="1445908"/>
+            <a:ext cx="6832921" cy="5122219"/>
+          </a:xfrm>
+        </p:spPr>
+      </p:pic>
+    </p:spTree>
+    <p:extLst>
+      <p:ext uri="{BB962C8B-B14F-4D97-AF65-F5344CB8AC3E}">
+        <p14:creationId xmlns:p14="http://schemas.microsoft.com/office/powerpoint/2010/main" val="1963606606"/>
+      </p:ext>
+    </p:extLst>
+  </p:cSld>
+  <p:clrMapOvr>
+    <a:masterClrMapping/>
+  </p:clrMapOvr>
+</p:sld>
+</file>
+
+<file path=ppt/slides/slide3.xml><?xml version="1.0" encoding="utf-8"?>
+<p:sld xmlns:a="http://schemas.openxmlformats.org/drawingml/2006/main" xmlns:r="http://schemas.openxmlformats.org/officeDocument/2006/relationships" xmlns:p="http://schemas.openxmlformats.org/presentationml/2006/main">
+  <p:cSld>
+    <p:spTree>
+      <p:nvGrpSpPr>
+        <p:cNvPr id="1" name=""/>
+        <p:cNvGrpSpPr/>
+        <p:nvPr/>
+      </p:nvGrpSpPr>
+      <p:grpSpPr>
+        <a:xfrm>
+          <a:off x="0" y="0"/>
+          <a:ext cx="0" cy="0"/>
+          <a:chOff x="0" y="0"/>
+          <a:chExt cx="0" cy="0"/>
+        </a:xfrm>
+      </p:grpSpPr>
+      <p:sp>
+        <p:nvSpPr>
+          <p:cNvPr id="2" name="Title 1">
+            <a:extLst>
+              <a:ext uri="{FF2B5EF4-FFF2-40B4-BE49-F238E27FC236}">
+                <a16:creationId xmlns:a16="http://schemas.microsoft.com/office/drawing/2014/main" id="{B55E6B13-541D-8810-1FFD-B1FD113A445B}"/>
+              </a:ext>
+            </a:extLst>
+          </p:cNvPr>
+          <p:cNvSpPr>
+            <a:spLocks noGrp="1"/>
+          </p:cNvSpPr>
+          <p:nvPr>
+            <p:ph type="title"/>
+          </p:nvPr>
+        </p:nvSpPr>
+        <p:spPr/>
+        <p:txBody>
+          <a:bodyPr/>
+          <a:lstStyle/>
+          <a:p>
+            <a:pPr algn="ctr"/>
+            <a:r>
+              <a:rPr lang="en-US" dirty="0" err="1"/>
+              <a:t>IceCube</a:t>
+            </a:r>
+            <a:r>
+              <a:rPr lang="en-US" dirty="0"/>
+              <a:t> Data</a:t>
+            </a:r>
+          </a:p>
+        </p:txBody>
+      </p:sp>
+      <p:sp>
+        <p:nvSpPr>
+          <p:cNvPr id="3" name="Content Placeholder 2">
+            <a:extLst>
+              <a:ext uri="{FF2B5EF4-FFF2-40B4-BE49-F238E27FC236}">
+                <a16:creationId xmlns:a16="http://schemas.microsoft.com/office/drawing/2014/main" id="{2300A2B8-3002-507E-94AB-86697B026CD9}"/>
+              </a:ext>
+            </a:extLst>
+          </p:cNvPr>
+          <p:cNvSpPr>
+            <a:spLocks noGrp="1"/>
+          </p:cNvSpPr>
+          <p:nvPr>
+            <p:ph idx="1"/>
+          </p:nvPr>
+        </p:nvSpPr>
+        <p:spPr>
+          <a:xfrm>
+            <a:off x="838200" y="1825625"/>
+            <a:ext cx="4084834" cy="4351338"/>
+          </a:xfrm>
+        </p:spPr>
+        <p:txBody>
+          <a:bodyPr/>
+          <a:lstStyle/>
+          <a:p>
+            <a:r>
+              <a:rPr lang="en-US" dirty="0"/>
+              <a:t>Detects muons produced from neutrino-ice interactions</a:t>
+            </a:r>
+          </a:p>
+          <a:p>
+            <a:r>
+              <a:rPr lang="en-US" dirty="0"/>
+              <a:t>Atmospheric neutrinos dominate</a:t>
+            </a:r>
+          </a:p>
+          <a:p>
+            <a:r>
+              <a:rPr lang="en-US" dirty="0"/>
+              <a:t>3 logarithmic energy bins from 0.3 to 300 </a:t>
+            </a:r>
+            <a:r>
+              <a:rPr lang="en-US" dirty="0" err="1"/>
+              <a:t>TeV</a:t>
+            </a:r>
+            <a:endParaRPr lang="en-US" dirty="0"/>
+          </a:p>
+        </p:txBody>
+      </p:sp>
+      <p:sp>
+        <p:nvSpPr>
+          <p:cNvPr id="4" name="Oval 3">
+            <a:extLst>
+              <a:ext uri="{FF2B5EF4-FFF2-40B4-BE49-F238E27FC236}">
+                <a16:creationId xmlns:a16="http://schemas.microsoft.com/office/drawing/2014/main" id="{16F4F306-018C-0154-21B4-54BD01DFD840}"/>
+              </a:ext>
+            </a:extLst>
+          </p:cNvPr>
+          <p:cNvSpPr/>
+          <p:nvPr/>
+        </p:nvSpPr>
+        <p:spPr>
+          <a:xfrm>
+            <a:off x="7063911" y="1718942"/>
+            <a:ext cx="4084834" cy="4084834"/>
+          </a:xfrm>
+          <a:prstGeom prst="ellipse">
+            <a:avLst/>
+          </a:prstGeom>
+          <a:solidFill>
+            <a:srgbClr val="00B0F0"/>
+          </a:solidFill>
+          <a:ln>
+            <a:noFill/>
+          </a:ln>
+        </p:spPr>
+        <p:style>
+          <a:lnRef idx="2">
+            <a:schemeClr val="accent1">
+              <a:shade val="50000"/>
+            </a:schemeClr>
+          </a:lnRef>
+          <a:fillRef idx="1">
+            <a:schemeClr val="accent1"/>
+          </a:fillRef>
+          <a:effectRef idx="0">
+            <a:schemeClr val="accent1"/>
+          </a:effectRef>
+          <a:fontRef idx="minor">
+            <a:schemeClr val="lt1"/>
+          </a:fontRef>
+        </p:style>
+        <p:txBody>
+          <a:bodyPr rtlCol="0" anchor="ctr"/>
+          <a:lstStyle/>
+          <a:p>
+            <a:pPr algn="ctr"/>
+            <a:endParaRPr lang="en-US"/>
+          </a:p>
+        </p:txBody>
+      </p:sp>
+      <p:sp>
+        <p:nvSpPr>
+          <p:cNvPr id="5" name="Oval 4">
+            <a:extLst>
+              <a:ext uri="{FF2B5EF4-FFF2-40B4-BE49-F238E27FC236}">
+                <a16:creationId xmlns:a16="http://schemas.microsoft.com/office/drawing/2014/main" id="{22B32913-D7F7-E003-B397-BB53F24D14EB}"/>
+              </a:ext>
+            </a:extLst>
+          </p:cNvPr>
+          <p:cNvSpPr/>
+          <p:nvPr/>
+        </p:nvSpPr>
+        <p:spPr>
+          <a:xfrm>
+            <a:off x="7390544" y="2045575"/>
+            <a:ext cx="3431568" cy="3431568"/>
+          </a:xfrm>
+          <a:prstGeom prst="ellipse">
+            <a:avLst/>
+          </a:prstGeom>
+          <a:solidFill>
+            <a:srgbClr val="92D050"/>
+          </a:solidFill>
+          <a:ln>
+            <a:noFill/>
+          </a:ln>
+        </p:spPr>
+        <p:style>
+          <a:lnRef idx="2">
+            <a:schemeClr val="accent1">
+              <a:shade val="50000"/>
+            </a:schemeClr>
+          </a:lnRef>
+          <a:fillRef idx="1">
+            <a:schemeClr val="accent1"/>
+          </a:fillRef>
+          <a:effectRef idx="0">
+            <a:schemeClr val="accent1"/>
+          </a:effectRef>
+          <a:fontRef idx="minor">
+            <a:schemeClr val="lt1"/>
+          </a:fontRef>
+        </p:style>
+        <p:txBody>
+          <a:bodyPr rtlCol="0" anchor="ctr"/>
+          <a:lstStyle/>
+          <a:p>
+            <a:pPr algn="ctr"/>
+            <a:r>
+              <a:rPr lang="en-US" sz="2800" dirty="0">
+                <a:solidFill>
+                  <a:sysClr val="windowText" lastClr="000000"/>
+                </a:solidFill>
+              </a:rPr>
+              <a:t>Earth</a:t>
+            </a:r>
+            <a:endParaRPr lang="en-US" dirty="0">
+              <a:solidFill>
+                <a:sysClr val="windowText" lastClr="000000"/>
+              </a:solidFill>
+            </a:endParaRPr>
+          </a:p>
+        </p:txBody>
+      </p:sp>
+      <p:sp>
+        <p:nvSpPr>
+          <p:cNvPr id="6" name="Rectangle 5">
+            <a:extLst>
+              <a:ext uri="{FF2B5EF4-FFF2-40B4-BE49-F238E27FC236}">
+                <a16:creationId xmlns:a16="http://schemas.microsoft.com/office/drawing/2014/main" id="{923AF389-8175-CA19-95FB-4E145788CDCA}"/>
+              </a:ext>
+            </a:extLst>
+          </p:cNvPr>
+          <p:cNvSpPr/>
+          <p:nvPr/>
+        </p:nvSpPr>
+        <p:spPr>
+          <a:xfrm>
+            <a:off x="8905953" y="5204476"/>
+            <a:ext cx="400692" cy="147013"/>
+          </a:xfrm>
+          <a:prstGeom prst="rect">
+            <a:avLst/>
+          </a:prstGeom>
+          <a:solidFill>
+            <a:schemeClr val="bg1">
+              <a:lumMod val="85000"/>
+            </a:schemeClr>
+          </a:solidFill>
+          <a:ln>
+            <a:noFill/>
+          </a:ln>
+        </p:spPr>
+        <p:style>
+          <a:lnRef idx="2">
+            <a:schemeClr val="accent1">
+              <a:shade val="50000"/>
+            </a:schemeClr>
+          </a:lnRef>
+          <a:fillRef idx="1">
+            <a:schemeClr val="accent1"/>
+          </a:fillRef>
+          <a:effectRef idx="0">
+            <a:schemeClr val="accent1"/>
+          </a:effectRef>
+          <a:fontRef idx="minor">
+            <a:schemeClr val="lt1"/>
+          </a:fontRef>
+        </p:style>
+        <p:txBody>
+          <a:bodyPr rtlCol="0" anchor="ctr"/>
+          <a:lstStyle/>
+          <a:p>
+            <a:pPr algn="ctr"/>
+            <a:endParaRPr lang="en-US" dirty="0"/>
+          </a:p>
+        </p:txBody>
+      </p:sp>
+      <p:sp>
+        <p:nvSpPr>
+          <p:cNvPr id="7" name="Rectangle 6">
+            <a:extLst>
+              <a:ext uri="{FF2B5EF4-FFF2-40B4-BE49-F238E27FC236}">
+                <a16:creationId xmlns:a16="http://schemas.microsoft.com/office/drawing/2014/main" id="{1A0563B7-8F61-1AD1-2813-211FE7EB3A43}"/>
+              </a:ext>
+            </a:extLst>
+          </p:cNvPr>
+          <p:cNvSpPr/>
+          <p:nvPr/>
+        </p:nvSpPr>
+        <p:spPr>
+          <a:xfrm>
+            <a:off x="8905953" y="5351489"/>
+            <a:ext cx="400692" cy="147013"/>
+          </a:xfrm>
+          <a:prstGeom prst="rect">
+            <a:avLst/>
+          </a:prstGeom>
+          <a:solidFill>
+            <a:schemeClr val="bg1">
+              <a:lumMod val="85000"/>
+            </a:schemeClr>
+          </a:solidFill>
+          <a:ln>
+            <a:noFill/>
+          </a:ln>
+        </p:spPr>
+        <p:style>
+          <a:lnRef idx="2">
+            <a:schemeClr val="accent1">
+              <a:shade val="50000"/>
+            </a:schemeClr>
+          </a:lnRef>
+          <a:fillRef idx="1">
+            <a:schemeClr val="accent1"/>
+          </a:fillRef>
+          <a:effectRef idx="0">
+            <a:schemeClr val="accent1"/>
+          </a:effectRef>
+          <a:fontRef idx="minor">
+            <a:schemeClr val="lt1"/>
+          </a:fontRef>
+        </p:style>
+        <p:txBody>
+          <a:bodyPr rtlCol="0" anchor="ctr"/>
+          <a:lstStyle/>
+          <a:p>
+            <a:pPr algn="ctr"/>
+            <a:endParaRPr lang="en-US"/>
+          </a:p>
+        </p:txBody>
+      </p:sp>
+      <p:sp>
+        <p:nvSpPr>
+          <p:cNvPr id="8" name="TextBox 7">
+            <a:extLst>
+              <a:ext uri="{FF2B5EF4-FFF2-40B4-BE49-F238E27FC236}">
+                <a16:creationId xmlns:a16="http://schemas.microsoft.com/office/drawing/2014/main" id="{708C2994-5F5E-B502-123A-E9229541799B}"/>
+              </a:ext>
+            </a:extLst>
+          </p:cNvPr>
+          <p:cNvSpPr txBox="1"/>
+          <p:nvPr/>
+        </p:nvSpPr>
+        <p:spPr>
+          <a:xfrm>
+            <a:off x="8210666" y="5735404"/>
+            <a:ext cx="1791324" cy="369332"/>
+          </a:xfrm>
+          <a:prstGeom prst="rect">
+            <a:avLst/>
+          </a:prstGeom>
+          <a:noFill/>
+        </p:spPr>
+        <p:txBody>
+          <a:bodyPr wrap="square" rtlCol="0">
+            <a:spAutoFit/>
+          </a:bodyPr>
+          <a:lstStyle/>
+          <a:p>
+            <a:r>
+              <a:rPr lang="en-US" dirty="0" err="1"/>
+              <a:t>IceCube</a:t>
+            </a:r>
+            <a:r>
+              <a:rPr lang="en-US" dirty="0"/>
+              <a:t> detector</a:t>
+            </a:r>
+          </a:p>
+        </p:txBody>
+      </p:sp>
+    </p:spTree>
+    <p:extLst>
+      <p:ext uri="{BB962C8B-B14F-4D97-AF65-F5344CB8AC3E}">
+        <p14:creationId xmlns:p14="http://schemas.microsoft.com/office/powerpoint/2010/main" val="1968466103"/>
+      </p:ext>
+    </p:extLst>
+  </p:cSld>
+  <p:clrMapOvr>
+    <a:masterClrMapping/>
+  </p:clrMapOvr>
+  <p:timing>
+    <p:tnLst>
+      <p:par>
+        <p:cTn id="1" dur="indefinite" restart="never" nodeType="tmRoot">
+          <p:childTnLst>
+            <p:seq concurrent="1" nextAc="seek">
+              <p:cTn id="2" dur="indefinite" nodeType="mainSeq">
+                <p:childTnLst>
+                  <p:par>
+                    <p:cTn id="3" fill="hold">
+                      <p:stCondLst>
+                        <p:cond delay="indefinite"/>
+                      </p:stCondLst>
+                      <p:childTnLst>
+                        <p:par>
+                          <p:cTn id="4" fill="hold">
+                            <p:stCondLst>
+                              <p:cond delay="0"/>
+                            </p:stCondLst>
+                            <p:childTnLst>
+                              <p:par>
+                                <p:cTn id="5" presetID="1" presetClass="entr" presetSubtype="0" fill="hold" nodeType="clickEffect">
+                                  <p:stCondLst>
+                                    <p:cond delay="0"/>
+                                  </p:stCondLst>
+                                  <p:childTnLst>
+                                    <p:set>
+                                      <p:cBhvr>
+                                        <p:cTn id="6" dur="1" fill="hold">
+                                          <p:stCondLst>
+                                            <p:cond delay="0"/>
+                                          </p:stCondLst>
+                                        </p:cTn>
+                                        <p:tgtEl>
+                                          <p:spTgt spid="3">
+                                            <p:txEl>
+                                              <p:pRg st="0" end="0"/>
+                                            </p:txEl>
+                                          </p:spTgt>
+                                        </p:tgtEl>
+                                        <p:attrNameLst>
+                                          <p:attrName>style.visibility</p:attrName>
+                                        </p:attrNameLst>
+                                      </p:cBhvr>
+                                      <p:to>
+                                        <p:strVal val="visible"/>
+                                      </p:to>
+                                    </p:set>
+                                  </p:childTnLst>
+                                </p:cTn>
+                              </p:par>
+                            </p:childTnLst>
+                          </p:cTn>
+                        </p:par>
+                      </p:childTnLst>
+                    </p:cTn>
+                  </p:par>
+                  <p:par>
+                    <p:cTn id="7" fill="hold">
+                      <p:stCondLst>
+                        <p:cond delay="indefinite"/>
+                      </p:stCondLst>
+                      <p:childTnLst>
+                        <p:par>
+                          <p:cTn id="8" fill="hold">
+                            <p:stCondLst>
+                              <p:cond delay="0"/>
+                            </p:stCondLst>
+                            <p:childTnLst>
+                              <p:par>
+                                <p:cTn id="9" presetID="1" presetClass="entr" presetSubtype="0" fill="hold" nodeType="clickEffect">
+                                  <p:stCondLst>
+                                    <p:cond delay="0"/>
+                                  </p:stCondLst>
+                                  <p:childTnLst>
+                                    <p:set>
+                                      <p:cBhvr>
+                                        <p:cTn id="10" dur="1" fill="hold">
+                                          <p:stCondLst>
+                                            <p:cond delay="0"/>
+                                          </p:stCondLst>
+                                        </p:cTn>
+                                        <p:tgtEl>
+                                          <p:spTgt spid="3">
+                                            <p:txEl>
+                                              <p:pRg st="1" end="1"/>
+                                            </p:txEl>
+                                          </p:spTgt>
+                                        </p:tgtEl>
+                                        <p:attrNameLst>
+                                          <p:attrName>style.visibility</p:attrName>
+                                        </p:attrNameLst>
+                                      </p:cBhvr>
+                                      <p:to>
+                                        <p:strVal val="visible"/>
+                                      </p:to>
+                                    </p:set>
+                                  </p:childTnLst>
+                                </p:cTn>
+                              </p:par>
+                            </p:childTnLst>
+                          </p:cTn>
+                        </p:par>
+                      </p:childTnLst>
+                    </p:cTn>
+                  </p:par>
+                  <p:par>
+                    <p:cTn id="11" fill="hold">
+                      <p:stCondLst>
+                        <p:cond delay="indefinite"/>
+                      </p:stCondLst>
+                      <p:childTnLst>
+                        <p:par>
+                          <p:cTn id="12" fill="hold">
+                            <p:stCondLst>
+                              <p:cond delay="0"/>
+                            </p:stCondLst>
+                            <p:childTnLst>
+                              <p:par>
+                                <p:cTn id="13" presetID="1" presetClass="entr" presetSubtype="0" fill="hold" nodeType="clickEffect">
+                                  <p:stCondLst>
+                                    <p:cond delay="0"/>
+                                  </p:stCondLst>
+                                  <p:childTnLst>
+                                    <p:set>
+                                      <p:cBhvr>
+                                        <p:cTn id="14" dur="1" fill="hold">
+                                          <p:stCondLst>
+                                            <p:cond delay="0"/>
+                                          </p:stCondLst>
+                                        </p:cTn>
+                                        <p:tgtEl>
+                                          <p:spTgt spid="3">
+                                            <p:txEl>
+                                              <p:pRg st="2" end="2"/>
+                                            </p:txEl>
+                                          </p:spTgt>
+                                        </p:tgtEl>
+                                        <p:attrNameLst>
+                                          <p:attrName>style.visibility</p:attrName>
+                                        </p:attrNameLst>
+                                      </p:cBhvr>
+                                      <p:to>
+                                        <p:strVal val="visible"/>
+                                      </p:to>
+                                    </p:set>
+                                  </p:childTnLst>
+                                </p:cTn>
+                              </p:par>
+                            </p:childTnLst>
+                          </p:cTn>
+                        </p:par>
+                      </p:childTnLst>
+                    </p:cTn>
+                  </p:par>
+                </p:childTnLst>
+              </p:cTn>
+              <p:prevCondLst>
+                <p:cond evt="onPrev" delay="0">
+                  <p:tgtEl>
+                    <p:sldTgt/>
+                  </p:tgtEl>
+                </p:cond>
+              </p:prevCondLst>
+              <p:nextCondLst>
+                <p:cond evt="onNext" delay="0">
+                  <p:tgtEl>
+                    <p:sldTgt/>
+                  </p:tgtEl>
+                </p:cond>
+              </p:nextCondLst>
+            </p:seq>
+          </p:childTnLst>
+        </p:cTn>
+      </p:par>
+    </p:tnLst>
+  </p:timing>
+</p:sld>
+</file>
+
+<file path=ppt/slides/slide4.xml><?xml version="1.0" encoding="utf-8"?>
+<p:sld xmlns:a="http://schemas.openxmlformats.org/drawingml/2006/main" xmlns:r="http://schemas.openxmlformats.org/officeDocument/2006/relationships" xmlns:p="http://schemas.openxmlformats.org/presentationml/2006/main">
+  <p:cSld>
+    <p:spTree>
+      <p:nvGrpSpPr>
+        <p:cNvPr id="1" name=""/>
+        <p:cNvGrpSpPr/>
+        <p:nvPr/>
+      </p:nvGrpSpPr>
+      <p:grpSpPr>
+        <a:xfrm>
+          <a:off x="0" y="0"/>
+          <a:ext cx="0" cy="0"/>
+          <a:chOff x="0" y="0"/>
+          <a:chExt cx="0" cy="0"/>
+        </a:xfrm>
+      </p:grpSpPr>
+      <p:sp>
+        <p:nvSpPr>
+          <p:cNvPr id="5" name="Oval 4">
+            <a:extLst>
+              <a:ext uri="{FF2B5EF4-FFF2-40B4-BE49-F238E27FC236}">
+                <a16:creationId xmlns:a16="http://schemas.microsoft.com/office/drawing/2014/main" id="{0298FB02-7C43-AD17-2662-6CA511070569}"/>
+              </a:ext>
+            </a:extLst>
+          </p:cNvPr>
+          <p:cNvSpPr/>
+          <p:nvPr/>
+        </p:nvSpPr>
+        <p:spPr>
+          <a:xfrm>
+            <a:off x="4053583" y="1663379"/>
+            <a:ext cx="4084834" cy="4084834"/>
+          </a:xfrm>
+          <a:prstGeom prst="ellipse">
+            <a:avLst/>
+          </a:prstGeom>
+          <a:solidFill>
+            <a:srgbClr val="00B0F0"/>
+          </a:solidFill>
+          <a:ln>
+            <a:noFill/>
+          </a:ln>
+        </p:spPr>
+        <p:style>
+          <a:lnRef idx="2">
+            <a:schemeClr val="accent1">
+              <a:shade val="50000"/>
+            </a:schemeClr>
+          </a:lnRef>
+          <a:fillRef idx="1">
+            <a:schemeClr val="accent1"/>
+          </a:fillRef>
+          <a:effectRef idx="0">
+            <a:schemeClr val="accent1"/>
+          </a:effectRef>
+          <a:fontRef idx="minor">
+            <a:schemeClr val="lt1"/>
+          </a:fontRef>
+        </p:style>
+        <p:txBody>
+          <a:bodyPr rtlCol="0" anchor="ctr"/>
+          <a:lstStyle/>
+          <a:p>
+            <a:pPr algn="ctr"/>
+            <a:endParaRPr lang="en-US"/>
+          </a:p>
+        </p:txBody>
+      </p:sp>
+      <p:sp>
+        <p:nvSpPr>
+          <p:cNvPr id="2" name="Title 1">
+            <a:extLst>
+              <a:ext uri="{FF2B5EF4-FFF2-40B4-BE49-F238E27FC236}">
+                <a16:creationId xmlns:a16="http://schemas.microsoft.com/office/drawing/2014/main" id="{E9F9D561-CA9B-DFBE-7F49-1C402A0C387E}"/>
+              </a:ext>
+            </a:extLst>
+          </p:cNvPr>
+          <p:cNvSpPr>
+            <a:spLocks noGrp="1"/>
+          </p:cNvSpPr>
+          <p:nvPr>
+            <p:ph type="title"/>
+          </p:nvPr>
+        </p:nvSpPr>
+        <p:spPr/>
+        <p:txBody>
+          <a:bodyPr/>
+          <a:lstStyle/>
+          <a:p>
+            <a:pPr algn="ctr"/>
+            <a:r>
+              <a:rPr lang="en-US" dirty="0"/>
+              <a:t>Atmospheric Neutrinos</a:t>
+            </a:r>
+          </a:p>
+        </p:txBody>
+      </p:sp>
+      <p:sp>
+        <p:nvSpPr>
+          <p:cNvPr id="4" name="Oval 3">
+            <a:extLst>
+              <a:ext uri="{FF2B5EF4-FFF2-40B4-BE49-F238E27FC236}">
+                <a16:creationId xmlns:a16="http://schemas.microsoft.com/office/drawing/2014/main" id="{0CA80116-ADF7-5F6F-E32C-6DCB9B61D707}"/>
+              </a:ext>
+            </a:extLst>
+          </p:cNvPr>
+          <p:cNvSpPr/>
+          <p:nvPr/>
+        </p:nvSpPr>
+        <p:spPr>
+          <a:xfrm>
+            <a:off x="4380216" y="1990012"/>
+            <a:ext cx="3431568" cy="3431568"/>
+          </a:xfrm>
+          <a:prstGeom prst="ellipse">
+            <a:avLst/>
+          </a:prstGeom>
+          <a:solidFill>
+            <a:srgbClr val="92D050"/>
+          </a:solidFill>
+          <a:ln>
+            <a:noFill/>
+          </a:ln>
+        </p:spPr>
+        <p:style>
+          <a:lnRef idx="2">
+            <a:schemeClr val="accent1">
+              <a:shade val="50000"/>
+            </a:schemeClr>
+          </a:lnRef>
+          <a:fillRef idx="1">
+            <a:schemeClr val="accent1"/>
+          </a:fillRef>
+          <a:effectRef idx="0">
+            <a:schemeClr val="accent1"/>
+          </a:effectRef>
+          <a:fontRef idx="minor">
+            <a:schemeClr val="lt1"/>
+          </a:fontRef>
+        </p:style>
+        <p:txBody>
+          <a:bodyPr rtlCol="0" anchor="ctr"/>
+          <a:lstStyle/>
+          <a:p>
+            <a:pPr algn="ctr"/>
+            <a:r>
+              <a:rPr lang="en-US" sz="2800" dirty="0">
+                <a:solidFill>
+                  <a:sysClr val="windowText" lastClr="000000"/>
+                </a:solidFill>
+              </a:rPr>
+              <a:t>Earth</a:t>
+            </a:r>
+            <a:endParaRPr lang="en-US" dirty="0">
+              <a:solidFill>
+                <a:sysClr val="windowText" lastClr="000000"/>
+              </a:solidFill>
+            </a:endParaRPr>
+          </a:p>
+        </p:txBody>
+      </p:sp>
+      <p:sp>
+        <p:nvSpPr>
+          <p:cNvPr id="6" name="Rectangle 5">
+            <a:extLst>
+              <a:ext uri="{FF2B5EF4-FFF2-40B4-BE49-F238E27FC236}">
+                <a16:creationId xmlns:a16="http://schemas.microsoft.com/office/drawing/2014/main" id="{EAC9A372-738C-C9A0-C291-731F87859651}"/>
+              </a:ext>
+            </a:extLst>
+          </p:cNvPr>
+          <p:cNvSpPr/>
+          <p:nvPr/>
+        </p:nvSpPr>
+        <p:spPr>
+          <a:xfrm>
+            <a:off x="5897514" y="5120620"/>
+            <a:ext cx="400692" cy="147013"/>
+          </a:xfrm>
+          <a:prstGeom prst="rect">
+            <a:avLst/>
+          </a:prstGeom>
+          <a:solidFill>
+            <a:schemeClr val="bg1">
+              <a:lumMod val="85000"/>
+            </a:schemeClr>
+          </a:solidFill>
+          <a:ln>
+            <a:noFill/>
+          </a:ln>
+        </p:spPr>
+        <p:style>
+          <a:lnRef idx="2">
+            <a:schemeClr val="accent1">
+              <a:shade val="50000"/>
+            </a:schemeClr>
+          </a:lnRef>
+          <a:fillRef idx="1">
+            <a:schemeClr val="accent1"/>
+          </a:fillRef>
+          <a:effectRef idx="0">
+            <a:schemeClr val="accent1"/>
+          </a:effectRef>
+          <a:fontRef idx="minor">
+            <a:schemeClr val="lt1"/>
+          </a:fontRef>
+        </p:style>
+        <p:txBody>
+          <a:bodyPr rtlCol="0" anchor="ctr"/>
+          <a:lstStyle/>
+          <a:p>
+            <a:pPr algn="ctr"/>
+            <a:endParaRPr lang="en-US" dirty="0"/>
+          </a:p>
+        </p:txBody>
+      </p:sp>
+      <p:sp>
+        <p:nvSpPr>
+          <p:cNvPr id="3" name="Rectangle 2">
+            <a:extLst>
+              <a:ext uri="{FF2B5EF4-FFF2-40B4-BE49-F238E27FC236}">
+                <a16:creationId xmlns:a16="http://schemas.microsoft.com/office/drawing/2014/main" id="{43FF902E-E5D2-5D49-FDF4-8B2B4E89B5A5}"/>
+              </a:ext>
+            </a:extLst>
+          </p:cNvPr>
+          <p:cNvSpPr/>
+          <p:nvPr/>
+        </p:nvSpPr>
+        <p:spPr>
+          <a:xfrm>
+            <a:off x="5892930" y="5266277"/>
+            <a:ext cx="400692" cy="147013"/>
+          </a:xfrm>
+          <a:prstGeom prst="rect">
+            <a:avLst/>
+          </a:prstGeom>
+          <a:solidFill>
+            <a:schemeClr val="bg1">
+              <a:lumMod val="85000"/>
+            </a:schemeClr>
+          </a:solidFill>
+          <a:ln>
+            <a:noFill/>
+          </a:ln>
+        </p:spPr>
+        <p:style>
+          <a:lnRef idx="2">
+            <a:schemeClr val="accent1">
+              <a:shade val="50000"/>
+            </a:schemeClr>
+          </a:lnRef>
+          <a:fillRef idx="1">
+            <a:schemeClr val="accent1"/>
+          </a:fillRef>
+          <a:effectRef idx="0">
+            <a:schemeClr val="accent1"/>
+          </a:effectRef>
+          <a:fontRef idx="minor">
+            <a:schemeClr val="lt1"/>
+          </a:fontRef>
+        </p:style>
+        <p:txBody>
+          <a:bodyPr rtlCol="0" anchor="ctr"/>
+          <a:lstStyle/>
+          <a:p>
+            <a:pPr algn="ctr"/>
+            <a:endParaRPr lang="en-US"/>
+          </a:p>
+        </p:txBody>
+      </p:sp>
       <p:cxnSp>
         <p:nvCxnSpPr>
           <p:cNvPr id="8" name="Straight Connector 7">
@@ -5493,14 +8389,14 @@
           </p:cNvPr>
           <p:cNvCxnSpPr>
             <a:cxnSpLocks/>
-            <a:stCxn id="6" idx="0"/>
+            <a:stCxn id="3" idx="2"/>
           </p:cNvCxnSpPr>
           <p:nvPr/>
         </p:nvCxnSpPr>
         <p:spPr>
           <a:xfrm flipV="1">
-            <a:off x="6096000" y="4965899"/>
-            <a:ext cx="5925911" cy="455681"/>
+            <a:off x="6093276" y="4658816"/>
+            <a:ext cx="5932354" cy="754474"/>
           </a:xfrm>
           <a:prstGeom prst="line">
             <a:avLst/>
@@ -5537,14 +8433,14 @@
           </p:cNvPr>
           <p:cNvCxnSpPr>
             <a:cxnSpLocks/>
-            <a:endCxn id="4" idx="4"/>
+            <a:endCxn id="3" idx="2"/>
           </p:cNvCxnSpPr>
           <p:nvPr/>
         </p:nvCxnSpPr>
         <p:spPr>
           <a:xfrm>
             <a:off x="4572000" y="1415821"/>
-            <a:ext cx="1524000" cy="4005759"/>
+            <a:ext cx="1521276" cy="3997469"/>
           </a:xfrm>
           <a:prstGeom prst="line">
             <a:avLst/>
@@ -5637,8 +8533,8 @@
           <p:nvPr/>
         </p:nvSpPr>
         <p:spPr>
-          <a:xfrm rot="21358763">
-            <a:off x="6319163" y="5330408"/>
+          <a:xfrm rot="21213052">
+            <a:off x="6420987" y="5268302"/>
             <a:ext cx="1012311" cy="76222"/>
           </a:xfrm>
           <a:prstGeom prst="rect">
@@ -5869,7 +8765,7 @@
 </p:sld>
 </file>
 
-<file path=ppt/slides/slide16.xml><?xml version="1.0" encoding="utf-8"?>
+<file path=ppt/slides/slide5.xml><?xml version="1.0" encoding="utf-8"?>
 <p:sld xmlns:a="http://schemas.openxmlformats.org/drawingml/2006/main" xmlns:r="http://schemas.openxmlformats.org/officeDocument/2006/relationships" xmlns:p="http://schemas.openxmlformats.org/presentationml/2006/main">
   <p:cSld>
     <p:spTree>
@@ -5891,7 +8787,7 @@
           <p:cNvPr id="2" name="Title 1">
             <a:extLst>
               <a:ext uri="{FF2B5EF4-FFF2-40B4-BE49-F238E27FC236}">
-                <a16:creationId xmlns:a16="http://schemas.microsoft.com/office/drawing/2014/main" id="{01916DF5-4B90-E4BC-8988-9E578BF0004E}"/>
+                <a16:creationId xmlns:a16="http://schemas.microsoft.com/office/drawing/2014/main" id="{22102D29-4A73-F7F8-8701-90F61664FC48}"/>
               </a:ext>
             </a:extLst>
           </p:cNvPr>
@@ -5910,17 +8806,1087 @@
             <a:pPr algn="ctr"/>
             <a:r>
               <a:rPr lang="en-US" dirty="0"/>
-              <a:t>Removing First Data Point</a:t>
-            </a:r>
+              <a:t>Effective Area</a:t>
+            </a:r>
+          </a:p>
+        </p:txBody>
+      </p:sp>
+      <p:sp>
+        <p:nvSpPr>
+          <p:cNvPr id="4" name="Oval 3">
+            <a:extLst>
+              <a:ext uri="{FF2B5EF4-FFF2-40B4-BE49-F238E27FC236}">
+                <a16:creationId xmlns:a16="http://schemas.microsoft.com/office/drawing/2014/main" id="{6F78ACA1-F97F-14E2-04A4-834B27E7EF2D}"/>
+              </a:ext>
+            </a:extLst>
+          </p:cNvPr>
+          <p:cNvSpPr/>
+          <p:nvPr/>
+        </p:nvSpPr>
+        <p:spPr>
+          <a:xfrm>
+            <a:off x="4053583" y="1663379"/>
+            <a:ext cx="4084834" cy="4084834"/>
+          </a:xfrm>
+          <a:prstGeom prst="ellipse">
+            <a:avLst/>
+          </a:prstGeom>
+          <a:solidFill>
+            <a:srgbClr val="00B0F0"/>
+          </a:solidFill>
+          <a:ln>
+            <a:noFill/>
+          </a:ln>
+        </p:spPr>
+        <p:style>
+          <a:lnRef idx="2">
+            <a:schemeClr val="accent1">
+              <a:shade val="50000"/>
+            </a:schemeClr>
+          </a:lnRef>
+          <a:fillRef idx="1">
+            <a:schemeClr val="accent1"/>
+          </a:fillRef>
+          <a:effectRef idx="0">
+            <a:schemeClr val="accent1"/>
+          </a:effectRef>
+          <a:fontRef idx="minor">
+            <a:schemeClr val="lt1"/>
+          </a:fontRef>
+        </p:style>
+        <p:txBody>
+          <a:bodyPr rtlCol="0" anchor="ctr"/>
+          <a:lstStyle/>
+          <a:p>
+            <a:pPr algn="ctr"/>
+            <a:endParaRPr lang="en-US"/>
+          </a:p>
+        </p:txBody>
+      </p:sp>
+      <p:sp>
+        <p:nvSpPr>
+          <p:cNvPr id="5" name="Oval 4">
+            <a:extLst>
+              <a:ext uri="{FF2B5EF4-FFF2-40B4-BE49-F238E27FC236}">
+                <a16:creationId xmlns:a16="http://schemas.microsoft.com/office/drawing/2014/main" id="{E6262AD9-71B8-C9BE-519A-6C324BA42372}"/>
+              </a:ext>
+            </a:extLst>
+          </p:cNvPr>
+          <p:cNvSpPr/>
+          <p:nvPr/>
+        </p:nvSpPr>
+        <p:spPr>
+          <a:xfrm>
+            <a:off x="4380216" y="1990012"/>
+            <a:ext cx="3431568" cy="3431568"/>
+          </a:xfrm>
+          <a:prstGeom prst="ellipse">
+            <a:avLst/>
+          </a:prstGeom>
+          <a:solidFill>
+            <a:srgbClr val="92D050"/>
+          </a:solidFill>
+          <a:ln>
+            <a:noFill/>
+          </a:ln>
+        </p:spPr>
+        <p:style>
+          <a:lnRef idx="2">
+            <a:schemeClr val="accent1">
+              <a:shade val="50000"/>
+            </a:schemeClr>
+          </a:lnRef>
+          <a:fillRef idx="1">
+            <a:schemeClr val="accent1"/>
+          </a:fillRef>
+          <a:effectRef idx="0">
+            <a:schemeClr val="accent1"/>
+          </a:effectRef>
+          <a:fontRef idx="minor">
+            <a:schemeClr val="lt1"/>
+          </a:fontRef>
+        </p:style>
+        <p:txBody>
+          <a:bodyPr rtlCol="0" anchor="ctr"/>
+          <a:lstStyle/>
+          <a:p>
+            <a:pPr algn="ctr"/>
+            <a:r>
+              <a:rPr lang="en-US" sz="2800" dirty="0">
+                <a:solidFill>
+                  <a:sysClr val="windowText" lastClr="000000"/>
+                </a:solidFill>
+              </a:rPr>
+              <a:t>Earth</a:t>
+            </a:r>
+            <a:endParaRPr lang="en-US" dirty="0">
+              <a:solidFill>
+                <a:sysClr val="windowText" lastClr="000000"/>
+              </a:solidFill>
+            </a:endParaRPr>
+          </a:p>
+        </p:txBody>
+      </p:sp>
+      <p:sp>
+        <p:nvSpPr>
+          <p:cNvPr id="6" name="Rectangle 5">
+            <a:extLst>
+              <a:ext uri="{FF2B5EF4-FFF2-40B4-BE49-F238E27FC236}">
+                <a16:creationId xmlns:a16="http://schemas.microsoft.com/office/drawing/2014/main" id="{B1865B12-E236-00CE-1629-CFF47F075100}"/>
+              </a:ext>
+            </a:extLst>
+          </p:cNvPr>
+          <p:cNvSpPr/>
+          <p:nvPr/>
+        </p:nvSpPr>
+        <p:spPr>
+          <a:xfrm>
+            <a:off x="5774076" y="4952144"/>
+            <a:ext cx="626723" cy="343781"/>
+          </a:xfrm>
+          <a:prstGeom prst="rect">
+            <a:avLst/>
+          </a:prstGeom>
+          <a:solidFill>
+            <a:schemeClr val="bg1">
+              <a:lumMod val="85000"/>
+            </a:schemeClr>
+          </a:solidFill>
+          <a:ln>
+            <a:noFill/>
+          </a:ln>
+        </p:spPr>
+        <p:style>
+          <a:lnRef idx="2">
+            <a:schemeClr val="accent1">
+              <a:shade val="50000"/>
+            </a:schemeClr>
+          </a:lnRef>
+          <a:fillRef idx="1">
+            <a:schemeClr val="accent1"/>
+          </a:fillRef>
+          <a:effectRef idx="0">
+            <a:schemeClr val="accent1"/>
+          </a:effectRef>
+          <a:fontRef idx="minor">
+            <a:schemeClr val="lt1"/>
+          </a:fontRef>
+        </p:style>
+        <p:txBody>
+          <a:bodyPr rtlCol="0" anchor="ctr"/>
+          <a:lstStyle/>
+          <a:p>
+            <a:pPr algn="ctr"/>
+            <a:endParaRPr lang="en-US" dirty="0"/>
+          </a:p>
+        </p:txBody>
+      </p:sp>
+      <p:sp>
+        <p:nvSpPr>
+          <p:cNvPr id="7" name="Rectangle 6">
+            <a:extLst>
+              <a:ext uri="{FF2B5EF4-FFF2-40B4-BE49-F238E27FC236}">
+                <a16:creationId xmlns:a16="http://schemas.microsoft.com/office/drawing/2014/main" id="{59434100-4E0B-957E-5533-89D1D199AA20}"/>
+              </a:ext>
+            </a:extLst>
+          </p:cNvPr>
+          <p:cNvSpPr/>
+          <p:nvPr/>
+        </p:nvSpPr>
+        <p:spPr>
+          <a:xfrm>
+            <a:off x="5774076" y="5295925"/>
+            <a:ext cx="626723" cy="125655"/>
+          </a:xfrm>
+          <a:prstGeom prst="rect">
+            <a:avLst/>
+          </a:prstGeom>
+          <a:solidFill>
+            <a:schemeClr val="bg1">
+              <a:lumMod val="85000"/>
+            </a:schemeClr>
+          </a:solidFill>
+          <a:ln>
+            <a:noFill/>
+          </a:ln>
+        </p:spPr>
+        <p:style>
+          <a:lnRef idx="2">
+            <a:schemeClr val="accent1">
+              <a:shade val="50000"/>
+            </a:schemeClr>
+          </a:lnRef>
+          <a:fillRef idx="1">
+            <a:schemeClr val="accent1"/>
+          </a:fillRef>
+          <a:effectRef idx="0">
+            <a:schemeClr val="accent1"/>
+          </a:effectRef>
+          <a:fontRef idx="minor">
+            <a:schemeClr val="lt1"/>
+          </a:fontRef>
+        </p:style>
+        <p:txBody>
+          <a:bodyPr rtlCol="0" anchor="ctr"/>
+          <a:lstStyle/>
+          <a:p>
+            <a:pPr algn="ctr"/>
+            <a:endParaRPr lang="en-US"/>
+          </a:p>
+        </p:txBody>
+      </p:sp>
+      <p:cxnSp>
+        <p:nvCxnSpPr>
+          <p:cNvPr id="24" name="Straight Connector 23">
+            <a:extLst>
+              <a:ext uri="{FF2B5EF4-FFF2-40B4-BE49-F238E27FC236}">
+                <a16:creationId xmlns:a16="http://schemas.microsoft.com/office/drawing/2014/main" id="{AA54B5C3-ED97-D0E3-5918-B83FC68A3827}"/>
+              </a:ext>
+            </a:extLst>
+          </p:cNvPr>
+          <p:cNvCxnSpPr>
+            <a:cxnSpLocks/>
+          </p:cNvCxnSpPr>
+          <p:nvPr/>
+        </p:nvCxnSpPr>
+        <p:spPr>
+          <a:xfrm>
+            <a:off x="247135" y="5421580"/>
+            <a:ext cx="10222865" cy="0"/>
+          </a:xfrm>
+          <a:prstGeom prst="line">
+            <a:avLst/>
+          </a:prstGeom>
+          <a:ln w="25400">
+            <a:solidFill>
+              <a:schemeClr val="bg2">
+                <a:lumMod val="75000"/>
+              </a:schemeClr>
+            </a:solidFill>
+            <a:prstDash val="dash"/>
+          </a:ln>
+        </p:spPr>
+        <p:style>
+          <a:lnRef idx="1">
+            <a:schemeClr val="accent1"/>
+          </a:lnRef>
+          <a:fillRef idx="0">
+            <a:schemeClr val="accent1"/>
+          </a:fillRef>
+          <a:effectRef idx="0">
+            <a:schemeClr val="accent1"/>
+          </a:effectRef>
+          <a:fontRef idx="minor">
+            <a:schemeClr val="tx1"/>
+          </a:fontRef>
+        </p:style>
+      </p:cxnSp>
+      <p:sp>
+        <p:nvSpPr>
+          <p:cNvPr id="25" name="TextBox 24">
+            <a:extLst>
+              <a:ext uri="{FF2B5EF4-FFF2-40B4-BE49-F238E27FC236}">
+                <a16:creationId xmlns:a16="http://schemas.microsoft.com/office/drawing/2014/main" id="{1195A5D6-5FEF-D170-0F16-52D4B9F762F3}"/>
+              </a:ext>
+            </a:extLst>
+          </p:cNvPr>
+          <p:cNvSpPr txBox="1"/>
+          <p:nvPr/>
+        </p:nvSpPr>
+        <p:spPr>
+          <a:xfrm>
+            <a:off x="10433527" y="5236914"/>
+            <a:ext cx="1588384" cy="369332"/>
+          </a:xfrm>
+          <a:prstGeom prst="rect">
+            <a:avLst/>
+          </a:prstGeom>
+          <a:noFill/>
+        </p:spPr>
+        <p:txBody>
+          <a:bodyPr wrap="none" rtlCol="0">
+            <a:spAutoFit/>
+          </a:bodyPr>
+          <a:lstStyle/>
+          <a:p>
+            <a:r>
+              <a:rPr lang="en-US" dirty="0"/>
+              <a:t>Declination = 0</a:t>
+            </a:r>
+          </a:p>
+        </p:txBody>
+      </p:sp>
+      <p:sp>
+        <p:nvSpPr>
+          <p:cNvPr id="26" name="TextBox 25">
+            <a:extLst>
+              <a:ext uri="{FF2B5EF4-FFF2-40B4-BE49-F238E27FC236}">
+                <a16:creationId xmlns:a16="http://schemas.microsoft.com/office/drawing/2014/main" id="{4967840A-014A-BD13-411C-26D749D5D3D6}"/>
+              </a:ext>
+            </a:extLst>
+          </p:cNvPr>
+          <p:cNvSpPr txBox="1"/>
+          <p:nvPr/>
+        </p:nvSpPr>
+        <p:spPr>
+          <a:xfrm>
+            <a:off x="5200338" y="5679841"/>
+            <a:ext cx="1791324" cy="369332"/>
+          </a:xfrm>
+          <a:prstGeom prst="rect">
+            <a:avLst/>
+          </a:prstGeom>
+          <a:noFill/>
+        </p:spPr>
+        <p:txBody>
+          <a:bodyPr wrap="none" rtlCol="0">
+            <a:spAutoFit/>
+          </a:bodyPr>
+          <a:lstStyle/>
+          <a:p>
+            <a:r>
+              <a:rPr lang="en-US" dirty="0" err="1"/>
+              <a:t>IceCube</a:t>
+            </a:r>
+            <a:r>
+              <a:rPr lang="en-US" dirty="0"/>
+              <a:t> detector</a:t>
+            </a:r>
+          </a:p>
+        </p:txBody>
+      </p:sp>
+      <p:sp>
+        <p:nvSpPr>
+          <p:cNvPr id="27" name="TextBox 26">
+            <a:extLst>
+              <a:ext uri="{FF2B5EF4-FFF2-40B4-BE49-F238E27FC236}">
+                <a16:creationId xmlns:a16="http://schemas.microsoft.com/office/drawing/2014/main" id="{2F89A52D-19E1-07C1-A73F-F6AC21512771}"/>
+              </a:ext>
+            </a:extLst>
+          </p:cNvPr>
+          <p:cNvSpPr txBox="1"/>
+          <p:nvPr/>
+        </p:nvSpPr>
+        <p:spPr>
+          <a:xfrm>
+            <a:off x="484427" y="5052248"/>
+            <a:ext cx="2220673" cy="369332"/>
+          </a:xfrm>
+          <a:prstGeom prst="rect">
+            <a:avLst/>
+          </a:prstGeom>
+          <a:noFill/>
+        </p:spPr>
+        <p:txBody>
+          <a:bodyPr wrap="none" rtlCol="0">
+            <a:spAutoFit/>
+          </a:bodyPr>
+          <a:lstStyle/>
+          <a:p>
+            <a:r>
+              <a:rPr lang="en-US" dirty="0"/>
+              <a:t>Northern hemisphere</a:t>
+            </a:r>
+          </a:p>
+        </p:txBody>
+      </p:sp>
+      <p:sp>
+        <p:nvSpPr>
+          <p:cNvPr id="28" name="TextBox 27">
+            <a:extLst>
+              <a:ext uri="{FF2B5EF4-FFF2-40B4-BE49-F238E27FC236}">
+                <a16:creationId xmlns:a16="http://schemas.microsoft.com/office/drawing/2014/main" id="{EDF1E931-F480-34D7-D6F3-FDCE0044FDF7}"/>
+              </a:ext>
+            </a:extLst>
+          </p:cNvPr>
+          <p:cNvSpPr txBox="1"/>
+          <p:nvPr/>
+        </p:nvSpPr>
+        <p:spPr>
+          <a:xfrm>
+            <a:off x="486031" y="5442026"/>
+            <a:ext cx="2219069" cy="369332"/>
+          </a:xfrm>
+          <a:prstGeom prst="rect">
+            <a:avLst/>
+          </a:prstGeom>
+          <a:noFill/>
+        </p:spPr>
+        <p:txBody>
+          <a:bodyPr wrap="none" rtlCol="0">
+            <a:spAutoFit/>
+          </a:bodyPr>
+          <a:lstStyle/>
+          <a:p>
+            <a:r>
+              <a:rPr lang="en-US" dirty="0"/>
+              <a:t>Southern hemisphere</a:t>
+            </a:r>
+          </a:p>
+        </p:txBody>
+      </p:sp>
+      <p:cxnSp>
+        <p:nvCxnSpPr>
+          <p:cNvPr id="30" name="Straight Connector 29">
+            <a:extLst>
+              <a:ext uri="{FF2B5EF4-FFF2-40B4-BE49-F238E27FC236}">
+                <a16:creationId xmlns:a16="http://schemas.microsoft.com/office/drawing/2014/main" id="{93D56012-F2CB-E1F5-6D73-28DBBDE82FF2}"/>
+              </a:ext>
+            </a:extLst>
+          </p:cNvPr>
+          <p:cNvCxnSpPr>
+            <a:cxnSpLocks/>
+          </p:cNvCxnSpPr>
+          <p:nvPr/>
+        </p:nvCxnSpPr>
+        <p:spPr>
+          <a:xfrm>
+            <a:off x="6095999" y="4951061"/>
+            <a:ext cx="0" cy="469436"/>
+          </a:xfrm>
+          <a:prstGeom prst="line">
+            <a:avLst/>
+          </a:prstGeom>
+          <a:ln>
+            <a:solidFill>
+              <a:schemeClr val="tx1"/>
+            </a:solidFill>
+          </a:ln>
+        </p:spPr>
+        <p:style>
+          <a:lnRef idx="1">
+            <a:schemeClr val="accent1"/>
+          </a:lnRef>
+          <a:fillRef idx="0">
+            <a:schemeClr val="accent1"/>
+          </a:fillRef>
+          <a:effectRef idx="0">
+            <a:schemeClr val="accent1"/>
+          </a:effectRef>
+          <a:fontRef idx="minor">
+            <a:schemeClr val="tx1"/>
+          </a:fontRef>
+        </p:style>
+      </p:cxnSp>
+      <p:sp>
+        <p:nvSpPr>
+          <p:cNvPr id="35" name="Oval 34">
+            <a:extLst>
+              <a:ext uri="{FF2B5EF4-FFF2-40B4-BE49-F238E27FC236}">
+                <a16:creationId xmlns:a16="http://schemas.microsoft.com/office/drawing/2014/main" id="{FD6F3997-69F6-46CA-6E9C-BF7C8876E18A}"/>
+              </a:ext>
+            </a:extLst>
+          </p:cNvPr>
+          <p:cNvSpPr/>
+          <p:nvPr/>
+        </p:nvSpPr>
+        <p:spPr>
+          <a:xfrm>
+            <a:off x="6042915" y="4969795"/>
+            <a:ext cx="113015" cy="113015"/>
+          </a:xfrm>
+          <a:prstGeom prst="ellipse">
+            <a:avLst/>
+          </a:prstGeom>
+          <a:solidFill>
+            <a:schemeClr val="tx1"/>
+          </a:solidFill>
+        </p:spPr>
+        <p:style>
+          <a:lnRef idx="2">
+            <a:schemeClr val="accent1">
+              <a:shade val="50000"/>
+            </a:schemeClr>
+          </a:lnRef>
+          <a:fillRef idx="1">
+            <a:schemeClr val="accent1"/>
+          </a:fillRef>
+          <a:effectRef idx="0">
+            <a:schemeClr val="accent1"/>
+          </a:effectRef>
+          <a:fontRef idx="minor">
+            <a:schemeClr val="lt1"/>
+          </a:fontRef>
+        </p:style>
+        <p:txBody>
+          <a:bodyPr rtlCol="0" anchor="ctr"/>
+          <a:lstStyle/>
+          <a:p>
+            <a:pPr algn="ctr"/>
+            <a:endParaRPr lang="en-US"/>
+          </a:p>
+        </p:txBody>
+      </p:sp>
+      <p:sp>
+        <p:nvSpPr>
+          <p:cNvPr id="36" name="Oval 35">
+            <a:extLst>
+              <a:ext uri="{FF2B5EF4-FFF2-40B4-BE49-F238E27FC236}">
+                <a16:creationId xmlns:a16="http://schemas.microsoft.com/office/drawing/2014/main" id="{331241BF-0E3B-E9D8-B1C8-ECE287BBB2EA}"/>
+              </a:ext>
+            </a:extLst>
+          </p:cNvPr>
+          <p:cNvSpPr/>
+          <p:nvPr/>
+        </p:nvSpPr>
+        <p:spPr>
+          <a:xfrm>
+            <a:off x="6039491" y="5266168"/>
+            <a:ext cx="113015" cy="113015"/>
+          </a:xfrm>
+          <a:prstGeom prst="ellipse">
+            <a:avLst/>
+          </a:prstGeom>
+          <a:solidFill>
+            <a:schemeClr val="tx1"/>
+          </a:solidFill>
+        </p:spPr>
+        <p:style>
+          <a:lnRef idx="2">
+            <a:schemeClr val="accent1">
+              <a:shade val="50000"/>
+            </a:schemeClr>
+          </a:lnRef>
+          <a:fillRef idx="1">
+            <a:schemeClr val="accent1"/>
+          </a:fillRef>
+          <a:effectRef idx="0">
+            <a:schemeClr val="accent1"/>
+          </a:effectRef>
+          <a:fontRef idx="minor">
+            <a:schemeClr val="lt1"/>
+          </a:fontRef>
+        </p:style>
+        <p:txBody>
+          <a:bodyPr rtlCol="0" anchor="ctr"/>
+          <a:lstStyle/>
+          <a:p>
+            <a:pPr algn="ctr"/>
+            <a:endParaRPr lang="en-US"/>
+          </a:p>
+        </p:txBody>
+      </p:sp>
+      <p:cxnSp>
+        <p:nvCxnSpPr>
+          <p:cNvPr id="40" name="Straight Connector 39">
+            <a:extLst>
+              <a:ext uri="{FF2B5EF4-FFF2-40B4-BE49-F238E27FC236}">
+                <a16:creationId xmlns:a16="http://schemas.microsoft.com/office/drawing/2014/main" id="{D3D6CE70-E302-754E-2FA2-F64336F58B4D}"/>
+              </a:ext>
+            </a:extLst>
+          </p:cNvPr>
+          <p:cNvCxnSpPr>
+            <a:cxnSpLocks/>
+          </p:cNvCxnSpPr>
+          <p:nvPr/>
+        </p:nvCxnSpPr>
+        <p:spPr>
+          <a:xfrm>
+            <a:off x="6324604" y="4951061"/>
+            <a:ext cx="0" cy="469436"/>
+          </a:xfrm>
+          <a:prstGeom prst="line">
+            <a:avLst/>
+          </a:prstGeom>
+          <a:ln>
+            <a:solidFill>
+              <a:schemeClr val="tx1"/>
+            </a:solidFill>
+          </a:ln>
+        </p:spPr>
+        <p:style>
+          <a:lnRef idx="1">
+            <a:schemeClr val="accent1"/>
+          </a:lnRef>
+          <a:fillRef idx="0">
+            <a:schemeClr val="accent1"/>
+          </a:fillRef>
+          <a:effectRef idx="0">
+            <a:schemeClr val="accent1"/>
+          </a:effectRef>
+          <a:fontRef idx="minor">
+            <a:schemeClr val="tx1"/>
+          </a:fontRef>
+        </p:style>
+      </p:cxnSp>
+      <p:sp>
+        <p:nvSpPr>
+          <p:cNvPr id="41" name="Oval 40">
+            <a:extLst>
+              <a:ext uri="{FF2B5EF4-FFF2-40B4-BE49-F238E27FC236}">
+                <a16:creationId xmlns:a16="http://schemas.microsoft.com/office/drawing/2014/main" id="{4B09F310-9760-FF5F-6FE1-50BC778B0FCD}"/>
+              </a:ext>
+            </a:extLst>
+          </p:cNvPr>
+          <p:cNvSpPr/>
+          <p:nvPr/>
+        </p:nvSpPr>
+        <p:spPr>
+          <a:xfrm>
+            <a:off x="6271520" y="4969795"/>
+            <a:ext cx="113015" cy="113015"/>
+          </a:xfrm>
+          <a:prstGeom prst="ellipse">
+            <a:avLst/>
+          </a:prstGeom>
+          <a:solidFill>
+            <a:schemeClr val="tx1"/>
+          </a:solidFill>
+        </p:spPr>
+        <p:style>
+          <a:lnRef idx="2">
+            <a:schemeClr val="accent1">
+              <a:shade val="50000"/>
+            </a:schemeClr>
+          </a:lnRef>
+          <a:fillRef idx="1">
+            <a:schemeClr val="accent1"/>
+          </a:fillRef>
+          <a:effectRef idx="0">
+            <a:schemeClr val="accent1"/>
+          </a:effectRef>
+          <a:fontRef idx="minor">
+            <a:schemeClr val="lt1"/>
+          </a:fontRef>
+        </p:style>
+        <p:txBody>
+          <a:bodyPr rtlCol="0" anchor="ctr"/>
+          <a:lstStyle/>
+          <a:p>
+            <a:pPr algn="ctr"/>
+            <a:endParaRPr lang="en-US"/>
+          </a:p>
+        </p:txBody>
+      </p:sp>
+      <p:sp>
+        <p:nvSpPr>
+          <p:cNvPr id="42" name="Oval 41">
+            <a:extLst>
+              <a:ext uri="{FF2B5EF4-FFF2-40B4-BE49-F238E27FC236}">
+                <a16:creationId xmlns:a16="http://schemas.microsoft.com/office/drawing/2014/main" id="{470DBDAD-3397-00A8-EFD7-20E72FD3F359}"/>
+              </a:ext>
+            </a:extLst>
+          </p:cNvPr>
+          <p:cNvSpPr/>
+          <p:nvPr/>
+        </p:nvSpPr>
+        <p:spPr>
+          <a:xfrm>
+            <a:off x="6268096" y="5266168"/>
+            <a:ext cx="113015" cy="113015"/>
+          </a:xfrm>
+          <a:prstGeom prst="ellipse">
+            <a:avLst/>
+          </a:prstGeom>
+          <a:solidFill>
+            <a:schemeClr val="tx1"/>
+          </a:solidFill>
+        </p:spPr>
+        <p:style>
+          <a:lnRef idx="2">
+            <a:schemeClr val="accent1">
+              <a:shade val="50000"/>
+            </a:schemeClr>
+          </a:lnRef>
+          <a:fillRef idx="1">
+            <a:schemeClr val="accent1"/>
+          </a:fillRef>
+          <a:effectRef idx="0">
+            <a:schemeClr val="accent1"/>
+          </a:effectRef>
+          <a:fontRef idx="minor">
+            <a:schemeClr val="lt1"/>
+          </a:fontRef>
+        </p:style>
+        <p:txBody>
+          <a:bodyPr rtlCol="0" anchor="ctr"/>
+          <a:lstStyle/>
+          <a:p>
+            <a:pPr algn="ctr"/>
+            <a:endParaRPr lang="en-US"/>
+          </a:p>
+        </p:txBody>
+      </p:sp>
+      <p:cxnSp>
+        <p:nvCxnSpPr>
+          <p:cNvPr id="43" name="Straight Connector 42">
+            <a:extLst>
+              <a:ext uri="{FF2B5EF4-FFF2-40B4-BE49-F238E27FC236}">
+                <a16:creationId xmlns:a16="http://schemas.microsoft.com/office/drawing/2014/main" id="{16241D42-DE76-00A3-493F-5BF608090F6B}"/>
+              </a:ext>
+            </a:extLst>
+          </p:cNvPr>
+          <p:cNvCxnSpPr>
+            <a:cxnSpLocks/>
+          </p:cNvCxnSpPr>
+          <p:nvPr/>
+        </p:nvCxnSpPr>
+        <p:spPr>
+          <a:xfrm>
+            <a:off x="5849418" y="4951061"/>
+            <a:ext cx="0" cy="469436"/>
+          </a:xfrm>
+          <a:prstGeom prst="line">
+            <a:avLst/>
+          </a:prstGeom>
+          <a:ln>
+            <a:solidFill>
+              <a:schemeClr val="tx1"/>
+            </a:solidFill>
+          </a:ln>
+        </p:spPr>
+        <p:style>
+          <a:lnRef idx="1">
+            <a:schemeClr val="accent1"/>
+          </a:lnRef>
+          <a:fillRef idx="0">
+            <a:schemeClr val="accent1"/>
+          </a:fillRef>
+          <a:effectRef idx="0">
+            <a:schemeClr val="accent1"/>
+          </a:effectRef>
+          <a:fontRef idx="minor">
+            <a:schemeClr val="tx1"/>
+          </a:fontRef>
+        </p:style>
+      </p:cxnSp>
+      <p:sp>
+        <p:nvSpPr>
+          <p:cNvPr id="44" name="Oval 43">
+            <a:extLst>
+              <a:ext uri="{FF2B5EF4-FFF2-40B4-BE49-F238E27FC236}">
+                <a16:creationId xmlns:a16="http://schemas.microsoft.com/office/drawing/2014/main" id="{AEF46C9F-59CE-4DA9-F10E-1A9B610F6374}"/>
+              </a:ext>
+            </a:extLst>
+          </p:cNvPr>
+          <p:cNvSpPr/>
+          <p:nvPr/>
+        </p:nvSpPr>
+        <p:spPr>
+          <a:xfrm>
+            <a:off x="5796334" y="4969795"/>
+            <a:ext cx="113015" cy="113015"/>
+          </a:xfrm>
+          <a:prstGeom prst="ellipse">
+            <a:avLst/>
+          </a:prstGeom>
+          <a:solidFill>
+            <a:schemeClr val="tx1"/>
+          </a:solidFill>
+        </p:spPr>
+        <p:style>
+          <a:lnRef idx="2">
+            <a:schemeClr val="accent1">
+              <a:shade val="50000"/>
+            </a:schemeClr>
+          </a:lnRef>
+          <a:fillRef idx="1">
+            <a:schemeClr val="accent1"/>
+          </a:fillRef>
+          <a:effectRef idx="0">
+            <a:schemeClr val="accent1"/>
+          </a:effectRef>
+          <a:fontRef idx="minor">
+            <a:schemeClr val="lt1"/>
+          </a:fontRef>
+        </p:style>
+        <p:txBody>
+          <a:bodyPr rtlCol="0" anchor="ctr"/>
+          <a:lstStyle/>
+          <a:p>
+            <a:pPr algn="ctr"/>
+            <a:endParaRPr lang="en-US"/>
+          </a:p>
+        </p:txBody>
+      </p:sp>
+      <p:sp>
+        <p:nvSpPr>
+          <p:cNvPr id="45" name="Oval 44">
+            <a:extLst>
+              <a:ext uri="{FF2B5EF4-FFF2-40B4-BE49-F238E27FC236}">
+                <a16:creationId xmlns:a16="http://schemas.microsoft.com/office/drawing/2014/main" id="{2DEDA4CF-E503-965A-7684-2C63A09505C9}"/>
+              </a:ext>
+            </a:extLst>
+          </p:cNvPr>
+          <p:cNvSpPr/>
+          <p:nvPr/>
+        </p:nvSpPr>
+        <p:spPr>
+          <a:xfrm>
+            <a:off x="5792910" y="5266168"/>
+            <a:ext cx="113015" cy="113015"/>
+          </a:xfrm>
+          <a:prstGeom prst="ellipse">
+            <a:avLst/>
+          </a:prstGeom>
+          <a:solidFill>
+            <a:schemeClr val="tx1"/>
+          </a:solidFill>
+        </p:spPr>
+        <p:style>
+          <a:lnRef idx="2">
+            <a:schemeClr val="accent1">
+              <a:shade val="50000"/>
+            </a:schemeClr>
+          </a:lnRef>
+          <a:fillRef idx="1">
+            <a:schemeClr val="accent1"/>
+          </a:fillRef>
+          <a:effectRef idx="0">
+            <a:schemeClr val="accent1"/>
+          </a:effectRef>
+          <a:fontRef idx="minor">
+            <a:schemeClr val="lt1"/>
+          </a:fontRef>
+        </p:style>
+        <p:txBody>
+          <a:bodyPr rtlCol="0" anchor="ctr"/>
+          <a:lstStyle/>
+          <a:p>
+            <a:pPr algn="ctr"/>
+            <a:endParaRPr lang="en-US"/>
+          </a:p>
+        </p:txBody>
+      </p:sp>
+      <p:cxnSp>
+        <p:nvCxnSpPr>
+          <p:cNvPr id="61" name="Straight Arrow Connector 60">
+            <a:extLst>
+              <a:ext uri="{FF2B5EF4-FFF2-40B4-BE49-F238E27FC236}">
+                <a16:creationId xmlns:a16="http://schemas.microsoft.com/office/drawing/2014/main" id="{40684161-6E52-141C-8E74-658873185178}"/>
+              </a:ext>
+            </a:extLst>
+          </p:cNvPr>
+          <p:cNvCxnSpPr/>
+          <p:nvPr/>
+        </p:nvCxnSpPr>
+        <p:spPr>
+          <a:xfrm>
+            <a:off x="5628744" y="1489343"/>
+            <a:ext cx="476035" cy="5147353"/>
+          </a:xfrm>
+          <a:prstGeom prst="straightConnector1">
+            <a:avLst/>
+          </a:prstGeom>
+          <a:ln>
+            <a:solidFill>
+              <a:schemeClr val="tx1"/>
+            </a:solidFill>
+            <a:tailEnd type="triangle"/>
+          </a:ln>
+        </p:spPr>
+        <p:style>
+          <a:lnRef idx="1">
+            <a:schemeClr val="accent1"/>
+          </a:lnRef>
+          <a:fillRef idx="0">
+            <a:schemeClr val="accent1"/>
+          </a:fillRef>
+          <a:effectRef idx="0">
+            <a:schemeClr val="accent1"/>
+          </a:effectRef>
+          <a:fontRef idx="minor">
+            <a:schemeClr val="tx1"/>
+          </a:fontRef>
+        </p:style>
+      </p:cxnSp>
+      <p:cxnSp>
+        <p:nvCxnSpPr>
+          <p:cNvPr id="62" name="Straight Arrow Connector 61">
+            <a:extLst>
+              <a:ext uri="{FF2B5EF4-FFF2-40B4-BE49-F238E27FC236}">
+                <a16:creationId xmlns:a16="http://schemas.microsoft.com/office/drawing/2014/main" id="{80B10A10-08B6-BCC7-1319-5065FA77CDE6}"/>
+              </a:ext>
+            </a:extLst>
+          </p:cNvPr>
+          <p:cNvCxnSpPr>
+            <a:cxnSpLocks/>
+          </p:cNvCxnSpPr>
+          <p:nvPr/>
+        </p:nvCxnSpPr>
+        <p:spPr>
+          <a:xfrm flipH="1">
+            <a:off x="4593405" y="4152600"/>
+            <a:ext cx="6117870" cy="1463408"/>
+          </a:xfrm>
+          <a:prstGeom prst="straightConnector1">
+            <a:avLst/>
+          </a:prstGeom>
+          <a:ln>
+            <a:solidFill>
+              <a:schemeClr val="tx1"/>
+            </a:solidFill>
+            <a:tailEnd type="triangle"/>
+          </a:ln>
+        </p:spPr>
+        <p:style>
+          <a:lnRef idx="1">
+            <a:schemeClr val="accent1"/>
+          </a:lnRef>
+          <a:fillRef idx="0">
+            <a:schemeClr val="accent1"/>
+          </a:fillRef>
+          <a:effectRef idx="0">
+            <a:schemeClr val="accent1"/>
+          </a:effectRef>
+          <a:fontRef idx="minor">
+            <a:schemeClr val="tx1"/>
+          </a:fontRef>
+        </p:style>
+      </p:cxnSp>
+      <p:sp>
+        <p:nvSpPr>
+          <p:cNvPr id="67" name="Oval 66">
+            <a:extLst>
+              <a:ext uri="{FF2B5EF4-FFF2-40B4-BE49-F238E27FC236}">
+                <a16:creationId xmlns:a16="http://schemas.microsoft.com/office/drawing/2014/main" id="{B787F1C4-2D79-700B-7E12-1A218E88B713}"/>
+              </a:ext>
+            </a:extLst>
+          </p:cNvPr>
+          <p:cNvSpPr/>
+          <p:nvPr/>
+        </p:nvSpPr>
+        <p:spPr>
+          <a:xfrm>
+            <a:off x="6039491" y="5111839"/>
+            <a:ext cx="113015" cy="113015"/>
+          </a:xfrm>
+          <a:prstGeom prst="ellipse">
+            <a:avLst/>
+          </a:prstGeom>
+          <a:solidFill>
+            <a:schemeClr val="tx1"/>
+          </a:solidFill>
+        </p:spPr>
+        <p:style>
+          <a:lnRef idx="2">
+            <a:schemeClr val="accent1">
+              <a:shade val="50000"/>
+            </a:schemeClr>
+          </a:lnRef>
+          <a:fillRef idx="1">
+            <a:schemeClr val="accent1"/>
+          </a:fillRef>
+          <a:effectRef idx="0">
+            <a:schemeClr val="accent1"/>
+          </a:effectRef>
+          <a:fontRef idx="minor">
+            <a:schemeClr val="lt1"/>
+          </a:fontRef>
+        </p:style>
+        <p:txBody>
+          <a:bodyPr rtlCol="0" anchor="ctr"/>
+          <a:lstStyle/>
+          <a:p>
+            <a:pPr algn="ctr"/>
+            <a:endParaRPr lang="en-US"/>
+          </a:p>
+        </p:txBody>
+      </p:sp>
+      <p:sp>
+        <p:nvSpPr>
+          <p:cNvPr id="68" name="Oval 67">
+            <a:extLst>
+              <a:ext uri="{FF2B5EF4-FFF2-40B4-BE49-F238E27FC236}">
+                <a16:creationId xmlns:a16="http://schemas.microsoft.com/office/drawing/2014/main" id="{CE79AB00-912D-A766-74D4-B2EE5100D24D}"/>
+              </a:ext>
+            </a:extLst>
+          </p:cNvPr>
+          <p:cNvSpPr/>
+          <p:nvPr/>
+        </p:nvSpPr>
+        <p:spPr>
+          <a:xfrm>
+            <a:off x="6268096" y="5111839"/>
+            <a:ext cx="113015" cy="113015"/>
+          </a:xfrm>
+          <a:prstGeom prst="ellipse">
+            <a:avLst/>
+          </a:prstGeom>
+          <a:solidFill>
+            <a:schemeClr val="tx1"/>
+          </a:solidFill>
+        </p:spPr>
+        <p:style>
+          <a:lnRef idx="2">
+            <a:schemeClr val="accent1">
+              <a:shade val="50000"/>
+            </a:schemeClr>
+          </a:lnRef>
+          <a:fillRef idx="1">
+            <a:schemeClr val="accent1"/>
+          </a:fillRef>
+          <a:effectRef idx="0">
+            <a:schemeClr val="accent1"/>
+          </a:effectRef>
+          <a:fontRef idx="minor">
+            <a:schemeClr val="lt1"/>
+          </a:fontRef>
+        </p:style>
+        <p:txBody>
+          <a:bodyPr rtlCol="0" anchor="ctr"/>
+          <a:lstStyle/>
+          <a:p>
+            <a:pPr algn="ctr"/>
+            <a:endParaRPr lang="en-US"/>
+          </a:p>
+        </p:txBody>
+      </p:sp>
+      <p:sp>
+        <p:nvSpPr>
+          <p:cNvPr id="69" name="Oval 68">
+            <a:extLst>
+              <a:ext uri="{FF2B5EF4-FFF2-40B4-BE49-F238E27FC236}">
+                <a16:creationId xmlns:a16="http://schemas.microsoft.com/office/drawing/2014/main" id="{354B47F2-5480-2471-38D9-7C41EBBEADCA}"/>
+              </a:ext>
+            </a:extLst>
+          </p:cNvPr>
+          <p:cNvSpPr/>
+          <p:nvPr/>
+        </p:nvSpPr>
+        <p:spPr>
+          <a:xfrm>
+            <a:off x="5792910" y="5111839"/>
+            <a:ext cx="113015" cy="113015"/>
+          </a:xfrm>
+          <a:prstGeom prst="ellipse">
+            <a:avLst/>
+          </a:prstGeom>
+          <a:solidFill>
+            <a:schemeClr val="tx1"/>
+          </a:solidFill>
+        </p:spPr>
+        <p:style>
+          <a:lnRef idx="2">
+            <a:schemeClr val="accent1">
+              <a:shade val="50000"/>
+            </a:schemeClr>
+          </a:lnRef>
+          <a:fillRef idx="1">
+            <a:schemeClr val="accent1"/>
+          </a:fillRef>
+          <a:effectRef idx="0">
+            <a:schemeClr val="accent1"/>
+          </a:effectRef>
+          <a:fontRef idx="minor">
+            <a:schemeClr val="lt1"/>
+          </a:fontRef>
+        </p:style>
+        <p:txBody>
+          <a:bodyPr rtlCol="0" anchor="ctr"/>
+          <a:lstStyle/>
+          <a:p>
+            <a:pPr algn="ctr"/>
+            <a:endParaRPr lang="en-US"/>
           </a:p>
         </p:txBody>
       </p:sp>
       <p:pic>
         <p:nvPicPr>
-          <p:cNvPr id="4" name="Content Placeholder 3">
-            <a:extLst>
-              <a:ext uri="{FF2B5EF4-FFF2-40B4-BE49-F238E27FC236}">
-                <a16:creationId xmlns:a16="http://schemas.microsoft.com/office/drawing/2014/main" id="{8143BFAD-89D0-7132-82E2-57FE75942EEB}"/>
+          <p:cNvPr id="73" name="Picture 72">
+            <a:extLst>
+              <a:ext uri="{FF2B5EF4-FFF2-40B4-BE49-F238E27FC236}">
+                <a16:creationId xmlns:a16="http://schemas.microsoft.com/office/drawing/2014/main" id="{6D93A28B-AED4-AFB8-5975-CE1FD53CD7D8}"/>
               </a:ext>
             </a:extLst>
           </p:cNvPr>
@@ -5931,13 +9897,14 @@
         </p:nvPicPr>
         <p:blipFill>
           <a:blip r:embed="rId2"/>
-          <a:srcRect l="154" r="154"/>
-          <a:stretch/>
+          <a:stretch>
+            <a:fillRect/>
+          </a:stretch>
         </p:blipFill>
         <p:spPr>
           <a:xfrm>
-            <a:off x="2864353" y="1510363"/>
-            <a:ext cx="6463293" cy="4858944"/>
+            <a:off x="2731750" y="1864724"/>
+            <a:ext cx="6746057" cy="4287935"/>
           </a:xfrm>
           <a:prstGeom prst="rect">
             <a:avLst/>
@@ -5947,299 +9914,7 @@
     </p:spTree>
     <p:extLst>
       <p:ext uri="{BB962C8B-B14F-4D97-AF65-F5344CB8AC3E}">
-        <p14:creationId xmlns:p14="http://schemas.microsoft.com/office/powerpoint/2010/main" val="59665152"/>
-      </p:ext>
-    </p:extLst>
-  </p:cSld>
-  <p:clrMapOvr>
-    <a:masterClrMapping/>
-  </p:clrMapOvr>
-</p:sld>
-</file>
-
-<file path=ppt/slides/slide17.xml><?xml version="1.0" encoding="utf-8"?>
-<p:sld xmlns:a="http://schemas.openxmlformats.org/drawingml/2006/main" xmlns:r="http://schemas.openxmlformats.org/officeDocument/2006/relationships" xmlns:p="http://schemas.openxmlformats.org/presentationml/2006/main">
-  <p:cSld>
-    <p:spTree>
-      <p:nvGrpSpPr>
-        <p:cNvPr id="1" name=""/>
-        <p:cNvGrpSpPr/>
-        <p:nvPr/>
-      </p:nvGrpSpPr>
-      <p:grpSpPr>
-        <a:xfrm>
-          <a:off x="0" y="0"/>
-          <a:ext cx="0" cy="0"/>
-          <a:chOff x="0" y="0"/>
-          <a:chExt cx="0" cy="0"/>
-        </a:xfrm>
-      </p:grpSpPr>
-      <p:sp>
-        <p:nvSpPr>
-          <p:cNvPr id="2" name="Title 1">
-            <a:extLst>
-              <a:ext uri="{FF2B5EF4-FFF2-40B4-BE49-F238E27FC236}">
-                <a16:creationId xmlns:a16="http://schemas.microsoft.com/office/drawing/2014/main" id="{01916DF5-4B90-E4BC-8988-9E578BF0004E}"/>
-              </a:ext>
-            </a:extLst>
-          </p:cNvPr>
-          <p:cNvSpPr>
-            <a:spLocks noGrp="1"/>
-          </p:cNvSpPr>
-          <p:nvPr>
-            <p:ph type="title"/>
-          </p:nvPr>
-        </p:nvSpPr>
-        <p:spPr/>
-        <p:txBody>
-          <a:bodyPr/>
-          <a:lstStyle/>
-          <a:p>
-            <a:pPr algn="ctr"/>
-            <a:r>
-              <a:rPr lang="en-US" dirty="0"/>
-              <a:t>Removing First Data Point</a:t>
-            </a:r>
-          </a:p>
-        </p:txBody>
-      </p:sp>
-      <p:pic>
-        <p:nvPicPr>
-          <p:cNvPr id="4" name="Content Placeholder 3">
-            <a:extLst>
-              <a:ext uri="{FF2B5EF4-FFF2-40B4-BE49-F238E27FC236}">
-                <a16:creationId xmlns:a16="http://schemas.microsoft.com/office/drawing/2014/main" id="{8143BFAD-89D0-7132-82E2-57FE75942EEB}"/>
-              </a:ext>
-            </a:extLst>
-          </p:cNvPr>
-          <p:cNvPicPr>
-            <a:picLocks noChangeAspect="1"/>
-          </p:cNvPicPr>
-          <p:nvPr/>
-        </p:nvPicPr>
-        <p:blipFill>
-          <a:blip r:embed="rId2"/>
-          <a:srcRect l="154" r="154"/>
-          <a:stretch/>
-        </p:blipFill>
-        <p:spPr>
-          <a:xfrm>
-            <a:off x="2864353" y="1510363"/>
-            <a:ext cx="6463293" cy="4858944"/>
-          </a:xfrm>
-          <a:prstGeom prst="rect">
-            <a:avLst/>
-          </a:prstGeom>
-        </p:spPr>
-      </p:pic>
-    </p:spTree>
-    <p:extLst>
-      <p:ext uri="{BB962C8B-B14F-4D97-AF65-F5344CB8AC3E}">
-        <p14:creationId xmlns:p14="http://schemas.microsoft.com/office/powerpoint/2010/main" val="3558610505"/>
-      </p:ext>
-    </p:extLst>
-  </p:cSld>
-  <p:clrMapOvr>
-    <a:masterClrMapping/>
-  </p:clrMapOvr>
-</p:sld>
-</file>
-
-<file path=ppt/slides/slide18.xml><?xml version="1.0" encoding="utf-8"?>
-<p:sld xmlns:a="http://schemas.openxmlformats.org/drawingml/2006/main" xmlns:r="http://schemas.openxmlformats.org/officeDocument/2006/relationships" xmlns:p="http://schemas.openxmlformats.org/presentationml/2006/main">
-  <p:cSld>
-    <p:spTree>
-      <p:nvGrpSpPr>
-        <p:cNvPr id="1" name=""/>
-        <p:cNvGrpSpPr/>
-        <p:nvPr/>
-      </p:nvGrpSpPr>
-      <p:grpSpPr>
-        <a:xfrm>
-          <a:off x="0" y="0"/>
-          <a:ext cx="0" cy="0"/>
-          <a:chOff x="0" y="0"/>
-          <a:chExt cx="0" cy="0"/>
-        </a:xfrm>
-      </p:grpSpPr>
-      <p:sp>
-        <p:nvSpPr>
-          <p:cNvPr id="2" name="Title 1">
-            <a:extLst>
-              <a:ext uri="{FF2B5EF4-FFF2-40B4-BE49-F238E27FC236}">
-                <a16:creationId xmlns:a16="http://schemas.microsoft.com/office/drawing/2014/main" id="{E1DAF982-9CB3-CB75-169D-9229DB81E3CB}"/>
-              </a:ext>
-            </a:extLst>
-          </p:cNvPr>
-          <p:cNvSpPr>
-            <a:spLocks noGrp="1"/>
-          </p:cNvSpPr>
-          <p:nvPr>
-            <p:ph type="title"/>
-          </p:nvPr>
-        </p:nvSpPr>
-        <p:spPr/>
-        <p:txBody>
-          <a:bodyPr/>
-          <a:lstStyle/>
-          <a:p>
-            <a:pPr algn="ctr"/>
-            <a:r>
-              <a:rPr lang="en-US" dirty="0"/>
-              <a:t>Number Density Rate Constraints</a:t>
-            </a:r>
-          </a:p>
-        </p:txBody>
-      </p:sp>
-      <p:pic>
-        <p:nvPicPr>
-          <p:cNvPr id="4" name="Content Placeholder 3">
-            <a:extLst>
-              <a:ext uri="{FF2B5EF4-FFF2-40B4-BE49-F238E27FC236}">
-                <a16:creationId xmlns:a16="http://schemas.microsoft.com/office/drawing/2014/main" id="{CC24E834-E8BE-36A5-08A1-3172F1097F6F}"/>
-              </a:ext>
-            </a:extLst>
-          </p:cNvPr>
-          <p:cNvPicPr>
-            <a:picLocks noGrp="1" noChangeAspect="1"/>
-          </p:cNvPicPr>
-          <p:nvPr>
-            <p:ph idx="1"/>
-          </p:nvPr>
-        </p:nvPicPr>
-        <p:blipFill>
-          <a:blip r:embed="rId2"/>
-          <a:srcRect/>
-          <a:stretch/>
-        </p:blipFill>
-        <p:spPr>
-          <a:xfrm>
-            <a:off x="2679538" y="1445908"/>
-            <a:ext cx="6832922" cy="5122219"/>
-          </a:xfrm>
-        </p:spPr>
-      </p:pic>
-    </p:spTree>
-    <p:extLst>
-      <p:ext uri="{BB962C8B-B14F-4D97-AF65-F5344CB8AC3E}">
-        <p14:creationId xmlns:p14="http://schemas.microsoft.com/office/powerpoint/2010/main" val="1963606606"/>
-      </p:ext>
-    </p:extLst>
-  </p:cSld>
-  <p:clrMapOvr>
-    <a:masterClrMapping/>
-  </p:clrMapOvr>
-</p:sld>
-</file>
-
-<file path=ppt/slides/slide2.xml><?xml version="1.0" encoding="utf-8"?>
-<p:sld xmlns:a="http://schemas.openxmlformats.org/drawingml/2006/main" xmlns:r="http://schemas.openxmlformats.org/officeDocument/2006/relationships" xmlns:p="http://schemas.openxmlformats.org/presentationml/2006/main">
-  <p:cSld>
-    <p:spTree>
-      <p:nvGrpSpPr>
-        <p:cNvPr id="1" name=""/>
-        <p:cNvGrpSpPr/>
-        <p:nvPr/>
-      </p:nvGrpSpPr>
-      <p:grpSpPr>
-        <a:xfrm>
-          <a:off x="0" y="0"/>
-          <a:ext cx="0" cy="0"/>
-          <a:chOff x="0" y="0"/>
-          <a:chExt cx="0" cy="0"/>
-        </a:xfrm>
-      </p:grpSpPr>
-      <p:sp>
-        <p:nvSpPr>
-          <p:cNvPr id="2" name="Title 1">
-            <a:extLst>
-              <a:ext uri="{FF2B5EF4-FFF2-40B4-BE49-F238E27FC236}">
-                <a16:creationId xmlns:a16="http://schemas.microsoft.com/office/drawing/2014/main" id="{B55E6B13-541D-8810-1FFD-B1FD113A445B}"/>
-              </a:ext>
-            </a:extLst>
-          </p:cNvPr>
-          <p:cNvSpPr>
-            <a:spLocks noGrp="1"/>
-          </p:cNvSpPr>
-          <p:nvPr>
-            <p:ph type="title"/>
-          </p:nvPr>
-        </p:nvSpPr>
-        <p:spPr/>
-        <p:txBody>
-          <a:bodyPr/>
-          <a:lstStyle/>
-          <a:p>
-            <a:pPr algn="ctr"/>
-            <a:r>
-              <a:rPr lang="en-US" dirty="0" err="1"/>
-              <a:t>IceCube</a:t>
-            </a:r>
-            <a:r>
-              <a:rPr lang="en-US" dirty="0"/>
-              <a:t> Data</a:t>
-            </a:r>
-          </a:p>
-        </p:txBody>
-      </p:sp>
-      <p:sp>
-        <p:nvSpPr>
-          <p:cNvPr id="3" name="Content Placeholder 2">
-            <a:extLst>
-              <a:ext uri="{FF2B5EF4-FFF2-40B4-BE49-F238E27FC236}">
-                <a16:creationId xmlns:a16="http://schemas.microsoft.com/office/drawing/2014/main" id="{2300A2B8-3002-507E-94AB-86697B026CD9}"/>
-              </a:ext>
-            </a:extLst>
-          </p:cNvPr>
-          <p:cNvSpPr>
-            <a:spLocks noGrp="1"/>
-          </p:cNvSpPr>
-          <p:nvPr>
-            <p:ph idx="1"/>
-          </p:nvPr>
-        </p:nvSpPr>
-        <p:spPr/>
-        <p:txBody>
-          <a:bodyPr/>
-          <a:lstStyle/>
-          <a:p>
-            <a:r>
-              <a:rPr lang="en-US" dirty="0"/>
-              <a:t>A cubic </a:t>
-            </a:r>
-            <a:r>
-              <a:rPr lang="en-US" dirty="0" err="1"/>
-              <a:t>kilometre</a:t>
-            </a:r>
-            <a:r>
-              <a:rPr lang="en-US" dirty="0"/>
-              <a:t> of ice</a:t>
-            </a:r>
-          </a:p>
-          <a:p>
-            <a:r>
-              <a:rPr lang="en-US" dirty="0"/>
-              <a:t>Detects muons produced from neutrino-ice interactions</a:t>
-            </a:r>
-          </a:p>
-          <a:p>
-            <a:r>
-              <a:rPr lang="en-US" dirty="0"/>
-              <a:t>Atmospheric neutrinos dominate</a:t>
-            </a:r>
-          </a:p>
-          <a:p>
-            <a:r>
-              <a:rPr lang="en-US" dirty="0"/>
-              <a:t>3 logarithmic energy bins</a:t>
-            </a:r>
-          </a:p>
-        </p:txBody>
-      </p:sp>
-    </p:spTree>
-    <p:extLst>
-      <p:ext uri="{BB962C8B-B14F-4D97-AF65-F5344CB8AC3E}">
-        <p14:creationId xmlns:p14="http://schemas.microsoft.com/office/powerpoint/2010/main" val="1968466103"/>
+        <p14:creationId xmlns:p14="http://schemas.microsoft.com/office/powerpoint/2010/main" val="3117078635"/>
       </p:ext>
     </p:extLst>
   </p:cSld>
@@ -6280,11 +9955,34 @@
                                           </p:stCondLst>
                                         </p:cTn>
                                         <p:tgtEl>
-                                          <p:spTgt spid="3">
-                                            <p:txEl>
-                                              <p:pRg st="0" end="0"/>
-                                            </p:txEl>
-                                          </p:spTgt>
+                                          <p:spTgt spid="62"/>
+                                        </p:tgtEl>
+                                        <p:attrNameLst>
+                                          <p:attrName>style.visibility</p:attrName>
+                                        </p:attrNameLst>
+                                      </p:cBhvr>
+                                      <p:to>
+                                        <p:strVal val="visible"/>
+                                      </p:to>
+                                    </p:set>
+                                  </p:childTnLst>
+                                </p:cTn>
+                              </p:par>
+                              <p:par>
+                                <p:cTn id="7" presetID="1" presetClass="entr" presetSubtype="0" fill="hold" nodeType="withEffect">
+                                  <p:stCondLst>
+                                    <p:cond delay="0"/>
+                                  </p:stCondLst>
+                                  <p:childTnLst>
+                                    <p:set>
+                                      <p:cBhvr>
+                                        <p:cTn id="8" dur="1" fill="hold">
+                                          <p:stCondLst>
+                                            <p:cond delay="0"/>
+                                          </p:stCondLst>
+                                        </p:cTn>
+                                        <p:tgtEl>
+                                          <p:spTgt spid="61"/>
                                         </p:tgtEl>
                                         <p:attrNameLst>
                                           <p:attrName>style.visibility</p:attrName>
@@ -6304,68 +10002,46 @@
                     </p:cTn>
                   </p:par>
                   <p:par>
-                    <p:cTn id="7" fill="hold">
+                    <p:cTn id="9" fill="hold">
                       <p:stCondLst>
                         <p:cond delay="indefinite"/>
                       </p:stCondLst>
                       <p:childTnLst>
                         <p:par>
-                          <p:cTn id="8" fill="hold">
+                          <p:cTn id="10" fill="hold">
                             <p:stCondLst>
                               <p:cond delay="0"/>
                             </p:stCondLst>
                             <p:childTnLst>
                               <p:par>
-                                <p:cTn id="9" presetID="1" presetClass="entr" presetSubtype="0" fill="hold" nodeType="clickEffect">
+                                <p:cTn id="11" presetID="1" presetClass="exit" presetSubtype="0" fill="hold" grpId="0" nodeType="clickEffect">
                                   <p:stCondLst>
                                     <p:cond delay="0"/>
                                   </p:stCondLst>
                                   <p:childTnLst>
                                     <p:set>
                                       <p:cBhvr>
-                                        <p:cTn id="10" dur="1" fill="hold">
+                                        <p:cTn id="12" dur="1" fill="hold">
                                           <p:stCondLst>
                                             <p:cond delay="0"/>
                                           </p:stCondLst>
                                         </p:cTn>
                                         <p:tgtEl>
-                                          <p:spTgt spid="3">
-                                            <p:txEl>
-                                              <p:pRg st="1" end="1"/>
-                                            </p:txEl>
-                                          </p:spTgt>
+                                          <p:spTgt spid="4"/>
                                         </p:tgtEl>
                                         <p:attrNameLst>
                                           <p:attrName>style.visibility</p:attrName>
                                         </p:attrNameLst>
                                       </p:cBhvr>
                                       <p:to>
-                                        <p:strVal val="visible"/>
+                                        <p:strVal val="hidden"/>
                                       </p:to>
                                     </p:set>
                                   </p:childTnLst>
                                 </p:cTn>
                               </p:par>
-                            </p:childTnLst>
-                          </p:cTn>
-                        </p:par>
-                      </p:childTnLst>
-                    </p:cTn>
-                  </p:par>
-                  <p:par>
-                    <p:cTn id="11" fill="hold">
-                      <p:stCondLst>
-                        <p:cond delay="indefinite"/>
-                      </p:stCondLst>
-                      <p:childTnLst>
-                        <p:par>
-                          <p:cTn id="12" fill="hold">
-                            <p:stCondLst>
-                              <p:cond delay="0"/>
-                            </p:stCondLst>
-                            <p:childTnLst>
                               <p:par>
-                                <p:cTn id="13" presetID="1" presetClass="entr" presetSubtype="0" fill="hold" nodeType="clickEffect">
+                                <p:cTn id="13" presetID="1" presetClass="exit" presetSubtype="0" fill="hold" grpId="0" nodeType="withEffect">
                                   <p:stCondLst>
                                     <p:cond delay="0"/>
                                   </p:stCondLst>
@@ -6378,43 +10054,48 @@
                                           </p:stCondLst>
                                         </p:cTn>
                                         <p:tgtEl>
-                                          <p:spTgt spid="3">
-                                            <p:txEl>
-                                              <p:pRg st="2" end="2"/>
-                                            </p:txEl>
-                                          </p:spTgt>
+                                          <p:spTgt spid="5"/>
                                         </p:tgtEl>
                                         <p:attrNameLst>
                                           <p:attrName>style.visibility</p:attrName>
                                         </p:attrNameLst>
                                       </p:cBhvr>
                                       <p:to>
-                                        <p:strVal val="visible"/>
+                                        <p:strVal val="hidden"/>
                                       </p:to>
                                     </p:set>
                                   </p:childTnLst>
                                 </p:cTn>
                               </p:par>
-                            </p:childTnLst>
-                          </p:cTn>
-                        </p:par>
-                      </p:childTnLst>
-                    </p:cTn>
-                  </p:par>
-                  <p:par>
-                    <p:cTn id="15" fill="hold">
-                      <p:stCondLst>
-                        <p:cond delay="indefinite"/>
-                      </p:stCondLst>
-                      <p:childTnLst>
-                        <p:par>
-                          <p:cTn id="16" fill="hold">
-                            <p:stCondLst>
-                              <p:cond delay="0"/>
-                            </p:stCondLst>
-                            <p:childTnLst>
                               <p:par>
-                                <p:cTn id="17" presetID="1" presetClass="entr" presetSubtype="0" fill="hold" nodeType="clickEffect">
+                                <p:cTn id="15" presetID="1" presetClass="exit" presetSubtype="0" fill="hold" grpId="0" nodeType="withEffect">
+                                  <p:stCondLst>
+                                    <p:cond delay="0"/>
+                                  </p:stCondLst>
+                                  <p:childTnLst>
+                                    <p:set>
+                                      <p:cBhvr>
+                                        <p:cTn id="16" dur="1" fill="hold">
+                                          <p:stCondLst>
+                                            <p:cond delay="0"/>
+                                          </p:stCondLst>
+                                        </p:cTn>
+                                        <p:tgtEl>
+                                          <p:spTgt spid="6"/>
+                                        </p:tgtEl>
+                                        <p:attrNameLst>
+                                          <p:attrName>style.visibility</p:attrName>
+                                        </p:attrNameLst>
+                                      </p:cBhvr>
+                                      <p:to>
+                                        <p:strVal val="hidden"/>
+                                      </p:to>
+                                    </p:set>
+                                  </p:childTnLst>
+                                </p:cTn>
+                              </p:par>
+                              <p:par>
+                                <p:cTn id="17" presetID="1" presetClass="exit" presetSubtype="0" fill="hold" grpId="0" nodeType="withEffect">
                                   <p:stCondLst>
                                     <p:cond delay="0"/>
                                   </p:stCondLst>
@@ -6427,11 +10108,547 @@
                                           </p:stCondLst>
                                         </p:cTn>
                                         <p:tgtEl>
-                                          <p:spTgt spid="3">
-                                            <p:txEl>
-                                              <p:pRg st="3" end="3"/>
-                                            </p:txEl>
-                                          </p:spTgt>
+                                          <p:spTgt spid="7"/>
+                                        </p:tgtEl>
+                                        <p:attrNameLst>
+                                          <p:attrName>style.visibility</p:attrName>
+                                        </p:attrNameLst>
+                                      </p:cBhvr>
+                                      <p:to>
+                                        <p:strVal val="hidden"/>
+                                      </p:to>
+                                    </p:set>
+                                  </p:childTnLst>
+                                </p:cTn>
+                              </p:par>
+                              <p:par>
+                                <p:cTn id="19" presetID="1" presetClass="exit" presetSubtype="0" fill="hold" nodeType="withEffect">
+                                  <p:stCondLst>
+                                    <p:cond delay="0"/>
+                                  </p:stCondLst>
+                                  <p:childTnLst>
+                                    <p:set>
+                                      <p:cBhvr>
+                                        <p:cTn id="20" dur="1" fill="hold">
+                                          <p:stCondLst>
+                                            <p:cond delay="0"/>
+                                          </p:stCondLst>
+                                        </p:cTn>
+                                        <p:tgtEl>
+                                          <p:spTgt spid="24"/>
+                                        </p:tgtEl>
+                                        <p:attrNameLst>
+                                          <p:attrName>style.visibility</p:attrName>
+                                        </p:attrNameLst>
+                                      </p:cBhvr>
+                                      <p:to>
+                                        <p:strVal val="hidden"/>
+                                      </p:to>
+                                    </p:set>
+                                  </p:childTnLst>
+                                </p:cTn>
+                              </p:par>
+                              <p:par>
+                                <p:cTn id="21" presetID="1" presetClass="exit" presetSubtype="0" fill="hold" grpId="0" nodeType="withEffect">
+                                  <p:stCondLst>
+                                    <p:cond delay="0"/>
+                                  </p:stCondLst>
+                                  <p:childTnLst>
+                                    <p:set>
+                                      <p:cBhvr>
+                                        <p:cTn id="22" dur="1" fill="hold">
+                                          <p:stCondLst>
+                                            <p:cond delay="0"/>
+                                          </p:stCondLst>
+                                        </p:cTn>
+                                        <p:tgtEl>
+                                          <p:spTgt spid="25"/>
+                                        </p:tgtEl>
+                                        <p:attrNameLst>
+                                          <p:attrName>style.visibility</p:attrName>
+                                        </p:attrNameLst>
+                                      </p:cBhvr>
+                                      <p:to>
+                                        <p:strVal val="hidden"/>
+                                      </p:to>
+                                    </p:set>
+                                  </p:childTnLst>
+                                </p:cTn>
+                              </p:par>
+                              <p:par>
+                                <p:cTn id="23" presetID="1" presetClass="exit" presetSubtype="0" fill="hold" grpId="0" nodeType="withEffect">
+                                  <p:stCondLst>
+                                    <p:cond delay="0"/>
+                                  </p:stCondLst>
+                                  <p:childTnLst>
+                                    <p:set>
+                                      <p:cBhvr>
+                                        <p:cTn id="24" dur="1" fill="hold">
+                                          <p:stCondLst>
+                                            <p:cond delay="0"/>
+                                          </p:stCondLst>
+                                        </p:cTn>
+                                        <p:tgtEl>
+                                          <p:spTgt spid="26"/>
+                                        </p:tgtEl>
+                                        <p:attrNameLst>
+                                          <p:attrName>style.visibility</p:attrName>
+                                        </p:attrNameLst>
+                                      </p:cBhvr>
+                                      <p:to>
+                                        <p:strVal val="hidden"/>
+                                      </p:to>
+                                    </p:set>
+                                  </p:childTnLst>
+                                </p:cTn>
+                              </p:par>
+                              <p:par>
+                                <p:cTn id="25" presetID="1" presetClass="exit" presetSubtype="0" fill="hold" grpId="0" nodeType="withEffect">
+                                  <p:stCondLst>
+                                    <p:cond delay="0"/>
+                                  </p:stCondLst>
+                                  <p:childTnLst>
+                                    <p:set>
+                                      <p:cBhvr>
+                                        <p:cTn id="26" dur="1" fill="hold">
+                                          <p:stCondLst>
+                                            <p:cond delay="0"/>
+                                          </p:stCondLst>
+                                        </p:cTn>
+                                        <p:tgtEl>
+                                          <p:spTgt spid="27"/>
+                                        </p:tgtEl>
+                                        <p:attrNameLst>
+                                          <p:attrName>style.visibility</p:attrName>
+                                        </p:attrNameLst>
+                                      </p:cBhvr>
+                                      <p:to>
+                                        <p:strVal val="hidden"/>
+                                      </p:to>
+                                    </p:set>
+                                  </p:childTnLst>
+                                </p:cTn>
+                              </p:par>
+                              <p:par>
+                                <p:cTn id="27" presetID="1" presetClass="exit" presetSubtype="0" fill="hold" grpId="0" nodeType="withEffect">
+                                  <p:stCondLst>
+                                    <p:cond delay="0"/>
+                                  </p:stCondLst>
+                                  <p:childTnLst>
+                                    <p:set>
+                                      <p:cBhvr>
+                                        <p:cTn id="28" dur="1" fill="hold">
+                                          <p:stCondLst>
+                                            <p:cond delay="0"/>
+                                          </p:stCondLst>
+                                        </p:cTn>
+                                        <p:tgtEl>
+                                          <p:spTgt spid="28"/>
+                                        </p:tgtEl>
+                                        <p:attrNameLst>
+                                          <p:attrName>style.visibility</p:attrName>
+                                        </p:attrNameLst>
+                                      </p:cBhvr>
+                                      <p:to>
+                                        <p:strVal val="hidden"/>
+                                      </p:to>
+                                    </p:set>
+                                  </p:childTnLst>
+                                </p:cTn>
+                              </p:par>
+                              <p:par>
+                                <p:cTn id="29" presetID="1" presetClass="exit" presetSubtype="0" fill="hold" nodeType="withEffect">
+                                  <p:stCondLst>
+                                    <p:cond delay="0"/>
+                                  </p:stCondLst>
+                                  <p:childTnLst>
+                                    <p:set>
+                                      <p:cBhvr>
+                                        <p:cTn id="30" dur="1" fill="hold">
+                                          <p:stCondLst>
+                                            <p:cond delay="0"/>
+                                          </p:stCondLst>
+                                        </p:cTn>
+                                        <p:tgtEl>
+                                          <p:spTgt spid="30"/>
+                                        </p:tgtEl>
+                                        <p:attrNameLst>
+                                          <p:attrName>style.visibility</p:attrName>
+                                        </p:attrNameLst>
+                                      </p:cBhvr>
+                                      <p:to>
+                                        <p:strVal val="hidden"/>
+                                      </p:to>
+                                    </p:set>
+                                  </p:childTnLst>
+                                </p:cTn>
+                              </p:par>
+                              <p:par>
+                                <p:cTn id="31" presetID="1" presetClass="exit" presetSubtype="0" fill="hold" grpId="0" nodeType="withEffect">
+                                  <p:stCondLst>
+                                    <p:cond delay="0"/>
+                                  </p:stCondLst>
+                                  <p:childTnLst>
+                                    <p:set>
+                                      <p:cBhvr>
+                                        <p:cTn id="32" dur="1" fill="hold">
+                                          <p:stCondLst>
+                                            <p:cond delay="0"/>
+                                          </p:stCondLst>
+                                        </p:cTn>
+                                        <p:tgtEl>
+                                          <p:spTgt spid="35"/>
+                                        </p:tgtEl>
+                                        <p:attrNameLst>
+                                          <p:attrName>style.visibility</p:attrName>
+                                        </p:attrNameLst>
+                                      </p:cBhvr>
+                                      <p:to>
+                                        <p:strVal val="hidden"/>
+                                      </p:to>
+                                    </p:set>
+                                  </p:childTnLst>
+                                </p:cTn>
+                              </p:par>
+                              <p:par>
+                                <p:cTn id="33" presetID="1" presetClass="exit" presetSubtype="0" fill="hold" grpId="0" nodeType="withEffect">
+                                  <p:stCondLst>
+                                    <p:cond delay="0"/>
+                                  </p:stCondLst>
+                                  <p:childTnLst>
+                                    <p:set>
+                                      <p:cBhvr>
+                                        <p:cTn id="34" dur="1" fill="hold">
+                                          <p:stCondLst>
+                                            <p:cond delay="0"/>
+                                          </p:stCondLst>
+                                        </p:cTn>
+                                        <p:tgtEl>
+                                          <p:spTgt spid="36"/>
+                                        </p:tgtEl>
+                                        <p:attrNameLst>
+                                          <p:attrName>style.visibility</p:attrName>
+                                        </p:attrNameLst>
+                                      </p:cBhvr>
+                                      <p:to>
+                                        <p:strVal val="hidden"/>
+                                      </p:to>
+                                    </p:set>
+                                  </p:childTnLst>
+                                </p:cTn>
+                              </p:par>
+                              <p:par>
+                                <p:cTn id="35" presetID="1" presetClass="exit" presetSubtype="0" fill="hold" nodeType="withEffect">
+                                  <p:stCondLst>
+                                    <p:cond delay="0"/>
+                                  </p:stCondLst>
+                                  <p:childTnLst>
+                                    <p:set>
+                                      <p:cBhvr>
+                                        <p:cTn id="36" dur="1" fill="hold">
+                                          <p:stCondLst>
+                                            <p:cond delay="0"/>
+                                          </p:stCondLst>
+                                        </p:cTn>
+                                        <p:tgtEl>
+                                          <p:spTgt spid="40"/>
+                                        </p:tgtEl>
+                                        <p:attrNameLst>
+                                          <p:attrName>style.visibility</p:attrName>
+                                        </p:attrNameLst>
+                                      </p:cBhvr>
+                                      <p:to>
+                                        <p:strVal val="hidden"/>
+                                      </p:to>
+                                    </p:set>
+                                  </p:childTnLst>
+                                </p:cTn>
+                              </p:par>
+                              <p:par>
+                                <p:cTn id="37" presetID="1" presetClass="exit" presetSubtype="0" fill="hold" grpId="0" nodeType="withEffect">
+                                  <p:stCondLst>
+                                    <p:cond delay="0"/>
+                                  </p:stCondLst>
+                                  <p:childTnLst>
+                                    <p:set>
+                                      <p:cBhvr>
+                                        <p:cTn id="38" dur="1" fill="hold">
+                                          <p:stCondLst>
+                                            <p:cond delay="0"/>
+                                          </p:stCondLst>
+                                        </p:cTn>
+                                        <p:tgtEl>
+                                          <p:spTgt spid="41"/>
+                                        </p:tgtEl>
+                                        <p:attrNameLst>
+                                          <p:attrName>style.visibility</p:attrName>
+                                        </p:attrNameLst>
+                                      </p:cBhvr>
+                                      <p:to>
+                                        <p:strVal val="hidden"/>
+                                      </p:to>
+                                    </p:set>
+                                  </p:childTnLst>
+                                </p:cTn>
+                              </p:par>
+                              <p:par>
+                                <p:cTn id="39" presetID="1" presetClass="exit" presetSubtype="0" fill="hold" grpId="0" nodeType="withEffect">
+                                  <p:stCondLst>
+                                    <p:cond delay="0"/>
+                                  </p:stCondLst>
+                                  <p:childTnLst>
+                                    <p:set>
+                                      <p:cBhvr>
+                                        <p:cTn id="40" dur="1" fill="hold">
+                                          <p:stCondLst>
+                                            <p:cond delay="0"/>
+                                          </p:stCondLst>
+                                        </p:cTn>
+                                        <p:tgtEl>
+                                          <p:spTgt spid="42"/>
+                                        </p:tgtEl>
+                                        <p:attrNameLst>
+                                          <p:attrName>style.visibility</p:attrName>
+                                        </p:attrNameLst>
+                                      </p:cBhvr>
+                                      <p:to>
+                                        <p:strVal val="hidden"/>
+                                      </p:to>
+                                    </p:set>
+                                  </p:childTnLst>
+                                </p:cTn>
+                              </p:par>
+                              <p:par>
+                                <p:cTn id="41" presetID="1" presetClass="exit" presetSubtype="0" fill="hold" nodeType="withEffect">
+                                  <p:stCondLst>
+                                    <p:cond delay="0"/>
+                                  </p:stCondLst>
+                                  <p:childTnLst>
+                                    <p:set>
+                                      <p:cBhvr>
+                                        <p:cTn id="42" dur="1" fill="hold">
+                                          <p:stCondLst>
+                                            <p:cond delay="0"/>
+                                          </p:stCondLst>
+                                        </p:cTn>
+                                        <p:tgtEl>
+                                          <p:spTgt spid="43"/>
+                                        </p:tgtEl>
+                                        <p:attrNameLst>
+                                          <p:attrName>style.visibility</p:attrName>
+                                        </p:attrNameLst>
+                                      </p:cBhvr>
+                                      <p:to>
+                                        <p:strVal val="hidden"/>
+                                      </p:to>
+                                    </p:set>
+                                  </p:childTnLst>
+                                </p:cTn>
+                              </p:par>
+                              <p:par>
+                                <p:cTn id="43" presetID="1" presetClass="exit" presetSubtype="0" fill="hold" grpId="0" nodeType="withEffect">
+                                  <p:stCondLst>
+                                    <p:cond delay="0"/>
+                                  </p:stCondLst>
+                                  <p:childTnLst>
+                                    <p:set>
+                                      <p:cBhvr>
+                                        <p:cTn id="44" dur="1" fill="hold">
+                                          <p:stCondLst>
+                                            <p:cond delay="0"/>
+                                          </p:stCondLst>
+                                        </p:cTn>
+                                        <p:tgtEl>
+                                          <p:spTgt spid="44"/>
+                                        </p:tgtEl>
+                                        <p:attrNameLst>
+                                          <p:attrName>style.visibility</p:attrName>
+                                        </p:attrNameLst>
+                                      </p:cBhvr>
+                                      <p:to>
+                                        <p:strVal val="hidden"/>
+                                      </p:to>
+                                    </p:set>
+                                  </p:childTnLst>
+                                </p:cTn>
+                              </p:par>
+                              <p:par>
+                                <p:cTn id="45" presetID="1" presetClass="exit" presetSubtype="0" fill="hold" grpId="0" nodeType="withEffect">
+                                  <p:stCondLst>
+                                    <p:cond delay="0"/>
+                                  </p:stCondLst>
+                                  <p:childTnLst>
+                                    <p:set>
+                                      <p:cBhvr>
+                                        <p:cTn id="46" dur="1" fill="hold">
+                                          <p:stCondLst>
+                                            <p:cond delay="0"/>
+                                          </p:stCondLst>
+                                        </p:cTn>
+                                        <p:tgtEl>
+                                          <p:spTgt spid="45"/>
+                                        </p:tgtEl>
+                                        <p:attrNameLst>
+                                          <p:attrName>style.visibility</p:attrName>
+                                        </p:attrNameLst>
+                                      </p:cBhvr>
+                                      <p:to>
+                                        <p:strVal val="hidden"/>
+                                      </p:to>
+                                    </p:set>
+                                  </p:childTnLst>
+                                </p:cTn>
+                              </p:par>
+                              <p:par>
+                                <p:cTn id="47" presetID="1" presetClass="exit" presetSubtype="0" fill="hold" nodeType="withEffect">
+                                  <p:stCondLst>
+                                    <p:cond delay="0"/>
+                                  </p:stCondLst>
+                                  <p:childTnLst>
+                                    <p:set>
+                                      <p:cBhvr>
+                                        <p:cTn id="48" dur="1" fill="hold">
+                                          <p:stCondLst>
+                                            <p:cond delay="0"/>
+                                          </p:stCondLst>
+                                        </p:cTn>
+                                        <p:tgtEl>
+                                          <p:spTgt spid="61"/>
+                                        </p:tgtEl>
+                                        <p:attrNameLst>
+                                          <p:attrName>style.visibility</p:attrName>
+                                        </p:attrNameLst>
+                                      </p:cBhvr>
+                                      <p:to>
+                                        <p:strVal val="hidden"/>
+                                      </p:to>
+                                    </p:set>
+                                  </p:childTnLst>
+                                </p:cTn>
+                              </p:par>
+                              <p:par>
+                                <p:cTn id="49" presetID="1" presetClass="exit" presetSubtype="0" fill="hold" nodeType="withEffect">
+                                  <p:stCondLst>
+                                    <p:cond delay="0"/>
+                                  </p:stCondLst>
+                                  <p:childTnLst>
+                                    <p:set>
+                                      <p:cBhvr>
+                                        <p:cTn id="50" dur="1" fill="hold">
+                                          <p:stCondLst>
+                                            <p:cond delay="0"/>
+                                          </p:stCondLst>
+                                        </p:cTn>
+                                        <p:tgtEl>
+                                          <p:spTgt spid="62"/>
+                                        </p:tgtEl>
+                                        <p:attrNameLst>
+                                          <p:attrName>style.visibility</p:attrName>
+                                        </p:attrNameLst>
+                                      </p:cBhvr>
+                                      <p:to>
+                                        <p:strVal val="hidden"/>
+                                      </p:to>
+                                    </p:set>
+                                  </p:childTnLst>
+                                </p:cTn>
+                              </p:par>
+                              <p:par>
+                                <p:cTn id="51" presetID="1" presetClass="exit" presetSubtype="0" fill="hold" grpId="0" nodeType="withEffect">
+                                  <p:stCondLst>
+                                    <p:cond delay="0"/>
+                                  </p:stCondLst>
+                                  <p:childTnLst>
+                                    <p:set>
+                                      <p:cBhvr>
+                                        <p:cTn id="52" dur="1" fill="hold">
+                                          <p:stCondLst>
+                                            <p:cond delay="0"/>
+                                          </p:stCondLst>
+                                        </p:cTn>
+                                        <p:tgtEl>
+                                          <p:spTgt spid="67"/>
+                                        </p:tgtEl>
+                                        <p:attrNameLst>
+                                          <p:attrName>style.visibility</p:attrName>
+                                        </p:attrNameLst>
+                                      </p:cBhvr>
+                                      <p:to>
+                                        <p:strVal val="hidden"/>
+                                      </p:to>
+                                    </p:set>
+                                  </p:childTnLst>
+                                </p:cTn>
+                              </p:par>
+                              <p:par>
+                                <p:cTn id="53" presetID="1" presetClass="exit" presetSubtype="0" fill="hold" grpId="0" nodeType="withEffect">
+                                  <p:stCondLst>
+                                    <p:cond delay="0"/>
+                                  </p:stCondLst>
+                                  <p:childTnLst>
+                                    <p:set>
+                                      <p:cBhvr>
+                                        <p:cTn id="54" dur="1" fill="hold">
+                                          <p:stCondLst>
+                                            <p:cond delay="0"/>
+                                          </p:stCondLst>
+                                        </p:cTn>
+                                        <p:tgtEl>
+                                          <p:spTgt spid="68"/>
+                                        </p:tgtEl>
+                                        <p:attrNameLst>
+                                          <p:attrName>style.visibility</p:attrName>
+                                        </p:attrNameLst>
+                                      </p:cBhvr>
+                                      <p:to>
+                                        <p:strVal val="hidden"/>
+                                      </p:to>
+                                    </p:set>
+                                  </p:childTnLst>
+                                </p:cTn>
+                              </p:par>
+                              <p:par>
+                                <p:cTn id="55" presetID="1" presetClass="exit" presetSubtype="0" fill="hold" grpId="0" nodeType="withEffect">
+                                  <p:stCondLst>
+                                    <p:cond delay="0"/>
+                                  </p:stCondLst>
+                                  <p:childTnLst>
+                                    <p:set>
+                                      <p:cBhvr>
+                                        <p:cTn id="56" dur="1" fill="hold">
+                                          <p:stCondLst>
+                                            <p:cond delay="0"/>
+                                          </p:stCondLst>
+                                        </p:cTn>
+                                        <p:tgtEl>
+                                          <p:spTgt spid="69"/>
+                                        </p:tgtEl>
+                                        <p:attrNameLst>
+                                          <p:attrName>style.visibility</p:attrName>
+                                        </p:attrNameLst>
+                                      </p:cBhvr>
+                                      <p:to>
+                                        <p:strVal val="hidden"/>
+                                      </p:to>
+                                    </p:set>
+                                  </p:childTnLst>
+                                </p:cTn>
+                              </p:par>
+                              <p:par>
+                                <p:cTn id="57" presetID="1" presetClass="entr" presetSubtype="0" fill="hold" nodeType="withEffect">
+                                  <p:stCondLst>
+                                    <p:cond delay="0"/>
+                                  </p:stCondLst>
+                                  <p:childTnLst>
+                                    <p:set>
+                                      <p:cBhvr>
+                                        <p:cTn id="58" dur="1" fill="hold">
+                                          <p:stCondLst>
+                                            <p:cond delay="0"/>
+                                          </p:stCondLst>
+                                        </p:cTn>
+                                        <p:tgtEl>
+                                          <p:spTgt spid="73"/>
                                         </p:tgtEl>
                                         <p:attrNameLst>
                                           <p:attrName>style.visibility</p:attrName>
@@ -6471,11 +10688,30 @@
         </p:cTn>
       </p:par>
     </p:tnLst>
+    <p:bldLst>
+      <p:bldP spid="4" grpId="0" animBg="1"/>
+      <p:bldP spid="5" grpId="0" animBg="1"/>
+      <p:bldP spid="6" grpId="0" animBg="1"/>
+      <p:bldP spid="7" grpId="0" animBg="1"/>
+      <p:bldP spid="25" grpId="0"/>
+      <p:bldP spid="26" grpId="0"/>
+      <p:bldP spid="27" grpId="0"/>
+      <p:bldP spid="28" grpId="0"/>
+      <p:bldP spid="35" grpId="0" animBg="1"/>
+      <p:bldP spid="36" grpId="0" animBg="1"/>
+      <p:bldP spid="41" grpId="0" animBg="1"/>
+      <p:bldP spid="42" grpId="0" animBg="1"/>
+      <p:bldP spid="44" grpId="0" animBg="1"/>
+      <p:bldP spid="45" grpId="0" animBg="1"/>
+      <p:bldP spid="67" grpId="0" animBg="1"/>
+      <p:bldP spid="68" grpId="0" animBg="1"/>
+      <p:bldP spid="69" grpId="0" animBg="1"/>
+    </p:bldLst>
   </p:timing>
 </p:sld>
 </file>
 
-<file path=ppt/slides/slide3.xml><?xml version="1.0" encoding="utf-8"?>
+<file path=ppt/slides/slide6.xml><?xml version="1.0" encoding="utf-8"?>
 <p:sld xmlns:a="http://schemas.openxmlformats.org/drawingml/2006/main" xmlns:r="http://schemas.openxmlformats.org/officeDocument/2006/relationships" xmlns:p="http://schemas.openxmlformats.org/presentationml/2006/main">
   <p:cSld>
     <p:spTree>
@@ -6564,7 +10800,7 @@
 </p:sld>
 </file>
 
-<file path=ppt/slides/slide4.xml><?xml version="1.0" encoding="utf-8"?>
+<file path=ppt/slides/slide7.xml><?xml version="1.0" encoding="utf-8"?>
 <p:sld xmlns:a="http://schemas.openxmlformats.org/drawingml/2006/main" xmlns:r="http://schemas.openxmlformats.org/officeDocument/2006/relationships" xmlns:p="http://schemas.openxmlformats.org/presentationml/2006/main">
   <p:cSld>
     <p:spTree>
@@ -6979,7 +11215,7 @@
 </p:sld>
 </file>
 
-<file path=ppt/slides/slide5.xml><?xml version="1.0" encoding="utf-8"?>
+<file path=ppt/slides/slide8.xml><?xml version="1.0" encoding="utf-8"?>
 <p:sld xmlns:a="http://schemas.openxmlformats.org/drawingml/2006/main" xmlns:r="http://schemas.openxmlformats.org/officeDocument/2006/relationships" xmlns:p="http://schemas.openxmlformats.org/presentationml/2006/main">
   <p:cSld>
     <p:spTree>
@@ -7093,7 +11329,7 @@
 </p:sld>
 </file>
 
-<file path=ppt/slides/slide6.xml><?xml version="1.0" encoding="utf-8"?>
+<file path=ppt/slides/slide9.xml><?xml version="1.0" encoding="utf-8"?>
 <p:sld xmlns:a="http://schemas.openxmlformats.org/drawingml/2006/main" xmlns:r="http://schemas.openxmlformats.org/officeDocument/2006/relationships" xmlns:p="http://schemas.openxmlformats.org/presentationml/2006/main">
   <p:cSld>
     <p:spTree>
@@ -7409,1448 +11645,6 @@
       </p:par>
     </p:tnLst>
   </p:timing>
-</p:sld>
-</file>
-
-<file path=ppt/slides/slide7.xml><?xml version="1.0" encoding="utf-8"?>
-<p:sld xmlns:a="http://schemas.openxmlformats.org/drawingml/2006/main" xmlns:r="http://schemas.openxmlformats.org/officeDocument/2006/relationships" xmlns:p="http://schemas.openxmlformats.org/presentationml/2006/main">
-  <p:cSld>
-    <p:spTree>
-      <p:nvGrpSpPr>
-        <p:cNvPr id="1" name=""/>
-        <p:cNvGrpSpPr/>
-        <p:nvPr/>
-      </p:nvGrpSpPr>
-      <p:grpSpPr>
-        <a:xfrm>
-          <a:off x="0" y="0"/>
-          <a:ext cx="0" cy="0"/>
-          <a:chOff x="0" y="0"/>
-          <a:chExt cx="0" cy="0"/>
-        </a:xfrm>
-      </p:grpSpPr>
-      <p:pic>
-        <p:nvPicPr>
-          <p:cNvPr id="9" name="Content Placeholder 8">
-            <a:extLst>
-              <a:ext uri="{FF2B5EF4-FFF2-40B4-BE49-F238E27FC236}">
-                <a16:creationId xmlns:a16="http://schemas.microsoft.com/office/drawing/2014/main" id="{783B72EF-51B8-BCF5-FF8B-0788790FB537}"/>
-              </a:ext>
-            </a:extLst>
-          </p:cNvPr>
-          <p:cNvPicPr>
-            <a:picLocks noGrp="1" noChangeAspect="1"/>
-          </p:cNvPicPr>
-          <p:nvPr>
-            <p:ph idx="1"/>
-          </p:nvPr>
-        </p:nvPicPr>
-        <p:blipFill rotWithShape="1">
-          <a:blip r:embed="rId2"/>
-          <a:srcRect l="29840" t="33837" r="27391" b="61204"/>
-          <a:stretch/>
-        </p:blipFill>
-        <p:spPr>
-          <a:xfrm>
-            <a:off x="2808291" y="1780740"/>
-            <a:ext cx="6575417" cy="1078788"/>
-          </a:xfrm>
-        </p:spPr>
-      </p:pic>
-      <p:pic>
-        <p:nvPicPr>
-          <p:cNvPr id="10" name="Content Placeholder 8">
-            <a:extLst>
-              <a:ext uri="{FF2B5EF4-FFF2-40B4-BE49-F238E27FC236}">
-                <a16:creationId xmlns:a16="http://schemas.microsoft.com/office/drawing/2014/main" id="{0B6EC3C4-BCAF-1318-EE24-4B19BE447DC0}"/>
-              </a:ext>
-            </a:extLst>
-          </p:cNvPr>
-          <p:cNvPicPr>
-            <a:picLocks noChangeAspect="1"/>
-          </p:cNvPicPr>
-          <p:nvPr/>
-        </p:nvPicPr>
-        <p:blipFill rotWithShape="1">
-          <a:blip r:embed="rId2"/>
-          <a:srcRect l="43885" t="38236" r="41480" b="57561"/>
-          <a:stretch/>
-        </p:blipFill>
-        <p:spPr>
-          <a:xfrm>
-            <a:off x="4970977" y="2754763"/>
-            <a:ext cx="2250041" cy="914399"/>
-          </a:xfrm>
-          <a:prstGeom prst="rect">
-            <a:avLst/>
-          </a:prstGeom>
-        </p:spPr>
-      </p:pic>
-      <p:pic>
-        <p:nvPicPr>
-          <p:cNvPr id="11" name="Content Placeholder 8">
-            <a:extLst>
-              <a:ext uri="{FF2B5EF4-FFF2-40B4-BE49-F238E27FC236}">
-                <a16:creationId xmlns:a16="http://schemas.microsoft.com/office/drawing/2014/main" id="{42AB7B8D-5A63-74FC-BED2-31CE8CFDCC19}"/>
-              </a:ext>
-            </a:extLst>
-          </p:cNvPr>
-          <p:cNvPicPr>
-            <a:picLocks noChangeAspect="1"/>
-          </p:cNvPicPr>
-          <p:nvPr/>
-        </p:nvPicPr>
-        <p:blipFill rotWithShape="1">
-          <a:blip r:embed="rId2"/>
-          <a:srcRect l="39553" t="42322" r="37593" b="52720"/>
-          <a:stretch/>
-        </p:blipFill>
-        <p:spPr>
-          <a:xfrm>
-            <a:off x="2582236" y="4270169"/>
-            <a:ext cx="3513762" cy="1078788"/>
-          </a:xfrm>
-          <a:prstGeom prst="rect">
-            <a:avLst/>
-          </a:prstGeom>
-        </p:spPr>
-      </p:pic>
-      <p:pic>
-        <p:nvPicPr>
-          <p:cNvPr id="12" name="Content Placeholder 8">
-            <a:extLst>
-              <a:ext uri="{FF2B5EF4-FFF2-40B4-BE49-F238E27FC236}">
-                <a16:creationId xmlns:a16="http://schemas.microsoft.com/office/drawing/2014/main" id="{4F202351-10F3-5CAA-3E85-DF2A9163ECF2}"/>
-              </a:ext>
-            </a:extLst>
-          </p:cNvPr>
-          <p:cNvPicPr>
-            <a:picLocks noChangeAspect="1"/>
-          </p:cNvPicPr>
-          <p:nvPr/>
-        </p:nvPicPr>
-        <p:blipFill rotWithShape="1">
-          <a:blip r:embed="rId2"/>
-          <a:srcRect l="39553" t="46926" r="37593" b="48116"/>
-          <a:stretch/>
-        </p:blipFill>
-        <p:spPr>
-          <a:xfrm>
-            <a:off x="6095998" y="4303389"/>
-            <a:ext cx="3513762" cy="1078788"/>
-          </a:xfrm>
-          <a:prstGeom prst="rect">
-            <a:avLst/>
-          </a:prstGeom>
-        </p:spPr>
-      </p:pic>
-      <p:pic>
-        <p:nvPicPr>
-          <p:cNvPr id="13" name="Content Placeholder 8">
-            <a:extLst>
-              <a:ext uri="{FF2B5EF4-FFF2-40B4-BE49-F238E27FC236}">
-                <a16:creationId xmlns:a16="http://schemas.microsoft.com/office/drawing/2014/main" id="{8C9BA415-2CB7-DB3F-F7CB-8E190A8CA4E6}"/>
-              </a:ext>
-            </a:extLst>
-          </p:cNvPr>
-          <p:cNvPicPr>
-            <a:picLocks noChangeAspect="1"/>
-          </p:cNvPicPr>
-          <p:nvPr/>
-        </p:nvPicPr>
-        <p:blipFill rotWithShape="1">
-          <a:blip r:embed="rId2"/>
-          <a:srcRect l="39553" t="51821" r="37593" b="43976"/>
-          <a:stretch/>
-        </p:blipFill>
-        <p:spPr>
-          <a:xfrm>
-            <a:off x="4339116" y="4436383"/>
-            <a:ext cx="3513762" cy="914400"/>
-          </a:xfrm>
-          <a:prstGeom prst="rect">
-            <a:avLst/>
-          </a:prstGeom>
-        </p:spPr>
-      </p:pic>
-      <p:sp>
-        <p:nvSpPr>
-          <p:cNvPr id="15" name="Title 1">
-            <a:extLst>
-              <a:ext uri="{FF2B5EF4-FFF2-40B4-BE49-F238E27FC236}">
-                <a16:creationId xmlns:a16="http://schemas.microsoft.com/office/drawing/2014/main" id="{C4FFBCCA-1D7C-F651-FDE1-D30ABC415799}"/>
-              </a:ext>
-            </a:extLst>
-          </p:cNvPr>
-          <p:cNvSpPr>
-            <a:spLocks noGrp="1"/>
-          </p:cNvSpPr>
-          <p:nvPr/>
-        </p:nvSpPr>
-        <p:spPr>
-          <a:xfrm>
-            <a:off x="838200" y="183656"/>
-            <a:ext cx="10515600" cy="1325563"/>
-          </a:xfrm>
-          <a:prstGeom prst="rect">
-            <a:avLst/>
-          </a:prstGeom>
-        </p:spPr>
-        <p:txBody>
-          <a:bodyPr vert="horz" lIns="91440" tIns="45720" rIns="91440" bIns="45720" rtlCol="0" anchor="ctr">
-            <a:normAutofit/>
-          </a:bodyPr>
-          <a:lstStyle>
-            <a:lvl1pPr algn="l" defTabSz="914400" rtl="0" eaLnBrk="1" latinLnBrk="0" hangingPunct="1">
-              <a:lnSpc>
-                <a:spcPct val="90000"/>
-              </a:lnSpc>
-              <a:spcBef>
-                <a:spcPct val="0"/>
-              </a:spcBef>
-              <a:buNone/>
-              <a:defRPr sz="4400" kern="1200">
-                <a:solidFill>
-                  <a:schemeClr val="tx1"/>
-                </a:solidFill>
-                <a:latin typeface="+mj-lt"/>
-                <a:ea typeface="+mj-ea"/>
-                <a:cs typeface="+mj-cs"/>
-              </a:defRPr>
-            </a:lvl1pPr>
-          </a:lstStyle>
-          <a:p>
-            <a:pPr algn="ctr"/>
-            <a:r>
-              <a:rPr lang="en-US" dirty="0"/>
-              <a:t>Neutrino Radial Kernel</a:t>
-            </a:r>
-          </a:p>
-        </p:txBody>
-      </p:sp>
-    </p:spTree>
-    <p:extLst>
-      <p:ext uri="{BB962C8B-B14F-4D97-AF65-F5344CB8AC3E}">
-        <p14:creationId xmlns:p14="http://schemas.microsoft.com/office/powerpoint/2010/main" val="2666327857"/>
-      </p:ext>
-    </p:extLst>
-  </p:cSld>
-  <p:clrMapOvr>
-    <a:masterClrMapping/>
-  </p:clrMapOvr>
-  <p:timing>
-    <p:tnLst>
-      <p:par>
-        <p:cTn id="1" dur="indefinite" restart="never" nodeType="tmRoot">
-          <p:childTnLst>
-            <p:seq concurrent="1" nextAc="seek">
-              <p:cTn id="2" dur="indefinite" nodeType="mainSeq">
-                <p:childTnLst>
-                  <p:par>
-                    <p:cTn id="3" fill="hold">
-                      <p:stCondLst>
-                        <p:cond delay="indefinite"/>
-                      </p:stCondLst>
-                      <p:childTnLst>
-                        <p:par>
-                          <p:cTn id="4" fill="hold">
-                            <p:stCondLst>
-                              <p:cond delay="0"/>
-                            </p:stCondLst>
-                            <p:childTnLst>
-                              <p:par>
-                                <p:cTn id="5" presetID="1" presetClass="entr" presetSubtype="0" fill="hold" nodeType="clickEffect">
-                                  <p:stCondLst>
-                                    <p:cond delay="0"/>
-                                  </p:stCondLst>
-                                  <p:childTnLst>
-                                    <p:set>
-                                      <p:cBhvr>
-                                        <p:cTn id="6" dur="1" fill="hold">
-                                          <p:stCondLst>
-                                            <p:cond delay="0"/>
-                                          </p:stCondLst>
-                                        </p:cTn>
-                                        <p:tgtEl>
-                                          <p:spTgt spid="9"/>
-                                        </p:tgtEl>
-                                        <p:attrNameLst>
-                                          <p:attrName>style.visibility</p:attrName>
-                                        </p:attrNameLst>
-                                      </p:cBhvr>
-                                      <p:to>
-                                        <p:strVal val="visible"/>
-                                      </p:to>
-                                    </p:set>
-                                  </p:childTnLst>
-                                </p:cTn>
-                              </p:par>
-                            </p:childTnLst>
-                          </p:cTn>
-                        </p:par>
-                      </p:childTnLst>
-                    </p:cTn>
-                  </p:par>
-                  <p:par>
-                    <p:cTn id="7" fill="hold">
-                      <p:stCondLst>
-                        <p:cond delay="indefinite"/>
-                      </p:stCondLst>
-                      <p:childTnLst>
-                        <p:par>
-                          <p:cTn id="8" fill="hold">
-                            <p:stCondLst>
-                              <p:cond delay="0"/>
-                            </p:stCondLst>
-                            <p:childTnLst>
-                              <p:par>
-                                <p:cTn id="9" presetID="1" presetClass="entr" presetSubtype="0" fill="hold" nodeType="clickEffect">
-                                  <p:stCondLst>
-                                    <p:cond delay="0"/>
-                                  </p:stCondLst>
-                                  <p:childTnLst>
-                                    <p:set>
-                                      <p:cBhvr>
-                                        <p:cTn id="10" dur="1" fill="hold">
-                                          <p:stCondLst>
-                                            <p:cond delay="0"/>
-                                          </p:stCondLst>
-                                        </p:cTn>
-                                        <p:tgtEl>
-                                          <p:spTgt spid="10"/>
-                                        </p:tgtEl>
-                                        <p:attrNameLst>
-                                          <p:attrName>style.visibility</p:attrName>
-                                        </p:attrNameLst>
-                                      </p:cBhvr>
-                                      <p:to>
-                                        <p:strVal val="visible"/>
-                                      </p:to>
-                                    </p:set>
-                                  </p:childTnLst>
-                                </p:cTn>
-                              </p:par>
-                            </p:childTnLst>
-                          </p:cTn>
-                        </p:par>
-                      </p:childTnLst>
-                    </p:cTn>
-                  </p:par>
-                  <p:par>
-                    <p:cTn id="11" fill="hold">
-                      <p:stCondLst>
-                        <p:cond delay="indefinite"/>
-                      </p:stCondLst>
-                      <p:childTnLst>
-                        <p:par>
-                          <p:cTn id="12" fill="hold">
-                            <p:stCondLst>
-                              <p:cond delay="0"/>
-                            </p:stCondLst>
-                            <p:childTnLst>
-                              <p:par>
-                                <p:cTn id="13" presetID="1" presetClass="entr" presetSubtype="0" fill="hold" nodeType="clickEffect">
-                                  <p:stCondLst>
-                                    <p:cond delay="0"/>
-                                  </p:stCondLst>
-                                  <p:childTnLst>
-                                    <p:set>
-                                      <p:cBhvr>
-                                        <p:cTn id="14" dur="1" fill="hold">
-                                          <p:stCondLst>
-                                            <p:cond delay="0"/>
-                                          </p:stCondLst>
-                                        </p:cTn>
-                                        <p:tgtEl>
-                                          <p:spTgt spid="11"/>
-                                        </p:tgtEl>
-                                        <p:attrNameLst>
-                                          <p:attrName>style.visibility</p:attrName>
-                                        </p:attrNameLst>
-                                      </p:cBhvr>
-                                      <p:to>
-                                        <p:strVal val="visible"/>
-                                      </p:to>
-                                    </p:set>
-                                  </p:childTnLst>
-                                </p:cTn>
-                              </p:par>
-                            </p:childTnLst>
-                          </p:cTn>
-                        </p:par>
-                      </p:childTnLst>
-                    </p:cTn>
-                  </p:par>
-                  <p:par>
-                    <p:cTn id="15" fill="hold">
-                      <p:stCondLst>
-                        <p:cond delay="indefinite"/>
-                      </p:stCondLst>
-                      <p:childTnLst>
-                        <p:par>
-                          <p:cTn id="16" fill="hold">
-                            <p:stCondLst>
-                              <p:cond delay="0"/>
-                            </p:stCondLst>
-                            <p:childTnLst>
-                              <p:par>
-                                <p:cTn id="17" presetID="1" presetClass="entr" presetSubtype="0" fill="hold" nodeType="clickEffect">
-                                  <p:stCondLst>
-                                    <p:cond delay="0"/>
-                                  </p:stCondLst>
-                                  <p:childTnLst>
-                                    <p:set>
-                                      <p:cBhvr>
-                                        <p:cTn id="18" dur="1" fill="hold">
-                                          <p:stCondLst>
-                                            <p:cond delay="0"/>
-                                          </p:stCondLst>
-                                        </p:cTn>
-                                        <p:tgtEl>
-                                          <p:spTgt spid="12"/>
-                                        </p:tgtEl>
-                                        <p:attrNameLst>
-                                          <p:attrName>style.visibility</p:attrName>
-                                        </p:attrNameLst>
-                                      </p:cBhvr>
-                                      <p:to>
-                                        <p:strVal val="visible"/>
-                                      </p:to>
-                                    </p:set>
-                                  </p:childTnLst>
-                                </p:cTn>
-                              </p:par>
-                            </p:childTnLst>
-                          </p:cTn>
-                        </p:par>
-                      </p:childTnLst>
-                    </p:cTn>
-                  </p:par>
-                  <p:par>
-                    <p:cTn id="19" fill="hold">
-                      <p:stCondLst>
-                        <p:cond delay="indefinite"/>
-                      </p:stCondLst>
-                      <p:childTnLst>
-                        <p:par>
-                          <p:cTn id="20" fill="hold">
-                            <p:stCondLst>
-                              <p:cond delay="0"/>
-                            </p:stCondLst>
-                            <p:childTnLst>
-                              <p:par>
-                                <p:cTn id="21" presetID="1" presetClass="entr" presetSubtype="0" fill="hold" nodeType="clickEffect">
-                                  <p:stCondLst>
-                                    <p:cond delay="0"/>
-                                  </p:stCondLst>
-                                  <p:childTnLst>
-                                    <p:set>
-                                      <p:cBhvr>
-                                        <p:cTn id="22" dur="1" fill="hold">
-                                          <p:stCondLst>
-                                            <p:cond delay="0"/>
-                                          </p:stCondLst>
-                                        </p:cTn>
-                                        <p:tgtEl>
-                                          <p:spTgt spid="13"/>
-                                        </p:tgtEl>
-                                        <p:attrNameLst>
-                                          <p:attrName>style.visibility</p:attrName>
-                                        </p:attrNameLst>
-                                      </p:cBhvr>
-                                      <p:to>
-                                        <p:strVal val="visible"/>
-                                      </p:to>
-                                    </p:set>
-                                  </p:childTnLst>
-                                </p:cTn>
-                              </p:par>
-                              <p:par>
-                                <p:cTn id="23" presetID="1" presetClass="exit" presetSubtype="0" fill="hold" nodeType="withEffect">
-                                  <p:stCondLst>
-                                    <p:cond delay="0"/>
-                                  </p:stCondLst>
-                                  <p:childTnLst>
-                                    <p:set>
-                                      <p:cBhvr>
-                                        <p:cTn id="24" dur="1" fill="hold">
-                                          <p:stCondLst>
-                                            <p:cond delay="0"/>
-                                          </p:stCondLst>
-                                        </p:cTn>
-                                        <p:tgtEl>
-                                          <p:spTgt spid="11"/>
-                                        </p:tgtEl>
-                                        <p:attrNameLst>
-                                          <p:attrName>style.visibility</p:attrName>
-                                        </p:attrNameLst>
-                                      </p:cBhvr>
-                                      <p:to>
-                                        <p:strVal val="hidden"/>
-                                      </p:to>
-                                    </p:set>
-                                  </p:childTnLst>
-                                </p:cTn>
-                              </p:par>
-                              <p:par>
-                                <p:cTn id="25" presetID="1" presetClass="exit" presetSubtype="0" fill="hold" nodeType="withEffect">
-                                  <p:stCondLst>
-                                    <p:cond delay="0"/>
-                                  </p:stCondLst>
-                                  <p:childTnLst>
-                                    <p:set>
-                                      <p:cBhvr>
-                                        <p:cTn id="26" dur="1" fill="hold">
-                                          <p:stCondLst>
-                                            <p:cond delay="0"/>
-                                          </p:stCondLst>
-                                        </p:cTn>
-                                        <p:tgtEl>
-                                          <p:spTgt spid="12"/>
-                                        </p:tgtEl>
-                                        <p:attrNameLst>
-                                          <p:attrName>style.visibility</p:attrName>
-                                        </p:attrNameLst>
-                                      </p:cBhvr>
-                                      <p:to>
-                                        <p:strVal val="hidden"/>
-                                      </p:to>
-                                    </p:set>
-                                  </p:childTnLst>
-                                </p:cTn>
-                              </p:par>
-                            </p:childTnLst>
-                          </p:cTn>
-                        </p:par>
-                      </p:childTnLst>
-                    </p:cTn>
-                  </p:par>
-                </p:childTnLst>
-              </p:cTn>
-              <p:prevCondLst>
-                <p:cond evt="onPrev" delay="0">
-                  <p:tgtEl>
-                    <p:sldTgt/>
-                  </p:tgtEl>
-                </p:cond>
-              </p:prevCondLst>
-              <p:nextCondLst>
-                <p:cond evt="onNext" delay="0">
-                  <p:tgtEl>
-                    <p:sldTgt/>
-                  </p:tgtEl>
-                </p:cond>
-              </p:nextCondLst>
-            </p:seq>
-          </p:childTnLst>
-        </p:cTn>
-      </p:par>
-    </p:tnLst>
-  </p:timing>
-</p:sld>
-</file>
-
-<file path=ppt/slides/slide8.xml><?xml version="1.0" encoding="utf-8"?>
-<p:sld xmlns:a="http://schemas.openxmlformats.org/drawingml/2006/main" xmlns:r="http://schemas.openxmlformats.org/officeDocument/2006/relationships" xmlns:p="http://schemas.openxmlformats.org/presentationml/2006/main">
-  <p:cSld>
-    <p:spTree>
-      <p:nvGrpSpPr>
-        <p:cNvPr id="1" name=""/>
-        <p:cNvGrpSpPr/>
-        <p:nvPr/>
-      </p:nvGrpSpPr>
-      <p:grpSpPr>
-        <a:xfrm>
-          <a:off x="0" y="0"/>
-          <a:ext cx="0" cy="0"/>
-          <a:chOff x="0" y="0"/>
-          <a:chExt cx="0" cy="0"/>
-        </a:xfrm>
-      </p:grpSpPr>
-      <p:pic>
-        <p:nvPicPr>
-          <p:cNvPr id="9" name="Content Placeholder 8">
-            <a:extLst>
-              <a:ext uri="{FF2B5EF4-FFF2-40B4-BE49-F238E27FC236}">
-                <a16:creationId xmlns:a16="http://schemas.microsoft.com/office/drawing/2014/main" id="{AF49C4B3-3C55-10C5-EB0D-C988A668FE4B}"/>
-              </a:ext>
-            </a:extLst>
-          </p:cNvPr>
-          <p:cNvPicPr>
-            <a:picLocks noGrp="1" noChangeAspect="1"/>
-          </p:cNvPicPr>
-          <p:nvPr>
-            <p:ph idx="1"/>
-          </p:nvPr>
-        </p:nvPicPr>
-        <p:blipFill rotWithShape="1">
-          <a:blip r:embed="rId2"/>
-          <a:srcRect t="37058" r="6842" b="35625"/>
-          <a:stretch/>
-        </p:blipFill>
-        <p:spPr>
-          <a:xfrm>
-            <a:off x="474796" y="1374955"/>
-            <a:ext cx="3316368" cy="2190178"/>
-          </a:xfrm>
-        </p:spPr>
-      </p:pic>
-      <p:sp>
-        <p:nvSpPr>
-          <p:cNvPr id="10" name="Right Arrow 9">
-            <a:extLst>
-              <a:ext uri="{FF2B5EF4-FFF2-40B4-BE49-F238E27FC236}">
-                <a16:creationId xmlns:a16="http://schemas.microsoft.com/office/drawing/2014/main" id="{6B15FA00-D8DC-17A6-E904-A24933BFBF5E}"/>
-              </a:ext>
-            </a:extLst>
-          </p:cNvPr>
-          <p:cNvSpPr/>
-          <p:nvPr/>
-        </p:nvSpPr>
-        <p:spPr>
-          <a:xfrm>
-            <a:off x="4389008" y="1776538"/>
-            <a:ext cx="2928135" cy="1387011"/>
-          </a:xfrm>
-          <a:prstGeom prst="rightArrow">
-            <a:avLst/>
-          </a:prstGeom>
-        </p:spPr>
-        <p:style>
-          <a:lnRef idx="2">
-            <a:schemeClr val="accent1">
-              <a:shade val="50000"/>
-            </a:schemeClr>
-          </a:lnRef>
-          <a:fillRef idx="1">
-            <a:schemeClr val="accent1"/>
-          </a:fillRef>
-          <a:effectRef idx="0">
-            <a:schemeClr val="accent1"/>
-          </a:effectRef>
-          <a:fontRef idx="minor">
-            <a:schemeClr val="lt1"/>
-          </a:fontRef>
-        </p:style>
-        <p:txBody>
-          <a:bodyPr rtlCol="0" anchor="ctr"/>
-          <a:lstStyle/>
-          <a:p>
-            <a:pPr algn="ctr"/>
-            <a:endParaRPr lang="en-US" dirty="0"/>
-          </a:p>
-        </p:txBody>
-      </p:sp>
-      <p:pic>
-        <p:nvPicPr>
-          <p:cNvPr id="12" name="Picture 11">
-            <a:extLst>
-              <a:ext uri="{FF2B5EF4-FFF2-40B4-BE49-F238E27FC236}">
-                <a16:creationId xmlns:a16="http://schemas.microsoft.com/office/drawing/2014/main" id="{37E36EAE-9299-ECE8-39E9-DC28985A20C2}"/>
-              </a:ext>
-            </a:extLst>
-          </p:cNvPr>
-          <p:cNvPicPr>
-            <a:picLocks noChangeAspect="1"/>
-          </p:cNvPicPr>
-          <p:nvPr/>
-        </p:nvPicPr>
-        <p:blipFill rotWithShape="1">
-          <a:blip r:embed="rId3"/>
-          <a:srcRect t="37303" r="8274" b="35581"/>
-          <a:stretch/>
-        </p:blipFill>
-        <p:spPr>
-          <a:xfrm>
-            <a:off x="7802993" y="1374955"/>
-            <a:ext cx="3289582" cy="2190178"/>
-          </a:xfrm>
-          <a:prstGeom prst="rect">
-            <a:avLst/>
-          </a:prstGeom>
-        </p:spPr>
-      </p:pic>
-      <p:pic>
-        <p:nvPicPr>
-          <p:cNvPr id="14" name="Picture 13">
-            <a:extLst>
-              <a:ext uri="{FF2B5EF4-FFF2-40B4-BE49-F238E27FC236}">
-                <a16:creationId xmlns:a16="http://schemas.microsoft.com/office/drawing/2014/main" id="{8481F8A8-DBDA-4CE5-08CA-FD01886854BA}"/>
-              </a:ext>
-            </a:extLst>
-          </p:cNvPr>
-          <p:cNvPicPr>
-            <a:picLocks noChangeAspect="1"/>
-          </p:cNvPicPr>
-          <p:nvPr/>
-        </p:nvPicPr>
-        <p:blipFill>
-          <a:blip r:embed="rId4"/>
-          <a:stretch>
-            <a:fillRect/>
-          </a:stretch>
-        </p:blipFill>
-        <p:spPr>
-          <a:xfrm>
-            <a:off x="217632" y="3565133"/>
-            <a:ext cx="3316368" cy="3316368"/>
-          </a:xfrm>
-          <a:prstGeom prst="rect">
-            <a:avLst/>
-          </a:prstGeom>
-        </p:spPr>
-      </p:pic>
-      <p:pic>
-        <p:nvPicPr>
-          <p:cNvPr id="16" name="Picture 15">
-            <a:extLst>
-              <a:ext uri="{FF2B5EF4-FFF2-40B4-BE49-F238E27FC236}">
-                <a16:creationId xmlns:a16="http://schemas.microsoft.com/office/drawing/2014/main" id="{02001748-6A6F-25E6-769F-C2ED9D3B3D6F}"/>
-              </a:ext>
-            </a:extLst>
-          </p:cNvPr>
-          <p:cNvPicPr>
-            <a:picLocks noChangeAspect="1"/>
-          </p:cNvPicPr>
-          <p:nvPr/>
-        </p:nvPicPr>
-        <p:blipFill>
-          <a:blip r:embed="rId5"/>
-          <a:stretch>
-            <a:fillRect/>
-          </a:stretch>
-        </p:blipFill>
-        <p:spPr>
-          <a:xfrm>
-            <a:off x="7776208" y="3565134"/>
-            <a:ext cx="3316367" cy="3316367"/>
-          </a:xfrm>
-          <a:prstGeom prst="rect">
-            <a:avLst/>
-          </a:prstGeom>
-        </p:spPr>
-      </p:pic>
-      <p:sp>
-        <p:nvSpPr>
-          <p:cNvPr id="17" name="Right Arrow 16">
-            <a:extLst>
-              <a:ext uri="{FF2B5EF4-FFF2-40B4-BE49-F238E27FC236}">
-                <a16:creationId xmlns:a16="http://schemas.microsoft.com/office/drawing/2014/main" id="{C68C2C99-10FC-4168-5786-CFFEDCFDF6EF}"/>
-              </a:ext>
-            </a:extLst>
-          </p:cNvPr>
-          <p:cNvSpPr/>
-          <p:nvPr/>
-        </p:nvSpPr>
-        <p:spPr>
-          <a:xfrm>
-            <a:off x="4389008" y="4672138"/>
-            <a:ext cx="2928135" cy="1387011"/>
-          </a:xfrm>
-          <a:prstGeom prst="rightArrow">
-            <a:avLst/>
-          </a:prstGeom>
-        </p:spPr>
-        <p:style>
-          <a:lnRef idx="2">
-            <a:schemeClr val="accent1">
-              <a:shade val="50000"/>
-            </a:schemeClr>
-          </a:lnRef>
-          <a:fillRef idx="1">
-            <a:schemeClr val="accent1"/>
-          </a:fillRef>
-          <a:effectRef idx="0">
-            <a:schemeClr val="accent1"/>
-          </a:effectRef>
-          <a:fontRef idx="minor">
-            <a:schemeClr val="lt1"/>
-          </a:fontRef>
-        </p:style>
-        <p:txBody>
-          <a:bodyPr rtlCol="0" anchor="ctr"/>
-          <a:lstStyle/>
-          <a:p>
-            <a:pPr algn="ctr"/>
-            <a:endParaRPr lang="en-US" dirty="0"/>
-          </a:p>
-        </p:txBody>
-      </p:sp>
-      <p:sp>
-        <p:nvSpPr>
-          <p:cNvPr id="18" name="TextBox 17">
-            <a:extLst>
-              <a:ext uri="{FF2B5EF4-FFF2-40B4-BE49-F238E27FC236}">
-                <a16:creationId xmlns:a16="http://schemas.microsoft.com/office/drawing/2014/main" id="{6C8968E5-39EA-6A57-014F-04A2DE0912F9}"/>
-              </a:ext>
-            </a:extLst>
-          </p:cNvPr>
-          <p:cNvSpPr txBox="1"/>
-          <p:nvPr/>
-        </p:nvSpPr>
-        <p:spPr>
-          <a:xfrm>
-            <a:off x="4515240" y="3684178"/>
-            <a:ext cx="2279727" cy="369332"/>
-          </a:xfrm>
-          <a:prstGeom prst="rect">
-            <a:avLst/>
-          </a:prstGeom>
-          <a:noFill/>
-        </p:spPr>
-        <p:txBody>
-          <a:bodyPr wrap="none" rtlCol="0">
-            <a:spAutoFit/>
-          </a:bodyPr>
-          <a:lstStyle/>
-          <a:p>
-            <a:r>
-              <a:rPr lang="en-US" dirty="0"/>
-              <a:t>Volume prior on alpha</a:t>
-            </a:r>
-          </a:p>
-        </p:txBody>
-      </p:sp>
-      <p:sp>
-        <p:nvSpPr>
-          <p:cNvPr id="21" name="Title 1">
-            <a:extLst>
-              <a:ext uri="{FF2B5EF4-FFF2-40B4-BE49-F238E27FC236}">
-                <a16:creationId xmlns:a16="http://schemas.microsoft.com/office/drawing/2014/main" id="{4CFDC560-1984-2F84-CF1A-14A3FBFC48E2}"/>
-              </a:ext>
-            </a:extLst>
-          </p:cNvPr>
-          <p:cNvSpPr>
-            <a:spLocks noGrp="1"/>
-          </p:cNvSpPr>
-          <p:nvPr/>
-        </p:nvSpPr>
-        <p:spPr>
-          <a:xfrm>
-            <a:off x="838200" y="183656"/>
-            <a:ext cx="10515600" cy="1325563"/>
-          </a:xfrm>
-          <a:prstGeom prst="rect">
-            <a:avLst/>
-          </a:prstGeom>
-        </p:spPr>
-        <p:txBody>
-          <a:bodyPr vert="horz" lIns="91440" tIns="45720" rIns="91440" bIns="45720" rtlCol="0" anchor="ctr">
-            <a:normAutofit/>
-          </a:bodyPr>
-          <a:lstStyle>
-            <a:lvl1pPr algn="l" defTabSz="914400" rtl="0" eaLnBrk="1" latinLnBrk="0" hangingPunct="1">
-              <a:lnSpc>
-                <a:spcPct val="90000"/>
-              </a:lnSpc>
-              <a:spcBef>
-                <a:spcPct val="0"/>
-              </a:spcBef>
-              <a:buNone/>
-              <a:defRPr sz="4400" kern="1200">
-                <a:solidFill>
-                  <a:schemeClr val="tx1"/>
-                </a:solidFill>
-                <a:latin typeface="+mj-lt"/>
-                <a:ea typeface="+mj-ea"/>
-                <a:cs typeface="+mj-cs"/>
-              </a:defRPr>
-            </a:lvl1pPr>
-          </a:lstStyle>
-          <a:p>
-            <a:pPr algn="ctr"/>
-            <a:r>
-              <a:rPr lang="en-US" dirty="0"/>
-              <a:t>Constraining A and alpha</a:t>
-            </a:r>
-          </a:p>
-        </p:txBody>
-      </p:sp>
-    </p:spTree>
-    <p:extLst>
-      <p:ext uri="{BB962C8B-B14F-4D97-AF65-F5344CB8AC3E}">
-        <p14:creationId xmlns:p14="http://schemas.microsoft.com/office/powerpoint/2010/main" val="3764981136"/>
-      </p:ext>
-    </p:extLst>
-  </p:cSld>
-  <p:clrMapOvr>
-    <a:masterClrMapping/>
-  </p:clrMapOvr>
-  <p:timing>
-    <p:tnLst>
-      <p:par>
-        <p:cTn id="1" dur="indefinite" restart="never" nodeType="tmRoot">
-          <p:childTnLst>
-            <p:seq concurrent="1" nextAc="seek">
-              <p:cTn id="2" dur="indefinite" nodeType="mainSeq">
-                <p:childTnLst>
-                  <p:par>
-                    <p:cTn id="3" fill="hold">
-                      <p:stCondLst>
-                        <p:cond delay="indefinite"/>
-                      </p:stCondLst>
-                      <p:childTnLst>
-                        <p:par>
-                          <p:cTn id="4" fill="hold">
-                            <p:stCondLst>
-                              <p:cond delay="0"/>
-                            </p:stCondLst>
-                            <p:childTnLst>
-                              <p:par>
-                                <p:cTn id="5" presetID="1" presetClass="entr" presetSubtype="0" fill="hold" nodeType="clickEffect">
-                                  <p:stCondLst>
-                                    <p:cond delay="0"/>
-                                  </p:stCondLst>
-                                  <p:childTnLst>
-                                    <p:set>
-                                      <p:cBhvr>
-                                        <p:cTn id="6" dur="1" fill="hold">
-                                          <p:stCondLst>
-                                            <p:cond delay="0"/>
-                                          </p:stCondLst>
-                                        </p:cTn>
-                                        <p:tgtEl>
-                                          <p:spTgt spid="9"/>
-                                        </p:tgtEl>
-                                        <p:attrNameLst>
-                                          <p:attrName>style.visibility</p:attrName>
-                                        </p:attrNameLst>
-                                      </p:cBhvr>
-                                      <p:to>
-                                        <p:strVal val="visible"/>
-                                      </p:to>
-                                    </p:set>
-                                  </p:childTnLst>
-                                </p:cTn>
-                              </p:par>
-                              <p:par>
-                                <p:cTn id="7" presetID="1" presetClass="entr" presetSubtype="0" fill="hold" nodeType="withEffect">
-                                  <p:stCondLst>
-                                    <p:cond delay="0"/>
-                                  </p:stCondLst>
-                                  <p:childTnLst>
-                                    <p:set>
-                                      <p:cBhvr>
-                                        <p:cTn id="8" dur="1" fill="hold">
-                                          <p:stCondLst>
-                                            <p:cond delay="0"/>
-                                          </p:stCondLst>
-                                        </p:cTn>
-                                        <p:tgtEl>
-                                          <p:spTgt spid="14"/>
-                                        </p:tgtEl>
-                                        <p:attrNameLst>
-                                          <p:attrName>style.visibility</p:attrName>
-                                        </p:attrNameLst>
-                                      </p:cBhvr>
-                                      <p:to>
-                                        <p:strVal val="visible"/>
-                                      </p:to>
-                                    </p:set>
-                                  </p:childTnLst>
-                                </p:cTn>
-                              </p:par>
-                            </p:childTnLst>
-                          </p:cTn>
-                        </p:par>
-                      </p:childTnLst>
-                    </p:cTn>
-                  </p:par>
-                  <p:par>
-                    <p:cTn id="9" fill="hold">
-                      <p:stCondLst>
-                        <p:cond delay="indefinite"/>
-                      </p:stCondLst>
-                      <p:childTnLst>
-                        <p:par>
-                          <p:cTn id="10" fill="hold">
-                            <p:stCondLst>
-                              <p:cond delay="0"/>
-                            </p:stCondLst>
-                            <p:childTnLst>
-                              <p:par>
-                                <p:cTn id="11" presetID="1" presetClass="entr" presetSubtype="0" fill="hold" grpId="0" nodeType="clickEffect">
-                                  <p:stCondLst>
-                                    <p:cond delay="0"/>
-                                  </p:stCondLst>
-                                  <p:childTnLst>
-                                    <p:set>
-                                      <p:cBhvr>
-                                        <p:cTn id="12" dur="1" fill="hold">
-                                          <p:stCondLst>
-                                            <p:cond delay="0"/>
-                                          </p:stCondLst>
-                                        </p:cTn>
-                                        <p:tgtEl>
-                                          <p:spTgt spid="10"/>
-                                        </p:tgtEl>
-                                        <p:attrNameLst>
-                                          <p:attrName>style.visibility</p:attrName>
-                                        </p:attrNameLst>
-                                      </p:cBhvr>
-                                      <p:to>
-                                        <p:strVal val="visible"/>
-                                      </p:to>
-                                    </p:set>
-                                  </p:childTnLst>
-                                </p:cTn>
-                              </p:par>
-                              <p:par>
-                                <p:cTn id="13" presetID="1" presetClass="entr" presetSubtype="0" fill="hold" grpId="0" nodeType="withEffect">
-                                  <p:stCondLst>
-                                    <p:cond delay="0"/>
-                                  </p:stCondLst>
-                                  <p:childTnLst>
-                                    <p:set>
-                                      <p:cBhvr>
-                                        <p:cTn id="14" dur="1" fill="hold">
-                                          <p:stCondLst>
-                                            <p:cond delay="0"/>
-                                          </p:stCondLst>
-                                        </p:cTn>
-                                        <p:tgtEl>
-                                          <p:spTgt spid="18"/>
-                                        </p:tgtEl>
-                                        <p:attrNameLst>
-                                          <p:attrName>style.visibility</p:attrName>
-                                        </p:attrNameLst>
-                                      </p:cBhvr>
-                                      <p:to>
-                                        <p:strVal val="visible"/>
-                                      </p:to>
-                                    </p:set>
-                                  </p:childTnLst>
-                                </p:cTn>
-                              </p:par>
-                              <p:par>
-                                <p:cTn id="15" presetID="1" presetClass="entr" presetSubtype="0" fill="hold" grpId="0" nodeType="withEffect">
-                                  <p:stCondLst>
-                                    <p:cond delay="0"/>
-                                  </p:stCondLst>
-                                  <p:childTnLst>
-                                    <p:set>
-                                      <p:cBhvr>
-                                        <p:cTn id="16" dur="1" fill="hold">
-                                          <p:stCondLst>
-                                            <p:cond delay="0"/>
-                                          </p:stCondLst>
-                                        </p:cTn>
-                                        <p:tgtEl>
-                                          <p:spTgt spid="17"/>
-                                        </p:tgtEl>
-                                        <p:attrNameLst>
-                                          <p:attrName>style.visibility</p:attrName>
-                                        </p:attrNameLst>
-                                      </p:cBhvr>
-                                      <p:to>
-                                        <p:strVal val="visible"/>
-                                      </p:to>
-                                    </p:set>
-                                  </p:childTnLst>
-                                </p:cTn>
-                              </p:par>
-                              <p:par>
-                                <p:cTn id="17" presetID="1" presetClass="entr" presetSubtype="0" fill="hold" nodeType="withEffect">
-                                  <p:stCondLst>
-                                    <p:cond delay="0"/>
-                                  </p:stCondLst>
-                                  <p:childTnLst>
-                                    <p:set>
-                                      <p:cBhvr>
-                                        <p:cTn id="18" dur="1" fill="hold">
-                                          <p:stCondLst>
-                                            <p:cond delay="0"/>
-                                          </p:stCondLst>
-                                        </p:cTn>
-                                        <p:tgtEl>
-                                          <p:spTgt spid="16"/>
-                                        </p:tgtEl>
-                                        <p:attrNameLst>
-                                          <p:attrName>style.visibility</p:attrName>
-                                        </p:attrNameLst>
-                                      </p:cBhvr>
-                                      <p:to>
-                                        <p:strVal val="visible"/>
-                                      </p:to>
-                                    </p:set>
-                                  </p:childTnLst>
-                                </p:cTn>
-                              </p:par>
-                              <p:par>
-                                <p:cTn id="19" presetID="1" presetClass="entr" presetSubtype="0" fill="hold" nodeType="withEffect">
-                                  <p:stCondLst>
-                                    <p:cond delay="0"/>
-                                  </p:stCondLst>
-                                  <p:childTnLst>
-                                    <p:set>
-                                      <p:cBhvr>
-                                        <p:cTn id="20" dur="1" fill="hold">
-                                          <p:stCondLst>
-                                            <p:cond delay="0"/>
-                                          </p:stCondLst>
-                                        </p:cTn>
-                                        <p:tgtEl>
-                                          <p:spTgt spid="12"/>
-                                        </p:tgtEl>
-                                        <p:attrNameLst>
-                                          <p:attrName>style.visibility</p:attrName>
-                                        </p:attrNameLst>
-                                      </p:cBhvr>
-                                      <p:to>
-                                        <p:strVal val="visible"/>
-                                      </p:to>
-                                    </p:set>
-                                  </p:childTnLst>
-                                </p:cTn>
-                              </p:par>
-                            </p:childTnLst>
-                          </p:cTn>
-                        </p:par>
-                      </p:childTnLst>
-                    </p:cTn>
-                  </p:par>
-                </p:childTnLst>
-              </p:cTn>
-              <p:prevCondLst>
-                <p:cond evt="onPrev" delay="0">
-                  <p:tgtEl>
-                    <p:sldTgt/>
-                  </p:tgtEl>
-                </p:cond>
-              </p:prevCondLst>
-              <p:nextCondLst>
-                <p:cond evt="onNext" delay="0">
-                  <p:tgtEl>
-                    <p:sldTgt/>
-                  </p:tgtEl>
-                </p:cond>
-              </p:nextCondLst>
-            </p:seq>
-          </p:childTnLst>
-        </p:cTn>
-      </p:par>
-    </p:tnLst>
-    <p:bldLst>
-      <p:bldP spid="10" grpId="0" animBg="1"/>
-      <p:bldP spid="17" grpId="0" animBg="1"/>
-      <p:bldP spid="18" grpId="0"/>
-    </p:bldLst>
-  </p:timing>
-</p:sld>
-</file>
-
-<file path=ppt/slides/slide9.xml><?xml version="1.0" encoding="utf-8"?>
-<p:sld xmlns:a="http://schemas.openxmlformats.org/drawingml/2006/main" xmlns:r="http://schemas.openxmlformats.org/officeDocument/2006/relationships" xmlns:p="http://schemas.openxmlformats.org/presentationml/2006/main">
-  <p:cSld>
-    <p:spTree>
-      <p:nvGrpSpPr>
-        <p:cNvPr id="1" name=""/>
-        <p:cNvGrpSpPr/>
-        <p:nvPr/>
-      </p:nvGrpSpPr>
-      <p:grpSpPr>
-        <a:xfrm>
-          <a:off x="0" y="0"/>
-          <a:ext cx="0" cy="0"/>
-          <a:chOff x="0" y="0"/>
-          <a:chExt cx="0" cy="0"/>
-        </a:xfrm>
-      </p:grpSpPr>
-      <p:sp>
-        <p:nvSpPr>
-          <p:cNvPr id="9" name="Title 1">
-            <a:extLst>
-              <a:ext uri="{FF2B5EF4-FFF2-40B4-BE49-F238E27FC236}">
-                <a16:creationId xmlns:a16="http://schemas.microsoft.com/office/drawing/2014/main" id="{6810C9DC-E34D-376B-B27D-23C99C56A892}"/>
-              </a:ext>
-            </a:extLst>
-          </p:cNvPr>
-          <p:cNvSpPr>
-            <a:spLocks noGrp="1"/>
-          </p:cNvSpPr>
-          <p:nvPr/>
-        </p:nvSpPr>
-        <p:spPr>
-          <a:xfrm>
-            <a:off x="838200" y="183656"/>
-            <a:ext cx="10515600" cy="1325563"/>
-          </a:xfrm>
-          <a:prstGeom prst="rect">
-            <a:avLst/>
-          </a:prstGeom>
-        </p:spPr>
-        <p:txBody>
-          <a:bodyPr vert="horz" lIns="91440" tIns="45720" rIns="91440" bIns="45720" rtlCol="0" anchor="ctr">
-            <a:normAutofit/>
-          </a:bodyPr>
-          <a:lstStyle>
-            <a:lvl1pPr algn="l" defTabSz="914400" rtl="0" eaLnBrk="1" latinLnBrk="0" hangingPunct="1">
-              <a:lnSpc>
-                <a:spcPct val="90000"/>
-              </a:lnSpc>
-              <a:spcBef>
-                <a:spcPct val="0"/>
-              </a:spcBef>
-              <a:buNone/>
-              <a:defRPr sz="4400" kern="1200">
-                <a:solidFill>
-                  <a:schemeClr val="tx1"/>
-                </a:solidFill>
-                <a:latin typeface="+mj-lt"/>
-                <a:ea typeface="+mj-ea"/>
-                <a:cs typeface="+mj-cs"/>
-              </a:defRPr>
-            </a:lvl1pPr>
-          </a:lstStyle>
-          <a:p>
-            <a:pPr algn="ctr"/>
-            <a:r>
-              <a:rPr lang="en-US" dirty="0"/>
-              <a:t>Constraining A and alpha</a:t>
-            </a:r>
-          </a:p>
-        </p:txBody>
-      </p:sp>
-      <p:pic>
-        <p:nvPicPr>
-          <p:cNvPr id="29" name="Picture 28">
-            <a:extLst>
-              <a:ext uri="{FF2B5EF4-FFF2-40B4-BE49-F238E27FC236}">
-                <a16:creationId xmlns:a16="http://schemas.microsoft.com/office/drawing/2014/main" id="{EEA13AFD-0625-2942-1F5A-60A1B5E21580}"/>
-              </a:ext>
-            </a:extLst>
-          </p:cNvPr>
-          <p:cNvPicPr>
-            <a:picLocks noChangeAspect="1"/>
-          </p:cNvPicPr>
-          <p:nvPr/>
-        </p:nvPicPr>
-        <p:blipFill>
-          <a:blip r:embed="rId2"/>
-          <a:stretch>
-            <a:fillRect/>
-          </a:stretch>
-        </p:blipFill>
-        <p:spPr>
-          <a:xfrm>
-            <a:off x="533476" y="1907748"/>
-            <a:ext cx="3837631" cy="3837631"/>
-          </a:xfrm>
-          <a:prstGeom prst="rect">
-            <a:avLst/>
-          </a:prstGeom>
-        </p:spPr>
-      </p:pic>
-      <p:pic>
-        <p:nvPicPr>
-          <p:cNvPr id="31" name="Picture 30">
-            <a:extLst>
-              <a:ext uri="{FF2B5EF4-FFF2-40B4-BE49-F238E27FC236}">
-                <a16:creationId xmlns:a16="http://schemas.microsoft.com/office/drawing/2014/main" id="{E9AF9529-5A2D-480D-BF5D-100CE29E4D26}"/>
-              </a:ext>
-            </a:extLst>
-          </p:cNvPr>
-          <p:cNvPicPr>
-            <a:picLocks noChangeAspect="1"/>
-          </p:cNvPicPr>
-          <p:nvPr/>
-        </p:nvPicPr>
-        <p:blipFill>
-          <a:blip r:embed="rId3"/>
-          <a:stretch>
-            <a:fillRect/>
-          </a:stretch>
-        </p:blipFill>
-        <p:spPr>
-          <a:xfrm>
-            <a:off x="3832730" y="1901569"/>
-            <a:ext cx="3837631" cy="3837631"/>
-          </a:xfrm>
-          <a:prstGeom prst="rect">
-            <a:avLst/>
-          </a:prstGeom>
-        </p:spPr>
-      </p:pic>
-      <p:pic>
-        <p:nvPicPr>
-          <p:cNvPr id="33" name="Picture 32">
-            <a:extLst>
-              <a:ext uri="{FF2B5EF4-FFF2-40B4-BE49-F238E27FC236}">
-                <a16:creationId xmlns:a16="http://schemas.microsoft.com/office/drawing/2014/main" id="{E46DB9E1-E713-BB25-0284-62B3E903AB15}"/>
-              </a:ext>
-            </a:extLst>
-          </p:cNvPr>
-          <p:cNvPicPr>
-            <a:picLocks noChangeAspect="1"/>
-          </p:cNvPicPr>
-          <p:nvPr/>
-        </p:nvPicPr>
-        <p:blipFill>
-          <a:blip r:embed="rId4"/>
-          <a:stretch>
-            <a:fillRect/>
-          </a:stretch>
-        </p:blipFill>
-        <p:spPr>
-          <a:xfrm>
-            <a:off x="7131984" y="1901570"/>
-            <a:ext cx="3837631" cy="3837631"/>
-          </a:xfrm>
-          <a:prstGeom prst="rect">
-            <a:avLst/>
-          </a:prstGeom>
-        </p:spPr>
-      </p:pic>
-      <p:sp>
-        <p:nvSpPr>
-          <p:cNvPr id="34" name="TextBox 33">
-            <a:extLst>
-              <a:ext uri="{FF2B5EF4-FFF2-40B4-BE49-F238E27FC236}">
-                <a16:creationId xmlns:a16="http://schemas.microsoft.com/office/drawing/2014/main" id="{95A821C2-0056-FD04-08E4-F6D763696FD8}"/>
-              </a:ext>
-            </a:extLst>
-          </p:cNvPr>
-          <p:cNvSpPr txBox="1"/>
-          <p:nvPr/>
-        </p:nvSpPr>
-        <p:spPr>
-          <a:xfrm>
-            <a:off x="533476" y="1520728"/>
-            <a:ext cx="1343701" cy="369332"/>
-          </a:xfrm>
-          <a:prstGeom prst="rect">
-            <a:avLst/>
-          </a:prstGeom>
-          <a:noFill/>
-        </p:spPr>
-        <p:txBody>
-          <a:bodyPr wrap="none" rtlCol="0">
-            <a:spAutoFit/>
-          </a:bodyPr>
-          <a:lstStyle/>
-          <a:p>
-            <a:r>
-              <a:rPr lang="en-US" i="1" dirty="0"/>
-              <a:t>Energy bin 1</a:t>
-            </a:r>
-          </a:p>
-        </p:txBody>
-      </p:sp>
-      <p:sp>
-        <p:nvSpPr>
-          <p:cNvPr id="35" name="TextBox 34">
-            <a:extLst>
-              <a:ext uri="{FF2B5EF4-FFF2-40B4-BE49-F238E27FC236}">
-                <a16:creationId xmlns:a16="http://schemas.microsoft.com/office/drawing/2014/main" id="{99A5E30F-7002-224B-3540-5B62FD57361F}"/>
-              </a:ext>
-            </a:extLst>
-          </p:cNvPr>
-          <p:cNvSpPr txBox="1"/>
-          <p:nvPr/>
-        </p:nvSpPr>
-        <p:spPr>
-          <a:xfrm>
-            <a:off x="2090818" y="5554534"/>
-            <a:ext cx="1406145" cy="369332"/>
-          </a:xfrm>
-          <a:prstGeom prst="rect">
-            <a:avLst/>
-          </a:prstGeom>
-          <a:noFill/>
-        </p:spPr>
-        <p:txBody>
-          <a:bodyPr wrap="square" rtlCol="0">
-            <a:spAutoFit/>
-          </a:bodyPr>
-          <a:lstStyle/>
-          <a:p>
-            <a:r>
-              <a:rPr lang="en-US" dirty="0"/>
-              <a:t>alpha =  +2</a:t>
-            </a:r>
-          </a:p>
-        </p:txBody>
-      </p:sp>
-      <p:sp>
-        <p:nvSpPr>
-          <p:cNvPr id="36" name="TextBox 35">
-            <a:extLst>
-              <a:ext uri="{FF2B5EF4-FFF2-40B4-BE49-F238E27FC236}">
-                <a16:creationId xmlns:a16="http://schemas.microsoft.com/office/drawing/2014/main" id="{FAEFC7D5-734B-A38D-23F4-7E2E6A660DEA}"/>
-              </a:ext>
-            </a:extLst>
-          </p:cNvPr>
-          <p:cNvSpPr txBox="1"/>
-          <p:nvPr/>
-        </p:nvSpPr>
-        <p:spPr>
-          <a:xfrm>
-            <a:off x="5390072" y="5554534"/>
-            <a:ext cx="1406145" cy="369332"/>
-          </a:xfrm>
-          <a:prstGeom prst="rect">
-            <a:avLst/>
-          </a:prstGeom>
-          <a:noFill/>
-        </p:spPr>
-        <p:txBody>
-          <a:bodyPr wrap="square" rtlCol="0">
-            <a:spAutoFit/>
-          </a:bodyPr>
-          <a:lstStyle/>
-          <a:p>
-            <a:r>
-              <a:rPr lang="en-US" dirty="0"/>
-              <a:t>alpha =  0</a:t>
-            </a:r>
-          </a:p>
-        </p:txBody>
-      </p:sp>
-      <p:sp>
-        <p:nvSpPr>
-          <p:cNvPr id="37" name="TextBox 36">
-            <a:extLst>
-              <a:ext uri="{FF2B5EF4-FFF2-40B4-BE49-F238E27FC236}">
-                <a16:creationId xmlns:a16="http://schemas.microsoft.com/office/drawing/2014/main" id="{82326FE6-FAD9-322F-86B5-8C7AC1E67937}"/>
-              </a:ext>
-            </a:extLst>
-          </p:cNvPr>
-          <p:cNvSpPr txBox="1"/>
-          <p:nvPr/>
-        </p:nvSpPr>
-        <p:spPr>
-          <a:xfrm>
-            <a:off x="8689326" y="5554534"/>
-            <a:ext cx="1406145" cy="369332"/>
-          </a:xfrm>
-          <a:prstGeom prst="rect">
-            <a:avLst/>
-          </a:prstGeom>
-          <a:noFill/>
-        </p:spPr>
-        <p:txBody>
-          <a:bodyPr wrap="square" rtlCol="0">
-            <a:spAutoFit/>
-          </a:bodyPr>
-          <a:lstStyle/>
-          <a:p>
-            <a:r>
-              <a:rPr lang="en-US" dirty="0"/>
-              <a:t>alpha =  -2</a:t>
-            </a:r>
-          </a:p>
-        </p:txBody>
-      </p:sp>
-    </p:spTree>
-    <p:extLst>
-      <p:ext uri="{BB962C8B-B14F-4D97-AF65-F5344CB8AC3E}">
-        <p14:creationId xmlns:p14="http://schemas.microsoft.com/office/powerpoint/2010/main" val="1162840819"/>
-      </p:ext>
-    </p:extLst>
-  </p:cSld>
-  <p:clrMapOvr>
-    <a:masterClrMapping/>
-  </p:clrMapOvr>
 </p:sld>
 </file>
 

--- a/Nuxcorr_slides.pptx
+++ b/Nuxcorr_slides.pptx
@@ -23,9 +23,9 @@
     <p:sldId id="267" r:id="rId17"/>
     <p:sldId id="275" r:id="rId18"/>
     <p:sldId id="269" r:id="rId19"/>
-    <p:sldId id="270" r:id="rId20"/>
-    <p:sldId id="274" r:id="rId21"/>
-    <p:sldId id="272" r:id="rId22"/>
+    <p:sldId id="272" r:id="rId20"/>
+    <p:sldId id="270" r:id="rId21"/>
+    <p:sldId id="274" r:id="rId22"/>
   </p:sldIdLst>
   <p:sldSz cx="12192000" cy="6858000"/>
   <p:notesSz cx="6858000" cy="9144000"/>
@@ -281,7 +281,7 @@
           <a:p>
             <a:fld id="{89BEC780-7FB0-064C-8FCE-5A7DA95073A3}" type="datetimeFigureOut">
               <a:rPr lang="en-US" smtClean="0"/>
-              <a:t>8/17/22</a:t>
+              <a:t>8/18/22</a:t>
             </a:fld>
             <a:endParaRPr lang="en-US"/>
           </a:p>
@@ -481,7 +481,7 @@
           <a:p>
             <a:fld id="{89BEC780-7FB0-064C-8FCE-5A7DA95073A3}" type="datetimeFigureOut">
               <a:rPr lang="en-US" smtClean="0"/>
-              <a:t>8/17/22</a:t>
+              <a:t>8/18/22</a:t>
             </a:fld>
             <a:endParaRPr lang="en-US"/>
           </a:p>
@@ -691,7 +691,7 @@
           <a:p>
             <a:fld id="{89BEC780-7FB0-064C-8FCE-5A7DA95073A3}" type="datetimeFigureOut">
               <a:rPr lang="en-US" smtClean="0"/>
-              <a:t>8/17/22</a:t>
+              <a:t>8/18/22</a:t>
             </a:fld>
             <a:endParaRPr lang="en-US"/>
           </a:p>
@@ -891,7 +891,7 @@
           <a:p>
             <a:fld id="{89BEC780-7FB0-064C-8FCE-5A7DA95073A3}" type="datetimeFigureOut">
               <a:rPr lang="en-US" smtClean="0"/>
-              <a:t>8/17/22</a:t>
+              <a:t>8/18/22</a:t>
             </a:fld>
             <a:endParaRPr lang="en-US"/>
           </a:p>
@@ -1167,7 +1167,7 @@
           <a:p>
             <a:fld id="{89BEC780-7FB0-064C-8FCE-5A7DA95073A3}" type="datetimeFigureOut">
               <a:rPr lang="en-US" smtClean="0"/>
-              <a:t>8/17/22</a:t>
+              <a:t>8/18/22</a:t>
             </a:fld>
             <a:endParaRPr lang="en-US"/>
           </a:p>
@@ -1435,7 +1435,7 @@
           <a:p>
             <a:fld id="{89BEC780-7FB0-064C-8FCE-5A7DA95073A3}" type="datetimeFigureOut">
               <a:rPr lang="en-US" smtClean="0"/>
-              <a:t>8/17/22</a:t>
+              <a:t>8/18/22</a:t>
             </a:fld>
             <a:endParaRPr lang="en-US"/>
           </a:p>
@@ -1850,7 +1850,7 @@
           <a:p>
             <a:fld id="{89BEC780-7FB0-064C-8FCE-5A7DA95073A3}" type="datetimeFigureOut">
               <a:rPr lang="en-US" smtClean="0"/>
-              <a:t>8/17/22</a:t>
+              <a:t>8/18/22</a:t>
             </a:fld>
             <a:endParaRPr lang="en-US"/>
           </a:p>
@@ -1992,7 +1992,7 @@
           <a:p>
             <a:fld id="{89BEC780-7FB0-064C-8FCE-5A7DA95073A3}" type="datetimeFigureOut">
               <a:rPr lang="en-US" smtClean="0"/>
-              <a:t>8/17/22</a:t>
+              <a:t>8/18/22</a:t>
             </a:fld>
             <a:endParaRPr lang="en-US"/>
           </a:p>
@@ -2105,7 +2105,7 @@
           <a:p>
             <a:fld id="{89BEC780-7FB0-064C-8FCE-5A7DA95073A3}" type="datetimeFigureOut">
               <a:rPr lang="en-US" smtClean="0"/>
-              <a:t>8/17/22</a:t>
+              <a:t>8/18/22</a:t>
             </a:fld>
             <a:endParaRPr lang="en-US"/>
           </a:p>
@@ -2418,7 +2418,7 @@
           <a:p>
             <a:fld id="{89BEC780-7FB0-064C-8FCE-5A7DA95073A3}" type="datetimeFigureOut">
               <a:rPr lang="en-US" smtClean="0"/>
-              <a:t>8/17/22</a:t>
+              <a:t>8/18/22</a:t>
             </a:fld>
             <a:endParaRPr lang="en-US"/>
           </a:p>
@@ -2707,7 +2707,7 @@
           <a:p>
             <a:fld id="{89BEC780-7FB0-064C-8FCE-5A7DA95073A3}" type="datetimeFigureOut">
               <a:rPr lang="en-US" smtClean="0"/>
-              <a:t>8/17/22</a:t>
+              <a:t>8/18/22</a:t>
             </a:fld>
             <a:endParaRPr lang="en-US"/>
           </a:p>
@@ -2956,7 +2956,7 @@
           <a:p>
             <a:fld id="{89BEC780-7FB0-064C-8FCE-5A7DA95073A3}" type="datetimeFigureOut">
               <a:rPr lang="en-US" smtClean="0"/>
-              <a:t>8/17/22</a:t>
+              <a:t>8/18/22</a:t>
             </a:fld>
             <a:endParaRPr lang="en-US"/>
           </a:p>
@@ -6177,13 +6177,13 @@
           <a:p>
             <a:r>
               <a:rPr lang="en-US" dirty="0"/>
-              <a:t>No significant detection of correlation with galaxies</a:t>
+              <a:t>Present constraints on     and</a:t>
             </a:r>
           </a:p>
           <a:p>
             <a:r>
               <a:rPr lang="en-US" dirty="0"/>
-              <a:t>Present constraints on     and</a:t>
+              <a:t>Can be used to constrain future models of neutrino emissivity</a:t>
             </a:r>
           </a:p>
         </p:txBody>
@@ -6209,7 +6209,7 @@
         </p:blipFill>
         <p:spPr>
           <a:xfrm>
-            <a:off x="4461859" y="2784644"/>
+            <a:off x="4451585" y="2260662"/>
             <a:ext cx="311347" cy="529046"/>
           </a:xfrm>
           <a:prstGeom prst="rect">
@@ -6238,7 +6238,7 @@
         </p:blipFill>
         <p:spPr>
           <a:xfrm>
-            <a:off x="5339477" y="2661897"/>
+            <a:off x="5329203" y="2137915"/>
             <a:ext cx="540279" cy="774540"/>
           </a:xfrm>
           <a:prstGeom prst="rect">
@@ -6356,64 +6356,15 @@
                                   </p:childTnLst>
                                 </p:cTn>
                               </p:par>
-                            </p:childTnLst>
-                          </p:cTn>
-                        </p:par>
-                      </p:childTnLst>
-                    </p:cTn>
-                  </p:par>
-                  <p:par>
-                    <p:cTn id="11" fill="hold">
-                      <p:stCondLst>
-                        <p:cond delay="indefinite"/>
-                      </p:stCondLst>
-                      <p:childTnLst>
-                        <p:par>
-                          <p:cTn id="12" fill="hold">
-                            <p:stCondLst>
-                              <p:cond delay="0"/>
-                            </p:stCondLst>
-                            <p:childTnLst>
                               <p:par>
-                                <p:cTn id="13" presetID="1" presetClass="entr" presetSubtype="0" fill="hold" nodeType="clickEffect">
+                                <p:cTn id="11" presetID="1" presetClass="entr" presetSubtype="0" fill="hold" nodeType="withEffect">
                                   <p:stCondLst>
                                     <p:cond delay="0"/>
                                   </p:stCondLst>
                                   <p:childTnLst>
                                     <p:set>
                                       <p:cBhvr>
-                                        <p:cTn id="14" dur="1" fill="hold">
-                                          <p:stCondLst>
-                                            <p:cond delay="0"/>
-                                          </p:stCondLst>
-                                        </p:cTn>
-                                        <p:tgtEl>
-                                          <p:spTgt spid="3">
-                                            <p:txEl>
-                                              <p:pRg st="2" end="2"/>
-                                            </p:txEl>
-                                          </p:spTgt>
-                                        </p:tgtEl>
-                                        <p:attrNameLst>
-                                          <p:attrName>style.visibility</p:attrName>
-                                        </p:attrNameLst>
-                                      </p:cBhvr>
-                                      <p:to>
-                                        <p:strVal val="visible"/>
-                                      </p:to>
-                                    </p:set>
-                                  </p:childTnLst>
-                                </p:cTn>
-                              </p:par>
-                              <p:par>
-                                <p:cTn id="15" presetID="1" presetClass="entr" presetSubtype="0" fill="hold" nodeType="withEffect">
-                                  <p:stCondLst>
-                                    <p:cond delay="0"/>
-                                  </p:stCondLst>
-                                  <p:childTnLst>
-                                    <p:set>
-                                      <p:cBhvr>
-                                        <p:cTn id="16" dur="1" fill="hold">
+                                        <p:cTn id="12" dur="1" fill="hold">
                                           <p:stCondLst>
                                             <p:cond delay="0"/>
                                           </p:stCondLst>
@@ -6433,7 +6384,52 @@
                                 </p:cTn>
                               </p:par>
                               <p:par>
-                                <p:cTn id="17" presetID="1" presetClass="entr" presetSubtype="0" fill="hold" nodeType="withEffect">
+                                <p:cTn id="13" presetID="1" presetClass="entr" presetSubtype="0" fill="hold" nodeType="withEffect">
+                                  <p:stCondLst>
+                                    <p:cond delay="0"/>
+                                  </p:stCondLst>
+                                  <p:childTnLst>
+                                    <p:set>
+                                      <p:cBhvr>
+                                        <p:cTn id="14" dur="1" fill="hold">
+                                          <p:stCondLst>
+                                            <p:cond delay="0"/>
+                                          </p:stCondLst>
+                                        </p:cTn>
+                                        <p:tgtEl>
+                                          <p:spTgt spid="5"/>
+                                        </p:tgtEl>
+                                        <p:attrNameLst>
+                                          <p:attrName>style.visibility</p:attrName>
+                                        </p:attrNameLst>
+                                      </p:cBhvr>
+                                      <p:to>
+                                        <p:strVal val="visible"/>
+                                      </p:to>
+                                    </p:set>
+                                  </p:childTnLst>
+                                </p:cTn>
+                              </p:par>
+                            </p:childTnLst>
+                          </p:cTn>
+                        </p:par>
+                      </p:childTnLst>
+                    </p:cTn>
+                  </p:par>
+                  <p:par>
+                    <p:cTn id="15" fill="hold">
+                      <p:stCondLst>
+                        <p:cond delay="indefinite"/>
+                      </p:stCondLst>
+                      <p:childTnLst>
+                        <p:par>
+                          <p:cTn id="16" fill="hold">
+                            <p:stCondLst>
+                              <p:cond delay="0"/>
+                            </p:stCondLst>
+                            <p:childTnLst>
+                              <p:par>
+                                <p:cTn id="17" presetID="1" presetClass="entr" presetSubtype="0" fill="hold" nodeType="clickEffect">
                                   <p:stCondLst>
                                     <p:cond delay="0"/>
                                   </p:stCondLst>
@@ -6446,7 +6442,11 @@
                                           </p:stCondLst>
                                         </p:cTn>
                                         <p:tgtEl>
-                                          <p:spTgt spid="5"/>
+                                          <p:spTgt spid="3">
+                                            <p:txEl>
+                                              <p:pRg st="2" end="2"/>
+                                            </p:txEl>
+                                          </p:spTgt>
                                         </p:tgtEl>
                                         <p:attrNameLst>
                                           <p:attrName>style.visibility</p:attrName>
@@ -6576,7 +6576,7 @@
           <p:cNvPr id="2" name="Title 1">
             <a:extLst>
               <a:ext uri="{FF2B5EF4-FFF2-40B4-BE49-F238E27FC236}">
-                <a16:creationId xmlns:a16="http://schemas.microsoft.com/office/drawing/2014/main" id="{01916DF5-4B90-E4BC-8988-9E578BF0004E}"/>
+                <a16:creationId xmlns:a16="http://schemas.microsoft.com/office/drawing/2014/main" id="{E1DAF982-9CB3-CB75-169D-9229DB81E3CB}"/>
               </a:ext>
             </a:extLst>
           </p:cNvPr>
@@ -6595,7 +6595,7 @@
             <a:pPr algn="ctr"/>
             <a:r>
               <a:rPr lang="en-US" dirty="0"/>
-              <a:t>Removing First Data Point</a:t>
+              <a:t>Number Density Rate Constraints</a:t>
             </a:r>
           </a:p>
         </p:txBody>
@@ -6605,34 +6605,33 @@
           <p:cNvPr id="4" name="Content Placeholder 3">
             <a:extLst>
               <a:ext uri="{FF2B5EF4-FFF2-40B4-BE49-F238E27FC236}">
-                <a16:creationId xmlns:a16="http://schemas.microsoft.com/office/drawing/2014/main" id="{8143BFAD-89D0-7132-82E2-57FE75942EEB}"/>
+                <a16:creationId xmlns:a16="http://schemas.microsoft.com/office/drawing/2014/main" id="{CC24E834-E8BE-36A5-08A1-3172F1097F6F}"/>
               </a:ext>
             </a:extLst>
           </p:cNvPr>
           <p:cNvPicPr>
-            <a:picLocks noChangeAspect="1"/>
+            <a:picLocks noGrp="1" noChangeAspect="1"/>
           </p:cNvPicPr>
-          <p:nvPr/>
+          <p:nvPr>
+            <p:ph idx="1"/>
+          </p:nvPr>
         </p:nvPicPr>
         <p:blipFill>
           <a:blip r:embed="rId2"/>
-          <a:srcRect l="100" r="100"/>
+          <a:srcRect/>
           <a:stretch/>
         </p:blipFill>
         <p:spPr>
           <a:xfrm>
-            <a:off x="2678774" y="1477916"/>
-            <a:ext cx="6834451" cy="5137971"/>
-          </a:xfrm>
-          <a:prstGeom prst="rect">
-            <a:avLst/>
-          </a:prstGeom>
+            <a:off x="2679538" y="1445908"/>
+            <a:ext cx="6832921" cy="5122219"/>
+          </a:xfrm>
         </p:spPr>
       </p:pic>
     </p:spTree>
     <p:extLst>
       <p:ext uri="{BB962C8B-B14F-4D97-AF65-F5344CB8AC3E}">
-        <p14:creationId xmlns:p14="http://schemas.microsoft.com/office/powerpoint/2010/main" val="59665152"/>
+        <p14:creationId xmlns:p14="http://schemas.microsoft.com/office/powerpoint/2010/main" val="1963606606"/>
       </p:ext>
     </p:extLst>
   </p:cSld>
@@ -7257,8 +7256,8 @@
         </p:blipFill>
         <p:spPr>
           <a:xfrm>
-            <a:off x="2693480" y="1377015"/>
-            <a:ext cx="6805039" cy="5115860"/>
+            <a:off x="2678774" y="1477916"/>
+            <a:ext cx="6834451" cy="5137971"/>
           </a:xfrm>
           <a:prstGeom prst="rect">
             <a:avLst/>
@@ -7268,7 +7267,7 @@
     </p:spTree>
     <p:extLst>
       <p:ext uri="{BB962C8B-B14F-4D97-AF65-F5344CB8AC3E}">
-        <p14:creationId xmlns:p14="http://schemas.microsoft.com/office/powerpoint/2010/main" val="3558610505"/>
+        <p14:creationId xmlns:p14="http://schemas.microsoft.com/office/powerpoint/2010/main" val="59665152"/>
       </p:ext>
     </p:extLst>
   </p:cSld>
@@ -7300,7 +7299,7 @@
           <p:cNvPr id="2" name="Title 1">
             <a:extLst>
               <a:ext uri="{FF2B5EF4-FFF2-40B4-BE49-F238E27FC236}">
-                <a16:creationId xmlns:a16="http://schemas.microsoft.com/office/drawing/2014/main" id="{E1DAF982-9CB3-CB75-169D-9229DB81E3CB}"/>
+                <a16:creationId xmlns:a16="http://schemas.microsoft.com/office/drawing/2014/main" id="{01916DF5-4B90-E4BC-8988-9E578BF0004E}"/>
               </a:ext>
             </a:extLst>
           </p:cNvPr>
@@ -7319,7 +7318,7 @@
             <a:pPr algn="ctr"/>
             <a:r>
               <a:rPr lang="en-US" dirty="0"/>
-              <a:t>Number Density Rate Constraints</a:t>
+              <a:t>Removing First Data Point</a:t>
             </a:r>
           </a:p>
         </p:txBody>
@@ -7329,33 +7328,34 @@
           <p:cNvPr id="4" name="Content Placeholder 3">
             <a:extLst>
               <a:ext uri="{FF2B5EF4-FFF2-40B4-BE49-F238E27FC236}">
-                <a16:creationId xmlns:a16="http://schemas.microsoft.com/office/drawing/2014/main" id="{CC24E834-E8BE-36A5-08A1-3172F1097F6F}"/>
+                <a16:creationId xmlns:a16="http://schemas.microsoft.com/office/drawing/2014/main" id="{8143BFAD-89D0-7132-82E2-57FE75942EEB}"/>
               </a:ext>
             </a:extLst>
           </p:cNvPr>
           <p:cNvPicPr>
-            <a:picLocks noGrp="1" noChangeAspect="1"/>
+            <a:picLocks noChangeAspect="1"/>
           </p:cNvPicPr>
-          <p:nvPr>
-            <p:ph idx="1"/>
-          </p:nvPr>
+          <p:nvPr/>
         </p:nvPicPr>
         <p:blipFill>
           <a:blip r:embed="rId2"/>
-          <a:srcRect/>
+          <a:srcRect l="100" r="100"/>
           <a:stretch/>
         </p:blipFill>
         <p:spPr>
           <a:xfrm>
-            <a:off x="2679538" y="1445908"/>
-            <a:ext cx="6832921" cy="5122219"/>
-          </a:xfrm>
+            <a:off x="2693480" y="1377015"/>
+            <a:ext cx="6805039" cy="5115860"/>
+          </a:xfrm>
+          <a:prstGeom prst="rect">
+            <a:avLst/>
+          </a:prstGeom>
         </p:spPr>
       </p:pic>
     </p:spTree>
     <p:extLst>
       <p:ext uri="{BB962C8B-B14F-4D97-AF65-F5344CB8AC3E}">
-        <p14:creationId xmlns:p14="http://schemas.microsoft.com/office/powerpoint/2010/main" val="1963606606"/>
+        <p14:creationId xmlns:p14="http://schemas.microsoft.com/office/powerpoint/2010/main" val="3558610505"/>
       </p:ext>
     </p:extLst>
   </p:cSld>
@@ -11941,4 +11941,24 @@
     </a:ext>
   </a:extLst>
 </a:theme>
+</file>
+
+<file path=ppt/webextensions/taskpanes.xml><?xml version="1.0" encoding="utf-8"?>
+<wetp:taskpanes xmlns:wetp="http://schemas.microsoft.com/office/webextensions/taskpanes/2010/11">
+  <wetp:taskpane dockstate="right" visibility="0" width="350" row="0">
+    <wetp:webextensionref xmlns:r="http://schemas.openxmlformats.org/officeDocument/2006/relationships" r:id="rId1"/>
+  </wetp:taskpane>
+</wetp:taskpanes>
+</file>
+
+<file path=ppt/webextensions/webextension1.xml><?xml version="1.0" encoding="utf-8"?>
+<we:webextension xmlns:we="http://schemas.microsoft.com/office/webextensions/webextension/2010/11" id="{3FB7CBAB-46C7-5441-89A1-9EAF2FB51706}">
+  <we:reference id="4567b711-9f2d-454d-b0d0-74708a29b461" version="1.0.0.0" store="EXCatalog" storeType="EXCatalog"/>
+  <we:alternateReferences>
+    <we:reference id="WA200001313" version="1.0.0.0" store="en-GB" storeType="OMEX"/>
+  </we:alternateReferences>
+  <we:properties/>
+  <we:bindings/>
+  <we:snapshot xmlns:r="http://schemas.openxmlformats.org/officeDocument/2006/relationships"/>
+</we:webextension>
 </file>